--- a/pics/2022-01-11-LTI_system/pics.pptx
+++ b/pics/2022-01-11-LTI_system/pics.pptx
@@ -6,6 +6,8 @@
   </p:sldMasterIdLst>
   <p:sldIdLst>
     <p:sldId id="256" r:id="rId2"/>
+    <p:sldId id="257" r:id="rId3"/>
+    <p:sldId id="258" r:id="rId4"/>
   </p:sldIdLst>
   <p:sldSz cx="9144000" cy="6858000" type="screen4x3"/>
   <p:notesSz cx="6858000" cy="9144000"/>
@@ -3035,8 +3037,8 @@
           <a:chExt cx="0" cy="0"/>
         </a:xfrm>
       </p:grpSpPr>
-      <mc:AlternateContent xmlns:mc="http://schemas.openxmlformats.org/markup-compatibility/2006">
-        <mc:Choice xmlns:a14="http://schemas.microsoft.com/office/drawing/2010/main" Requires="a14">
+      <mc:AlternateContent xmlns:mc="http://schemas.openxmlformats.org/markup-compatibility/2006" xmlns:a14="http://schemas.microsoft.com/office/drawing/2010/main">
+        <mc:Choice Requires="a14">
           <p:sp>
             <p:nvSpPr>
               <p:cNvPr id="4" name="TextBox 3"/>
@@ -3059,6 +3061,7 @@
               </a:bodyPr>
               <a:lstStyle/>
               <a:p>
+                <a:pPr/>
                 <a14:m>
                   <m:oMathPara xmlns:m="http://schemas.openxmlformats.org/officeDocument/2006/math">
                     <m:oMathParaPr>
@@ -3258,6 +3261,7 @@
                 <a:endParaRPr lang="en-US" altLang="ko-KR" b="0" dirty="0" smtClean="0"/>
               </a:p>
               <a:p>
+                <a:pPr/>
                 <a14:m>
                   <m:oMathPara xmlns:m="http://schemas.openxmlformats.org/officeDocument/2006/math">
                     <m:oMathParaPr>
@@ -3457,6 +3461,7 @@
                 <a:endParaRPr lang="en-US" altLang="ko-KR" dirty="0"/>
               </a:p>
               <a:p>
+                <a:pPr/>
                 <a14:m>
                   <m:oMathPara xmlns:m="http://schemas.openxmlformats.org/officeDocument/2006/math">
                     <m:oMathParaPr>
@@ -3477,7 +3482,7 @@
             </p:txBody>
           </p:sp>
         </mc:Choice>
-        <mc:Fallback>
+        <mc:Fallback xmlns="">
           <p:sp>
             <p:nvSpPr>
               <p:cNvPr id="4" name="TextBox 3"/>
@@ -3672,8 +3677,8 @@
           </a:p>
         </p:txBody>
       </p:sp>
-      <mc:AlternateContent xmlns:mc="http://schemas.openxmlformats.org/markup-compatibility/2006">
-        <mc:Choice xmlns:a14="http://schemas.microsoft.com/office/drawing/2010/main" Requires="a14">
+      <mc:AlternateContent xmlns:mc="http://schemas.openxmlformats.org/markup-compatibility/2006" xmlns:a14="http://schemas.microsoft.com/office/drawing/2010/main">
+        <mc:Choice Requires="a14">
           <p:sp>
             <p:nvSpPr>
               <p:cNvPr id="9" name="직사각형 8"/>
@@ -3695,6 +3700,7 @@
               </a:bodyPr>
               <a:lstStyle/>
               <a:p>
+                <a:pPr/>
                 <a14:m>
                   <m:oMathPara xmlns:m="http://schemas.openxmlformats.org/officeDocument/2006/math">
                     <m:oMathParaPr>
@@ -3740,7 +3746,7 @@
             </p:txBody>
           </p:sp>
         </mc:Choice>
-        <mc:Fallback>
+        <mc:Fallback xmlns="">
           <p:sp>
             <p:nvSpPr>
               <p:cNvPr id="9" name="직사각형 8"/>
@@ -3830,6 +3836,4672 @@
     <p:extLst>
       <p:ext uri="{BB962C8B-B14F-4D97-AF65-F5344CB8AC3E}">
         <p14:creationId xmlns:p14="http://schemas.microsoft.com/office/powerpoint/2010/main" val="2161337050"/>
+      </p:ext>
+    </p:extLst>
+  </p:cSld>
+  <p:clrMapOvr>
+    <a:masterClrMapping/>
+  </p:clrMapOvr>
+</p:sld>
+</file>
+
+<file path=ppt/slides/slide2.xml><?xml version="1.0" encoding="utf-8"?>
+<p:sld xmlns:a="http://schemas.openxmlformats.org/drawingml/2006/main" xmlns:r="http://schemas.openxmlformats.org/officeDocument/2006/relationships" xmlns:p="http://schemas.openxmlformats.org/presentationml/2006/main">
+  <p:cSld>
+    <p:spTree>
+      <p:nvGrpSpPr>
+        <p:cNvPr id="1" name=""/>
+        <p:cNvGrpSpPr/>
+        <p:nvPr/>
+      </p:nvGrpSpPr>
+      <p:grpSpPr>
+        <a:xfrm>
+          <a:off x="0" y="0"/>
+          <a:ext cx="0" cy="0"/>
+          <a:chOff x="0" y="0"/>
+          <a:chExt cx="0" cy="0"/>
+        </a:xfrm>
+      </p:grpSpPr>
+      <p:sp>
+        <p:nvSpPr>
+          <p:cNvPr id="4" name="직사각형 3"/>
+          <p:cNvSpPr/>
+          <p:nvPr/>
+        </p:nvSpPr>
+        <p:spPr>
+          <a:xfrm>
+            <a:off x="2393184" y="1198984"/>
+            <a:ext cx="1224136" cy="914400"/>
+          </a:xfrm>
+          <a:prstGeom prst="rect">
+            <a:avLst/>
+          </a:prstGeom>
+          <a:solidFill>
+            <a:schemeClr val="bg1"/>
+          </a:solidFill>
+          <a:ln>
+            <a:solidFill>
+              <a:schemeClr val="tx1"/>
+            </a:solidFill>
+          </a:ln>
+        </p:spPr>
+        <p:style>
+          <a:lnRef idx="2">
+            <a:schemeClr val="accent1">
+              <a:shade val="50000"/>
+            </a:schemeClr>
+          </a:lnRef>
+          <a:fillRef idx="1">
+            <a:schemeClr val="accent1"/>
+          </a:fillRef>
+          <a:effectRef idx="0">
+            <a:schemeClr val="accent1"/>
+          </a:effectRef>
+          <a:fontRef idx="minor">
+            <a:schemeClr val="lt1"/>
+          </a:fontRef>
+        </p:style>
+        <p:txBody>
+          <a:bodyPr rtlCol="0" anchor="ctr"/>
+          <a:lstStyle/>
+          <a:p>
+            <a:pPr algn="ctr"/>
+            <a:endParaRPr lang="ko-KR" altLang="en-US" dirty="0"/>
+          </a:p>
+        </p:txBody>
+      </p:sp>
+      <mc:AlternateContent xmlns:mc="http://schemas.openxmlformats.org/markup-compatibility/2006">
+        <mc:Choice xmlns:a14="http://schemas.microsoft.com/office/drawing/2010/main" Requires="a14">
+          <p:sp>
+            <p:nvSpPr>
+              <p:cNvPr id="5" name="직사각형 4"/>
+              <p:cNvSpPr/>
+              <p:nvPr/>
+            </p:nvSpPr>
+            <p:spPr>
+              <a:xfrm>
+                <a:off x="2510324" y="1333019"/>
+                <a:ext cx="989856" cy="646331"/>
+              </a:xfrm>
+              <a:prstGeom prst="rect">
+                <a:avLst/>
+              </a:prstGeom>
+            </p:spPr>
+            <p:txBody>
+              <a:bodyPr wrap="square">
+                <a:spAutoFit/>
+              </a:bodyPr>
+              <a:lstStyle/>
+              <a:p>
+                <a:pPr algn="ctr"/>
+                <a:r>
+                  <a:rPr lang="en-US" altLang="ko-KR" dirty="0" smtClean="0">
+                    <a:solidFill>
+                      <a:srgbClr val="FF0000"/>
+                    </a:solidFill>
+                    <a:latin typeface="마루 부리 Beta" pitchFamily="50" charset="-127"/>
+                    <a:ea typeface="마루 부리 Beta" pitchFamily="50" charset="-127"/>
+                  </a:rPr>
+                  <a:t>Delay by </a:t>
+                </a:r>
+                <a14:m>
+                  <m:oMath xmlns:m="http://schemas.openxmlformats.org/officeDocument/2006/math">
+                    <m:sSub>
+                      <m:sSubPr>
+                        <m:ctrlPr>
+                          <a:rPr lang="en-US" altLang="ko-KR" b="0" i="1" smtClean="0">
+                            <a:solidFill>
+                              <a:srgbClr val="FF0000"/>
+                            </a:solidFill>
+                            <a:latin typeface="Cambria Math"/>
+                            <a:ea typeface="마루 부리 Beta" pitchFamily="50" charset="-127"/>
+                          </a:rPr>
+                        </m:ctrlPr>
+                      </m:sSubPr>
+                      <m:e>
+                        <m:r>
+                          <a:rPr lang="en-US" altLang="ko-KR" b="0" i="1" smtClean="0">
+                            <a:solidFill>
+                              <a:srgbClr val="FF0000"/>
+                            </a:solidFill>
+                            <a:latin typeface="Cambria Math"/>
+                            <a:ea typeface="마루 부리 Beta" pitchFamily="50" charset="-127"/>
+                          </a:rPr>
+                          <m:t>𝑛</m:t>
+                        </m:r>
+                      </m:e>
+                      <m:sub>
+                        <m:r>
+                          <a:rPr lang="en-US" altLang="ko-KR" b="0" i="1" smtClean="0">
+                            <a:solidFill>
+                              <a:srgbClr val="FF0000"/>
+                            </a:solidFill>
+                            <a:latin typeface="Cambria Math"/>
+                            <a:ea typeface="마루 부리 Beta" pitchFamily="50" charset="-127"/>
+                          </a:rPr>
+                          <m:t>0</m:t>
+                        </m:r>
+                      </m:sub>
+                    </m:sSub>
+                  </m:oMath>
+                </a14:m>
+                <a:endParaRPr lang="en-US" altLang="ko-KR" dirty="0">
+                  <a:solidFill>
+                    <a:srgbClr val="FF0000"/>
+                  </a:solidFill>
+                  <a:latin typeface="마루 부리 Beta" pitchFamily="50" charset="-127"/>
+                  <a:ea typeface="마루 부리 Beta" pitchFamily="50" charset="-127"/>
+                </a:endParaRPr>
+              </a:p>
+            </p:txBody>
+          </p:sp>
+        </mc:Choice>
+        <mc:Fallback>
+          <p:sp>
+            <p:nvSpPr>
+              <p:cNvPr id="5" name="직사각형 4"/>
+              <p:cNvSpPr>
+                <a:spLocks noRot="1" noChangeAspect="1" noMove="1" noResize="1" noEditPoints="1" noAdjustHandles="1" noChangeArrowheads="1" noChangeShapeType="1" noTextEdit="1"/>
+              </p:cNvSpPr>
+              <p:nvPr/>
+            </p:nvSpPr>
+            <p:spPr>
+              <a:xfrm>
+                <a:off x="2510324" y="1333019"/>
+                <a:ext cx="989856" cy="646331"/>
+              </a:xfrm>
+              <a:prstGeom prst="rect">
+                <a:avLst/>
+              </a:prstGeom>
+              <a:blipFill rotWithShape="1">
+                <a:blip r:embed="rId2"/>
+                <a:stretch>
+                  <a:fillRect t="-4717" b="-15094"/>
+                </a:stretch>
+              </a:blipFill>
+            </p:spPr>
+            <p:txBody>
+              <a:bodyPr/>
+              <a:lstStyle/>
+              <a:p>
+                <a:r>
+                  <a:rPr lang="ko-KR" altLang="en-US">
+                    <a:noFill/>
+                  </a:rPr>
+                  <a:t> </a:t>
+                </a:r>
+              </a:p>
+            </p:txBody>
+          </p:sp>
+        </mc:Fallback>
+      </mc:AlternateContent>
+      <p:cxnSp>
+        <p:nvCxnSpPr>
+          <p:cNvPr id="7" name="직선 화살표 연결선 6"/>
+          <p:cNvCxnSpPr>
+            <a:endCxn id="4" idx="1"/>
+          </p:cNvCxnSpPr>
+          <p:nvPr/>
+        </p:nvCxnSpPr>
+        <p:spPr>
+          <a:xfrm>
+            <a:off x="1025032" y="1656184"/>
+            <a:ext cx="1368152" cy="0"/>
+          </a:xfrm>
+          <a:prstGeom prst="straightConnector1">
+            <a:avLst/>
+          </a:prstGeom>
+          <a:ln w="19050">
+            <a:solidFill>
+              <a:schemeClr val="tx1"/>
+            </a:solidFill>
+            <a:tailEnd type="arrow"/>
+          </a:ln>
+        </p:spPr>
+        <p:style>
+          <a:lnRef idx="1">
+            <a:schemeClr val="accent1"/>
+          </a:lnRef>
+          <a:fillRef idx="0">
+            <a:schemeClr val="accent1"/>
+          </a:fillRef>
+          <a:effectRef idx="0">
+            <a:schemeClr val="accent1"/>
+          </a:effectRef>
+          <a:fontRef idx="minor">
+            <a:schemeClr val="tx1"/>
+          </a:fontRef>
+        </p:style>
+      </p:cxnSp>
+      <p:sp>
+        <p:nvSpPr>
+          <p:cNvPr id="8" name="직사각형 7"/>
+          <p:cNvSpPr/>
+          <p:nvPr/>
+        </p:nvSpPr>
+        <p:spPr>
+          <a:xfrm>
+            <a:off x="4985472" y="1198984"/>
+            <a:ext cx="1224136" cy="914400"/>
+          </a:xfrm>
+          <a:prstGeom prst="rect">
+            <a:avLst/>
+          </a:prstGeom>
+          <a:solidFill>
+            <a:schemeClr val="bg1"/>
+          </a:solidFill>
+          <a:ln>
+            <a:solidFill>
+              <a:schemeClr val="tx1"/>
+            </a:solidFill>
+          </a:ln>
+        </p:spPr>
+        <p:style>
+          <a:lnRef idx="2">
+            <a:schemeClr val="accent1">
+              <a:shade val="50000"/>
+            </a:schemeClr>
+          </a:lnRef>
+          <a:fillRef idx="1">
+            <a:schemeClr val="accent1"/>
+          </a:fillRef>
+          <a:effectRef idx="0">
+            <a:schemeClr val="accent1"/>
+          </a:effectRef>
+          <a:fontRef idx="minor">
+            <a:schemeClr val="lt1"/>
+          </a:fontRef>
+        </p:style>
+        <p:txBody>
+          <a:bodyPr rtlCol="0" anchor="ctr"/>
+          <a:lstStyle/>
+          <a:p>
+            <a:pPr algn="ctr"/>
+            <a:endParaRPr lang="ko-KR" altLang="en-US" dirty="0"/>
+          </a:p>
+        </p:txBody>
+      </p:sp>
+      <p:cxnSp>
+        <p:nvCxnSpPr>
+          <p:cNvPr id="9" name="직선 화살표 연결선 8"/>
+          <p:cNvCxnSpPr/>
+          <p:nvPr/>
+        </p:nvCxnSpPr>
+        <p:spPr>
+          <a:xfrm>
+            <a:off x="3617320" y="1656184"/>
+            <a:ext cx="1368152" cy="0"/>
+          </a:xfrm>
+          <a:prstGeom prst="straightConnector1">
+            <a:avLst/>
+          </a:prstGeom>
+          <a:ln w="19050">
+            <a:solidFill>
+              <a:schemeClr val="tx1"/>
+            </a:solidFill>
+            <a:tailEnd type="arrow"/>
+          </a:ln>
+        </p:spPr>
+        <p:style>
+          <a:lnRef idx="1">
+            <a:schemeClr val="accent1"/>
+          </a:lnRef>
+          <a:fillRef idx="0">
+            <a:schemeClr val="accent1"/>
+          </a:fillRef>
+          <a:effectRef idx="0">
+            <a:schemeClr val="accent1"/>
+          </a:effectRef>
+          <a:fontRef idx="minor">
+            <a:schemeClr val="tx1"/>
+          </a:fontRef>
+        </p:style>
+      </p:cxnSp>
+      <p:sp>
+        <p:nvSpPr>
+          <p:cNvPr id="10" name="직사각형 9"/>
+          <p:cNvSpPr/>
+          <p:nvPr/>
+        </p:nvSpPr>
+        <p:spPr>
+          <a:xfrm>
+            <a:off x="5102612" y="1471518"/>
+            <a:ext cx="989856" cy="369332"/>
+          </a:xfrm>
+          <a:prstGeom prst="rect">
+            <a:avLst/>
+          </a:prstGeom>
+        </p:spPr>
+        <p:txBody>
+          <a:bodyPr wrap="square">
+            <a:spAutoFit/>
+          </a:bodyPr>
+          <a:lstStyle/>
+          <a:p>
+            <a:pPr algn="ctr"/>
+            <a:r>
+              <a:rPr lang="en-US" altLang="ko-KR" dirty="0" smtClean="0">
+                <a:latin typeface="마루 부리 Beta" pitchFamily="50" charset="-127"/>
+                <a:ea typeface="마루 부리 Beta" pitchFamily="50" charset="-127"/>
+              </a:rPr>
+              <a:t>System</a:t>
+            </a:r>
+            <a:endParaRPr lang="en-US" altLang="ko-KR" dirty="0">
+              <a:latin typeface="마루 부리 Beta" pitchFamily="50" charset="-127"/>
+              <a:ea typeface="마루 부리 Beta" pitchFamily="50" charset="-127"/>
+            </a:endParaRPr>
+          </a:p>
+        </p:txBody>
+      </p:sp>
+      <mc:AlternateContent xmlns:mc="http://schemas.openxmlformats.org/markup-compatibility/2006">
+        <mc:Choice xmlns:a14="http://schemas.microsoft.com/office/drawing/2010/main" Requires="a14">
+          <p:sp>
+            <p:nvSpPr>
+              <p:cNvPr id="12" name="직사각형 11"/>
+              <p:cNvSpPr/>
+              <p:nvPr/>
+            </p:nvSpPr>
+            <p:spPr>
+              <a:xfrm>
+                <a:off x="3689328" y="1286852"/>
+                <a:ext cx="1197726" cy="369332"/>
+              </a:xfrm>
+              <a:prstGeom prst="rect">
+                <a:avLst/>
+              </a:prstGeom>
+            </p:spPr>
+            <p:txBody>
+              <a:bodyPr wrap="square">
+                <a:spAutoFit/>
+              </a:bodyPr>
+              <a:lstStyle/>
+              <a:p>
+                <a:pPr algn="ctr"/>
+                <a14:m>
+                  <m:oMathPara xmlns:m="http://schemas.openxmlformats.org/officeDocument/2006/math">
+                    <m:oMathParaPr>
+                      <m:jc m:val="center"/>
+                    </m:oMathParaPr>
+                    <m:oMath xmlns:m="http://schemas.openxmlformats.org/officeDocument/2006/math">
+                      <m:r>
+                        <a:rPr lang="en-US" altLang="ko-KR" b="0" i="1" dirty="0" smtClean="0">
+                          <a:latin typeface="Cambria Math"/>
+                          <a:ea typeface="마루 부리 Beta" pitchFamily="50" charset="-127"/>
+                        </a:rPr>
+                        <m:t>𝑥</m:t>
+                      </m:r>
+                      <m:r>
+                        <a:rPr lang="en-US" altLang="ko-KR" b="0" i="1" dirty="0" smtClean="0">
+                          <a:latin typeface="Cambria Math"/>
+                          <a:ea typeface="마루 부리 Beta" pitchFamily="50" charset="-127"/>
+                        </a:rPr>
+                        <m:t>[</m:t>
+                      </m:r>
+                      <m:r>
+                        <a:rPr lang="en-US" altLang="ko-KR" b="0" i="1" dirty="0" smtClean="0">
+                          <a:latin typeface="Cambria Math"/>
+                          <a:ea typeface="마루 부리 Beta" pitchFamily="50" charset="-127"/>
+                        </a:rPr>
+                        <m:t>𝑛</m:t>
+                      </m:r>
+                      <m:r>
+                        <a:rPr lang="en-US" altLang="ko-KR" b="0" i="1" dirty="0" smtClean="0">
+                          <a:latin typeface="Cambria Math"/>
+                          <a:ea typeface="마루 부리 Beta" pitchFamily="50" charset="-127"/>
+                        </a:rPr>
+                        <m:t>−</m:t>
+                      </m:r>
+                      <m:sSub>
+                        <m:sSubPr>
+                          <m:ctrlPr>
+                            <a:rPr lang="en-US" altLang="ko-KR" b="0" i="1" dirty="0" smtClean="0">
+                              <a:latin typeface="Cambria Math"/>
+                              <a:ea typeface="마루 부리 Beta" pitchFamily="50" charset="-127"/>
+                            </a:rPr>
+                          </m:ctrlPr>
+                        </m:sSubPr>
+                        <m:e>
+                          <m:r>
+                            <a:rPr lang="en-US" altLang="ko-KR" b="0" i="1" dirty="0" smtClean="0">
+                              <a:latin typeface="Cambria Math"/>
+                              <a:ea typeface="마루 부리 Beta" pitchFamily="50" charset="-127"/>
+                            </a:rPr>
+                            <m:t>𝑛</m:t>
+                          </m:r>
+                        </m:e>
+                        <m:sub>
+                          <m:r>
+                            <a:rPr lang="en-US" altLang="ko-KR" b="0" i="1" dirty="0" smtClean="0">
+                              <a:latin typeface="Cambria Math"/>
+                              <a:ea typeface="마루 부리 Beta" pitchFamily="50" charset="-127"/>
+                            </a:rPr>
+                            <m:t>0</m:t>
+                          </m:r>
+                        </m:sub>
+                      </m:sSub>
+                      <m:r>
+                        <a:rPr lang="en-US" altLang="ko-KR" b="0" i="1" dirty="0" smtClean="0">
+                          <a:latin typeface="Cambria Math"/>
+                          <a:ea typeface="마루 부리 Beta" pitchFamily="50" charset="-127"/>
+                        </a:rPr>
+                        <m:t>]</m:t>
+                      </m:r>
+                    </m:oMath>
+                  </m:oMathPara>
+                </a14:m>
+                <a:endParaRPr lang="en-US" altLang="ko-KR" dirty="0">
+                  <a:latin typeface="마루 부리 Beta" pitchFamily="50" charset="-127"/>
+                  <a:ea typeface="마루 부리 Beta" pitchFamily="50" charset="-127"/>
+                </a:endParaRPr>
+              </a:p>
+            </p:txBody>
+          </p:sp>
+        </mc:Choice>
+        <mc:Fallback>
+          <p:sp>
+            <p:nvSpPr>
+              <p:cNvPr id="12" name="직사각형 11"/>
+              <p:cNvSpPr>
+                <a:spLocks noRot="1" noChangeAspect="1" noMove="1" noResize="1" noEditPoints="1" noAdjustHandles="1" noChangeArrowheads="1" noChangeShapeType="1" noTextEdit="1"/>
+              </p:cNvSpPr>
+              <p:nvPr/>
+            </p:nvSpPr>
+            <p:spPr>
+              <a:xfrm>
+                <a:off x="3689328" y="1286852"/>
+                <a:ext cx="1197726" cy="369332"/>
+              </a:xfrm>
+              <a:prstGeom prst="rect">
+                <a:avLst/>
+              </a:prstGeom>
+              <a:blipFill rotWithShape="1">
+                <a:blip r:embed="rId3"/>
+                <a:stretch>
+                  <a:fillRect b="-14754"/>
+                </a:stretch>
+              </a:blipFill>
+            </p:spPr>
+            <p:txBody>
+              <a:bodyPr/>
+              <a:lstStyle/>
+              <a:p>
+                <a:r>
+                  <a:rPr lang="ko-KR" altLang="en-US">
+                    <a:noFill/>
+                  </a:rPr>
+                  <a:t> </a:t>
+                </a:r>
+              </a:p>
+            </p:txBody>
+          </p:sp>
+        </mc:Fallback>
+      </mc:AlternateContent>
+      <mc:AlternateContent xmlns:mc="http://schemas.openxmlformats.org/markup-compatibility/2006">
+        <mc:Choice xmlns:a14="http://schemas.microsoft.com/office/drawing/2010/main" Requires="a14">
+          <p:sp>
+            <p:nvSpPr>
+              <p:cNvPr id="13" name="직사각형 12"/>
+              <p:cNvSpPr/>
+              <p:nvPr/>
+            </p:nvSpPr>
+            <p:spPr>
+              <a:xfrm>
+                <a:off x="972858" y="1286852"/>
+                <a:ext cx="558748" cy="369332"/>
+              </a:xfrm>
+              <a:prstGeom prst="rect">
+                <a:avLst/>
+              </a:prstGeom>
+            </p:spPr>
+            <p:txBody>
+              <a:bodyPr wrap="square">
+                <a:spAutoFit/>
+              </a:bodyPr>
+              <a:lstStyle/>
+              <a:p>
+                <a:pPr algn="ctr"/>
+                <a14:m>
+                  <m:oMathPara xmlns:m="http://schemas.openxmlformats.org/officeDocument/2006/math">
+                    <m:oMathParaPr>
+                      <m:jc m:val="center"/>
+                    </m:oMathParaPr>
+                    <m:oMath xmlns:m="http://schemas.openxmlformats.org/officeDocument/2006/math">
+                      <m:r>
+                        <a:rPr lang="en-US" altLang="ko-KR" b="0" i="1" dirty="0" smtClean="0">
+                          <a:latin typeface="Cambria Math"/>
+                          <a:ea typeface="마루 부리 Beta" pitchFamily="50" charset="-127"/>
+                        </a:rPr>
+                        <m:t>𝑥</m:t>
+                      </m:r>
+                      <m:r>
+                        <a:rPr lang="en-US" altLang="ko-KR" b="0" i="1" dirty="0" smtClean="0">
+                          <a:latin typeface="Cambria Math"/>
+                          <a:ea typeface="마루 부리 Beta" pitchFamily="50" charset="-127"/>
+                        </a:rPr>
+                        <m:t>[</m:t>
+                      </m:r>
+                      <m:r>
+                        <a:rPr lang="en-US" altLang="ko-KR" b="0" i="1" dirty="0" smtClean="0">
+                          <a:latin typeface="Cambria Math"/>
+                          <a:ea typeface="마루 부리 Beta" pitchFamily="50" charset="-127"/>
+                        </a:rPr>
+                        <m:t>𝑛</m:t>
+                      </m:r>
+                      <m:r>
+                        <a:rPr lang="en-US" altLang="ko-KR" b="0" i="1" dirty="0" smtClean="0">
+                          <a:latin typeface="Cambria Math"/>
+                          <a:ea typeface="마루 부리 Beta" pitchFamily="50" charset="-127"/>
+                        </a:rPr>
+                        <m:t>]</m:t>
+                      </m:r>
+                    </m:oMath>
+                  </m:oMathPara>
+                </a14:m>
+                <a:endParaRPr lang="en-US" altLang="ko-KR" dirty="0">
+                  <a:latin typeface="마루 부리 Beta" pitchFamily="50" charset="-127"/>
+                  <a:ea typeface="마루 부리 Beta" pitchFamily="50" charset="-127"/>
+                </a:endParaRPr>
+              </a:p>
+            </p:txBody>
+          </p:sp>
+        </mc:Choice>
+        <mc:Fallback>
+          <p:sp>
+            <p:nvSpPr>
+              <p:cNvPr id="13" name="직사각형 12"/>
+              <p:cNvSpPr>
+                <a:spLocks noRot="1" noChangeAspect="1" noMove="1" noResize="1" noEditPoints="1" noAdjustHandles="1" noChangeArrowheads="1" noChangeShapeType="1" noTextEdit="1"/>
+              </p:cNvSpPr>
+              <p:nvPr/>
+            </p:nvSpPr>
+            <p:spPr>
+              <a:xfrm>
+                <a:off x="972858" y="1286852"/>
+                <a:ext cx="558748" cy="369332"/>
+              </a:xfrm>
+              <a:prstGeom prst="rect">
+                <a:avLst/>
+              </a:prstGeom>
+              <a:blipFill rotWithShape="1">
+                <a:blip r:embed="rId4"/>
+                <a:stretch>
+                  <a:fillRect l="-4396" r="-2198" b="-14754"/>
+                </a:stretch>
+              </a:blipFill>
+            </p:spPr>
+            <p:txBody>
+              <a:bodyPr/>
+              <a:lstStyle/>
+              <a:p>
+                <a:r>
+                  <a:rPr lang="ko-KR" altLang="en-US">
+                    <a:noFill/>
+                  </a:rPr>
+                  <a:t> </a:t>
+                </a:r>
+              </a:p>
+            </p:txBody>
+          </p:sp>
+        </mc:Fallback>
+      </mc:AlternateContent>
+      <p:cxnSp>
+        <p:nvCxnSpPr>
+          <p:cNvPr id="14" name="직선 화살표 연결선 13"/>
+          <p:cNvCxnSpPr/>
+          <p:nvPr/>
+        </p:nvCxnSpPr>
+        <p:spPr>
+          <a:xfrm>
+            <a:off x="1471221" y="3501008"/>
+            <a:ext cx="921963" cy="0"/>
+          </a:xfrm>
+          <a:prstGeom prst="straightConnector1">
+            <a:avLst/>
+          </a:prstGeom>
+          <a:ln w="19050">
+            <a:solidFill>
+              <a:schemeClr val="tx1"/>
+            </a:solidFill>
+            <a:tailEnd type="arrow"/>
+          </a:ln>
+        </p:spPr>
+        <p:style>
+          <a:lnRef idx="1">
+            <a:schemeClr val="accent1"/>
+          </a:lnRef>
+          <a:fillRef idx="0">
+            <a:schemeClr val="accent1"/>
+          </a:fillRef>
+          <a:effectRef idx="0">
+            <a:schemeClr val="accent1"/>
+          </a:effectRef>
+          <a:fontRef idx="minor">
+            <a:schemeClr val="tx1"/>
+          </a:fontRef>
+        </p:style>
+      </p:cxnSp>
+      <p:sp>
+        <p:nvSpPr>
+          <p:cNvPr id="15" name="직사각형 14"/>
+          <p:cNvSpPr/>
+          <p:nvPr/>
+        </p:nvSpPr>
+        <p:spPr>
+          <a:xfrm>
+            <a:off x="2393184" y="3043808"/>
+            <a:ext cx="1224136" cy="914400"/>
+          </a:xfrm>
+          <a:prstGeom prst="rect">
+            <a:avLst/>
+          </a:prstGeom>
+          <a:solidFill>
+            <a:schemeClr val="bg1"/>
+          </a:solidFill>
+          <a:ln>
+            <a:solidFill>
+              <a:schemeClr val="tx1"/>
+            </a:solidFill>
+          </a:ln>
+        </p:spPr>
+        <p:style>
+          <a:lnRef idx="2">
+            <a:schemeClr val="accent1">
+              <a:shade val="50000"/>
+            </a:schemeClr>
+          </a:lnRef>
+          <a:fillRef idx="1">
+            <a:schemeClr val="accent1"/>
+          </a:fillRef>
+          <a:effectRef idx="0">
+            <a:schemeClr val="accent1"/>
+          </a:effectRef>
+          <a:fontRef idx="minor">
+            <a:schemeClr val="lt1"/>
+          </a:fontRef>
+        </p:style>
+        <p:txBody>
+          <a:bodyPr rtlCol="0" anchor="ctr"/>
+          <a:lstStyle/>
+          <a:p>
+            <a:pPr algn="ctr"/>
+            <a:endParaRPr lang="ko-KR" altLang="en-US" dirty="0"/>
+          </a:p>
+        </p:txBody>
+      </p:sp>
+      <p:sp>
+        <p:nvSpPr>
+          <p:cNvPr id="16" name="직사각형 15"/>
+          <p:cNvSpPr/>
+          <p:nvPr/>
+        </p:nvSpPr>
+        <p:spPr>
+          <a:xfrm>
+            <a:off x="4985472" y="3043808"/>
+            <a:ext cx="1224136" cy="914400"/>
+          </a:xfrm>
+          <a:prstGeom prst="rect">
+            <a:avLst/>
+          </a:prstGeom>
+          <a:solidFill>
+            <a:schemeClr val="bg1"/>
+          </a:solidFill>
+          <a:ln>
+            <a:solidFill>
+              <a:schemeClr val="tx1"/>
+            </a:solidFill>
+          </a:ln>
+        </p:spPr>
+        <p:style>
+          <a:lnRef idx="2">
+            <a:schemeClr val="accent1">
+              <a:shade val="50000"/>
+            </a:schemeClr>
+          </a:lnRef>
+          <a:fillRef idx="1">
+            <a:schemeClr val="accent1"/>
+          </a:fillRef>
+          <a:effectRef idx="0">
+            <a:schemeClr val="accent1"/>
+          </a:effectRef>
+          <a:fontRef idx="minor">
+            <a:schemeClr val="lt1"/>
+          </a:fontRef>
+        </p:style>
+        <p:txBody>
+          <a:bodyPr rtlCol="0" anchor="ctr"/>
+          <a:lstStyle/>
+          <a:p>
+            <a:pPr algn="ctr"/>
+            <a:endParaRPr lang="ko-KR" altLang="en-US" dirty="0"/>
+          </a:p>
+        </p:txBody>
+      </p:sp>
+      <p:cxnSp>
+        <p:nvCxnSpPr>
+          <p:cNvPr id="17" name="직선 화살표 연결선 16"/>
+          <p:cNvCxnSpPr/>
+          <p:nvPr/>
+        </p:nvCxnSpPr>
+        <p:spPr>
+          <a:xfrm>
+            <a:off x="3617320" y="3501008"/>
+            <a:ext cx="1368152" cy="0"/>
+          </a:xfrm>
+          <a:prstGeom prst="straightConnector1">
+            <a:avLst/>
+          </a:prstGeom>
+          <a:ln w="19050">
+            <a:solidFill>
+              <a:schemeClr val="tx1"/>
+            </a:solidFill>
+            <a:tailEnd type="arrow"/>
+          </a:ln>
+        </p:spPr>
+        <p:style>
+          <a:lnRef idx="1">
+            <a:schemeClr val="accent1"/>
+          </a:lnRef>
+          <a:fillRef idx="0">
+            <a:schemeClr val="accent1"/>
+          </a:fillRef>
+          <a:effectRef idx="0">
+            <a:schemeClr val="accent1"/>
+          </a:effectRef>
+          <a:fontRef idx="minor">
+            <a:schemeClr val="tx1"/>
+          </a:fontRef>
+        </p:style>
+      </p:cxnSp>
+      <p:sp>
+        <p:nvSpPr>
+          <p:cNvPr id="18" name="직사각형 17"/>
+          <p:cNvSpPr/>
+          <p:nvPr/>
+        </p:nvSpPr>
+        <p:spPr>
+          <a:xfrm>
+            <a:off x="2510324" y="3316342"/>
+            <a:ext cx="989856" cy="369332"/>
+          </a:xfrm>
+          <a:prstGeom prst="rect">
+            <a:avLst/>
+          </a:prstGeom>
+        </p:spPr>
+        <p:txBody>
+          <a:bodyPr wrap="square">
+            <a:spAutoFit/>
+          </a:bodyPr>
+          <a:lstStyle/>
+          <a:p>
+            <a:pPr algn="ctr"/>
+            <a:r>
+              <a:rPr lang="en-US" altLang="ko-KR" dirty="0" smtClean="0">
+                <a:latin typeface="마루 부리 Beta" pitchFamily="50" charset="-127"/>
+                <a:ea typeface="마루 부리 Beta" pitchFamily="50" charset="-127"/>
+              </a:rPr>
+              <a:t>System</a:t>
+            </a:r>
+            <a:endParaRPr lang="en-US" altLang="ko-KR" dirty="0">
+              <a:latin typeface="마루 부리 Beta" pitchFamily="50" charset="-127"/>
+              <a:ea typeface="마루 부리 Beta" pitchFamily="50" charset="-127"/>
+            </a:endParaRPr>
+          </a:p>
+        </p:txBody>
+      </p:sp>
+      <mc:AlternateContent xmlns:mc="http://schemas.openxmlformats.org/markup-compatibility/2006">
+        <mc:Choice xmlns:a14="http://schemas.microsoft.com/office/drawing/2010/main" Requires="a14">
+          <p:sp>
+            <p:nvSpPr>
+              <p:cNvPr id="19" name="직사각형 18"/>
+              <p:cNvSpPr/>
+              <p:nvPr/>
+            </p:nvSpPr>
+            <p:spPr>
+              <a:xfrm>
+                <a:off x="5102612" y="3177842"/>
+                <a:ext cx="989856" cy="646331"/>
+              </a:xfrm>
+              <a:prstGeom prst="rect">
+                <a:avLst/>
+              </a:prstGeom>
+            </p:spPr>
+            <p:txBody>
+              <a:bodyPr wrap="square">
+                <a:spAutoFit/>
+              </a:bodyPr>
+              <a:lstStyle/>
+              <a:p>
+                <a:pPr algn="ctr"/>
+                <a:r>
+                  <a:rPr lang="en-US" altLang="ko-KR" dirty="0" smtClean="0">
+                    <a:solidFill>
+                      <a:srgbClr val="FF0000"/>
+                    </a:solidFill>
+                    <a:latin typeface="마루 부리 Beta" pitchFamily="50" charset="-127"/>
+                    <a:ea typeface="마루 부리 Beta" pitchFamily="50" charset="-127"/>
+                  </a:rPr>
+                  <a:t>Delay by </a:t>
+                </a:r>
+                <a14:m>
+                  <m:oMath xmlns:m="http://schemas.openxmlformats.org/officeDocument/2006/math">
+                    <m:sSub>
+                      <m:sSubPr>
+                        <m:ctrlPr>
+                          <a:rPr lang="en-US" altLang="ko-KR" b="0" i="1" smtClean="0">
+                            <a:solidFill>
+                              <a:srgbClr val="FF0000"/>
+                            </a:solidFill>
+                            <a:latin typeface="Cambria Math"/>
+                            <a:ea typeface="마루 부리 Beta" pitchFamily="50" charset="-127"/>
+                          </a:rPr>
+                        </m:ctrlPr>
+                      </m:sSubPr>
+                      <m:e>
+                        <m:r>
+                          <a:rPr lang="en-US" altLang="ko-KR" b="0" i="1" smtClean="0">
+                            <a:solidFill>
+                              <a:srgbClr val="FF0000"/>
+                            </a:solidFill>
+                            <a:latin typeface="Cambria Math"/>
+                            <a:ea typeface="마루 부리 Beta" pitchFamily="50" charset="-127"/>
+                          </a:rPr>
+                          <m:t>𝑛</m:t>
+                        </m:r>
+                      </m:e>
+                      <m:sub>
+                        <m:r>
+                          <a:rPr lang="en-US" altLang="ko-KR" b="0" i="1" smtClean="0">
+                            <a:solidFill>
+                              <a:srgbClr val="FF0000"/>
+                            </a:solidFill>
+                            <a:latin typeface="Cambria Math"/>
+                            <a:ea typeface="마루 부리 Beta" pitchFamily="50" charset="-127"/>
+                          </a:rPr>
+                          <m:t>0</m:t>
+                        </m:r>
+                      </m:sub>
+                    </m:sSub>
+                  </m:oMath>
+                </a14:m>
+                <a:endParaRPr lang="en-US" altLang="ko-KR" dirty="0">
+                  <a:solidFill>
+                    <a:srgbClr val="FF0000"/>
+                  </a:solidFill>
+                  <a:latin typeface="마루 부리 Beta" pitchFamily="50" charset="-127"/>
+                  <a:ea typeface="마루 부리 Beta" pitchFamily="50" charset="-127"/>
+                </a:endParaRPr>
+              </a:p>
+            </p:txBody>
+          </p:sp>
+        </mc:Choice>
+        <mc:Fallback>
+          <p:sp>
+            <p:nvSpPr>
+              <p:cNvPr id="19" name="직사각형 18"/>
+              <p:cNvSpPr>
+                <a:spLocks noRot="1" noChangeAspect="1" noMove="1" noResize="1" noEditPoints="1" noAdjustHandles="1" noChangeArrowheads="1" noChangeShapeType="1" noTextEdit="1"/>
+              </p:cNvSpPr>
+              <p:nvPr/>
+            </p:nvSpPr>
+            <p:spPr>
+              <a:xfrm>
+                <a:off x="5102612" y="3177842"/>
+                <a:ext cx="989856" cy="646331"/>
+              </a:xfrm>
+              <a:prstGeom prst="rect">
+                <a:avLst/>
+              </a:prstGeom>
+              <a:blipFill rotWithShape="1">
+                <a:blip r:embed="rId5"/>
+                <a:stretch>
+                  <a:fillRect t="-4717" b="-15094"/>
+                </a:stretch>
+              </a:blipFill>
+            </p:spPr>
+            <p:txBody>
+              <a:bodyPr/>
+              <a:lstStyle/>
+              <a:p>
+                <a:r>
+                  <a:rPr lang="ko-KR" altLang="en-US">
+                    <a:noFill/>
+                  </a:rPr>
+                  <a:t> </a:t>
+                </a:r>
+              </a:p>
+            </p:txBody>
+          </p:sp>
+        </mc:Fallback>
+      </mc:AlternateContent>
+      <p:cxnSp>
+        <p:nvCxnSpPr>
+          <p:cNvPr id="20" name="직선 화살표 연결선 19"/>
+          <p:cNvCxnSpPr/>
+          <p:nvPr/>
+        </p:nvCxnSpPr>
+        <p:spPr>
+          <a:xfrm>
+            <a:off x="1471221" y="1656184"/>
+            <a:ext cx="0" cy="1844824"/>
+          </a:xfrm>
+          <a:prstGeom prst="straightConnector1">
+            <a:avLst/>
+          </a:prstGeom>
+          <a:ln w="19050">
+            <a:solidFill>
+              <a:schemeClr val="tx1"/>
+            </a:solidFill>
+            <a:headEnd type="none" w="med" len="med"/>
+            <a:tailEnd type="none" w="med" len="med"/>
+          </a:ln>
+        </p:spPr>
+        <p:style>
+          <a:lnRef idx="1">
+            <a:schemeClr val="accent1"/>
+          </a:lnRef>
+          <a:fillRef idx="0">
+            <a:schemeClr val="accent1"/>
+          </a:fillRef>
+          <a:effectRef idx="0">
+            <a:schemeClr val="accent1"/>
+          </a:effectRef>
+          <a:fontRef idx="minor">
+            <a:schemeClr val="tx1"/>
+          </a:fontRef>
+        </p:style>
+      </p:cxnSp>
+      <mc:AlternateContent xmlns:mc="http://schemas.openxmlformats.org/markup-compatibility/2006">
+        <mc:Choice xmlns:a14="http://schemas.microsoft.com/office/drawing/2010/main" Requires="a14">
+          <p:sp>
+            <p:nvSpPr>
+              <p:cNvPr id="23" name="직사각형 22"/>
+              <p:cNvSpPr/>
+              <p:nvPr/>
+            </p:nvSpPr>
+            <p:spPr>
+              <a:xfrm>
+                <a:off x="1652828" y="3045324"/>
+                <a:ext cx="558748" cy="369332"/>
+              </a:xfrm>
+              <a:prstGeom prst="rect">
+                <a:avLst/>
+              </a:prstGeom>
+            </p:spPr>
+            <p:txBody>
+              <a:bodyPr wrap="square">
+                <a:spAutoFit/>
+              </a:bodyPr>
+              <a:lstStyle/>
+              <a:p>
+                <a:pPr algn="ctr"/>
+                <a14:m>
+                  <m:oMathPara xmlns:m="http://schemas.openxmlformats.org/officeDocument/2006/math">
+                    <m:oMathParaPr>
+                      <m:jc m:val="center"/>
+                    </m:oMathParaPr>
+                    <m:oMath xmlns:m="http://schemas.openxmlformats.org/officeDocument/2006/math">
+                      <m:r>
+                        <a:rPr lang="en-US" altLang="ko-KR" b="0" i="1" dirty="0" smtClean="0">
+                          <a:latin typeface="Cambria Math"/>
+                          <a:ea typeface="마루 부리 Beta" pitchFamily="50" charset="-127"/>
+                        </a:rPr>
+                        <m:t>𝑥</m:t>
+                      </m:r>
+                      <m:r>
+                        <a:rPr lang="en-US" altLang="ko-KR" b="0" i="1" dirty="0" smtClean="0">
+                          <a:latin typeface="Cambria Math"/>
+                          <a:ea typeface="마루 부리 Beta" pitchFamily="50" charset="-127"/>
+                        </a:rPr>
+                        <m:t>[</m:t>
+                      </m:r>
+                      <m:r>
+                        <a:rPr lang="en-US" altLang="ko-KR" b="0" i="1" dirty="0" smtClean="0">
+                          <a:latin typeface="Cambria Math"/>
+                          <a:ea typeface="마루 부리 Beta" pitchFamily="50" charset="-127"/>
+                        </a:rPr>
+                        <m:t>𝑛</m:t>
+                      </m:r>
+                      <m:r>
+                        <a:rPr lang="en-US" altLang="ko-KR" b="0" i="1" dirty="0" smtClean="0">
+                          <a:latin typeface="Cambria Math"/>
+                          <a:ea typeface="마루 부리 Beta" pitchFamily="50" charset="-127"/>
+                        </a:rPr>
+                        <m:t>]</m:t>
+                      </m:r>
+                    </m:oMath>
+                  </m:oMathPara>
+                </a14:m>
+                <a:endParaRPr lang="en-US" altLang="ko-KR" dirty="0">
+                  <a:latin typeface="마루 부리 Beta" pitchFamily="50" charset="-127"/>
+                  <a:ea typeface="마루 부리 Beta" pitchFamily="50" charset="-127"/>
+                </a:endParaRPr>
+              </a:p>
+            </p:txBody>
+          </p:sp>
+        </mc:Choice>
+        <mc:Fallback>
+          <p:sp>
+            <p:nvSpPr>
+              <p:cNvPr id="23" name="직사각형 22"/>
+              <p:cNvSpPr>
+                <a:spLocks noRot="1" noChangeAspect="1" noMove="1" noResize="1" noEditPoints="1" noAdjustHandles="1" noChangeArrowheads="1" noChangeShapeType="1" noTextEdit="1"/>
+              </p:cNvSpPr>
+              <p:nvPr/>
+            </p:nvSpPr>
+            <p:spPr>
+              <a:xfrm>
+                <a:off x="1652828" y="3045324"/>
+                <a:ext cx="558748" cy="369332"/>
+              </a:xfrm>
+              <a:prstGeom prst="rect">
+                <a:avLst/>
+              </a:prstGeom>
+              <a:blipFill rotWithShape="1">
+                <a:blip r:embed="rId6"/>
+                <a:stretch>
+                  <a:fillRect l="-3261" r="-2174" b="-16667"/>
+                </a:stretch>
+              </a:blipFill>
+            </p:spPr>
+            <p:txBody>
+              <a:bodyPr/>
+              <a:lstStyle/>
+              <a:p>
+                <a:r>
+                  <a:rPr lang="ko-KR" altLang="en-US">
+                    <a:noFill/>
+                  </a:rPr>
+                  <a:t> </a:t>
+                </a:r>
+              </a:p>
+            </p:txBody>
+          </p:sp>
+        </mc:Fallback>
+      </mc:AlternateContent>
+      <mc:AlternateContent xmlns:mc="http://schemas.openxmlformats.org/markup-compatibility/2006">
+        <mc:Choice xmlns:a14="http://schemas.microsoft.com/office/drawing/2010/main" Requires="a14">
+          <p:sp>
+            <p:nvSpPr>
+              <p:cNvPr id="24" name="직사각형 23"/>
+              <p:cNvSpPr/>
+              <p:nvPr/>
+            </p:nvSpPr>
+            <p:spPr>
+              <a:xfrm>
+                <a:off x="3689328" y="3045324"/>
+                <a:ext cx="1197726" cy="369332"/>
+              </a:xfrm>
+              <a:prstGeom prst="rect">
+                <a:avLst/>
+              </a:prstGeom>
+            </p:spPr>
+            <p:txBody>
+              <a:bodyPr wrap="square">
+                <a:spAutoFit/>
+              </a:bodyPr>
+              <a:lstStyle/>
+              <a:p>
+                <a:pPr algn="ctr"/>
+                <a14:m>
+                  <m:oMathPara xmlns:m="http://schemas.openxmlformats.org/officeDocument/2006/math">
+                    <m:oMathParaPr>
+                      <m:jc m:val="center"/>
+                    </m:oMathParaPr>
+                    <m:oMath xmlns:m="http://schemas.openxmlformats.org/officeDocument/2006/math">
+                      <m:r>
+                        <a:rPr lang="en-US" altLang="ko-KR" b="0" i="1" dirty="0" smtClean="0">
+                          <a:latin typeface="Cambria Math"/>
+                          <a:ea typeface="마루 부리 Beta" pitchFamily="50" charset="-127"/>
+                        </a:rPr>
+                        <m:t>𝑦</m:t>
+                      </m:r>
+                      <m:r>
+                        <a:rPr lang="en-US" altLang="ko-KR" b="0" i="1" dirty="0" smtClean="0">
+                          <a:latin typeface="Cambria Math"/>
+                          <a:ea typeface="마루 부리 Beta" pitchFamily="50" charset="-127"/>
+                        </a:rPr>
+                        <m:t>[</m:t>
+                      </m:r>
+                      <m:r>
+                        <a:rPr lang="en-US" altLang="ko-KR" b="0" i="1" dirty="0" smtClean="0">
+                          <a:latin typeface="Cambria Math"/>
+                          <a:ea typeface="마루 부리 Beta" pitchFamily="50" charset="-127"/>
+                        </a:rPr>
+                        <m:t>𝑛</m:t>
+                      </m:r>
+                      <m:r>
+                        <a:rPr lang="en-US" altLang="ko-KR" b="0" i="1" dirty="0" smtClean="0">
+                          <a:latin typeface="Cambria Math"/>
+                          <a:ea typeface="마루 부리 Beta" pitchFamily="50" charset="-127"/>
+                        </a:rPr>
+                        <m:t>]</m:t>
+                      </m:r>
+                    </m:oMath>
+                  </m:oMathPara>
+                </a14:m>
+                <a:endParaRPr lang="en-US" altLang="ko-KR" dirty="0">
+                  <a:latin typeface="마루 부리 Beta" pitchFamily="50" charset="-127"/>
+                  <a:ea typeface="마루 부리 Beta" pitchFamily="50" charset="-127"/>
+                </a:endParaRPr>
+              </a:p>
+            </p:txBody>
+          </p:sp>
+        </mc:Choice>
+        <mc:Fallback>
+          <p:sp>
+            <p:nvSpPr>
+              <p:cNvPr id="24" name="직사각형 23"/>
+              <p:cNvSpPr>
+                <a:spLocks noRot="1" noChangeAspect="1" noMove="1" noResize="1" noEditPoints="1" noAdjustHandles="1" noChangeArrowheads="1" noChangeShapeType="1" noTextEdit="1"/>
+              </p:cNvSpPr>
+              <p:nvPr/>
+            </p:nvSpPr>
+            <p:spPr>
+              <a:xfrm>
+                <a:off x="3689328" y="3045324"/>
+                <a:ext cx="1197726" cy="369332"/>
+              </a:xfrm>
+              <a:prstGeom prst="rect">
+                <a:avLst/>
+              </a:prstGeom>
+              <a:blipFill rotWithShape="1">
+                <a:blip r:embed="rId7"/>
+                <a:stretch>
+                  <a:fillRect b="-16667"/>
+                </a:stretch>
+              </a:blipFill>
+            </p:spPr>
+            <p:txBody>
+              <a:bodyPr/>
+              <a:lstStyle/>
+              <a:p>
+                <a:r>
+                  <a:rPr lang="ko-KR" altLang="en-US">
+                    <a:noFill/>
+                  </a:rPr>
+                  <a:t> </a:t>
+                </a:r>
+              </a:p>
+            </p:txBody>
+          </p:sp>
+        </mc:Fallback>
+      </mc:AlternateContent>
+      <p:grpSp>
+        <p:nvGrpSpPr>
+          <p:cNvPr id="28" name="그룹 27"/>
+          <p:cNvGrpSpPr/>
+          <p:nvPr/>
+        </p:nvGrpSpPr>
+        <p:grpSpPr>
+          <a:xfrm>
+            <a:off x="6213871" y="1656184"/>
+            <a:ext cx="684076" cy="1844824"/>
+            <a:chOff x="5656383" y="1656184"/>
+            <a:chExt cx="1368152" cy="1844824"/>
+          </a:xfrm>
+        </p:grpSpPr>
+        <p:cxnSp>
+          <p:nvCxnSpPr>
+            <p:cNvPr id="11" name="직선 화살표 연결선 10"/>
+            <p:cNvCxnSpPr/>
+            <p:nvPr/>
+          </p:nvCxnSpPr>
+          <p:spPr>
+            <a:xfrm>
+              <a:off x="5656383" y="1656184"/>
+              <a:ext cx="1368152" cy="0"/>
+            </a:xfrm>
+            <a:prstGeom prst="straightConnector1">
+              <a:avLst/>
+            </a:prstGeom>
+            <a:ln w="19050">
+              <a:solidFill>
+                <a:schemeClr val="tx1"/>
+              </a:solidFill>
+              <a:tailEnd type="arrow"/>
+            </a:ln>
+          </p:spPr>
+          <p:style>
+            <a:lnRef idx="1">
+              <a:schemeClr val="accent1"/>
+            </a:lnRef>
+            <a:fillRef idx="0">
+              <a:schemeClr val="accent1"/>
+            </a:fillRef>
+            <a:effectRef idx="0">
+              <a:schemeClr val="accent1"/>
+            </a:effectRef>
+            <a:fontRef idx="minor">
+              <a:schemeClr val="tx1"/>
+            </a:fontRef>
+          </p:style>
+        </p:cxnSp>
+        <p:cxnSp>
+          <p:nvCxnSpPr>
+            <p:cNvPr id="25" name="직선 화살표 연결선 24"/>
+            <p:cNvCxnSpPr/>
+            <p:nvPr/>
+          </p:nvCxnSpPr>
+          <p:spPr>
+            <a:xfrm>
+              <a:off x="5656383" y="3501008"/>
+              <a:ext cx="1368152" cy="0"/>
+            </a:xfrm>
+            <a:prstGeom prst="straightConnector1">
+              <a:avLst/>
+            </a:prstGeom>
+            <a:ln w="19050">
+              <a:solidFill>
+                <a:schemeClr val="tx1"/>
+              </a:solidFill>
+              <a:tailEnd type="arrow"/>
+            </a:ln>
+          </p:spPr>
+          <p:style>
+            <a:lnRef idx="1">
+              <a:schemeClr val="accent1"/>
+            </a:lnRef>
+            <a:fillRef idx="0">
+              <a:schemeClr val="accent1"/>
+            </a:fillRef>
+            <a:effectRef idx="0">
+              <a:schemeClr val="accent1"/>
+            </a:effectRef>
+            <a:fontRef idx="minor">
+              <a:schemeClr val="tx1"/>
+            </a:fontRef>
+          </p:style>
+        </p:cxnSp>
+      </p:grpSp>
+      <mc:AlternateContent xmlns:mc="http://schemas.openxmlformats.org/markup-compatibility/2006">
+        <mc:Choice xmlns:a14="http://schemas.microsoft.com/office/drawing/2010/main" Requires="a14">
+          <p:sp>
+            <p:nvSpPr>
+              <p:cNvPr id="26" name="직사각형 25"/>
+              <p:cNvSpPr/>
+              <p:nvPr/>
+            </p:nvSpPr>
+            <p:spPr>
+              <a:xfrm>
+                <a:off x="6713664" y="1471518"/>
+                <a:ext cx="1197726" cy="369332"/>
+              </a:xfrm>
+              <a:prstGeom prst="rect">
+                <a:avLst/>
+              </a:prstGeom>
+            </p:spPr>
+            <p:txBody>
+              <a:bodyPr wrap="square">
+                <a:spAutoFit/>
+              </a:bodyPr>
+              <a:lstStyle/>
+              <a:p>
+                <a:pPr algn="ctr"/>
+                <a14:m>
+                  <m:oMathPara xmlns:m="http://schemas.openxmlformats.org/officeDocument/2006/math">
+                    <m:oMathParaPr>
+                      <m:jc m:val="center"/>
+                    </m:oMathParaPr>
+                    <m:oMath xmlns:m="http://schemas.openxmlformats.org/officeDocument/2006/math">
+                      <m:r>
+                        <a:rPr lang="en-US" altLang="ko-KR" b="0" i="1" dirty="0" smtClean="0">
+                          <a:latin typeface="Cambria Math"/>
+                          <a:ea typeface="마루 부리 Beta" pitchFamily="50" charset="-127"/>
+                        </a:rPr>
+                        <m:t>𝑤</m:t>
+                      </m:r>
+                      <m:r>
+                        <a:rPr lang="en-US" altLang="ko-KR" b="0" i="1" dirty="0" smtClean="0">
+                          <a:latin typeface="Cambria Math"/>
+                          <a:ea typeface="마루 부리 Beta" pitchFamily="50" charset="-127"/>
+                        </a:rPr>
+                        <m:t>[</m:t>
+                      </m:r>
+                      <m:r>
+                        <a:rPr lang="en-US" altLang="ko-KR" b="0" i="1" dirty="0" smtClean="0">
+                          <a:latin typeface="Cambria Math"/>
+                          <a:ea typeface="마루 부리 Beta" pitchFamily="50" charset="-127"/>
+                        </a:rPr>
+                        <m:t>𝑛</m:t>
+                      </m:r>
+                      <m:r>
+                        <a:rPr lang="en-US" altLang="ko-KR" b="0" i="1" dirty="0" smtClean="0">
+                          <a:latin typeface="Cambria Math"/>
+                          <a:ea typeface="마루 부리 Beta" pitchFamily="50" charset="-127"/>
+                        </a:rPr>
+                        <m:t>]</m:t>
+                      </m:r>
+                    </m:oMath>
+                  </m:oMathPara>
+                </a14:m>
+                <a:endParaRPr lang="en-US" altLang="ko-KR" dirty="0">
+                  <a:latin typeface="마루 부리 Beta" pitchFamily="50" charset="-127"/>
+                  <a:ea typeface="마루 부리 Beta" pitchFamily="50" charset="-127"/>
+                </a:endParaRPr>
+              </a:p>
+            </p:txBody>
+          </p:sp>
+        </mc:Choice>
+        <mc:Fallback>
+          <p:sp>
+            <p:nvSpPr>
+              <p:cNvPr id="26" name="직사각형 25"/>
+              <p:cNvSpPr>
+                <a:spLocks noRot="1" noChangeAspect="1" noMove="1" noResize="1" noEditPoints="1" noAdjustHandles="1" noChangeArrowheads="1" noChangeShapeType="1" noTextEdit="1"/>
+              </p:cNvSpPr>
+              <p:nvPr/>
+            </p:nvSpPr>
+            <p:spPr>
+              <a:xfrm>
+                <a:off x="6713664" y="1471518"/>
+                <a:ext cx="1197726" cy="369332"/>
+              </a:xfrm>
+              <a:prstGeom prst="rect">
+                <a:avLst/>
+              </a:prstGeom>
+              <a:blipFill rotWithShape="1">
+                <a:blip r:embed="rId8"/>
+                <a:stretch>
+                  <a:fillRect b="-14754"/>
+                </a:stretch>
+              </a:blipFill>
+            </p:spPr>
+            <p:txBody>
+              <a:bodyPr/>
+              <a:lstStyle/>
+              <a:p>
+                <a:r>
+                  <a:rPr lang="ko-KR" altLang="en-US">
+                    <a:noFill/>
+                  </a:rPr>
+                  <a:t> </a:t>
+                </a:r>
+              </a:p>
+            </p:txBody>
+          </p:sp>
+        </mc:Fallback>
+      </mc:AlternateContent>
+      <mc:AlternateContent xmlns:mc="http://schemas.openxmlformats.org/markup-compatibility/2006">
+        <mc:Choice xmlns:a14="http://schemas.microsoft.com/office/drawing/2010/main" Requires="a14">
+          <p:sp>
+            <p:nvSpPr>
+              <p:cNvPr id="27" name="직사각형 26"/>
+              <p:cNvSpPr/>
+              <p:nvPr/>
+            </p:nvSpPr>
+            <p:spPr>
+              <a:xfrm>
+                <a:off x="6973416" y="3316341"/>
+                <a:ext cx="1197726" cy="369332"/>
+              </a:xfrm>
+              <a:prstGeom prst="rect">
+                <a:avLst/>
+              </a:prstGeom>
+            </p:spPr>
+            <p:txBody>
+              <a:bodyPr wrap="square">
+                <a:spAutoFit/>
+              </a:bodyPr>
+              <a:lstStyle/>
+              <a:p>
+                <a:pPr algn="ctr"/>
+                <a14:m>
+                  <m:oMathPara xmlns:m="http://schemas.openxmlformats.org/officeDocument/2006/math">
+                    <m:oMathParaPr>
+                      <m:jc m:val="center"/>
+                    </m:oMathParaPr>
+                    <m:oMath xmlns:m="http://schemas.openxmlformats.org/officeDocument/2006/math">
+                      <m:r>
+                        <a:rPr lang="en-US" altLang="ko-KR" b="0" i="1" dirty="0" smtClean="0">
+                          <a:latin typeface="Cambria Math"/>
+                          <a:ea typeface="마루 부리 Beta" pitchFamily="50" charset="-127"/>
+                        </a:rPr>
+                        <m:t>𝑦</m:t>
+                      </m:r>
+                      <m:r>
+                        <a:rPr lang="en-US" altLang="ko-KR" b="0" i="1" dirty="0" smtClean="0">
+                          <a:latin typeface="Cambria Math"/>
+                          <a:ea typeface="마루 부리 Beta" pitchFamily="50" charset="-127"/>
+                        </a:rPr>
+                        <m:t>[</m:t>
+                      </m:r>
+                      <m:r>
+                        <a:rPr lang="en-US" altLang="ko-KR" b="0" i="1" dirty="0" smtClean="0">
+                          <a:latin typeface="Cambria Math"/>
+                          <a:ea typeface="마루 부리 Beta" pitchFamily="50" charset="-127"/>
+                        </a:rPr>
+                        <m:t>𝑛</m:t>
+                      </m:r>
+                      <m:r>
+                        <a:rPr lang="en-US" altLang="ko-KR" b="0" i="1" dirty="0" smtClean="0">
+                          <a:latin typeface="Cambria Math"/>
+                          <a:ea typeface="마루 부리 Beta" pitchFamily="50" charset="-127"/>
+                        </a:rPr>
+                        <m:t>−</m:t>
+                      </m:r>
+                      <m:sSub>
+                        <m:sSubPr>
+                          <m:ctrlPr>
+                            <a:rPr lang="en-US" altLang="ko-KR" b="0" i="1" dirty="0" smtClean="0">
+                              <a:latin typeface="Cambria Math"/>
+                              <a:ea typeface="마루 부리 Beta" pitchFamily="50" charset="-127"/>
+                            </a:rPr>
+                          </m:ctrlPr>
+                        </m:sSubPr>
+                        <m:e>
+                          <m:r>
+                            <a:rPr lang="en-US" altLang="ko-KR" b="0" i="1" dirty="0" smtClean="0">
+                              <a:latin typeface="Cambria Math"/>
+                              <a:ea typeface="마루 부리 Beta" pitchFamily="50" charset="-127"/>
+                            </a:rPr>
+                            <m:t>𝑛</m:t>
+                          </m:r>
+                        </m:e>
+                        <m:sub>
+                          <m:r>
+                            <a:rPr lang="en-US" altLang="ko-KR" b="0" i="1" dirty="0" smtClean="0">
+                              <a:latin typeface="Cambria Math"/>
+                              <a:ea typeface="마루 부리 Beta" pitchFamily="50" charset="-127"/>
+                            </a:rPr>
+                            <m:t>0</m:t>
+                          </m:r>
+                        </m:sub>
+                      </m:sSub>
+                      <m:r>
+                        <a:rPr lang="en-US" altLang="ko-KR" b="0" i="1" dirty="0" smtClean="0">
+                          <a:latin typeface="Cambria Math"/>
+                          <a:ea typeface="마루 부리 Beta" pitchFamily="50" charset="-127"/>
+                        </a:rPr>
+                        <m:t>]</m:t>
+                      </m:r>
+                    </m:oMath>
+                  </m:oMathPara>
+                </a14:m>
+                <a:endParaRPr lang="en-US" altLang="ko-KR" dirty="0">
+                  <a:latin typeface="마루 부리 Beta" pitchFamily="50" charset="-127"/>
+                  <a:ea typeface="마루 부리 Beta" pitchFamily="50" charset="-127"/>
+                </a:endParaRPr>
+              </a:p>
+            </p:txBody>
+          </p:sp>
+        </mc:Choice>
+        <mc:Fallback>
+          <p:sp>
+            <p:nvSpPr>
+              <p:cNvPr id="27" name="직사각형 26"/>
+              <p:cNvSpPr>
+                <a:spLocks noRot="1" noChangeAspect="1" noMove="1" noResize="1" noEditPoints="1" noAdjustHandles="1" noChangeArrowheads="1" noChangeShapeType="1" noTextEdit="1"/>
+              </p:cNvSpPr>
+              <p:nvPr/>
+            </p:nvSpPr>
+            <p:spPr>
+              <a:xfrm>
+                <a:off x="6973416" y="3316341"/>
+                <a:ext cx="1197726" cy="369332"/>
+              </a:xfrm>
+              <a:prstGeom prst="rect">
+                <a:avLst/>
+              </a:prstGeom>
+              <a:blipFill rotWithShape="1">
+                <a:blip r:embed="rId9"/>
+                <a:stretch>
+                  <a:fillRect b="-14754"/>
+                </a:stretch>
+              </a:blipFill>
+            </p:spPr>
+            <p:txBody>
+              <a:bodyPr/>
+              <a:lstStyle/>
+              <a:p>
+                <a:r>
+                  <a:rPr lang="ko-KR" altLang="en-US">
+                    <a:noFill/>
+                  </a:rPr>
+                  <a:t> </a:t>
+                </a:r>
+              </a:p>
+            </p:txBody>
+          </p:sp>
+        </mc:Fallback>
+      </mc:AlternateContent>
+      <mc:AlternateContent xmlns:mc="http://schemas.openxmlformats.org/markup-compatibility/2006">
+        <mc:Choice xmlns:a14="http://schemas.microsoft.com/office/drawing/2010/main" Requires="a14">
+          <p:sp>
+            <p:nvSpPr>
+              <p:cNvPr id="31" name="직사각형 30"/>
+              <p:cNvSpPr/>
+              <p:nvPr/>
+            </p:nvSpPr>
+            <p:spPr>
+              <a:xfrm>
+                <a:off x="5780272" y="2276872"/>
+                <a:ext cx="2824176" cy="646331"/>
+              </a:xfrm>
+              <a:prstGeom prst="rect">
+                <a:avLst/>
+              </a:prstGeom>
+              <a:solidFill>
+                <a:schemeClr val="accent6">
+                  <a:lumMod val="20000"/>
+                  <a:lumOff val="80000"/>
+                </a:schemeClr>
+              </a:solidFill>
+              <a:ln>
+                <a:solidFill>
+                  <a:schemeClr val="tx1">
+                    <a:lumMod val="50000"/>
+                    <a:lumOff val="50000"/>
+                  </a:schemeClr>
+                </a:solidFill>
+              </a:ln>
+            </p:spPr>
+            <p:txBody>
+              <a:bodyPr wrap="square">
+                <a:spAutoFit/>
+              </a:bodyPr>
+              <a:lstStyle/>
+              <a:p>
+                <a:pPr algn="ctr"/>
+                <a:r>
+                  <a:rPr lang="ko-KR" altLang="en-US" dirty="0" smtClean="0">
+                    <a:solidFill>
+                      <a:sysClr val="windowText" lastClr="000000"/>
+                    </a:solidFill>
+                    <a:latin typeface="마루 부리 Beta" pitchFamily="50" charset="-127"/>
+                    <a:ea typeface="마루 부리 Beta" pitchFamily="50" charset="-127"/>
+                  </a:rPr>
+                  <a:t>시불변 시스템이라면 </a:t>
+                </a:r>
+                <a14:m>
+                  <m:oMath xmlns:m="http://schemas.openxmlformats.org/officeDocument/2006/math">
+                    <m:r>
+                      <a:rPr lang="en-US" altLang="ko-KR" b="0" i="1" smtClean="0">
+                        <a:solidFill>
+                          <a:sysClr val="windowText" lastClr="000000"/>
+                        </a:solidFill>
+                        <a:latin typeface="Cambria Math"/>
+                        <a:ea typeface="마루 부리 Beta" pitchFamily="50" charset="-127"/>
+                      </a:rPr>
+                      <m:t>𝑤</m:t>
+                    </m:r>
+                    <m:d>
+                      <m:dPr>
+                        <m:begChr m:val="["/>
+                        <m:endChr m:val="]"/>
+                        <m:ctrlPr>
+                          <a:rPr lang="en-US" altLang="ko-KR" b="0" i="1" smtClean="0">
+                            <a:solidFill>
+                              <a:sysClr val="windowText" lastClr="000000"/>
+                            </a:solidFill>
+                            <a:latin typeface="Cambria Math"/>
+                            <a:ea typeface="마루 부리 Beta" pitchFamily="50" charset="-127"/>
+                          </a:rPr>
+                        </m:ctrlPr>
+                      </m:dPr>
+                      <m:e>
+                        <m:r>
+                          <a:rPr lang="en-US" altLang="ko-KR" b="0" i="1" smtClean="0">
+                            <a:solidFill>
+                              <a:sysClr val="windowText" lastClr="000000"/>
+                            </a:solidFill>
+                            <a:latin typeface="Cambria Math"/>
+                            <a:ea typeface="마루 부리 Beta" pitchFamily="50" charset="-127"/>
+                          </a:rPr>
+                          <m:t>𝑛</m:t>
+                        </m:r>
+                      </m:e>
+                    </m:d>
+                    <m:r>
+                      <a:rPr lang="en-US" altLang="ko-KR" b="0" i="1" smtClean="0">
+                        <a:solidFill>
+                          <a:sysClr val="windowText" lastClr="000000"/>
+                        </a:solidFill>
+                        <a:latin typeface="Cambria Math"/>
+                        <a:ea typeface="마루 부리 Beta" pitchFamily="50" charset="-127"/>
+                      </a:rPr>
+                      <m:t>=</m:t>
+                    </m:r>
+                    <m:r>
+                      <a:rPr lang="en-US" altLang="ko-KR" b="0" i="1" smtClean="0">
+                        <a:solidFill>
+                          <a:sysClr val="windowText" lastClr="000000"/>
+                        </a:solidFill>
+                        <a:latin typeface="Cambria Math"/>
+                        <a:ea typeface="마루 부리 Beta" pitchFamily="50" charset="-127"/>
+                      </a:rPr>
+                      <m:t>𝑦</m:t>
+                    </m:r>
+                    <m:r>
+                      <a:rPr lang="en-US" altLang="ko-KR" b="0" i="1" smtClean="0">
+                        <a:solidFill>
+                          <a:sysClr val="windowText" lastClr="000000"/>
+                        </a:solidFill>
+                        <a:latin typeface="Cambria Math"/>
+                        <a:ea typeface="마루 부리 Beta" pitchFamily="50" charset="-127"/>
+                      </a:rPr>
+                      <m:t>[</m:t>
+                    </m:r>
+                    <m:r>
+                      <a:rPr lang="en-US" altLang="ko-KR" b="0" i="1" smtClean="0">
+                        <a:solidFill>
+                          <a:sysClr val="windowText" lastClr="000000"/>
+                        </a:solidFill>
+                        <a:latin typeface="Cambria Math"/>
+                        <a:ea typeface="마루 부리 Beta" pitchFamily="50" charset="-127"/>
+                      </a:rPr>
+                      <m:t>𝑛</m:t>
+                    </m:r>
+                    <m:r>
+                      <a:rPr lang="en-US" altLang="ko-KR" b="0" i="1" smtClean="0">
+                        <a:solidFill>
+                          <a:sysClr val="windowText" lastClr="000000"/>
+                        </a:solidFill>
+                        <a:latin typeface="Cambria Math"/>
+                        <a:ea typeface="마루 부리 Beta" pitchFamily="50" charset="-127"/>
+                      </a:rPr>
+                      <m:t>−</m:t>
+                    </m:r>
+                    <m:sSub>
+                      <m:sSubPr>
+                        <m:ctrlPr>
+                          <a:rPr lang="en-US" altLang="ko-KR" b="0" i="1" smtClean="0">
+                            <a:solidFill>
+                              <a:sysClr val="windowText" lastClr="000000"/>
+                            </a:solidFill>
+                            <a:latin typeface="Cambria Math"/>
+                            <a:ea typeface="마루 부리 Beta" pitchFamily="50" charset="-127"/>
+                          </a:rPr>
+                        </m:ctrlPr>
+                      </m:sSubPr>
+                      <m:e>
+                        <m:r>
+                          <a:rPr lang="en-US" altLang="ko-KR" b="0" i="1" smtClean="0">
+                            <a:solidFill>
+                              <a:sysClr val="windowText" lastClr="000000"/>
+                            </a:solidFill>
+                            <a:latin typeface="Cambria Math"/>
+                            <a:ea typeface="마루 부리 Beta" pitchFamily="50" charset="-127"/>
+                          </a:rPr>
+                          <m:t>𝑛</m:t>
+                        </m:r>
+                      </m:e>
+                      <m:sub>
+                        <m:r>
+                          <a:rPr lang="en-US" altLang="ko-KR" b="0" i="1" smtClean="0">
+                            <a:solidFill>
+                              <a:sysClr val="windowText" lastClr="000000"/>
+                            </a:solidFill>
+                            <a:latin typeface="Cambria Math"/>
+                            <a:ea typeface="마루 부리 Beta" pitchFamily="50" charset="-127"/>
+                          </a:rPr>
+                          <m:t>0</m:t>
+                        </m:r>
+                      </m:sub>
+                    </m:sSub>
+                    <m:r>
+                      <a:rPr lang="en-US" altLang="ko-KR" b="0" i="1" smtClean="0">
+                        <a:solidFill>
+                          <a:sysClr val="windowText" lastClr="000000"/>
+                        </a:solidFill>
+                        <a:latin typeface="Cambria Math"/>
+                        <a:ea typeface="마루 부리 Beta" pitchFamily="50" charset="-127"/>
+                      </a:rPr>
+                      <m:t>]</m:t>
+                    </m:r>
+                  </m:oMath>
+                </a14:m>
+                <a:r>
+                  <a:rPr lang="ko-KR" altLang="en-US" dirty="0" smtClean="0">
+                    <a:solidFill>
+                      <a:sysClr val="windowText" lastClr="000000"/>
+                    </a:solidFill>
+                    <a:latin typeface="마루 부리 Beta" pitchFamily="50" charset="-127"/>
+                    <a:ea typeface="마루 부리 Beta" pitchFamily="50" charset="-127"/>
+                  </a:rPr>
+                  <a:t>임</a:t>
+                </a:r>
+                <a:endParaRPr lang="en-US" altLang="ko-KR" dirty="0">
+                  <a:solidFill>
+                    <a:sysClr val="windowText" lastClr="000000"/>
+                  </a:solidFill>
+                  <a:latin typeface="마루 부리 Beta" pitchFamily="50" charset="-127"/>
+                  <a:ea typeface="마루 부리 Beta" pitchFamily="50" charset="-127"/>
+                </a:endParaRPr>
+              </a:p>
+            </p:txBody>
+          </p:sp>
+        </mc:Choice>
+        <mc:Fallback>
+          <p:sp>
+            <p:nvSpPr>
+              <p:cNvPr id="31" name="직사각형 30"/>
+              <p:cNvSpPr>
+                <a:spLocks noRot="1" noChangeAspect="1" noMove="1" noResize="1" noEditPoints="1" noAdjustHandles="1" noChangeArrowheads="1" noChangeShapeType="1" noTextEdit="1"/>
+              </p:cNvSpPr>
+              <p:nvPr/>
+            </p:nvSpPr>
+            <p:spPr>
+              <a:xfrm>
+                <a:off x="5780272" y="2276872"/>
+                <a:ext cx="2824176" cy="646331"/>
+              </a:xfrm>
+              <a:prstGeom prst="rect">
+                <a:avLst/>
+              </a:prstGeom>
+              <a:blipFill rotWithShape="1">
+                <a:blip r:embed="rId10"/>
+                <a:stretch>
+                  <a:fillRect t="-3704" b="-13889"/>
+                </a:stretch>
+              </a:blipFill>
+              <a:ln>
+                <a:solidFill>
+                  <a:schemeClr val="tx1">
+                    <a:lumMod val="50000"/>
+                    <a:lumOff val="50000"/>
+                  </a:schemeClr>
+                </a:solidFill>
+              </a:ln>
+            </p:spPr>
+            <p:txBody>
+              <a:bodyPr/>
+              <a:lstStyle/>
+              <a:p>
+                <a:r>
+                  <a:rPr lang="ko-KR" altLang="en-US">
+                    <a:noFill/>
+                  </a:rPr>
+                  <a:t> </a:t>
+                </a:r>
+              </a:p>
+            </p:txBody>
+          </p:sp>
+        </mc:Fallback>
+      </mc:AlternateContent>
+    </p:spTree>
+    <p:extLst>
+      <p:ext uri="{BB962C8B-B14F-4D97-AF65-F5344CB8AC3E}">
+        <p14:creationId xmlns:p14="http://schemas.microsoft.com/office/powerpoint/2010/main" val="4059922542"/>
+      </p:ext>
+    </p:extLst>
+  </p:cSld>
+  <p:clrMapOvr>
+    <a:masterClrMapping/>
+  </p:clrMapOvr>
+</p:sld>
+</file>
+
+<file path=ppt/slides/slide3.xml><?xml version="1.0" encoding="utf-8"?>
+<p:sld xmlns:a="http://schemas.openxmlformats.org/drawingml/2006/main" xmlns:r="http://schemas.openxmlformats.org/officeDocument/2006/relationships" xmlns:p="http://schemas.openxmlformats.org/presentationml/2006/main">
+  <p:cSld>
+    <p:spTree>
+      <p:nvGrpSpPr>
+        <p:cNvPr id="1" name=""/>
+        <p:cNvGrpSpPr/>
+        <p:nvPr/>
+      </p:nvGrpSpPr>
+      <p:grpSpPr>
+        <a:xfrm>
+          <a:off x="0" y="0"/>
+          <a:ext cx="0" cy="0"/>
+          <a:chOff x="0" y="0"/>
+          <a:chExt cx="0" cy="0"/>
+        </a:xfrm>
+      </p:grpSpPr>
+      <p:sp>
+        <p:nvSpPr>
+          <p:cNvPr id="4" name="직사각형 3"/>
+          <p:cNvSpPr/>
+          <p:nvPr/>
+        </p:nvSpPr>
+        <p:spPr>
+          <a:xfrm>
+            <a:off x="2715027" y="1074717"/>
+            <a:ext cx="1224136" cy="630832"/>
+          </a:xfrm>
+          <a:prstGeom prst="rect">
+            <a:avLst/>
+          </a:prstGeom>
+          <a:solidFill>
+            <a:schemeClr val="bg1"/>
+          </a:solidFill>
+          <a:ln>
+            <a:solidFill>
+              <a:schemeClr val="tx1"/>
+            </a:solidFill>
+          </a:ln>
+        </p:spPr>
+        <p:style>
+          <a:lnRef idx="2">
+            <a:schemeClr val="accent1">
+              <a:shade val="50000"/>
+            </a:schemeClr>
+          </a:lnRef>
+          <a:fillRef idx="1">
+            <a:schemeClr val="accent1"/>
+          </a:fillRef>
+          <a:effectRef idx="0">
+            <a:schemeClr val="accent1"/>
+          </a:effectRef>
+          <a:fontRef idx="minor">
+            <a:schemeClr val="lt1"/>
+          </a:fontRef>
+        </p:style>
+        <p:txBody>
+          <a:bodyPr rtlCol="0" anchor="ctr"/>
+          <a:lstStyle/>
+          <a:p>
+            <a:pPr algn="ctr"/>
+            <a:endParaRPr lang="ko-KR" altLang="en-US" dirty="0"/>
+          </a:p>
+        </p:txBody>
+      </p:sp>
+      <p:sp>
+        <p:nvSpPr>
+          <p:cNvPr id="5" name="직사각형 4"/>
+          <p:cNvSpPr/>
+          <p:nvPr/>
+        </p:nvSpPr>
+        <p:spPr>
+          <a:xfrm>
+            <a:off x="2832167" y="1205467"/>
+            <a:ext cx="989856" cy="369332"/>
+          </a:xfrm>
+          <a:prstGeom prst="rect">
+            <a:avLst/>
+          </a:prstGeom>
+        </p:spPr>
+        <p:txBody>
+          <a:bodyPr wrap="square">
+            <a:spAutoFit/>
+          </a:bodyPr>
+          <a:lstStyle/>
+          <a:p>
+            <a:pPr algn="ctr"/>
+            <a:r>
+              <a:rPr lang="en-US" altLang="ko-KR" dirty="0" smtClean="0">
+                <a:latin typeface="마루 부리 Beta" pitchFamily="50" charset="-127"/>
+                <a:ea typeface="마루 부리 Beta" pitchFamily="50" charset="-127"/>
+              </a:rPr>
+              <a:t>system</a:t>
+            </a:r>
+            <a:endParaRPr lang="en-US" altLang="ko-KR" dirty="0">
+              <a:latin typeface="마루 부리 Beta" pitchFamily="50" charset="-127"/>
+              <a:ea typeface="마루 부리 Beta" pitchFamily="50" charset="-127"/>
+            </a:endParaRPr>
+          </a:p>
+        </p:txBody>
+      </p:sp>
+      <p:cxnSp>
+        <p:nvCxnSpPr>
+          <p:cNvPr id="6" name="직선 화살표 연결선 5"/>
+          <p:cNvCxnSpPr>
+            <a:endCxn id="4" idx="1"/>
+          </p:cNvCxnSpPr>
+          <p:nvPr/>
+        </p:nvCxnSpPr>
+        <p:spPr>
+          <a:xfrm>
+            <a:off x="1346875" y="1390133"/>
+            <a:ext cx="1368152" cy="0"/>
+          </a:xfrm>
+          <a:prstGeom prst="straightConnector1">
+            <a:avLst/>
+          </a:prstGeom>
+          <a:ln w="19050">
+            <a:solidFill>
+              <a:schemeClr val="tx1"/>
+            </a:solidFill>
+            <a:tailEnd type="arrow"/>
+          </a:ln>
+        </p:spPr>
+        <p:style>
+          <a:lnRef idx="1">
+            <a:schemeClr val="accent1"/>
+          </a:lnRef>
+          <a:fillRef idx="0">
+            <a:schemeClr val="accent1"/>
+          </a:fillRef>
+          <a:effectRef idx="0">
+            <a:schemeClr val="accent1"/>
+          </a:effectRef>
+          <a:fontRef idx="minor">
+            <a:schemeClr val="tx1"/>
+          </a:fontRef>
+        </p:style>
+      </p:cxnSp>
+      <mc:AlternateContent xmlns:mc="http://schemas.openxmlformats.org/markup-compatibility/2006">
+        <mc:Choice xmlns:a14="http://schemas.microsoft.com/office/drawing/2010/main" Requires="a14">
+          <p:sp>
+            <p:nvSpPr>
+              <p:cNvPr id="7" name="직사각형 6"/>
+              <p:cNvSpPr/>
+              <p:nvPr/>
+            </p:nvSpPr>
+            <p:spPr>
+              <a:xfrm>
+                <a:off x="1294701" y="1020801"/>
+                <a:ext cx="558748" cy="369332"/>
+              </a:xfrm>
+              <a:prstGeom prst="rect">
+                <a:avLst/>
+              </a:prstGeom>
+            </p:spPr>
+            <p:txBody>
+              <a:bodyPr wrap="square">
+                <a:spAutoFit/>
+              </a:bodyPr>
+              <a:lstStyle/>
+              <a:p>
+                <a:pPr algn="ctr"/>
+                <a14:m>
+                  <m:oMathPara xmlns:m="http://schemas.openxmlformats.org/officeDocument/2006/math">
+                    <m:oMathParaPr>
+                      <m:jc m:val="center"/>
+                    </m:oMathParaPr>
+                    <m:oMath xmlns:m="http://schemas.openxmlformats.org/officeDocument/2006/math">
+                      <m:sSub>
+                        <m:sSubPr>
+                          <m:ctrlPr>
+                            <a:rPr lang="en-US" altLang="ko-KR" b="0" i="1" dirty="0" smtClean="0">
+                              <a:latin typeface="Cambria Math"/>
+                              <a:ea typeface="마루 부리 Beta" pitchFamily="50" charset="-127"/>
+                            </a:rPr>
+                          </m:ctrlPr>
+                        </m:sSubPr>
+                        <m:e>
+                          <m:r>
+                            <a:rPr lang="en-US" altLang="ko-KR" b="0" i="1" dirty="0" smtClean="0">
+                              <a:latin typeface="Cambria Math"/>
+                              <a:ea typeface="마루 부리 Beta" pitchFamily="50" charset="-127"/>
+                            </a:rPr>
+                            <m:t>𝑥</m:t>
+                          </m:r>
+                        </m:e>
+                        <m:sub>
+                          <m:r>
+                            <a:rPr lang="en-US" altLang="ko-KR" b="0" i="1" dirty="0" smtClean="0">
+                              <a:latin typeface="Cambria Math"/>
+                              <a:ea typeface="마루 부리 Beta" pitchFamily="50" charset="-127"/>
+                            </a:rPr>
+                            <m:t>1</m:t>
+                          </m:r>
+                        </m:sub>
+                      </m:sSub>
+                      <m:r>
+                        <a:rPr lang="en-US" altLang="ko-KR" b="0" i="1" dirty="0" smtClean="0">
+                          <a:latin typeface="Cambria Math"/>
+                          <a:ea typeface="마루 부리 Beta" pitchFamily="50" charset="-127"/>
+                        </a:rPr>
+                        <m:t>[</m:t>
+                      </m:r>
+                      <m:r>
+                        <a:rPr lang="en-US" altLang="ko-KR" b="0" i="1" dirty="0" smtClean="0">
+                          <a:latin typeface="Cambria Math"/>
+                          <a:ea typeface="마루 부리 Beta" pitchFamily="50" charset="-127"/>
+                        </a:rPr>
+                        <m:t>𝑛</m:t>
+                      </m:r>
+                      <m:r>
+                        <a:rPr lang="en-US" altLang="ko-KR" b="0" i="1" dirty="0" smtClean="0">
+                          <a:latin typeface="Cambria Math"/>
+                          <a:ea typeface="마루 부리 Beta" pitchFamily="50" charset="-127"/>
+                        </a:rPr>
+                        <m:t>]</m:t>
+                      </m:r>
+                    </m:oMath>
+                  </m:oMathPara>
+                </a14:m>
+                <a:endParaRPr lang="en-US" altLang="ko-KR" dirty="0">
+                  <a:latin typeface="마루 부리 Beta" pitchFamily="50" charset="-127"/>
+                  <a:ea typeface="마루 부리 Beta" pitchFamily="50" charset="-127"/>
+                </a:endParaRPr>
+              </a:p>
+            </p:txBody>
+          </p:sp>
+        </mc:Choice>
+        <mc:Fallback>
+          <p:sp>
+            <p:nvSpPr>
+              <p:cNvPr id="7" name="직사각형 6"/>
+              <p:cNvSpPr>
+                <a:spLocks noRot="1" noChangeAspect="1" noMove="1" noResize="1" noEditPoints="1" noAdjustHandles="1" noChangeArrowheads="1" noChangeShapeType="1" noTextEdit="1"/>
+              </p:cNvSpPr>
+              <p:nvPr/>
+            </p:nvSpPr>
+            <p:spPr>
+              <a:xfrm>
+                <a:off x="1294701" y="1020801"/>
+                <a:ext cx="558748" cy="369332"/>
+              </a:xfrm>
+              <a:prstGeom prst="rect">
+                <a:avLst/>
+              </a:prstGeom>
+              <a:blipFill rotWithShape="1">
+                <a:blip r:embed="rId2"/>
+                <a:stretch>
+                  <a:fillRect l="-11957" r="-10870" b="-14754"/>
+                </a:stretch>
+              </a:blipFill>
+            </p:spPr>
+            <p:txBody>
+              <a:bodyPr/>
+              <a:lstStyle/>
+              <a:p>
+                <a:r>
+                  <a:rPr lang="ko-KR" altLang="en-US">
+                    <a:noFill/>
+                  </a:rPr>
+                  <a:t> </a:t>
+                </a:r>
+              </a:p>
+            </p:txBody>
+          </p:sp>
+        </mc:Fallback>
+      </mc:AlternateContent>
+      <p:sp>
+        <p:nvSpPr>
+          <p:cNvPr id="13" name="직사각형 12"/>
+          <p:cNvSpPr/>
+          <p:nvPr/>
+        </p:nvSpPr>
+        <p:spPr>
+          <a:xfrm>
+            <a:off x="2715027" y="1938813"/>
+            <a:ext cx="1224136" cy="630832"/>
+          </a:xfrm>
+          <a:prstGeom prst="rect">
+            <a:avLst/>
+          </a:prstGeom>
+          <a:solidFill>
+            <a:schemeClr val="bg1"/>
+          </a:solidFill>
+          <a:ln>
+            <a:solidFill>
+              <a:schemeClr val="tx1"/>
+            </a:solidFill>
+          </a:ln>
+        </p:spPr>
+        <p:style>
+          <a:lnRef idx="2">
+            <a:schemeClr val="accent1">
+              <a:shade val="50000"/>
+            </a:schemeClr>
+          </a:lnRef>
+          <a:fillRef idx="1">
+            <a:schemeClr val="accent1"/>
+          </a:fillRef>
+          <a:effectRef idx="0">
+            <a:schemeClr val="accent1"/>
+          </a:effectRef>
+          <a:fontRef idx="minor">
+            <a:schemeClr val="lt1"/>
+          </a:fontRef>
+        </p:style>
+        <p:txBody>
+          <a:bodyPr rtlCol="0" anchor="ctr"/>
+          <a:lstStyle/>
+          <a:p>
+            <a:pPr algn="ctr"/>
+            <a:endParaRPr lang="ko-KR" altLang="en-US" dirty="0"/>
+          </a:p>
+        </p:txBody>
+      </p:sp>
+      <p:sp>
+        <p:nvSpPr>
+          <p:cNvPr id="14" name="직사각형 13"/>
+          <p:cNvSpPr/>
+          <p:nvPr/>
+        </p:nvSpPr>
+        <p:spPr>
+          <a:xfrm>
+            <a:off x="2832167" y="2069563"/>
+            <a:ext cx="989856" cy="369332"/>
+          </a:xfrm>
+          <a:prstGeom prst="rect">
+            <a:avLst/>
+          </a:prstGeom>
+        </p:spPr>
+        <p:txBody>
+          <a:bodyPr wrap="square">
+            <a:spAutoFit/>
+          </a:bodyPr>
+          <a:lstStyle/>
+          <a:p>
+            <a:pPr algn="ctr"/>
+            <a:r>
+              <a:rPr lang="en-US" altLang="ko-KR" dirty="0" smtClean="0">
+                <a:latin typeface="마루 부리 Beta" pitchFamily="50" charset="-127"/>
+                <a:ea typeface="마루 부리 Beta" pitchFamily="50" charset="-127"/>
+              </a:rPr>
+              <a:t>system</a:t>
+            </a:r>
+            <a:endParaRPr lang="en-US" altLang="ko-KR" dirty="0">
+              <a:latin typeface="마루 부리 Beta" pitchFamily="50" charset="-127"/>
+              <a:ea typeface="마루 부리 Beta" pitchFamily="50" charset="-127"/>
+            </a:endParaRPr>
+          </a:p>
+        </p:txBody>
+      </p:sp>
+      <p:cxnSp>
+        <p:nvCxnSpPr>
+          <p:cNvPr id="15" name="직선 화살표 연결선 14"/>
+          <p:cNvCxnSpPr>
+            <a:endCxn id="13" idx="1"/>
+          </p:cNvCxnSpPr>
+          <p:nvPr/>
+        </p:nvCxnSpPr>
+        <p:spPr>
+          <a:xfrm>
+            <a:off x="1346875" y="2254229"/>
+            <a:ext cx="1368152" cy="0"/>
+          </a:xfrm>
+          <a:prstGeom prst="straightConnector1">
+            <a:avLst/>
+          </a:prstGeom>
+          <a:ln w="19050">
+            <a:solidFill>
+              <a:schemeClr val="tx1"/>
+            </a:solidFill>
+            <a:tailEnd type="arrow"/>
+          </a:ln>
+        </p:spPr>
+        <p:style>
+          <a:lnRef idx="1">
+            <a:schemeClr val="accent1"/>
+          </a:lnRef>
+          <a:fillRef idx="0">
+            <a:schemeClr val="accent1"/>
+          </a:fillRef>
+          <a:effectRef idx="0">
+            <a:schemeClr val="accent1"/>
+          </a:effectRef>
+          <a:fontRef idx="minor">
+            <a:schemeClr val="tx1"/>
+          </a:fontRef>
+        </p:style>
+      </p:cxnSp>
+      <mc:AlternateContent xmlns:mc="http://schemas.openxmlformats.org/markup-compatibility/2006">
+        <mc:Choice xmlns:a14="http://schemas.microsoft.com/office/drawing/2010/main" Requires="a14">
+          <p:sp>
+            <p:nvSpPr>
+              <p:cNvPr id="16" name="직사각형 15"/>
+              <p:cNvSpPr/>
+              <p:nvPr/>
+            </p:nvSpPr>
+            <p:spPr>
+              <a:xfrm>
+                <a:off x="1294701" y="1884897"/>
+                <a:ext cx="558748" cy="369332"/>
+              </a:xfrm>
+              <a:prstGeom prst="rect">
+                <a:avLst/>
+              </a:prstGeom>
+            </p:spPr>
+            <p:txBody>
+              <a:bodyPr wrap="square">
+                <a:spAutoFit/>
+              </a:bodyPr>
+              <a:lstStyle/>
+              <a:p>
+                <a:pPr algn="ctr"/>
+                <a14:m>
+                  <m:oMathPara xmlns:m="http://schemas.openxmlformats.org/officeDocument/2006/math">
+                    <m:oMathParaPr>
+                      <m:jc m:val="center"/>
+                    </m:oMathParaPr>
+                    <m:oMath xmlns:m="http://schemas.openxmlformats.org/officeDocument/2006/math">
+                      <m:sSub>
+                        <m:sSubPr>
+                          <m:ctrlPr>
+                            <a:rPr lang="en-US" altLang="ko-KR" b="0" i="1" dirty="0" smtClean="0">
+                              <a:latin typeface="Cambria Math"/>
+                              <a:ea typeface="마루 부리 Beta" pitchFamily="50" charset="-127"/>
+                            </a:rPr>
+                          </m:ctrlPr>
+                        </m:sSubPr>
+                        <m:e>
+                          <m:r>
+                            <a:rPr lang="en-US" altLang="ko-KR" b="0" i="1" dirty="0" smtClean="0">
+                              <a:latin typeface="Cambria Math"/>
+                              <a:ea typeface="마루 부리 Beta" pitchFamily="50" charset="-127"/>
+                            </a:rPr>
+                            <m:t>𝑥</m:t>
+                          </m:r>
+                        </m:e>
+                        <m:sub>
+                          <m:r>
+                            <a:rPr lang="en-US" altLang="ko-KR" b="0" i="1" dirty="0" smtClean="0">
+                              <a:latin typeface="Cambria Math"/>
+                              <a:ea typeface="마루 부리 Beta" pitchFamily="50" charset="-127"/>
+                            </a:rPr>
+                            <m:t>2</m:t>
+                          </m:r>
+                        </m:sub>
+                      </m:sSub>
+                      <m:r>
+                        <a:rPr lang="en-US" altLang="ko-KR" b="0" i="1" dirty="0" smtClean="0">
+                          <a:latin typeface="Cambria Math"/>
+                          <a:ea typeface="마루 부리 Beta" pitchFamily="50" charset="-127"/>
+                        </a:rPr>
+                        <m:t>[</m:t>
+                      </m:r>
+                      <m:r>
+                        <a:rPr lang="en-US" altLang="ko-KR" b="0" i="1" dirty="0" smtClean="0">
+                          <a:latin typeface="Cambria Math"/>
+                          <a:ea typeface="마루 부리 Beta" pitchFamily="50" charset="-127"/>
+                        </a:rPr>
+                        <m:t>𝑛</m:t>
+                      </m:r>
+                      <m:r>
+                        <a:rPr lang="en-US" altLang="ko-KR" b="0" i="1" dirty="0" smtClean="0">
+                          <a:latin typeface="Cambria Math"/>
+                          <a:ea typeface="마루 부리 Beta" pitchFamily="50" charset="-127"/>
+                        </a:rPr>
+                        <m:t>]</m:t>
+                      </m:r>
+                    </m:oMath>
+                  </m:oMathPara>
+                </a14:m>
+                <a:endParaRPr lang="en-US" altLang="ko-KR" dirty="0">
+                  <a:latin typeface="마루 부리 Beta" pitchFamily="50" charset="-127"/>
+                  <a:ea typeface="마루 부리 Beta" pitchFamily="50" charset="-127"/>
+                </a:endParaRPr>
+              </a:p>
+            </p:txBody>
+          </p:sp>
+        </mc:Choice>
+        <mc:Fallback>
+          <p:sp>
+            <p:nvSpPr>
+              <p:cNvPr id="16" name="직사각형 15"/>
+              <p:cNvSpPr>
+                <a:spLocks noRot="1" noChangeAspect="1" noMove="1" noResize="1" noEditPoints="1" noAdjustHandles="1" noChangeArrowheads="1" noChangeShapeType="1" noTextEdit="1"/>
+              </p:cNvSpPr>
+              <p:nvPr/>
+            </p:nvSpPr>
+            <p:spPr>
+              <a:xfrm>
+                <a:off x="1294701" y="1884897"/>
+                <a:ext cx="558748" cy="369332"/>
+              </a:xfrm>
+              <a:prstGeom prst="rect">
+                <a:avLst/>
+              </a:prstGeom>
+              <a:blipFill rotWithShape="1">
+                <a:blip r:embed="rId3"/>
+                <a:stretch>
+                  <a:fillRect l="-11957" r="-11957" b="-14754"/>
+                </a:stretch>
+              </a:blipFill>
+            </p:spPr>
+            <p:txBody>
+              <a:bodyPr/>
+              <a:lstStyle/>
+              <a:p>
+                <a:r>
+                  <a:rPr lang="ko-KR" altLang="en-US">
+                    <a:noFill/>
+                  </a:rPr>
+                  <a:t> </a:t>
+                </a:r>
+              </a:p>
+            </p:txBody>
+          </p:sp>
+        </mc:Fallback>
+      </mc:AlternateContent>
+      <p:cxnSp>
+        <p:nvCxnSpPr>
+          <p:cNvPr id="17" name="직선 화살표 연결선 16"/>
+          <p:cNvCxnSpPr/>
+          <p:nvPr/>
+        </p:nvCxnSpPr>
+        <p:spPr>
+          <a:xfrm>
+            <a:off x="3943843" y="1390133"/>
+            <a:ext cx="1368152" cy="0"/>
+          </a:xfrm>
+          <a:prstGeom prst="straightConnector1">
+            <a:avLst/>
+          </a:prstGeom>
+          <a:ln w="19050">
+            <a:solidFill>
+              <a:schemeClr val="tx1"/>
+            </a:solidFill>
+            <a:tailEnd type="arrow"/>
+          </a:ln>
+        </p:spPr>
+        <p:style>
+          <a:lnRef idx="1">
+            <a:schemeClr val="accent1"/>
+          </a:lnRef>
+          <a:fillRef idx="0">
+            <a:schemeClr val="accent1"/>
+          </a:fillRef>
+          <a:effectRef idx="0">
+            <a:schemeClr val="accent1"/>
+          </a:effectRef>
+          <a:fontRef idx="minor">
+            <a:schemeClr val="tx1"/>
+          </a:fontRef>
+        </p:style>
+      </p:cxnSp>
+      <mc:AlternateContent xmlns:mc="http://schemas.openxmlformats.org/markup-compatibility/2006">
+        <mc:Choice xmlns:a14="http://schemas.microsoft.com/office/drawing/2010/main" Requires="a14">
+          <p:sp>
+            <p:nvSpPr>
+              <p:cNvPr id="18" name="직사각형 17"/>
+              <p:cNvSpPr/>
+              <p:nvPr/>
+            </p:nvSpPr>
+            <p:spPr>
+              <a:xfrm>
+                <a:off x="4348545" y="1020801"/>
+                <a:ext cx="558748" cy="369332"/>
+              </a:xfrm>
+              <a:prstGeom prst="rect">
+                <a:avLst/>
+              </a:prstGeom>
+            </p:spPr>
+            <p:txBody>
+              <a:bodyPr wrap="square">
+                <a:spAutoFit/>
+              </a:bodyPr>
+              <a:lstStyle/>
+              <a:p>
+                <a:pPr algn="ctr"/>
+                <a14:m>
+                  <m:oMathPara xmlns:m="http://schemas.openxmlformats.org/officeDocument/2006/math">
+                    <m:oMathParaPr>
+                      <m:jc m:val="center"/>
+                    </m:oMathParaPr>
+                    <m:oMath xmlns:m="http://schemas.openxmlformats.org/officeDocument/2006/math">
+                      <m:sSub>
+                        <m:sSubPr>
+                          <m:ctrlPr>
+                            <a:rPr lang="en-US" altLang="ko-KR" b="0" i="1" dirty="0" smtClean="0">
+                              <a:latin typeface="Cambria Math"/>
+                              <a:ea typeface="마루 부리 Beta" pitchFamily="50" charset="-127"/>
+                            </a:rPr>
+                          </m:ctrlPr>
+                        </m:sSubPr>
+                        <m:e>
+                          <m:r>
+                            <a:rPr lang="en-US" altLang="ko-KR" b="0" i="1" dirty="0" smtClean="0">
+                              <a:latin typeface="Cambria Math"/>
+                              <a:ea typeface="마루 부리 Beta" pitchFamily="50" charset="-127"/>
+                            </a:rPr>
+                            <m:t>𝑦</m:t>
+                          </m:r>
+                        </m:e>
+                        <m:sub>
+                          <m:r>
+                            <a:rPr lang="en-US" altLang="ko-KR" b="0" i="1" dirty="0" smtClean="0">
+                              <a:latin typeface="Cambria Math"/>
+                              <a:ea typeface="마루 부리 Beta" pitchFamily="50" charset="-127"/>
+                            </a:rPr>
+                            <m:t>1</m:t>
+                          </m:r>
+                        </m:sub>
+                      </m:sSub>
+                      <m:r>
+                        <a:rPr lang="en-US" altLang="ko-KR" b="0" i="1" dirty="0" smtClean="0">
+                          <a:latin typeface="Cambria Math"/>
+                          <a:ea typeface="마루 부리 Beta" pitchFamily="50" charset="-127"/>
+                        </a:rPr>
+                        <m:t>[</m:t>
+                      </m:r>
+                      <m:r>
+                        <a:rPr lang="en-US" altLang="ko-KR" b="0" i="1" dirty="0" smtClean="0">
+                          <a:latin typeface="Cambria Math"/>
+                          <a:ea typeface="마루 부리 Beta" pitchFamily="50" charset="-127"/>
+                        </a:rPr>
+                        <m:t>𝑛</m:t>
+                      </m:r>
+                      <m:r>
+                        <a:rPr lang="en-US" altLang="ko-KR" b="0" i="1" dirty="0" smtClean="0">
+                          <a:latin typeface="Cambria Math"/>
+                          <a:ea typeface="마루 부리 Beta" pitchFamily="50" charset="-127"/>
+                        </a:rPr>
+                        <m:t>]</m:t>
+                      </m:r>
+                    </m:oMath>
+                  </m:oMathPara>
+                </a14:m>
+                <a:endParaRPr lang="en-US" altLang="ko-KR" dirty="0">
+                  <a:latin typeface="마루 부리 Beta" pitchFamily="50" charset="-127"/>
+                  <a:ea typeface="마루 부리 Beta" pitchFamily="50" charset="-127"/>
+                </a:endParaRPr>
+              </a:p>
+            </p:txBody>
+          </p:sp>
+        </mc:Choice>
+        <mc:Fallback>
+          <p:sp>
+            <p:nvSpPr>
+              <p:cNvPr id="18" name="직사각형 17"/>
+              <p:cNvSpPr>
+                <a:spLocks noRot="1" noChangeAspect="1" noMove="1" noResize="1" noEditPoints="1" noAdjustHandles="1" noChangeArrowheads="1" noChangeShapeType="1" noTextEdit="1"/>
+              </p:cNvSpPr>
+              <p:nvPr/>
+            </p:nvSpPr>
+            <p:spPr>
+              <a:xfrm>
+                <a:off x="4348545" y="1020801"/>
+                <a:ext cx="558748" cy="369332"/>
+              </a:xfrm>
+              <a:prstGeom prst="rect">
+                <a:avLst/>
+              </a:prstGeom>
+              <a:blipFill rotWithShape="1">
+                <a:blip r:embed="rId4"/>
+                <a:stretch>
+                  <a:fillRect l="-16304" r="-10870" b="-14754"/>
+                </a:stretch>
+              </a:blipFill>
+            </p:spPr>
+            <p:txBody>
+              <a:bodyPr/>
+              <a:lstStyle/>
+              <a:p>
+                <a:r>
+                  <a:rPr lang="ko-KR" altLang="en-US">
+                    <a:noFill/>
+                  </a:rPr>
+                  <a:t> </a:t>
+                </a:r>
+              </a:p>
+            </p:txBody>
+          </p:sp>
+        </mc:Fallback>
+      </mc:AlternateContent>
+      <p:cxnSp>
+        <p:nvCxnSpPr>
+          <p:cNvPr id="19" name="직선 화살표 연결선 18"/>
+          <p:cNvCxnSpPr/>
+          <p:nvPr/>
+        </p:nvCxnSpPr>
+        <p:spPr>
+          <a:xfrm>
+            <a:off x="3943843" y="2254229"/>
+            <a:ext cx="1368152" cy="0"/>
+          </a:xfrm>
+          <a:prstGeom prst="straightConnector1">
+            <a:avLst/>
+          </a:prstGeom>
+          <a:ln w="19050">
+            <a:solidFill>
+              <a:schemeClr val="tx1"/>
+            </a:solidFill>
+            <a:tailEnd type="arrow"/>
+          </a:ln>
+        </p:spPr>
+        <p:style>
+          <a:lnRef idx="1">
+            <a:schemeClr val="accent1"/>
+          </a:lnRef>
+          <a:fillRef idx="0">
+            <a:schemeClr val="accent1"/>
+          </a:fillRef>
+          <a:effectRef idx="0">
+            <a:schemeClr val="accent1"/>
+          </a:effectRef>
+          <a:fontRef idx="minor">
+            <a:schemeClr val="tx1"/>
+          </a:fontRef>
+        </p:style>
+      </p:cxnSp>
+      <mc:AlternateContent xmlns:mc="http://schemas.openxmlformats.org/markup-compatibility/2006">
+        <mc:Choice xmlns:a14="http://schemas.microsoft.com/office/drawing/2010/main" Requires="a14">
+          <p:sp>
+            <p:nvSpPr>
+              <p:cNvPr id="20" name="직사각형 19"/>
+              <p:cNvSpPr/>
+              <p:nvPr/>
+            </p:nvSpPr>
+            <p:spPr>
+              <a:xfrm>
+                <a:off x="4348545" y="1884897"/>
+                <a:ext cx="558748" cy="369332"/>
+              </a:xfrm>
+              <a:prstGeom prst="rect">
+                <a:avLst/>
+              </a:prstGeom>
+            </p:spPr>
+            <p:txBody>
+              <a:bodyPr wrap="square">
+                <a:spAutoFit/>
+              </a:bodyPr>
+              <a:lstStyle/>
+              <a:p>
+                <a:pPr algn="ctr"/>
+                <a14:m>
+                  <m:oMathPara xmlns:m="http://schemas.openxmlformats.org/officeDocument/2006/math">
+                    <m:oMathParaPr>
+                      <m:jc m:val="center"/>
+                    </m:oMathParaPr>
+                    <m:oMath xmlns:m="http://schemas.openxmlformats.org/officeDocument/2006/math">
+                      <m:sSub>
+                        <m:sSubPr>
+                          <m:ctrlPr>
+                            <a:rPr lang="en-US" altLang="ko-KR" b="0" i="1" dirty="0" smtClean="0">
+                              <a:latin typeface="Cambria Math"/>
+                              <a:ea typeface="마루 부리 Beta" pitchFamily="50" charset="-127"/>
+                            </a:rPr>
+                          </m:ctrlPr>
+                        </m:sSubPr>
+                        <m:e>
+                          <m:r>
+                            <a:rPr lang="en-US" altLang="ko-KR" b="0" i="1" dirty="0" smtClean="0">
+                              <a:latin typeface="Cambria Math"/>
+                              <a:ea typeface="마루 부리 Beta" pitchFamily="50" charset="-127"/>
+                            </a:rPr>
+                            <m:t>𝑦</m:t>
+                          </m:r>
+                        </m:e>
+                        <m:sub>
+                          <m:r>
+                            <a:rPr lang="en-US" altLang="ko-KR" b="0" i="1" dirty="0" smtClean="0">
+                              <a:latin typeface="Cambria Math"/>
+                              <a:ea typeface="마루 부리 Beta" pitchFamily="50" charset="-127"/>
+                            </a:rPr>
+                            <m:t>2</m:t>
+                          </m:r>
+                        </m:sub>
+                      </m:sSub>
+                      <m:r>
+                        <a:rPr lang="en-US" altLang="ko-KR" b="0" i="1" dirty="0" smtClean="0">
+                          <a:latin typeface="Cambria Math"/>
+                          <a:ea typeface="마루 부리 Beta" pitchFamily="50" charset="-127"/>
+                        </a:rPr>
+                        <m:t>[</m:t>
+                      </m:r>
+                      <m:r>
+                        <a:rPr lang="en-US" altLang="ko-KR" b="0" i="1" dirty="0" smtClean="0">
+                          <a:latin typeface="Cambria Math"/>
+                          <a:ea typeface="마루 부리 Beta" pitchFamily="50" charset="-127"/>
+                        </a:rPr>
+                        <m:t>𝑛</m:t>
+                      </m:r>
+                      <m:r>
+                        <a:rPr lang="en-US" altLang="ko-KR" b="0" i="1" dirty="0" smtClean="0">
+                          <a:latin typeface="Cambria Math"/>
+                          <a:ea typeface="마루 부리 Beta" pitchFamily="50" charset="-127"/>
+                        </a:rPr>
+                        <m:t>]</m:t>
+                      </m:r>
+                    </m:oMath>
+                  </m:oMathPara>
+                </a14:m>
+                <a:endParaRPr lang="en-US" altLang="ko-KR" dirty="0">
+                  <a:latin typeface="마루 부리 Beta" pitchFamily="50" charset="-127"/>
+                  <a:ea typeface="마루 부리 Beta" pitchFamily="50" charset="-127"/>
+                </a:endParaRPr>
+              </a:p>
+            </p:txBody>
+          </p:sp>
+        </mc:Choice>
+        <mc:Fallback>
+          <p:sp>
+            <p:nvSpPr>
+              <p:cNvPr id="20" name="직사각형 19"/>
+              <p:cNvSpPr>
+                <a:spLocks noRot="1" noChangeAspect="1" noMove="1" noResize="1" noEditPoints="1" noAdjustHandles="1" noChangeArrowheads="1" noChangeShapeType="1" noTextEdit="1"/>
+              </p:cNvSpPr>
+              <p:nvPr/>
+            </p:nvSpPr>
+            <p:spPr>
+              <a:xfrm>
+                <a:off x="4348545" y="1884897"/>
+                <a:ext cx="558748" cy="369332"/>
+              </a:xfrm>
+              <a:prstGeom prst="rect">
+                <a:avLst/>
+              </a:prstGeom>
+              <a:blipFill rotWithShape="1">
+                <a:blip r:embed="rId5"/>
+                <a:stretch>
+                  <a:fillRect l="-16304" r="-11957" b="-14754"/>
+                </a:stretch>
+              </a:blipFill>
+            </p:spPr>
+            <p:txBody>
+              <a:bodyPr/>
+              <a:lstStyle/>
+              <a:p>
+                <a:r>
+                  <a:rPr lang="ko-KR" altLang="en-US">
+                    <a:noFill/>
+                  </a:rPr>
+                  <a:t> </a:t>
+                </a:r>
+              </a:p>
+            </p:txBody>
+          </p:sp>
+        </mc:Fallback>
+      </mc:AlternateContent>
+      <p:sp>
+        <p:nvSpPr>
+          <p:cNvPr id="21" name="순서도: 가산 접합 20"/>
+          <p:cNvSpPr/>
+          <p:nvPr/>
+        </p:nvSpPr>
+        <p:spPr>
+          <a:xfrm>
+            <a:off x="5308639" y="1251391"/>
+            <a:ext cx="277485" cy="277485"/>
+          </a:xfrm>
+          <a:prstGeom prst="flowChartSummingJunction">
+            <a:avLst/>
+          </a:prstGeom>
+          <a:solidFill>
+            <a:schemeClr val="bg1"/>
+          </a:solidFill>
+          <a:ln>
+            <a:solidFill>
+              <a:srgbClr val="FF0000"/>
+            </a:solidFill>
+          </a:ln>
+        </p:spPr>
+        <p:style>
+          <a:lnRef idx="2">
+            <a:schemeClr val="accent1">
+              <a:shade val="50000"/>
+            </a:schemeClr>
+          </a:lnRef>
+          <a:fillRef idx="1">
+            <a:schemeClr val="accent1"/>
+          </a:fillRef>
+          <a:effectRef idx="0">
+            <a:schemeClr val="accent1"/>
+          </a:effectRef>
+          <a:fontRef idx="minor">
+            <a:schemeClr val="lt1"/>
+          </a:fontRef>
+        </p:style>
+        <p:txBody>
+          <a:bodyPr rtlCol="0" anchor="ctr"/>
+          <a:lstStyle/>
+          <a:p>
+            <a:pPr algn="ctr"/>
+            <a:endParaRPr lang="ko-KR" altLang="en-US"/>
+          </a:p>
+        </p:txBody>
+      </p:sp>
+      <p:sp>
+        <p:nvSpPr>
+          <p:cNvPr id="22" name="순서도: 가산 접합 21"/>
+          <p:cNvSpPr/>
+          <p:nvPr/>
+        </p:nvSpPr>
+        <p:spPr>
+          <a:xfrm>
+            <a:off x="5308639" y="2115487"/>
+            <a:ext cx="277485" cy="277485"/>
+          </a:xfrm>
+          <a:prstGeom prst="flowChartSummingJunction">
+            <a:avLst/>
+          </a:prstGeom>
+          <a:solidFill>
+            <a:schemeClr val="bg1"/>
+          </a:solidFill>
+          <a:ln>
+            <a:solidFill>
+              <a:srgbClr val="FF0000"/>
+            </a:solidFill>
+          </a:ln>
+        </p:spPr>
+        <p:style>
+          <a:lnRef idx="2">
+            <a:schemeClr val="accent1">
+              <a:shade val="50000"/>
+            </a:schemeClr>
+          </a:lnRef>
+          <a:fillRef idx="1">
+            <a:schemeClr val="accent1"/>
+          </a:fillRef>
+          <a:effectRef idx="0">
+            <a:schemeClr val="accent1"/>
+          </a:effectRef>
+          <a:fontRef idx="minor">
+            <a:schemeClr val="lt1"/>
+          </a:fontRef>
+        </p:style>
+        <p:txBody>
+          <a:bodyPr rtlCol="0" anchor="ctr"/>
+          <a:lstStyle/>
+          <a:p>
+            <a:pPr algn="ctr"/>
+            <a:endParaRPr lang="ko-KR" altLang="en-US"/>
+          </a:p>
+        </p:txBody>
+      </p:sp>
+      <p:sp>
+        <p:nvSpPr>
+          <p:cNvPr id="23" name="순서도: 논리합 22"/>
+          <p:cNvSpPr/>
+          <p:nvPr/>
+        </p:nvSpPr>
+        <p:spPr>
+          <a:xfrm>
+            <a:off x="6268605" y="1657109"/>
+            <a:ext cx="277485" cy="277485"/>
+          </a:xfrm>
+          <a:prstGeom prst="flowChartOr">
+            <a:avLst/>
+          </a:prstGeom>
+          <a:solidFill>
+            <a:schemeClr val="bg1"/>
+          </a:solidFill>
+          <a:ln>
+            <a:solidFill>
+              <a:srgbClr val="FF0000"/>
+            </a:solidFill>
+          </a:ln>
+        </p:spPr>
+        <p:style>
+          <a:lnRef idx="2">
+            <a:schemeClr val="accent1">
+              <a:shade val="50000"/>
+            </a:schemeClr>
+          </a:lnRef>
+          <a:fillRef idx="1">
+            <a:schemeClr val="accent1"/>
+          </a:fillRef>
+          <a:effectRef idx="0">
+            <a:schemeClr val="accent1"/>
+          </a:effectRef>
+          <a:fontRef idx="minor">
+            <a:schemeClr val="lt1"/>
+          </a:fontRef>
+        </p:style>
+        <p:txBody>
+          <a:bodyPr rtlCol="0" anchor="ctr"/>
+          <a:lstStyle/>
+          <a:p>
+            <a:pPr algn="ctr"/>
+            <a:endParaRPr lang="ko-KR" altLang="en-US"/>
+          </a:p>
+        </p:txBody>
+      </p:sp>
+      <p:cxnSp>
+        <p:nvCxnSpPr>
+          <p:cNvPr id="25" name="꺾인 연결선 24"/>
+          <p:cNvCxnSpPr>
+            <a:stCxn id="21" idx="6"/>
+            <a:endCxn id="23" idx="0"/>
+          </p:cNvCxnSpPr>
+          <p:nvPr/>
+        </p:nvCxnSpPr>
+        <p:spPr>
+          <a:xfrm>
+            <a:off x="5586124" y="1390134"/>
+            <a:ext cx="821224" cy="266975"/>
+          </a:xfrm>
+          <a:prstGeom prst="bentConnector2">
+            <a:avLst/>
+          </a:prstGeom>
+          <a:ln w="19050">
+            <a:solidFill>
+              <a:srgbClr val="FF0000"/>
+            </a:solidFill>
+            <a:tailEnd type="arrow"/>
+          </a:ln>
+        </p:spPr>
+        <p:style>
+          <a:lnRef idx="1">
+            <a:schemeClr val="accent1"/>
+          </a:lnRef>
+          <a:fillRef idx="0">
+            <a:schemeClr val="accent1"/>
+          </a:fillRef>
+          <a:effectRef idx="0">
+            <a:schemeClr val="accent1"/>
+          </a:effectRef>
+          <a:fontRef idx="minor">
+            <a:schemeClr val="tx1"/>
+          </a:fontRef>
+        </p:style>
+      </p:cxnSp>
+      <p:cxnSp>
+        <p:nvCxnSpPr>
+          <p:cNvPr id="27" name="꺾인 연결선 26"/>
+          <p:cNvCxnSpPr>
+            <a:stCxn id="22" idx="6"/>
+            <a:endCxn id="23" idx="4"/>
+          </p:cNvCxnSpPr>
+          <p:nvPr/>
+        </p:nvCxnSpPr>
+        <p:spPr>
+          <a:xfrm flipV="1">
+            <a:off x="5586124" y="1934594"/>
+            <a:ext cx="821224" cy="319636"/>
+          </a:xfrm>
+          <a:prstGeom prst="bentConnector2">
+            <a:avLst/>
+          </a:prstGeom>
+          <a:ln w="19050">
+            <a:solidFill>
+              <a:srgbClr val="FF0000"/>
+            </a:solidFill>
+            <a:tailEnd type="arrow"/>
+          </a:ln>
+        </p:spPr>
+        <p:style>
+          <a:lnRef idx="1">
+            <a:schemeClr val="accent1"/>
+          </a:lnRef>
+          <a:fillRef idx="0">
+            <a:schemeClr val="accent1"/>
+          </a:fillRef>
+          <a:effectRef idx="0">
+            <a:schemeClr val="accent1"/>
+          </a:effectRef>
+          <a:fontRef idx="minor">
+            <a:schemeClr val="tx1"/>
+          </a:fontRef>
+        </p:style>
+      </p:cxnSp>
+      <p:cxnSp>
+        <p:nvCxnSpPr>
+          <p:cNvPr id="33" name="직선 화살표 연결선 32"/>
+          <p:cNvCxnSpPr/>
+          <p:nvPr/>
+        </p:nvCxnSpPr>
+        <p:spPr>
+          <a:xfrm>
+            <a:off x="6546090" y="1795851"/>
+            <a:ext cx="684076" cy="0"/>
+          </a:xfrm>
+          <a:prstGeom prst="straightConnector1">
+            <a:avLst/>
+          </a:prstGeom>
+          <a:ln w="19050">
+            <a:solidFill>
+              <a:schemeClr val="tx1"/>
+            </a:solidFill>
+            <a:tailEnd type="arrow"/>
+          </a:ln>
+        </p:spPr>
+        <p:style>
+          <a:lnRef idx="1">
+            <a:schemeClr val="accent1"/>
+          </a:lnRef>
+          <a:fillRef idx="0">
+            <a:schemeClr val="accent1"/>
+          </a:fillRef>
+          <a:effectRef idx="0">
+            <a:schemeClr val="accent1"/>
+          </a:effectRef>
+          <a:fontRef idx="minor">
+            <a:schemeClr val="tx1"/>
+          </a:fontRef>
+        </p:style>
+      </p:cxnSp>
+      <mc:AlternateContent xmlns:mc="http://schemas.openxmlformats.org/markup-compatibility/2006">
+        <mc:Choice xmlns:a14="http://schemas.microsoft.com/office/drawing/2010/main" Requires="a14">
+          <p:sp>
+            <p:nvSpPr>
+              <p:cNvPr id="34" name="직사각형 33"/>
+              <p:cNvSpPr/>
+              <p:nvPr/>
+            </p:nvSpPr>
+            <p:spPr>
+              <a:xfrm>
+                <a:off x="7290551" y="1602559"/>
+                <a:ext cx="558748" cy="369332"/>
+              </a:xfrm>
+              <a:prstGeom prst="rect">
+                <a:avLst/>
+              </a:prstGeom>
+            </p:spPr>
+            <p:txBody>
+              <a:bodyPr wrap="square">
+                <a:spAutoFit/>
+              </a:bodyPr>
+              <a:lstStyle/>
+              <a:p>
+                <a:pPr algn="ctr"/>
+                <a14:m>
+                  <m:oMathPara xmlns:m="http://schemas.openxmlformats.org/officeDocument/2006/math">
+                    <m:oMathParaPr>
+                      <m:jc m:val="center"/>
+                    </m:oMathParaPr>
+                    <m:oMath xmlns:m="http://schemas.openxmlformats.org/officeDocument/2006/math">
+                      <m:r>
+                        <a:rPr lang="en-US" altLang="ko-KR" b="0" i="1" dirty="0" smtClean="0">
+                          <a:latin typeface="Cambria Math"/>
+                          <a:ea typeface="마루 부리 Beta" pitchFamily="50" charset="-127"/>
+                        </a:rPr>
+                        <m:t>𝑤</m:t>
+                      </m:r>
+                      <m:r>
+                        <a:rPr lang="en-US" altLang="ko-KR" b="0" i="1" dirty="0" smtClean="0">
+                          <a:latin typeface="Cambria Math"/>
+                          <a:ea typeface="마루 부리 Beta" pitchFamily="50" charset="-127"/>
+                        </a:rPr>
+                        <m:t>[</m:t>
+                      </m:r>
+                      <m:r>
+                        <a:rPr lang="en-US" altLang="ko-KR" b="0" i="1" dirty="0" smtClean="0">
+                          <a:latin typeface="Cambria Math"/>
+                          <a:ea typeface="마루 부리 Beta" pitchFamily="50" charset="-127"/>
+                        </a:rPr>
+                        <m:t>𝑛</m:t>
+                      </m:r>
+                      <m:r>
+                        <a:rPr lang="en-US" altLang="ko-KR" b="0" i="1" dirty="0" smtClean="0">
+                          <a:latin typeface="Cambria Math"/>
+                          <a:ea typeface="마루 부리 Beta" pitchFamily="50" charset="-127"/>
+                        </a:rPr>
+                        <m:t>]</m:t>
+                      </m:r>
+                    </m:oMath>
+                  </m:oMathPara>
+                </a14:m>
+                <a:endParaRPr lang="en-US" altLang="ko-KR" dirty="0">
+                  <a:latin typeface="마루 부리 Beta" pitchFamily="50" charset="-127"/>
+                  <a:ea typeface="마루 부리 Beta" pitchFamily="50" charset="-127"/>
+                </a:endParaRPr>
+              </a:p>
+            </p:txBody>
+          </p:sp>
+        </mc:Choice>
+        <mc:Fallback>
+          <p:sp>
+            <p:nvSpPr>
+              <p:cNvPr id="34" name="직사각형 33"/>
+              <p:cNvSpPr>
+                <a:spLocks noRot="1" noChangeAspect="1" noMove="1" noResize="1" noEditPoints="1" noAdjustHandles="1" noChangeArrowheads="1" noChangeShapeType="1" noTextEdit="1"/>
+              </p:cNvSpPr>
+              <p:nvPr/>
+            </p:nvSpPr>
+            <p:spPr>
+              <a:xfrm>
+                <a:off x="7290551" y="1602559"/>
+                <a:ext cx="558748" cy="369332"/>
+              </a:xfrm>
+              <a:prstGeom prst="rect">
+                <a:avLst/>
+              </a:prstGeom>
+              <a:blipFill rotWithShape="1">
+                <a:blip r:embed="rId6"/>
+                <a:stretch>
+                  <a:fillRect l="-7609" r="-6522" b="-16667"/>
+                </a:stretch>
+              </a:blipFill>
+            </p:spPr>
+            <p:txBody>
+              <a:bodyPr/>
+              <a:lstStyle/>
+              <a:p>
+                <a:r>
+                  <a:rPr lang="ko-KR" altLang="en-US">
+                    <a:noFill/>
+                  </a:rPr>
+                  <a:t> </a:t>
+                </a:r>
+              </a:p>
+            </p:txBody>
+          </p:sp>
+        </mc:Fallback>
+      </mc:AlternateContent>
+      <p:sp>
+        <p:nvSpPr>
+          <p:cNvPr id="37" name="순서도: 가산 접합 36"/>
+          <p:cNvSpPr/>
+          <p:nvPr/>
+        </p:nvSpPr>
+        <p:spPr>
+          <a:xfrm>
+            <a:off x="2723314" y="3585224"/>
+            <a:ext cx="277485" cy="277485"/>
+          </a:xfrm>
+          <a:prstGeom prst="flowChartSummingJunction">
+            <a:avLst/>
+          </a:prstGeom>
+          <a:solidFill>
+            <a:schemeClr val="bg1"/>
+          </a:solidFill>
+          <a:ln>
+            <a:solidFill>
+              <a:srgbClr val="FF0000"/>
+            </a:solidFill>
+          </a:ln>
+        </p:spPr>
+        <p:style>
+          <a:lnRef idx="2">
+            <a:schemeClr val="accent1">
+              <a:shade val="50000"/>
+            </a:schemeClr>
+          </a:lnRef>
+          <a:fillRef idx="1">
+            <a:schemeClr val="accent1"/>
+          </a:fillRef>
+          <a:effectRef idx="0">
+            <a:schemeClr val="accent1"/>
+          </a:effectRef>
+          <a:fontRef idx="minor">
+            <a:schemeClr val="lt1"/>
+          </a:fontRef>
+        </p:style>
+        <p:txBody>
+          <a:bodyPr rtlCol="0" anchor="ctr"/>
+          <a:lstStyle/>
+          <a:p>
+            <a:pPr algn="ctr"/>
+            <a:endParaRPr lang="ko-KR" altLang="en-US"/>
+          </a:p>
+        </p:txBody>
+      </p:sp>
+      <p:sp>
+        <p:nvSpPr>
+          <p:cNvPr id="38" name="순서도: 가산 접합 37"/>
+          <p:cNvSpPr/>
+          <p:nvPr/>
+        </p:nvSpPr>
+        <p:spPr>
+          <a:xfrm>
+            <a:off x="2723314" y="4449320"/>
+            <a:ext cx="277485" cy="277485"/>
+          </a:xfrm>
+          <a:prstGeom prst="flowChartSummingJunction">
+            <a:avLst/>
+          </a:prstGeom>
+          <a:solidFill>
+            <a:schemeClr val="bg1"/>
+          </a:solidFill>
+          <a:ln>
+            <a:solidFill>
+              <a:srgbClr val="FF0000"/>
+            </a:solidFill>
+          </a:ln>
+        </p:spPr>
+        <p:style>
+          <a:lnRef idx="2">
+            <a:schemeClr val="accent1">
+              <a:shade val="50000"/>
+            </a:schemeClr>
+          </a:lnRef>
+          <a:fillRef idx="1">
+            <a:schemeClr val="accent1"/>
+          </a:fillRef>
+          <a:effectRef idx="0">
+            <a:schemeClr val="accent1"/>
+          </a:effectRef>
+          <a:fontRef idx="minor">
+            <a:schemeClr val="lt1"/>
+          </a:fontRef>
+        </p:style>
+        <p:txBody>
+          <a:bodyPr rtlCol="0" anchor="ctr"/>
+          <a:lstStyle/>
+          <a:p>
+            <a:pPr algn="ctr"/>
+            <a:endParaRPr lang="ko-KR" altLang="en-US"/>
+          </a:p>
+        </p:txBody>
+      </p:sp>
+      <p:sp>
+        <p:nvSpPr>
+          <p:cNvPr id="39" name="순서도: 논리합 38"/>
+          <p:cNvSpPr/>
+          <p:nvPr/>
+        </p:nvSpPr>
+        <p:spPr>
+          <a:xfrm>
+            <a:off x="3683280" y="3990942"/>
+            <a:ext cx="277485" cy="277485"/>
+          </a:xfrm>
+          <a:prstGeom prst="flowChartOr">
+            <a:avLst/>
+          </a:prstGeom>
+          <a:solidFill>
+            <a:schemeClr val="bg1"/>
+          </a:solidFill>
+          <a:ln>
+            <a:solidFill>
+              <a:srgbClr val="FF0000"/>
+            </a:solidFill>
+          </a:ln>
+        </p:spPr>
+        <p:style>
+          <a:lnRef idx="2">
+            <a:schemeClr val="accent1">
+              <a:shade val="50000"/>
+            </a:schemeClr>
+          </a:lnRef>
+          <a:fillRef idx="1">
+            <a:schemeClr val="accent1"/>
+          </a:fillRef>
+          <a:effectRef idx="0">
+            <a:schemeClr val="accent1"/>
+          </a:effectRef>
+          <a:fontRef idx="minor">
+            <a:schemeClr val="lt1"/>
+          </a:fontRef>
+        </p:style>
+        <p:txBody>
+          <a:bodyPr rtlCol="0" anchor="ctr"/>
+          <a:lstStyle/>
+          <a:p>
+            <a:pPr algn="ctr"/>
+            <a:endParaRPr lang="ko-KR" altLang="en-US"/>
+          </a:p>
+        </p:txBody>
+      </p:sp>
+      <p:cxnSp>
+        <p:nvCxnSpPr>
+          <p:cNvPr id="40" name="꺾인 연결선 39"/>
+          <p:cNvCxnSpPr>
+            <a:stCxn id="37" idx="6"/>
+            <a:endCxn id="39" idx="0"/>
+          </p:cNvCxnSpPr>
+          <p:nvPr/>
+        </p:nvCxnSpPr>
+        <p:spPr>
+          <a:xfrm>
+            <a:off x="3000799" y="3723967"/>
+            <a:ext cx="821224" cy="266975"/>
+          </a:xfrm>
+          <a:prstGeom prst="bentConnector2">
+            <a:avLst/>
+          </a:prstGeom>
+          <a:ln w="19050">
+            <a:solidFill>
+              <a:srgbClr val="FF0000"/>
+            </a:solidFill>
+            <a:tailEnd type="arrow"/>
+          </a:ln>
+        </p:spPr>
+        <p:style>
+          <a:lnRef idx="1">
+            <a:schemeClr val="accent1"/>
+          </a:lnRef>
+          <a:fillRef idx="0">
+            <a:schemeClr val="accent1"/>
+          </a:fillRef>
+          <a:effectRef idx="0">
+            <a:schemeClr val="accent1"/>
+          </a:effectRef>
+          <a:fontRef idx="minor">
+            <a:schemeClr val="tx1"/>
+          </a:fontRef>
+        </p:style>
+      </p:cxnSp>
+      <p:cxnSp>
+        <p:nvCxnSpPr>
+          <p:cNvPr id="41" name="꺾인 연결선 40"/>
+          <p:cNvCxnSpPr>
+            <a:stCxn id="38" idx="6"/>
+            <a:endCxn id="39" idx="4"/>
+          </p:cNvCxnSpPr>
+          <p:nvPr/>
+        </p:nvCxnSpPr>
+        <p:spPr>
+          <a:xfrm flipV="1">
+            <a:off x="3000799" y="4268427"/>
+            <a:ext cx="821224" cy="319636"/>
+          </a:xfrm>
+          <a:prstGeom prst="bentConnector2">
+            <a:avLst/>
+          </a:prstGeom>
+          <a:ln w="19050">
+            <a:solidFill>
+              <a:srgbClr val="FF0000"/>
+            </a:solidFill>
+            <a:tailEnd type="arrow"/>
+          </a:ln>
+        </p:spPr>
+        <p:style>
+          <a:lnRef idx="1">
+            <a:schemeClr val="accent1"/>
+          </a:lnRef>
+          <a:fillRef idx="0">
+            <a:schemeClr val="accent1"/>
+          </a:fillRef>
+          <a:effectRef idx="0">
+            <a:schemeClr val="accent1"/>
+          </a:effectRef>
+          <a:fontRef idx="minor">
+            <a:schemeClr val="tx1"/>
+          </a:fontRef>
+        </p:style>
+      </p:cxnSp>
+      <p:cxnSp>
+        <p:nvCxnSpPr>
+          <p:cNvPr id="42" name="직선 화살표 연결선 41"/>
+          <p:cNvCxnSpPr/>
+          <p:nvPr/>
+        </p:nvCxnSpPr>
+        <p:spPr>
+          <a:xfrm>
+            <a:off x="1346875" y="3723967"/>
+            <a:ext cx="1368152" cy="0"/>
+          </a:xfrm>
+          <a:prstGeom prst="straightConnector1">
+            <a:avLst/>
+          </a:prstGeom>
+          <a:ln w="19050">
+            <a:solidFill>
+              <a:schemeClr val="tx1"/>
+            </a:solidFill>
+            <a:tailEnd type="arrow"/>
+          </a:ln>
+        </p:spPr>
+        <p:style>
+          <a:lnRef idx="1">
+            <a:schemeClr val="accent1"/>
+          </a:lnRef>
+          <a:fillRef idx="0">
+            <a:schemeClr val="accent1"/>
+          </a:fillRef>
+          <a:effectRef idx="0">
+            <a:schemeClr val="accent1"/>
+          </a:effectRef>
+          <a:fontRef idx="minor">
+            <a:schemeClr val="tx1"/>
+          </a:fontRef>
+        </p:style>
+      </p:cxnSp>
+      <mc:AlternateContent xmlns:mc="http://schemas.openxmlformats.org/markup-compatibility/2006">
+        <mc:Choice xmlns:a14="http://schemas.microsoft.com/office/drawing/2010/main" Requires="a14">
+          <p:sp>
+            <p:nvSpPr>
+              <p:cNvPr id="43" name="직사각형 42"/>
+              <p:cNvSpPr/>
+              <p:nvPr/>
+            </p:nvSpPr>
+            <p:spPr>
+              <a:xfrm>
+                <a:off x="1294701" y="3354635"/>
+                <a:ext cx="558748" cy="369332"/>
+              </a:xfrm>
+              <a:prstGeom prst="rect">
+                <a:avLst/>
+              </a:prstGeom>
+            </p:spPr>
+            <p:txBody>
+              <a:bodyPr wrap="square">
+                <a:spAutoFit/>
+              </a:bodyPr>
+              <a:lstStyle/>
+              <a:p>
+                <a:pPr algn="ctr"/>
+                <a14:m>
+                  <m:oMathPara xmlns:m="http://schemas.openxmlformats.org/officeDocument/2006/math">
+                    <m:oMathParaPr>
+                      <m:jc m:val="center"/>
+                    </m:oMathParaPr>
+                    <m:oMath xmlns:m="http://schemas.openxmlformats.org/officeDocument/2006/math">
+                      <m:sSub>
+                        <m:sSubPr>
+                          <m:ctrlPr>
+                            <a:rPr lang="en-US" altLang="ko-KR" b="0" i="1" dirty="0" smtClean="0">
+                              <a:latin typeface="Cambria Math"/>
+                              <a:ea typeface="마루 부리 Beta" pitchFamily="50" charset="-127"/>
+                            </a:rPr>
+                          </m:ctrlPr>
+                        </m:sSubPr>
+                        <m:e>
+                          <m:r>
+                            <a:rPr lang="en-US" altLang="ko-KR" b="0" i="1" dirty="0" smtClean="0">
+                              <a:latin typeface="Cambria Math"/>
+                              <a:ea typeface="마루 부리 Beta" pitchFamily="50" charset="-127"/>
+                            </a:rPr>
+                            <m:t>𝑥</m:t>
+                          </m:r>
+                        </m:e>
+                        <m:sub>
+                          <m:r>
+                            <a:rPr lang="en-US" altLang="ko-KR" b="0" i="1" dirty="0" smtClean="0">
+                              <a:latin typeface="Cambria Math"/>
+                              <a:ea typeface="마루 부리 Beta" pitchFamily="50" charset="-127"/>
+                            </a:rPr>
+                            <m:t>1</m:t>
+                          </m:r>
+                        </m:sub>
+                      </m:sSub>
+                      <m:r>
+                        <a:rPr lang="en-US" altLang="ko-KR" b="0" i="1" dirty="0" smtClean="0">
+                          <a:latin typeface="Cambria Math"/>
+                          <a:ea typeface="마루 부리 Beta" pitchFamily="50" charset="-127"/>
+                        </a:rPr>
+                        <m:t>[</m:t>
+                      </m:r>
+                      <m:r>
+                        <a:rPr lang="en-US" altLang="ko-KR" b="0" i="1" dirty="0" smtClean="0">
+                          <a:latin typeface="Cambria Math"/>
+                          <a:ea typeface="마루 부리 Beta" pitchFamily="50" charset="-127"/>
+                        </a:rPr>
+                        <m:t>𝑛</m:t>
+                      </m:r>
+                      <m:r>
+                        <a:rPr lang="en-US" altLang="ko-KR" b="0" i="1" dirty="0" smtClean="0">
+                          <a:latin typeface="Cambria Math"/>
+                          <a:ea typeface="마루 부리 Beta" pitchFamily="50" charset="-127"/>
+                        </a:rPr>
+                        <m:t>]</m:t>
+                      </m:r>
+                    </m:oMath>
+                  </m:oMathPara>
+                </a14:m>
+                <a:endParaRPr lang="en-US" altLang="ko-KR" dirty="0">
+                  <a:latin typeface="마루 부리 Beta" pitchFamily="50" charset="-127"/>
+                  <a:ea typeface="마루 부리 Beta" pitchFamily="50" charset="-127"/>
+                </a:endParaRPr>
+              </a:p>
+            </p:txBody>
+          </p:sp>
+        </mc:Choice>
+        <mc:Fallback>
+          <p:sp>
+            <p:nvSpPr>
+              <p:cNvPr id="43" name="직사각형 42"/>
+              <p:cNvSpPr>
+                <a:spLocks noRot="1" noChangeAspect="1" noMove="1" noResize="1" noEditPoints="1" noAdjustHandles="1" noChangeArrowheads="1" noChangeShapeType="1" noTextEdit="1"/>
+              </p:cNvSpPr>
+              <p:nvPr/>
+            </p:nvSpPr>
+            <p:spPr>
+              <a:xfrm>
+                <a:off x="1294701" y="3354635"/>
+                <a:ext cx="558748" cy="369332"/>
+              </a:xfrm>
+              <a:prstGeom prst="rect">
+                <a:avLst/>
+              </a:prstGeom>
+              <a:blipFill rotWithShape="1">
+                <a:blip r:embed="rId7"/>
+                <a:stretch>
+                  <a:fillRect l="-11957" r="-10870" b="-14754"/>
+                </a:stretch>
+              </a:blipFill>
+            </p:spPr>
+            <p:txBody>
+              <a:bodyPr/>
+              <a:lstStyle/>
+              <a:p>
+                <a:r>
+                  <a:rPr lang="ko-KR" altLang="en-US">
+                    <a:noFill/>
+                  </a:rPr>
+                  <a:t> </a:t>
+                </a:r>
+              </a:p>
+            </p:txBody>
+          </p:sp>
+        </mc:Fallback>
+      </mc:AlternateContent>
+      <p:cxnSp>
+        <p:nvCxnSpPr>
+          <p:cNvPr id="44" name="직선 화살표 연결선 43"/>
+          <p:cNvCxnSpPr/>
+          <p:nvPr/>
+        </p:nvCxnSpPr>
+        <p:spPr>
+          <a:xfrm>
+            <a:off x="1346875" y="4588063"/>
+            <a:ext cx="1368152" cy="0"/>
+          </a:xfrm>
+          <a:prstGeom prst="straightConnector1">
+            <a:avLst/>
+          </a:prstGeom>
+          <a:ln w="19050">
+            <a:solidFill>
+              <a:schemeClr val="tx1"/>
+            </a:solidFill>
+            <a:tailEnd type="arrow"/>
+          </a:ln>
+        </p:spPr>
+        <p:style>
+          <a:lnRef idx="1">
+            <a:schemeClr val="accent1"/>
+          </a:lnRef>
+          <a:fillRef idx="0">
+            <a:schemeClr val="accent1"/>
+          </a:fillRef>
+          <a:effectRef idx="0">
+            <a:schemeClr val="accent1"/>
+          </a:effectRef>
+          <a:fontRef idx="minor">
+            <a:schemeClr val="tx1"/>
+          </a:fontRef>
+        </p:style>
+      </p:cxnSp>
+      <mc:AlternateContent xmlns:mc="http://schemas.openxmlformats.org/markup-compatibility/2006">
+        <mc:Choice xmlns:a14="http://schemas.microsoft.com/office/drawing/2010/main" Requires="a14">
+          <p:sp>
+            <p:nvSpPr>
+              <p:cNvPr id="45" name="직사각형 44"/>
+              <p:cNvSpPr/>
+              <p:nvPr/>
+            </p:nvSpPr>
+            <p:spPr>
+              <a:xfrm>
+                <a:off x="1294701" y="4218731"/>
+                <a:ext cx="558748" cy="369332"/>
+              </a:xfrm>
+              <a:prstGeom prst="rect">
+                <a:avLst/>
+              </a:prstGeom>
+            </p:spPr>
+            <p:txBody>
+              <a:bodyPr wrap="square">
+                <a:spAutoFit/>
+              </a:bodyPr>
+              <a:lstStyle/>
+              <a:p>
+                <a:pPr algn="ctr"/>
+                <a14:m>
+                  <m:oMathPara xmlns:m="http://schemas.openxmlformats.org/officeDocument/2006/math">
+                    <m:oMathParaPr>
+                      <m:jc m:val="center"/>
+                    </m:oMathParaPr>
+                    <m:oMath xmlns:m="http://schemas.openxmlformats.org/officeDocument/2006/math">
+                      <m:sSub>
+                        <m:sSubPr>
+                          <m:ctrlPr>
+                            <a:rPr lang="en-US" altLang="ko-KR" b="0" i="1" dirty="0" smtClean="0">
+                              <a:latin typeface="Cambria Math"/>
+                              <a:ea typeface="마루 부리 Beta" pitchFamily="50" charset="-127"/>
+                            </a:rPr>
+                          </m:ctrlPr>
+                        </m:sSubPr>
+                        <m:e>
+                          <m:r>
+                            <a:rPr lang="en-US" altLang="ko-KR" b="0" i="1" dirty="0" smtClean="0">
+                              <a:latin typeface="Cambria Math"/>
+                              <a:ea typeface="마루 부리 Beta" pitchFamily="50" charset="-127"/>
+                            </a:rPr>
+                            <m:t>𝑥</m:t>
+                          </m:r>
+                        </m:e>
+                        <m:sub>
+                          <m:r>
+                            <a:rPr lang="en-US" altLang="ko-KR" b="0" i="1" dirty="0" smtClean="0">
+                              <a:latin typeface="Cambria Math"/>
+                              <a:ea typeface="마루 부리 Beta" pitchFamily="50" charset="-127"/>
+                            </a:rPr>
+                            <m:t>2</m:t>
+                          </m:r>
+                        </m:sub>
+                      </m:sSub>
+                      <m:r>
+                        <a:rPr lang="en-US" altLang="ko-KR" b="0" i="1" dirty="0" smtClean="0">
+                          <a:latin typeface="Cambria Math"/>
+                          <a:ea typeface="마루 부리 Beta" pitchFamily="50" charset="-127"/>
+                        </a:rPr>
+                        <m:t>[</m:t>
+                      </m:r>
+                      <m:r>
+                        <a:rPr lang="en-US" altLang="ko-KR" b="0" i="1" dirty="0" smtClean="0">
+                          <a:latin typeface="Cambria Math"/>
+                          <a:ea typeface="마루 부리 Beta" pitchFamily="50" charset="-127"/>
+                        </a:rPr>
+                        <m:t>𝑛</m:t>
+                      </m:r>
+                      <m:r>
+                        <a:rPr lang="en-US" altLang="ko-KR" b="0" i="1" dirty="0" smtClean="0">
+                          <a:latin typeface="Cambria Math"/>
+                          <a:ea typeface="마루 부리 Beta" pitchFamily="50" charset="-127"/>
+                        </a:rPr>
+                        <m:t>]</m:t>
+                      </m:r>
+                    </m:oMath>
+                  </m:oMathPara>
+                </a14:m>
+                <a:endParaRPr lang="en-US" altLang="ko-KR" dirty="0">
+                  <a:latin typeface="마루 부리 Beta" pitchFamily="50" charset="-127"/>
+                  <a:ea typeface="마루 부리 Beta" pitchFamily="50" charset="-127"/>
+                </a:endParaRPr>
+              </a:p>
+            </p:txBody>
+          </p:sp>
+        </mc:Choice>
+        <mc:Fallback>
+          <p:sp>
+            <p:nvSpPr>
+              <p:cNvPr id="45" name="직사각형 44"/>
+              <p:cNvSpPr>
+                <a:spLocks noRot="1" noChangeAspect="1" noMove="1" noResize="1" noEditPoints="1" noAdjustHandles="1" noChangeArrowheads="1" noChangeShapeType="1" noTextEdit="1"/>
+              </p:cNvSpPr>
+              <p:nvPr/>
+            </p:nvSpPr>
+            <p:spPr>
+              <a:xfrm>
+                <a:off x="1294701" y="4218731"/>
+                <a:ext cx="558748" cy="369332"/>
+              </a:xfrm>
+              <a:prstGeom prst="rect">
+                <a:avLst/>
+              </a:prstGeom>
+              <a:blipFill rotWithShape="1">
+                <a:blip r:embed="rId8"/>
+                <a:stretch>
+                  <a:fillRect l="-11957" r="-11957" b="-14754"/>
+                </a:stretch>
+              </a:blipFill>
+            </p:spPr>
+            <p:txBody>
+              <a:bodyPr/>
+              <a:lstStyle/>
+              <a:p>
+                <a:r>
+                  <a:rPr lang="ko-KR" altLang="en-US">
+                    <a:noFill/>
+                  </a:rPr>
+                  <a:t> </a:t>
+                </a:r>
+              </a:p>
+            </p:txBody>
+          </p:sp>
+        </mc:Fallback>
+      </mc:AlternateContent>
+      <p:sp>
+        <p:nvSpPr>
+          <p:cNvPr id="46" name="직사각형 45"/>
+          <p:cNvSpPr/>
+          <p:nvPr/>
+        </p:nvSpPr>
+        <p:spPr>
+          <a:xfrm>
+            <a:off x="5281808" y="3824618"/>
+            <a:ext cx="1224136" cy="630832"/>
+          </a:xfrm>
+          <a:prstGeom prst="rect">
+            <a:avLst/>
+          </a:prstGeom>
+          <a:solidFill>
+            <a:schemeClr val="bg1"/>
+          </a:solidFill>
+          <a:ln>
+            <a:solidFill>
+              <a:schemeClr val="tx1"/>
+            </a:solidFill>
+          </a:ln>
+        </p:spPr>
+        <p:style>
+          <a:lnRef idx="2">
+            <a:schemeClr val="accent1">
+              <a:shade val="50000"/>
+            </a:schemeClr>
+          </a:lnRef>
+          <a:fillRef idx="1">
+            <a:schemeClr val="accent1"/>
+          </a:fillRef>
+          <a:effectRef idx="0">
+            <a:schemeClr val="accent1"/>
+          </a:effectRef>
+          <a:fontRef idx="minor">
+            <a:schemeClr val="lt1"/>
+          </a:fontRef>
+        </p:style>
+        <p:txBody>
+          <a:bodyPr rtlCol="0" anchor="ctr"/>
+          <a:lstStyle/>
+          <a:p>
+            <a:pPr algn="ctr"/>
+            <a:endParaRPr lang="ko-KR" altLang="en-US" dirty="0"/>
+          </a:p>
+        </p:txBody>
+      </p:sp>
+      <p:cxnSp>
+        <p:nvCxnSpPr>
+          <p:cNvPr id="47" name="직선 화살표 연결선 46"/>
+          <p:cNvCxnSpPr>
+            <a:stCxn id="39" idx="6"/>
+            <a:endCxn id="46" idx="1"/>
+          </p:cNvCxnSpPr>
+          <p:nvPr/>
+        </p:nvCxnSpPr>
+        <p:spPr>
+          <a:xfrm>
+            <a:off x="3960765" y="4129685"/>
+            <a:ext cx="1321043" cy="10349"/>
+          </a:xfrm>
+          <a:prstGeom prst="straightConnector1">
+            <a:avLst/>
+          </a:prstGeom>
+          <a:ln w="19050">
+            <a:solidFill>
+              <a:schemeClr val="tx1"/>
+            </a:solidFill>
+            <a:tailEnd type="arrow"/>
+          </a:ln>
+        </p:spPr>
+        <p:style>
+          <a:lnRef idx="1">
+            <a:schemeClr val="accent1"/>
+          </a:lnRef>
+          <a:fillRef idx="0">
+            <a:schemeClr val="accent1"/>
+          </a:fillRef>
+          <a:effectRef idx="0">
+            <a:schemeClr val="accent1"/>
+          </a:effectRef>
+          <a:fontRef idx="minor">
+            <a:schemeClr val="tx1"/>
+          </a:fontRef>
+        </p:style>
+      </p:cxnSp>
+      <mc:AlternateContent xmlns:mc="http://schemas.openxmlformats.org/markup-compatibility/2006">
+        <mc:Choice xmlns:a14="http://schemas.microsoft.com/office/drawing/2010/main" Requires="a14">
+          <p:sp>
+            <p:nvSpPr>
+              <p:cNvPr id="50" name="직사각형 49"/>
+              <p:cNvSpPr/>
+              <p:nvPr/>
+            </p:nvSpPr>
+            <p:spPr>
+              <a:xfrm>
+                <a:off x="4341912" y="3723967"/>
+                <a:ext cx="558748" cy="369332"/>
+              </a:xfrm>
+              <a:prstGeom prst="rect">
+                <a:avLst/>
+              </a:prstGeom>
+            </p:spPr>
+            <p:txBody>
+              <a:bodyPr wrap="square">
+                <a:spAutoFit/>
+              </a:bodyPr>
+              <a:lstStyle/>
+              <a:p>
+                <a:pPr algn="ctr"/>
+                <a14:m>
+                  <m:oMathPara xmlns:m="http://schemas.openxmlformats.org/officeDocument/2006/math">
+                    <m:oMathParaPr>
+                      <m:jc m:val="center"/>
+                    </m:oMathParaPr>
+                    <m:oMath xmlns:m="http://schemas.openxmlformats.org/officeDocument/2006/math">
+                      <m:r>
+                        <a:rPr lang="en-US" altLang="ko-KR" b="0" i="1" dirty="0" smtClean="0">
+                          <a:latin typeface="Cambria Math"/>
+                          <a:ea typeface="마루 부리 Beta" pitchFamily="50" charset="-127"/>
+                        </a:rPr>
+                        <m:t>𝑥</m:t>
+                      </m:r>
+                      <m:r>
+                        <a:rPr lang="en-US" altLang="ko-KR" b="0" i="1" dirty="0" smtClean="0">
+                          <a:latin typeface="Cambria Math"/>
+                          <a:ea typeface="마루 부리 Beta" pitchFamily="50" charset="-127"/>
+                        </a:rPr>
+                        <m:t>[</m:t>
+                      </m:r>
+                      <m:r>
+                        <a:rPr lang="en-US" altLang="ko-KR" b="0" i="1" dirty="0" smtClean="0">
+                          <a:latin typeface="Cambria Math"/>
+                          <a:ea typeface="마루 부리 Beta" pitchFamily="50" charset="-127"/>
+                        </a:rPr>
+                        <m:t>𝑛</m:t>
+                      </m:r>
+                      <m:r>
+                        <a:rPr lang="en-US" altLang="ko-KR" b="0" i="1" dirty="0" smtClean="0">
+                          <a:latin typeface="Cambria Math"/>
+                          <a:ea typeface="마루 부리 Beta" pitchFamily="50" charset="-127"/>
+                        </a:rPr>
+                        <m:t>]</m:t>
+                      </m:r>
+                    </m:oMath>
+                  </m:oMathPara>
+                </a14:m>
+                <a:endParaRPr lang="en-US" altLang="ko-KR" dirty="0">
+                  <a:latin typeface="마루 부리 Beta" pitchFamily="50" charset="-127"/>
+                  <a:ea typeface="마루 부리 Beta" pitchFamily="50" charset="-127"/>
+                </a:endParaRPr>
+              </a:p>
+            </p:txBody>
+          </p:sp>
+        </mc:Choice>
+        <mc:Fallback>
+          <p:sp>
+            <p:nvSpPr>
+              <p:cNvPr id="50" name="직사각형 49"/>
+              <p:cNvSpPr>
+                <a:spLocks noRot="1" noChangeAspect="1" noMove="1" noResize="1" noEditPoints="1" noAdjustHandles="1" noChangeArrowheads="1" noChangeShapeType="1" noTextEdit="1"/>
+              </p:cNvSpPr>
+              <p:nvPr/>
+            </p:nvSpPr>
+            <p:spPr>
+              <a:xfrm>
+                <a:off x="4341912" y="3723967"/>
+                <a:ext cx="558748" cy="369332"/>
+              </a:xfrm>
+              <a:prstGeom prst="rect">
+                <a:avLst/>
+              </a:prstGeom>
+              <a:blipFill rotWithShape="1">
+                <a:blip r:embed="rId9"/>
+                <a:stretch>
+                  <a:fillRect l="-3261" r="-2174" b="-16667"/>
+                </a:stretch>
+              </a:blipFill>
+            </p:spPr>
+            <p:txBody>
+              <a:bodyPr/>
+              <a:lstStyle/>
+              <a:p>
+                <a:r>
+                  <a:rPr lang="ko-KR" altLang="en-US">
+                    <a:noFill/>
+                  </a:rPr>
+                  <a:t> </a:t>
+                </a:r>
+              </a:p>
+            </p:txBody>
+          </p:sp>
+        </mc:Fallback>
+      </mc:AlternateContent>
+      <p:sp>
+        <p:nvSpPr>
+          <p:cNvPr id="52" name="직사각형 51"/>
+          <p:cNvSpPr/>
+          <p:nvPr/>
+        </p:nvSpPr>
+        <p:spPr>
+          <a:xfrm>
+            <a:off x="5398948" y="3955368"/>
+            <a:ext cx="989856" cy="369332"/>
+          </a:xfrm>
+          <a:prstGeom prst="rect">
+            <a:avLst/>
+          </a:prstGeom>
+        </p:spPr>
+        <p:txBody>
+          <a:bodyPr wrap="square">
+            <a:spAutoFit/>
+          </a:bodyPr>
+          <a:lstStyle/>
+          <a:p>
+            <a:pPr algn="ctr"/>
+            <a:r>
+              <a:rPr lang="en-US" altLang="ko-KR" dirty="0" smtClean="0">
+                <a:latin typeface="마루 부리 Beta" pitchFamily="50" charset="-127"/>
+                <a:ea typeface="마루 부리 Beta" pitchFamily="50" charset="-127"/>
+              </a:rPr>
+              <a:t>system</a:t>
+            </a:r>
+            <a:endParaRPr lang="en-US" altLang="ko-KR" dirty="0">
+              <a:latin typeface="마루 부리 Beta" pitchFamily="50" charset="-127"/>
+              <a:ea typeface="마루 부리 Beta" pitchFamily="50" charset="-127"/>
+            </a:endParaRPr>
+          </a:p>
+        </p:txBody>
+      </p:sp>
+      <p:cxnSp>
+        <p:nvCxnSpPr>
+          <p:cNvPr id="53" name="직선 화살표 연결선 52"/>
+          <p:cNvCxnSpPr/>
+          <p:nvPr/>
+        </p:nvCxnSpPr>
+        <p:spPr>
+          <a:xfrm>
+            <a:off x="6498879" y="4153728"/>
+            <a:ext cx="684076" cy="0"/>
+          </a:xfrm>
+          <a:prstGeom prst="straightConnector1">
+            <a:avLst/>
+          </a:prstGeom>
+          <a:ln w="19050">
+            <a:solidFill>
+              <a:schemeClr val="tx1"/>
+            </a:solidFill>
+            <a:tailEnd type="arrow"/>
+          </a:ln>
+        </p:spPr>
+        <p:style>
+          <a:lnRef idx="1">
+            <a:schemeClr val="accent1"/>
+          </a:lnRef>
+          <a:fillRef idx="0">
+            <a:schemeClr val="accent1"/>
+          </a:fillRef>
+          <a:effectRef idx="0">
+            <a:schemeClr val="accent1"/>
+          </a:effectRef>
+          <a:fontRef idx="minor">
+            <a:schemeClr val="tx1"/>
+          </a:fontRef>
+        </p:style>
+      </p:cxnSp>
+      <mc:AlternateContent xmlns:mc="http://schemas.openxmlformats.org/markup-compatibility/2006">
+        <mc:Choice xmlns:a14="http://schemas.microsoft.com/office/drawing/2010/main" Requires="a14">
+          <p:sp>
+            <p:nvSpPr>
+              <p:cNvPr id="54" name="직사각형 53"/>
+              <p:cNvSpPr/>
+              <p:nvPr/>
+            </p:nvSpPr>
+            <p:spPr>
+              <a:xfrm>
+                <a:off x="7243340" y="3960436"/>
+                <a:ext cx="558748" cy="369332"/>
+              </a:xfrm>
+              <a:prstGeom prst="rect">
+                <a:avLst/>
+              </a:prstGeom>
+            </p:spPr>
+            <p:txBody>
+              <a:bodyPr wrap="square">
+                <a:spAutoFit/>
+              </a:bodyPr>
+              <a:lstStyle/>
+              <a:p>
+                <a:pPr algn="ctr"/>
+                <a14:m>
+                  <m:oMathPara xmlns:m="http://schemas.openxmlformats.org/officeDocument/2006/math">
+                    <m:oMathParaPr>
+                      <m:jc m:val="center"/>
+                    </m:oMathParaPr>
+                    <m:oMath xmlns:m="http://schemas.openxmlformats.org/officeDocument/2006/math">
+                      <m:r>
+                        <a:rPr lang="en-US" altLang="ko-KR" b="0" i="1" dirty="0" smtClean="0">
+                          <a:latin typeface="Cambria Math"/>
+                          <a:ea typeface="마루 부리 Beta" pitchFamily="50" charset="-127"/>
+                        </a:rPr>
+                        <m:t>𝑦</m:t>
+                      </m:r>
+                      <m:r>
+                        <a:rPr lang="en-US" altLang="ko-KR" b="0" i="1" dirty="0" smtClean="0">
+                          <a:latin typeface="Cambria Math"/>
+                          <a:ea typeface="마루 부리 Beta" pitchFamily="50" charset="-127"/>
+                        </a:rPr>
+                        <m:t>[</m:t>
+                      </m:r>
+                      <m:r>
+                        <a:rPr lang="en-US" altLang="ko-KR" b="0" i="1" dirty="0" smtClean="0">
+                          <a:latin typeface="Cambria Math"/>
+                          <a:ea typeface="마루 부리 Beta" pitchFamily="50" charset="-127"/>
+                        </a:rPr>
+                        <m:t>𝑛</m:t>
+                      </m:r>
+                      <m:r>
+                        <a:rPr lang="en-US" altLang="ko-KR" b="0" i="1" dirty="0" smtClean="0">
+                          <a:latin typeface="Cambria Math"/>
+                          <a:ea typeface="마루 부리 Beta" pitchFamily="50" charset="-127"/>
+                        </a:rPr>
+                        <m:t>]</m:t>
+                      </m:r>
+                    </m:oMath>
+                  </m:oMathPara>
+                </a14:m>
+                <a:endParaRPr lang="en-US" altLang="ko-KR" dirty="0">
+                  <a:latin typeface="마루 부리 Beta" pitchFamily="50" charset="-127"/>
+                  <a:ea typeface="마루 부리 Beta" pitchFamily="50" charset="-127"/>
+                </a:endParaRPr>
+              </a:p>
+            </p:txBody>
+          </p:sp>
+        </mc:Choice>
+        <mc:Fallback>
+          <p:sp>
+            <p:nvSpPr>
+              <p:cNvPr id="54" name="직사각형 53"/>
+              <p:cNvSpPr>
+                <a:spLocks noRot="1" noChangeAspect="1" noMove="1" noResize="1" noEditPoints="1" noAdjustHandles="1" noChangeArrowheads="1" noChangeShapeType="1" noTextEdit="1"/>
+              </p:cNvSpPr>
+              <p:nvPr/>
+            </p:nvSpPr>
+            <p:spPr>
+              <a:xfrm>
+                <a:off x="7243340" y="3960436"/>
+                <a:ext cx="558748" cy="369332"/>
+              </a:xfrm>
+              <a:prstGeom prst="rect">
+                <a:avLst/>
+              </a:prstGeom>
+              <a:blipFill rotWithShape="1">
+                <a:blip r:embed="rId10"/>
+                <a:stretch>
+                  <a:fillRect l="-8696" r="-2174" b="-16667"/>
+                </a:stretch>
+              </a:blipFill>
+            </p:spPr>
+            <p:txBody>
+              <a:bodyPr/>
+              <a:lstStyle/>
+              <a:p>
+                <a:r>
+                  <a:rPr lang="ko-KR" altLang="en-US">
+                    <a:noFill/>
+                  </a:rPr>
+                  <a:t> </a:t>
+                </a:r>
+              </a:p>
+            </p:txBody>
+          </p:sp>
+        </mc:Fallback>
+      </mc:AlternateContent>
+      <p:cxnSp>
+        <p:nvCxnSpPr>
+          <p:cNvPr id="57" name="직선 화살표 연결선 56"/>
+          <p:cNvCxnSpPr>
+            <a:endCxn id="21" idx="0"/>
+          </p:cNvCxnSpPr>
+          <p:nvPr/>
+        </p:nvCxnSpPr>
+        <p:spPr>
+          <a:xfrm>
+            <a:off x="5447381" y="980728"/>
+            <a:ext cx="1" cy="270663"/>
+          </a:xfrm>
+          <a:prstGeom prst="straightConnector1">
+            <a:avLst/>
+          </a:prstGeom>
+          <a:ln w="19050">
+            <a:solidFill>
+              <a:srgbClr val="FF0000"/>
+            </a:solidFill>
+            <a:tailEnd type="arrow"/>
+          </a:ln>
+        </p:spPr>
+        <p:style>
+          <a:lnRef idx="1">
+            <a:schemeClr val="accent1"/>
+          </a:lnRef>
+          <a:fillRef idx="0">
+            <a:schemeClr val="accent1"/>
+          </a:fillRef>
+          <a:effectRef idx="0">
+            <a:schemeClr val="accent1"/>
+          </a:effectRef>
+          <a:fontRef idx="minor">
+            <a:schemeClr val="tx1"/>
+          </a:fontRef>
+        </p:style>
+      </p:cxnSp>
+      <p:cxnSp>
+        <p:nvCxnSpPr>
+          <p:cNvPr id="58" name="직선 화살표 연결선 57"/>
+          <p:cNvCxnSpPr/>
+          <p:nvPr/>
+        </p:nvCxnSpPr>
+        <p:spPr>
+          <a:xfrm flipV="1">
+            <a:off x="5447381" y="2392972"/>
+            <a:ext cx="1" cy="270663"/>
+          </a:xfrm>
+          <a:prstGeom prst="straightConnector1">
+            <a:avLst/>
+          </a:prstGeom>
+          <a:ln w="19050">
+            <a:solidFill>
+              <a:srgbClr val="FF0000"/>
+            </a:solidFill>
+            <a:tailEnd type="arrow"/>
+          </a:ln>
+        </p:spPr>
+        <p:style>
+          <a:lnRef idx="1">
+            <a:schemeClr val="accent1"/>
+          </a:lnRef>
+          <a:fillRef idx="0">
+            <a:schemeClr val="accent1"/>
+          </a:fillRef>
+          <a:effectRef idx="0">
+            <a:schemeClr val="accent1"/>
+          </a:effectRef>
+          <a:fontRef idx="minor">
+            <a:schemeClr val="tx1"/>
+          </a:fontRef>
+        </p:style>
+      </p:cxnSp>
+      <mc:AlternateContent xmlns:mc="http://schemas.openxmlformats.org/markup-compatibility/2006">
+        <mc:Choice xmlns:a14="http://schemas.microsoft.com/office/drawing/2010/main" Requires="a14">
+          <p:sp>
+            <p:nvSpPr>
+              <p:cNvPr id="59" name="직사각형 58"/>
+              <p:cNvSpPr/>
+              <p:nvPr/>
+            </p:nvSpPr>
+            <p:spPr>
+              <a:xfrm>
+                <a:off x="5292080" y="683404"/>
+                <a:ext cx="381632" cy="369332"/>
+              </a:xfrm>
+              <a:prstGeom prst="rect">
+                <a:avLst/>
+              </a:prstGeom>
+            </p:spPr>
+            <p:txBody>
+              <a:bodyPr wrap="square">
+                <a:spAutoFit/>
+              </a:bodyPr>
+              <a:lstStyle/>
+              <a:p>
+                <a:pPr algn="ctr"/>
+                <a14:m>
+                  <m:oMathPara xmlns:m="http://schemas.openxmlformats.org/officeDocument/2006/math">
+                    <m:oMathParaPr>
+                      <m:jc m:val="center"/>
+                    </m:oMathParaPr>
+                    <m:oMath xmlns:m="http://schemas.openxmlformats.org/officeDocument/2006/math">
+                      <m:r>
+                        <a:rPr lang="en-US" altLang="ko-KR" b="0" i="1" dirty="0" smtClean="0">
+                          <a:solidFill>
+                            <a:srgbClr val="FF0000"/>
+                          </a:solidFill>
+                          <a:latin typeface="Cambria Math"/>
+                          <a:ea typeface="마루 부리 Beta" pitchFamily="50" charset="-127"/>
+                        </a:rPr>
+                        <m:t>𝛼</m:t>
+                      </m:r>
+                    </m:oMath>
+                  </m:oMathPara>
+                </a14:m>
+                <a:endParaRPr lang="en-US" altLang="ko-KR" dirty="0">
+                  <a:solidFill>
+                    <a:srgbClr val="FF0000"/>
+                  </a:solidFill>
+                  <a:latin typeface="마루 부리 Beta" pitchFamily="50" charset="-127"/>
+                  <a:ea typeface="마루 부리 Beta" pitchFamily="50" charset="-127"/>
+                </a:endParaRPr>
+              </a:p>
+            </p:txBody>
+          </p:sp>
+        </mc:Choice>
+        <mc:Fallback>
+          <p:sp>
+            <p:nvSpPr>
+              <p:cNvPr id="59" name="직사각형 58"/>
+              <p:cNvSpPr>
+                <a:spLocks noRot="1" noChangeAspect="1" noMove="1" noResize="1" noEditPoints="1" noAdjustHandles="1" noChangeArrowheads="1" noChangeShapeType="1" noTextEdit="1"/>
+              </p:cNvSpPr>
+              <p:nvPr/>
+            </p:nvSpPr>
+            <p:spPr>
+              <a:xfrm>
+                <a:off x="5292080" y="683404"/>
+                <a:ext cx="381632" cy="369332"/>
+              </a:xfrm>
+              <a:prstGeom prst="rect">
+                <a:avLst/>
+              </a:prstGeom>
+              <a:blipFill rotWithShape="1">
+                <a:blip r:embed="rId11"/>
+                <a:stretch>
+                  <a:fillRect/>
+                </a:stretch>
+              </a:blipFill>
+            </p:spPr>
+            <p:txBody>
+              <a:bodyPr/>
+              <a:lstStyle/>
+              <a:p>
+                <a:r>
+                  <a:rPr lang="ko-KR" altLang="en-US">
+                    <a:noFill/>
+                  </a:rPr>
+                  <a:t> </a:t>
+                </a:r>
+              </a:p>
+            </p:txBody>
+          </p:sp>
+        </mc:Fallback>
+      </mc:AlternateContent>
+      <mc:AlternateContent xmlns:mc="http://schemas.openxmlformats.org/markup-compatibility/2006">
+        <mc:Choice xmlns:a14="http://schemas.microsoft.com/office/drawing/2010/main" Requires="a14">
+          <p:sp>
+            <p:nvSpPr>
+              <p:cNvPr id="60" name="직사각형 59"/>
+              <p:cNvSpPr/>
+              <p:nvPr/>
+            </p:nvSpPr>
+            <p:spPr>
+              <a:xfrm>
+                <a:off x="5292080" y="2562936"/>
+                <a:ext cx="381632" cy="369332"/>
+              </a:xfrm>
+              <a:prstGeom prst="rect">
+                <a:avLst/>
+              </a:prstGeom>
+            </p:spPr>
+            <p:txBody>
+              <a:bodyPr wrap="square">
+                <a:spAutoFit/>
+              </a:bodyPr>
+              <a:lstStyle/>
+              <a:p>
+                <a:pPr algn="ctr"/>
+                <a14:m>
+                  <m:oMathPara xmlns:m="http://schemas.openxmlformats.org/officeDocument/2006/math">
+                    <m:oMathParaPr>
+                      <m:jc m:val="center"/>
+                    </m:oMathParaPr>
+                    <m:oMath xmlns:m="http://schemas.openxmlformats.org/officeDocument/2006/math">
+                      <m:r>
+                        <a:rPr lang="en-US" altLang="ko-KR" b="0" i="1" smtClean="0">
+                          <a:solidFill>
+                            <a:srgbClr val="FF0000"/>
+                          </a:solidFill>
+                          <a:latin typeface="Cambria Math"/>
+                          <a:ea typeface="마루 부리 Beta" pitchFamily="50" charset="-127"/>
+                        </a:rPr>
+                        <m:t>𝛽</m:t>
+                      </m:r>
+                    </m:oMath>
+                  </m:oMathPara>
+                </a14:m>
+                <a:endParaRPr lang="en-US" altLang="ko-KR" dirty="0">
+                  <a:solidFill>
+                    <a:srgbClr val="FF0000"/>
+                  </a:solidFill>
+                  <a:latin typeface="마루 부리 Beta" pitchFamily="50" charset="-127"/>
+                  <a:ea typeface="마루 부리 Beta" pitchFamily="50" charset="-127"/>
+                </a:endParaRPr>
+              </a:p>
+            </p:txBody>
+          </p:sp>
+        </mc:Choice>
+        <mc:Fallback>
+          <p:sp>
+            <p:nvSpPr>
+              <p:cNvPr id="60" name="직사각형 59"/>
+              <p:cNvSpPr>
+                <a:spLocks noRot="1" noChangeAspect="1" noMove="1" noResize="1" noEditPoints="1" noAdjustHandles="1" noChangeArrowheads="1" noChangeShapeType="1" noTextEdit="1"/>
+              </p:cNvSpPr>
+              <p:nvPr/>
+            </p:nvSpPr>
+            <p:spPr>
+              <a:xfrm>
+                <a:off x="5292080" y="2562936"/>
+                <a:ext cx="381632" cy="369332"/>
+              </a:xfrm>
+              <a:prstGeom prst="rect">
+                <a:avLst/>
+              </a:prstGeom>
+              <a:blipFill rotWithShape="1">
+                <a:blip r:embed="rId12"/>
+                <a:stretch>
+                  <a:fillRect l="-6349" b="-11475"/>
+                </a:stretch>
+              </a:blipFill>
+            </p:spPr>
+            <p:txBody>
+              <a:bodyPr/>
+              <a:lstStyle/>
+              <a:p>
+                <a:r>
+                  <a:rPr lang="ko-KR" altLang="en-US">
+                    <a:noFill/>
+                  </a:rPr>
+                  <a:t> </a:t>
+                </a:r>
+              </a:p>
+            </p:txBody>
+          </p:sp>
+        </mc:Fallback>
+      </mc:AlternateContent>
+      <p:cxnSp>
+        <p:nvCxnSpPr>
+          <p:cNvPr id="61" name="직선 화살표 연결선 60"/>
+          <p:cNvCxnSpPr/>
+          <p:nvPr/>
+        </p:nvCxnSpPr>
+        <p:spPr>
+          <a:xfrm>
+            <a:off x="2870328" y="3324007"/>
+            <a:ext cx="1" cy="270663"/>
+          </a:xfrm>
+          <a:prstGeom prst="straightConnector1">
+            <a:avLst/>
+          </a:prstGeom>
+          <a:ln w="19050">
+            <a:solidFill>
+              <a:srgbClr val="FF0000"/>
+            </a:solidFill>
+            <a:tailEnd type="arrow"/>
+          </a:ln>
+        </p:spPr>
+        <p:style>
+          <a:lnRef idx="1">
+            <a:schemeClr val="accent1"/>
+          </a:lnRef>
+          <a:fillRef idx="0">
+            <a:schemeClr val="accent1"/>
+          </a:fillRef>
+          <a:effectRef idx="0">
+            <a:schemeClr val="accent1"/>
+          </a:effectRef>
+          <a:fontRef idx="minor">
+            <a:schemeClr val="tx1"/>
+          </a:fontRef>
+        </p:style>
+      </p:cxnSp>
+      <p:cxnSp>
+        <p:nvCxnSpPr>
+          <p:cNvPr id="62" name="직선 화살표 연결선 61"/>
+          <p:cNvCxnSpPr/>
+          <p:nvPr/>
+        </p:nvCxnSpPr>
+        <p:spPr>
+          <a:xfrm flipV="1">
+            <a:off x="2870328" y="4744877"/>
+            <a:ext cx="1" cy="270663"/>
+          </a:xfrm>
+          <a:prstGeom prst="straightConnector1">
+            <a:avLst/>
+          </a:prstGeom>
+          <a:ln w="19050">
+            <a:solidFill>
+              <a:srgbClr val="FF0000"/>
+            </a:solidFill>
+            <a:tailEnd type="arrow"/>
+          </a:ln>
+        </p:spPr>
+        <p:style>
+          <a:lnRef idx="1">
+            <a:schemeClr val="accent1"/>
+          </a:lnRef>
+          <a:fillRef idx="0">
+            <a:schemeClr val="accent1"/>
+          </a:fillRef>
+          <a:effectRef idx="0">
+            <a:schemeClr val="accent1"/>
+          </a:effectRef>
+          <a:fontRef idx="minor">
+            <a:schemeClr val="tx1"/>
+          </a:fontRef>
+        </p:style>
+      </p:cxnSp>
+      <mc:AlternateContent xmlns:mc="http://schemas.openxmlformats.org/markup-compatibility/2006">
+        <mc:Choice xmlns:a14="http://schemas.microsoft.com/office/drawing/2010/main" Requires="a14">
+          <p:sp>
+            <p:nvSpPr>
+              <p:cNvPr id="63" name="직사각형 62"/>
+              <p:cNvSpPr/>
+              <p:nvPr/>
+            </p:nvSpPr>
+            <p:spPr>
+              <a:xfrm>
+                <a:off x="2715027" y="3035309"/>
+                <a:ext cx="381632" cy="369332"/>
+              </a:xfrm>
+              <a:prstGeom prst="rect">
+                <a:avLst/>
+              </a:prstGeom>
+            </p:spPr>
+            <p:txBody>
+              <a:bodyPr wrap="square">
+                <a:spAutoFit/>
+              </a:bodyPr>
+              <a:lstStyle/>
+              <a:p>
+                <a:pPr algn="ctr"/>
+                <a14:m>
+                  <m:oMathPara xmlns:m="http://schemas.openxmlformats.org/officeDocument/2006/math">
+                    <m:oMathParaPr>
+                      <m:jc m:val="center"/>
+                    </m:oMathParaPr>
+                    <m:oMath xmlns:m="http://schemas.openxmlformats.org/officeDocument/2006/math">
+                      <m:r>
+                        <a:rPr lang="en-US" altLang="ko-KR" b="0" i="1" dirty="0" smtClean="0">
+                          <a:solidFill>
+                            <a:srgbClr val="FF0000"/>
+                          </a:solidFill>
+                          <a:latin typeface="Cambria Math"/>
+                          <a:ea typeface="마루 부리 Beta" pitchFamily="50" charset="-127"/>
+                        </a:rPr>
+                        <m:t>𝛼</m:t>
+                      </m:r>
+                    </m:oMath>
+                  </m:oMathPara>
+                </a14:m>
+                <a:endParaRPr lang="en-US" altLang="ko-KR" dirty="0">
+                  <a:solidFill>
+                    <a:srgbClr val="FF0000"/>
+                  </a:solidFill>
+                  <a:latin typeface="마루 부리 Beta" pitchFamily="50" charset="-127"/>
+                  <a:ea typeface="마루 부리 Beta" pitchFamily="50" charset="-127"/>
+                </a:endParaRPr>
+              </a:p>
+            </p:txBody>
+          </p:sp>
+        </mc:Choice>
+        <mc:Fallback>
+          <p:sp>
+            <p:nvSpPr>
+              <p:cNvPr id="63" name="직사각형 62"/>
+              <p:cNvSpPr>
+                <a:spLocks noRot="1" noChangeAspect="1" noMove="1" noResize="1" noEditPoints="1" noAdjustHandles="1" noChangeArrowheads="1" noChangeShapeType="1" noTextEdit="1"/>
+              </p:cNvSpPr>
+              <p:nvPr/>
+            </p:nvSpPr>
+            <p:spPr>
+              <a:xfrm>
+                <a:off x="2715027" y="3035309"/>
+                <a:ext cx="381632" cy="369332"/>
+              </a:xfrm>
+              <a:prstGeom prst="rect">
+                <a:avLst/>
+              </a:prstGeom>
+              <a:blipFill rotWithShape="1">
+                <a:blip r:embed="rId13"/>
+                <a:stretch>
+                  <a:fillRect/>
+                </a:stretch>
+              </a:blipFill>
+            </p:spPr>
+            <p:txBody>
+              <a:bodyPr/>
+              <a:lstStyle/>
+              <a:p>
+                <a:r>
+                  <a:rPr lang="ko-KR" altLang="en-US">
+                    <a:noFill/>
+                  </a:rPr>
+                  <a:t> </a:t>
+                </a:r>
+              </a:p>
+            </p:txBody>
+          </p:sp>
+        </mc:Fallback>
+      </mc:AlternateContent>
+      <mc:AlternateContent xmlns:mc="http://schemas.openxmlformats.org/markup-compatibility/2006">
+        <mc:Choice xmlns:a14="http://schemas.microsoft.com/office/drawing/2010/main" Requires="a14">
+          <p:sp>
+            <p:nvSpPr>
+              <p:cNvPr id="64" name="직사각형 63"/>
+              <p:cNvSpPr/>
+              <p:nvPr/>
+            </p:nvSpPr>
+            <p:spPr>
+              <a:xfrm>
+                <a:off x="2715027" y="4914841"/>
+                <a:ext cx="381632" cy="369332"/>
+              </a:xfrm>
+              <a:prstGeom prst="rect">
+                <a:avLst/>
+              </a:prstGeom>
+            </p:spPr>
+            <p:txBody>
+              <a:bodyPr wrap="square">
+                <a:spAutoFit/>
+              </a:bodyPr>
+              <a:lstStyle/>
+              <a:p>
+                <a:pPr algn="ctr"/>
+                <a14:m>
+                  <m:oMathPara xmlns:m="http://schemas.openxmlformats.org/officeDocument/2006/math">
+                    <m:oMathParaPr>
+                      <m:jc m:val="center"/>
+                    </m:oMathParaPr>
+                    <m:oMath xmlns:m="http://schemas.openxmlformats.org/officeDocument/2006/math">
+                      <m:r>
+                        <a:rPr lang="en-US" altLang="ko-KR" b="0" i="1" smtClean="0">
+                          <a:solidFill>
+                            <a:srgbClr val="FF0000"/>
+                          </a:solidFill>
+                          <a:latin typeface="Cambria Math"/>
+                          <a:ea typeface="마루 부리 Beta" pitchFamily="50" charset="-127"/>
+                        </a:rPr>
+                        <m:t>𝛽</m:t>
+                      </m:r>
+                    </m:oMath>
+                  </m:oMathPara>
+                </a14:m>
+                <a:endParaRPr lang="en-US" altLang="ko-KR" dirty="0">
+                  <a:solidFill>
+                    <a:srgbClr val="FF0000"/>
+                  </a:solidFill>
+                  <a:latin typeface="마루 부리 Beta" pitchFamily="50" charset="-127"/>
+                  <a:ea typeface="마루 부리 Beta" pitchFamily="50" charset="-127"/>
+                </a:endParaRPr>
+              </a:p>
+            </p:txBody>
+          </p:sp>
+        </mc:Choice>
+        <mc:Fallback>
+          <p:sp>
+            <p:nvSpPr>
+              <p:cNvPr id="64" name="직사각형 63"/>
+              <p:cNvSpPr>
+                <a:spLocks noRot="1" noChangeAspect="1" noMove="1" noResize="1" noEditPoints="1" noAdjustHandles="1" noChangeArrowheads="1" noChangeShapeType="1" noTextEdit="1"/>
+              </p:cNvSpPr>
+              <p:nvPr/>
+            </p:nvSpPr>
+            <p:spPr>
+              <a:xfrm>
+                <a:off x="2715027" y="4914841"/>
+                <a:ext cx="381632" cy="369332"/>
+              </a:xfrm>
+              <a:prstGeom prst="rect">
+                <a:avLst/>
+              </a:prstGeom>
+              <a:blipFill rotWithShape="1">
+                <a:blip r:embed="rId14"/>
+                <a:stretch>
+                  <a:fillRect l="-4762" b="-11475"/>
+                </a:stretch>
+              </a:blipFill>
+            </p:spPr>
+            <p:txBody>
+              <a:bodyPr/>
+              <a:lstStyle/>
+              <a:p>
+                <a:r>
+                  <a:rPr lang="ko-KR" altLang="en-US">
+                    <a:noFill/>
+                  </a:rPr>
+                  <a:t> </a:t>
+                </a:r>
+              </a:p>
+            </p:txBody>
+          </p:sp>
+        </mc:Fallback>
+      </mc:AlternateContent>
+      <mc:AlternateContent xmlns:mc="http://schemas.openxmlformats.org/markup-compatibility/2006">
+        <mc:Choice xmlns:a14="http://schemas.microsoft.com/office/drawing/2010/main" Requires="a14">
+          <p:sp>
+            <p:nvSpPr>
+              <p:cNvPr id="65" name="직사각형 64"/>
+              <p:cNvSpPr/>
+              <p:nvPr/>
+            </p:nvSpPr>
+            <p:spPr>
+              <a:xfrm>
+                <a:off x="5708857" y="2948339"/>
+                <a:ext cx="2824176" cy="646331"/>
+              </a:xfrm>
+              <a:prstGeom prst="rect">
+                <a:avLst/>
+              </a:prstGeom>
+              <a:solidFill>
+                <a:schemeClr val="accent6">
+                  <a:lumMod val="20000"/>
+                  <a:lumOff val="80000"/>
+                </a:schemeClr>
+              </a:solidFill>
+              <a:ln>
+                <a:solidFill>
+                  <a:schemeClr val="tx1">
+                    <a:lumMod val="50000"/>
+                    <a:lumOff val="50000"/>
+                  </a:schemeClr>
+                </a:solidFill>
+              </a:ln>
+            </p:spPr>
+            <p:txBody>
+              <a:bodyPr wrap="square">
+                <a:spAutoFit/>
+              </a:bodyPr>
+              <a:lstStyle/>
+              <a:p>
+                <a:pPr algn="ctr"/>
+                <a:r>
+                  <a:rPr lang="ko-KR" altLang="en-US" dirty="0" smtClean="0">
+                    <a:solidFill>
+                      <a:sysClr val="windowText" lastClr="000000"/>
+                    </a:solidFill>
+                    <a:latin typeface="마루 부리 Beta" pitchFamily="50" charset="-127"/>
+                    <a:ea typeface="마루 부리 Beta" pitchFamily="50" charset="-127"/>
+                  </a:rPr>
+                  <a:t>선형 시스템이라면 </a:t>
+                </a:r>
+                <a14:m>
+                  <m:oMath xmlns:m="http://schemas.openxmlformats.org/officeDocument/2006/math">
+                    <m:r>
+                      <a:rPr lang="en-US" altLang="ko-KR" b="0" i="1" smtClean="0">
+                        <a:solidFill>
+                          <a:sysClr val="windowText" lastClr="000000"/>
+                        </a:solidFill>
+                        <a:latin typeface="Cambria Math"/>
+                        <a:ea typeface="마루 부리 Beta" pitchFamily="50" charset="-127"/>
+                      </a:rPr>
+                      <m:t>𝑤</m:t>
+                    </m:r>
+                    <m:d>
+                      <m:dPr>
+                        <m:begChr m:val="["/>
+                        <m:endChr m:val="]"/>
+                        <m:ctrlPr>
+                          <a:rPr lang="en-US" altLang="ko-KR" b="0" i="1" smtClean="0">
+                            <a:solidFill>
+                              <a:sysClr val="windowText" lastClr="000000"/>
+                            </a:solidFill>
+                            <a:latin typeface="Cambria Math"/>
+                            <a:ea typeface="마루 부리 Beta" pitchFamily="50" charset="-127"/>
+                          </a:rPr>
+                        </m:ctrlPr>
+                      </m:dPr>
+                      <m:e>
+                        <m:r>
+                          <a:rPr lang="en-US" altLang="ko-KR" b="0" i="1" smtClean="0">
+                            <a:solidFill>
+                              <a:sysClr val="windowText" lastClr="000000"/>
+                            </a:solidFill>
+                            <a:latin typeface="Cambria Math"/>
+                            <a:ea typeface="마루 부리 Beta" pitchFamily="50" charset="-127"/>
+                          </a:rPr>
+                          <m:t>𝑛</m:t>
+                        </m:r>
+                      </m:e>
+                    </m:d>
+                    <m:r>
+                      <a:rPr lang="en-US" altLang="ko-KR" b="0" i="1" smtClean="0">
+                        <a:solidFill>
+                          <a:sysClr val="windowText" lastClr="000000"/>
+                        </a:solidFill>
+                        <a:latin typeface="Cambria Math"/>
+                        <a:ea typeface="마루 부리 Beta" pitchFamily="50" charset="-127"/>
+                      </a:rPr>
+                      <m:t>=</m:t>
+                    </m:r>
+                    <m:r>
+                      <a:rPr lang="en-US" altLang="ko-KR" b="0" i="1" smtClean="0">
+                        <a:solidFill>
+                          <a:sysClr val="windowText" lastClr="000000"/>
+                        </a:solidFill>
+                        <a:latin typeface="Cambria Math"/>
+                        <a:ea typeface="마루 부리 Beta" pitchFamily="50" charset="-127"/>
+                      </a:rPr>
+                      <m:t>𝑦</m:t>
+                    </m:r>
+                    <m:r>
+                      <a:rPr lang="en-US" altLang="ko-KR" b="0" i="1" smtClean="0">
+                        <a:solidFill>
+                          <a:sysClr val="windowText" lastClr="000000"/>
+                        </a:solidFill>
+                        <a:latin typeface="Cambria Math"/>
+                        <a:ea typeface="마루 부리 Beta" pitchFamily="50" charset="-127"/>
+                      </a:rPr>
+                      <m:t>[</m:t>
+                    </m:r>
+                    <m:r>
+                      <a:rPr lang="en-US" altLang="ko-KR" b="0" i="1" smtClean="0">
+                        <a:solidFill>
+                          <a:sysClr val="windowText" lastClr="000000"/>
+                        </a:solidFill>
+                        <a:latin typeface="Cambria Math"/>
+                        <a:ea typeface="마루 부리 Beta" pitchFamily="50" charset="-127"/>
+                      </a:rPr>
+                      <m:t>𝑛</m:t>
+                    </m:r>
+                    <m:r>
+                      <a:rPr lang="en-US" altLang="ko-KR" b="0" i="1" smtClean="0">
+                        <a:solidFill>
+                          <a:sysClr val="windowText" lastClr="000000"/>
+                        </a:solidFill>
+                        <a:latin typeface="Cambria Math"/>
+                        <a:ea typeface="마루 부리 Beta" pitchFamily="50" charset="-127"/>
+                      </a:rPr>
+                      <m:t>]</m:t>
+                    </m:r>
+                  </m:oMath>
+                </a14:m>
+                <a:r>
+                  <a:rPr lang="ko-KR" altLang="en-US" dirty="0" smtClean="0">
+                    <a:solidFill>
+                      <a:sysClr val="windowText" lastClr="000000"/>
+                    </a:solidFill>
+                    <a:latin typeface="마루 부리 Beta" pitchFamily="50" charset="-127"/>
+                    <a:ea typeface="마루 부리 Beta" pitchFamily="50" charset="-127"/>
+                  </a:rPr>
+                  <a:t>임</a:t>
+                </a:r>
+                <a:endParaRPr lang="en-US" altLang="ko-KR" dirty="0">
+                  <a:solidFill>
+                    <a:sysClr val="windowText" lastClr="000000"/>
+                  </a:solidFill>
+                  <a:latin typeface="마루 부리 Beta" pitchFamily="50" charset="-127"/>
+                  <a:ea typeface="마루 부리 Beta" pitchFamily="50" charset="-127"/>
+                </a:endParaRPr>
+              </a:p>
+            </p:txBody>
+          </p:sp>
+        </mc:Choice>
+        <mc:Fallback>
+          <p:sp>
+            <p:nvSpPr>
+              <p:cNvPr id="65" name="직사각형 64"/>
+              <p:cNvSpPr>
+                <a:spLocks noRot="1" noChangeAspect="1" noMove="1" noResize="1" noEditPoints="1" noAdjustHandles="1" noChangeArrowheads="1" noChangeShapeType="1" noTextEdit="1"/>
+              </p:cNvSpPr>
+              <p:nvPr/>
+            </p:nvSpPr>
+            <p:spPr>
+              <a:xfrm>
+                <a:off x="5708857" y="2948339"/>
+                <a:ext cx="2824176" cy="646331"/>
+              </a:xfrm>
+              <a:prstGeom prst="rect">
+                <a:avLst/>
+              </a:prstGeom>
+              <a:blipFill rotWithShape="1">
+                <a:blip r:embed="rId15"/>
+                <a:stretch>
+                  <a:fillRect t="-3704" b="-13889"/>
+                </a:stretch>
+              </a:blipFill>
+              <a:ln>
+                <a:solidFill>
+                  <a:schemeClr val="tx1">
+                    <a:lumMod val="50000"/>
+                    <a:lumOff val="50000"/>
+                  </a:schemeClr>
+                </a:solidFill>
+              </a:ln>
+            </p:spPr>
+            <p:txBody>
+              <a:bodyPr/>
+              <a:lstStyle/>
+              <a:p>
+                <a:r>
+                  <a:rPr lang="ko-KR" altLang="en-US">
+                    <a:noFill/>
+                  </a:rPr>
+                  <a:t> </a:t>
+                </a:r>
+              </a:p>
+            </p:txBody>
+          </p:sp>
+        </mc:Fallback>
+      </mc:AlternateContent>
+    </p:spTree>
+    <p:extLst>
+      <p:ext uri="{BB962C8B-B14F-4D97-AF65-F5344CB8AC3E}">
+        <p14:creationId xmlns:p14="http://schemas.microsoft.com/office/powerpoint/2010/main" val="2288736847"/>
       </p:ext>
     </p:extLst>
   </p:cSld>

--- a/pics/2022-01-11-LTI_system/pics.pptx
+++ b/pics/2022-01-11-LTI_system/pics.pptx
@@ -6,8 +6,11 @@
   </p:sldMasterIdLst>
   <p:sldIdLst>
     <p:sldId id="256" r:id="rId2"/>
-    <p:sldId id="257" r:id="rId3"/>
-    <p:sldId id="258" r:id="rId4"/>
+    <p:sldId id="259" r:id="rId3"/>
+    <p:sldId id="257" r:id="rId4"/>
+    <p:sldId id="260" r:id="rId5"/>
+    <p:sldId id="258" r:id="rId6"/>
+    <p:sldId id="261" r:id="rId7"/>
   </p:sldIdLst>
   <p:sldSz cx="9144000" cy="6858000" type="screen4x3"/>
   <p:notesSz cx="6858000" cy="9144000"/>
@@ -106,6 +109,22 @@
       </a:defRPr>
     </a:lvl9pPr>
   </p:defaultTextStyle>
+  <p:extLst>
+    <p:ext uri="{EFAFB233-063F-42B5-8137-9DF3F51BA10A}">
+      <p15:sldGuideLst xmlns:p15="http://schemas.microsoft.com/office/powerpoint/2012/main">
+        <p15:guide id="1" orient="horz" pos="2160">
+          <p15:clr>
+            <a:srgbClr val="A4A3A4"/>
+          </p15:clr>
+        </p15:guide>
+        <p15:guide id="2" pos="2880">
+          <p15:clr>
+            <a:srgbClr val="A4A3A4"/>
+          </p15:clr>
+        </p15:guide>
+      </p15:sldGuideLst>
+    </p:ext>
+  </p:extLst>
 </p:presentation>
 </file>
 
@@ -147,10 +166,9 @@
           <a:lstStyle/>
           <a:p>
             <a:r>
-              <a:rPr lang="ko-KR" altLang="en-US" smtClean="0"/>
+              <a:rPr lang="ko-KR" altLang="en-US"/>
               <a:t>마스터 제목 스타일 편집</a:t>
             </a:r>
-            <a:endParaRPr lang="ko-KR" altLang="en-US"/>
           </a:p>
         </p:txBody>
       </p:sp>
@@ -266,10 +284,9 @@
           </a:lstStyle>
           <a:p>
             <a:r>
-              <a:rPr lang="ko-KR" altLang="en-US" smtClean="0"/>
+              <a:rPr lang="ko-KR" altLang="en-US"/>
               <a:t>마스터 부제목 스타일 편집</a:t>
             </a:r>
-            <a:endParaRPr lang="ko-KR" altLang="en-US"/>
           </a:p>
         </p:txBody>
       </p:sp>
@@ -290,7 +307,7 @@
           <a:p>
             <a:fld id="{FB30EDBD-1C2D-4C1E-B459-B60219FAB484}" type="datetimeFigureOut">
               <a:rPr lang="ko-KR" altLang="en-US" smtClean="0"/>
-              <a:t>2022-01-12</a:t>
+              <a:t>2023-05-14</a:t>
             </a:fld>
             <a:endParaRPr lang="ko-KR" altLang="en-US"/>
           </a:p>
@@ -379,10 +396,9 @@
           <a:lstStyle/>
           <a:p>
             <a:r>
-              <a:rPr lang="ko-KR" altLang="en-US" smtClean="0"/>
+              <a:rPr lang="ko-KR" altLang="en-US"/>
               <a:t>마스터 제목 스타일 편집</a:t>
             </a:r>
-            <a:endParaRPr lang="ko-KR" altLang="en-US"/>
           </a:p>
         </p:txBody>
       </p:sp>
@@ -403,38 +419,37 @@
           <a:p>
             <a:pPr lvl="0"/>
             <a:r>
-              <a:rPr lang="ko-KR" altLang="en-US" smtClean="0"/>
+              <a:rPr lang="ko-KR" altLang="en-US"/>
               <a:t>마스터 텍스트 스타일을 편집합니다</a:t>
             </a:r>
           </a:p>
           <a:p>
             <a:pPr lvl="1"/>
             <a:r>
-              <a:rPr lang="ko-KR" altLang="en-US" smtClean="0"/>
+              <a:rPr lang="ko-KR" altLang="en-US"/>
               <a:t>둘째 수준</a:t>
             </a:r>
           </a:p>
           <a:p>
             <a:pPr lvl="2"/>
             <a:r>
-              <a:rPr lang="ko-KR" altLang="en-US" smtClean="0"/>
+              <a:rPr lang="ko-KR" altLang="en-US"/>
               <a:t>셋째 수준</a:t>
             </a:r>
           </a:p>
           <a:p>
             <a:pPr lvl="3"/>
             <a:r>
-              <a:rPr lang="ko-KR" altLang="en-US" smtClean="0"/>
+              <a:rPr lang="ko-KR" altLang="en-US"/>
               <a:t>넷째 수준</a:t>
             </a:r>
           </a:p>
           <a:p>
             <a:pPr lvl="4"/>
             <a:r>
-              <a:rPr lang="ko-KR" altLang="en-US" smtClean="0"/>
+              <a:rPr lang="ko-KR" altLang="en-US"/>
               <a:t>다섯째 수준</a:t>
             </a:r>
-            <a:endParaRPr lang="ko-KR" altLang="en-US"/>
           </a:p>
         </p:txBody>
       </p:sp>
@@ -455,7 +470,7 @@
           <a:p>
             <a:fld id="{FB30EDBD-1C2D-4C1E-B459-B60219FAB484}" type="datetimeFigureOut">
               <a:rPr lang="ko-KR" altLang="en-US" smtClean="0"/>
-              <a:t>2022-01-12</a:t>
+              <a:t>2023-05-14</a:t>
             </a:fld>
             <a:endParaRPr lang="ko-KR" altLang="en-US"/>
           </a:p>
@@ -549,10 +564,9 @@
           <a:lstStyle/>
           <a:p>
             <a:r>
-              <a:rPr lang="ko-KR" altLang="en-US" smtClean="0"/>
+              <a:rPr lang="ko-KR" altLang="en-US"/>
               <a:t>마스터 제목 스타일 편집</a:t>
             </a:r>
-            <a:endParaRPr lang="ko-KR" altLang="en-US"/>
           </a:p>
         </p:txBody>
       </p:sp>
@@ -578,38 +592,37 @@
           <a:p>
             <a:pPr lvl="0"/>
             <a:r>
-              <a:rPr lang="ko-KR" altLang="en-US" smtClean="0"/>
+              <a:rPr lang="ko-KR" altLang="en-US"/>
               <a:t>마스터 텍스트 스타일을 편집합니다</a:t>
             </a:r>
           </a:p>
           <a:p>
             <a:pPr lvl="1"/>
             <a:r>
-              <a:rPr lang="ko-KR" altLang="en-US" smtClean="0"/>
+              <a:rPr lang="ko-KR" altLang="en-US"/>
               <a:t>둘째 수준</a:t>
             </a:r>
           </a:p>
           <a:p>
             <a:pPr lvl="2"/>
             <a:r>
-              <a:rPr lang="ko-KR" altLang="en-US" smtClean="0"/>
+              <a:rPr lang="ko-KR" altLang="en-US"/>
               <a:t>셋째 수준</a:t>
             </a:r>
           </a:p>
           <a:p>
             <a:pPr lvl="3"/>
             <a:r>
-              <a:rPr lang="ko-KR" altLang="en-US" smtClean="0"/>
+              <a:rPr lang="ko-KR" altLang="en-US"/>
               <a:t>넷째 수준</a:t>
             </a:r>
           </a:p>
           <a:p>
             <a:pPr lvl="4"/>
             <a:r>
-              <a:rPr lang="ko-KR" altLang="en-US" smtClean="0"/>
+              <a:rPr lang="ko-KR" altLang="en-US"/>
               <a:t>다섯째 수준</a:t>
             </a:r>
-            <a:endParaRPr lang="ko-KR" altLang="en-US"/>
           </a:p>
         </p:txBody>
       </p:sp>
@@ -630,7 +643,7 @@
           <a:p>
             <a:fld id="{FB30EDBD-1C2D-4C1E-B459-B60219FAB484}" type="datetimeFigureOut">
               <a:rPr lang="ko-KR" altLang="en-US" smtClean="0"/>
-              <a:t>2022-01-12</a:t>
+              <a:t>2023-05-14</a:t>
             </a:fld>
             <a:endParaRPr lang="ko-KR" altLang="en-US"/>
           </a:p>
@@ -719,10 +732,9 @@
           <a:lstStyle/>
           <a:p>
             <a:r>
-              <a:rPr lang="ko-KR" altLang="en-US" smtClean="0"/>
+              <a:rPr lang="ko-KR" altLang="en-US"/>
               <a:t>마스터 제목 스타일 편집</a:t>
             </a:r>
-            <a:endParaRPr lang="ko-KR" altLang="en-US"/>
           </a:p>
         </p:txBody>
       </p:sp>
@@ -743,38 +755,37 @@
           <a:p>
             <a:pPr lvl="0"/>
             <a:r>
-              <a:rPr lang="ko-KR" altLang="en-US" smtClean="0"/>
+              <a:rPr lang="ko-KR" altLang="en-US"/>
               <a:t>마스터 텍스트 스타일을 편집합니다</a:t>
             </a:r>
           </a:p>
           <a:p>
             <a:pPr lvl="1"/>
             <a:r>
-              <a:rPr lang="ko-KR" altLang="en-US" smtClean="0"/>
+              <a:rPr lang="ko-KR" altLang="en-US"/>
               <a:t>둘째 수준</a:t>
             </a:r>
           </a:p>
           <a:p>
             <a:pPr lvl="2"/>
             <a:r>
-              <a:rPr lang="ko-KR" altLang="en-US" smtClean="0"/>
+              <a:rPr lang="ko-KR" altLang="en-US"/>
               <a:t>셋째 수준</a:t>
             </a:r>
           </a:p>
           <a:p>
             <a:pPr lvl="3"/>
             <a:r>
-              <a:rPr lang="ko-KR" altLang="en-US" smtClean="0"/>
+              <a:rPr lang="ko-KR" altLang="en-US"/>
               <a:t>넷째 수준</a:t>
             </a:r>
           </a:p>
           <a:p>
             <a:pPr lvl="4"/>
             <a:r>
-              <a:rPr lang="ko-KR" altLang="en-US" smtClean="0"/>
+              <a:rPr lang="ko-KR" altLang="en-US"/>
               <a:t>다섯째 수준</a:t>
             </a:r>
-            <a:endParaRPr lang="ko-KR" altLang="en-US"/>
           </a:p>
         </p:txBody>
       </p:sp>
@@ -795,7 +806,7 @@
           <a:p>
             <a:fld id="{FB30EDBD-1C2D-4C1E-B459-B60219FAB484}" type="datetimeFigureOut">
               <a:rPr lang="ko-KR" altLang="en-US" smtClean="0"/>
-              <a:t>2022-01-12</a:t>
+              <a:t>2023-05-14</a:t>
             </a:fld>
             <a:endParaRPr lang="ko-KR" altLang="en-US"/>
           </a:p>
@@ -893,10 +904,9 @@
           </a:lstStyle>
           <a:p>
             <a:r>
-              <a:rPr lang="ko-KR" altLang="en-US" smtClean="0"/>
+              <a:rPr lang="ko-KR" altLang="en-US"/>
               <a:t>마스터 제목 스타일 편집</a:t>
             </a:r>
-            <a:endParaRPr lang="ko-KR" altLang="en-US"/>
           </a:p>
         </p:txBody>
       </p:sp>
@@ -1013,7 +1023,7 @@
           <a:p>
             <a:pPr lvl="0"/>
             <a:r>
-              <a:rPr lang="ko-KR" altLang="en-US" smtClean="0"/>
+              <a:rPr lang="ko-KR" altLang="en-US"/>
               <a:t>마스터 텍스트 스타일을 편집합니다</a:t>
             </a:r>
           </a:p>
@@ -1036,7 +1046,7 @@
           <a:p>
             <a:fld id="{FB30EDBD-1C2D-4C1E-B459-B60219FAB484}" type="datetimeFigureOut">
               <a:rPr lang="ko-KR" altLang="en-US" smtClean="0"/>
-              <a:t>2022-01-12</a:t>
+              <a:t>2023-05-14</a:t>
             </a:fld>
             <a:endParaRPr lang="ko-KR" altLang="en-US"/>
           </a:p>
@@ -1125,10 +1135,9 @@
           <a:lstStyle/>
           <a:p>
             <a:r>
-              <a:rPr lang="ko-KR" altLang="en-US" smtClean="0"/>
+              <a:rPr lang="ko-KR" altLang="en-US"/>
               <a:t>마스터 제목 스타일 편집</a:t>
             </a:r>
-            <a:endParaRPr lang="ko-KR" altLang="en-US"/>
           </a:p>
         </p:txBody>
       </p:sp>
@@ -1182,38 +1191,37 @@
           <a:p>
             <a:pPr lvl="0"/>
             <a:r>
-              <a:rPr lang="ko-KR" altLang="en-US" smtClean="0"/>
+              <a:rPr lang="ko-KR" altLang="en-US"/>
               <a:t>마스터 텍스트 스타일을 편집합니다</a:t>
             </a:r>
           </a:p>
           <a:p>
             <a:pPr lvl="1"/>
             <a:r>
-              <a:rPr lang="ko-KR" altLang="en-US" smtClean="0"/>
+              <a:rPr lang="ko-KR" altLang="en-US"/>
               <a:t>둘째 수준</a:t>
             </a:r>
           </a:p>
           <a:p>
             <a:pPr lvl="2"/>
             <a:r>
-              <a:rPr lang="ko-KR" altLang="en-US" smtClean="0"/>
+              <a:rPr lang="ko-KR" altLang="en-US"/>
               <a:t>셋째 수준</a:t>
             </a:r>
           </a:p>
           <a:p>
             <a:pPr lvl="3"/>
             <a:r>
-              <a:rPr lang="ko-KR" altLang="en-US" smtClean="0"/>
+              <a:rPr lang="ko-KR" altLang="en-US"/>
               <a:t>넷째 수준</a:t>
             </a:r>
           </a:p>
           <a:p>
             <a:pPr lvl="4"/>
             <a:r>
-              <a:rPr lang="ko-KR" altLang="en-US" smtClean="0"/>
+              <a:rPr lang="ko-KR" altLang="en-US"/>
               <a:t>다섯째 수준</a:t>
             </a:r>
-            <a:endParaRPr lang="ko-KR" altLang="en-US"/>
           </a:p>
         </p:txBody>
       </p:sp>
@@ -1267,38 +1275,37 @@
           <a:p>
             <a:pPr lvl="0"/>
             <a:r>
-              <a:rPr lang="ko-KR" altLang="en-US" smtClean="0"/>
+              <a:rPr lang="ko-KR" altLang="en-US"/>
               <a:t>마스터 텍스트 스타일을 편집합니다</a:t>
             </a:r>
           </a:p>
           <a:p>
             <a:pPr lvl="1"/>
             <a:r>
-              <a:rPr lang="ko-KR" altLang="en-US" smtClean="0"/>
+              <a:rPr lang="ko-KR" altLang="en-US"/>
               <a:t>둘째 수준</a:t>
             </a:r>
           </a:p>
           <a:p>
             <a:pPr lvl="2"/>
             <a:r>
-              <a:rPr lang="ko-KR" altLang="en-US" smtClean="0"/>
+              <a:rPr lang="ko-KR" altLang="en-US"/>
               <a:t>셋째 수준</a:t>
             </a:r>
           </a:p>
           <a:p>
             <a:pPr lvl="3"/>
             <a:r>
-              <a:rPr lang="ko-KR" altLang="en-US" smtClean="0"/>
+              <a:rPr lang="ko-KR" altLang="en-US"/>
               <a:t>넷째 수준</a:t>
             </a:r>
           </a:p>
           <a:p>
             <a:pPr lvl="4"/>
             <a:r>
-              <a:rPr lang="ko-KR" altLang="en-US" smtClean="0"/>
+              <a:rPr lang="ko-KR" altLang="en-US"/>
               <a:t>다섯째 수준</a:t>
             </a:r>
-            <a:endParaRPr lang="ko-KR" altLang="en-US"/>
           </a:p>
         </p:txBody>
       </p:sp>
@@ -1319,7 +1326,7 @@
           <a:p>
             <a:fld id="{FB30EDBD-1C2D-4C1E-B459-B60219FAB484}" type="datetimeFigureOut">
               <a:rPr lang="ko-KR" altLang="en-US" smtClean="0"/>
-              <a:t>2022-01-12</a:t>
+              <a:t>2023-05-14</a:t>
             </a:fld>
             <a:endParaRPr lang="ko-KR" altLang="en-US"/>
           </a:p>
@@ -1412,10 +1419,9 @@
           </a:lstStyle>
           <a:p>
             <a:r>
-              <a:rPr lang="ko-KR" altLang="en-US" smtClean="0"/>
+              <a:rPr lang="ko-KR" altLang="en-US"/>
               <a:t>마스터 제목 스타일 편집</a:t>
             </a:r>
-            <a:endParaRPr lang="ko-KR" altLang="en-US"/>
           </a:p>
         </p:txBody>
       </p:sp>
@@ -1478,7 +1484,7 @@
           <a:p>
             <a:pPr lvl="0"/>
             <a:r>
-              <a:rPr lang="ko-KR" altLang="en-US" smtClean="0"/>
+              <a:rPr lang="ko-KR" altLang="en-US"/>
               <a:t>마스터 텍스트 스타일을 편집합니다</a:t>
             </a:r>
           </a:p>
@@ -1534,38 +1540,37 @@
           <a:p>
             <a:pPr lvl="0"/>
             <a:r>
-              <a:rPr lang="ko-KR" altLang="en-US" smtClean="0"/>
+              <a:rPr lang="ko-KR" altLang="en-US"/>
               <a:t>마스터 텍스트 스타일을 편집합니다</a:t>
             </a:r>
           </a:p>
           <a:p>
             <a:pPr lvl="1"/>
             <a:r>
-              <a:rPr lang="ko-KR" altLang="en-US" smtClean="0"/>
+              <a:rPr lang="ko-KR" altLang="en-US"/>
               <a:t>둘째 수준</a:t>
             </a:r>
           </a:p>
           <a:p>
             <a:pPr lvl="2"/>
             <a:r>
-              <a:rPr lang="ko-KR" altLang="en-US" smtClean="0"/>
+              <a:rPr lang="ko-KR" altLang="en-US"/>
               <a:t>셋째 수준</a:t>
             </a:r>
           </a:p>
           <a:p>
             <a:pPr lvl="3"/>
             <a:r>
-              <a:rPr lang="ko-KR" altLang="en-US" smtClean="0"/>
+              <a:rPr lang="ko-KR" altLang="en-US"/>
               <a:t>넷째 수준</a:t>
             </a:r>
           </a:p>
           <a:p>
             <a:pPr lvl="4"/>
             <a:r>
-              <a:rPr lang="ko-KR" altLang="en-US" smtClean="0"/>
+              <a:rPr lang="ko-KR" altLang="en-US"/>
               <a:t>다섯째 수준</a:t>
             </a:r>
-            <a:endParaRPr lang="ko-KR" altLang="en-US"/>
           </a:p>
         </p:txBody>
       </p:sp>
@@ -1628,7 +1633,7 @@
           <a:p>
             <a:pPr lvl="0"/>
             <a:r>
-              <a:rPr lang="ko-KR" altLang="en-US" smtClean="0"/>
+              <a:rPr lang="ko-KR" altLang="en-US"/>
               <a:t>마스터 텍스트 스타일을 편집합니다</a:t>
             </a:r>
           </a:p>
@@ -1684,38 +1689,37 @@
           <a:p>
             <a:pPr lvl="0"/>
             <a:r>
-              <a:rPr lang="ko-KR" altLang="en-US" smtClean="0"/>
+              <a:rPr lang="ko-KR" altLang="en-US"/>
               <a:t>마스터 텍스트 스타일을 편집합니다</a:t>
             </a:r>
           </a:p>
           <a:p>
             <a:pPr lvl="1"/>
             <a:r>
-              <a:rPr lang="ko-KR" altLang="en-US" smtClean="0"/>
+              <a:rPr lang="ko-KR" altLang="en-US"/>
               <a:t>둘째 수준</a:t>
             </a:r>
           </a:p>
           <a:p>
             <a:pPr lvl="2"/>
             <a:r>
-              <a:rPr lang="ko-KR" altLang="en-US" smtClean="0"/>
+              <a:rPr lang="ko-KR" altLang="en-US"/>
               <a:t>셋째 수준</a:t>
             </a:r>
           </a:p>
           <a:p>
             <a:pPr lvl="3"/>
             <a:r>
-              <a:rPr lang="ko-KR" altLang="en-US" smtClean="0"/>
+              <a:rPr lang="ko-KR" altLang="en-US"/>
               <a:t>넷째 수준</a:t>
             </a:r>
           </a:p>
           <a:p>
             <a:pPr lvl="4"/>
             <a:r>
-              <a:rPr lang="ko-KR" altLang="en-US" smtClean="0"/>
+              <a:rPr lang="ko-KR" altLang="en-US"/>
               <a:t>다섯째 수준</a:t>
             </a:r>
-            <a:endParaRPr lang="ko-KR" altLang="en-US"/>
           </a:p>
         </p:txBody>
       </p:sp>
@@ -1736,7 +1740,7 @@
           <a:p>
             <a:fld id="{FB30EDBD-1C2D-4C1E-B459-B60219FAB484}" type="datetimeFigureOut">
               <a:rPr lang="ko-KR" altLang="en-US" smtClean="0"/>
-              <a:t>2022-01-12</a:t>
+              <a:t>2023-05-14</a:t>
             </a:fld>
             <a:endParaRPr lang="ko-KR" altLang="en-US"/>
           </a:p>
@@ -1825,10 +1829,9 @@
           <a:lstStyle/>
           <a:p>
             <a:r>
-              <a:rPr lang="ko-KR" altLang="en-US" smtClean="0"/>
+              <a:rPr lang="ko-KR" altLang="en-US"/>
               <a:t>마스터 제목 스타일 편집</a:t>
             </a:r>
-            <a:endParaRPr lang="ko-KR" altLang="en-US"/>
           </a:p>
         </p:txBody>
       </p:sp>
@@ -1849,7 +1852,7 @@
           <a:p>
             <a:fld id="{FB30EDBD-1C2D-4C1E-B459-B60219FAB484}" type="datetimeFigureOut">
               <a:rPr lang="ko-KR" altLang="en-US" smtClean="0"/>
-              <a:t>2022-01-12</a:t>
+              <a:t>2023-05-14</a:t>
             </a:fld>
             <a:endParaRPr lang="ko-KR" altLang="en-US"/>
           </a:p>
@@ -1939,7 +1942,7 @@
           <a:p>
             <a:fld id="{FB30EDBD-1C2D-4C1E-B459-B60219FAB484}" type="datetimeFigureOut">
               <a:rPr lang="ko-KR" altLang="en-US" smtClean="0"/>
-              <a:t>2022-01-12</a:t>
+              <a:t>2023-05-14</a:t>
             </a:fld>
             <a:endParaRPr lang="ko-KR" altLang="en-US"/>
           </a:p>
@@ -2037,10 +2040,9 @@
           </a:lstStyle>
           <a:p>
             <a:r>
-              <a:rPr lang="ko-KR" altLang="en-US" smtClean="0"/>
+              <a:rPr lang="ko-KR" altLang="en-US"/>
               <a:t>마스터 제목 스타일 편집</a:t>
             </a:r>
-            <a:endParaRPr lang="ko-KR" altLang="en-US"/>
           </a:p>
         </p:txBody>
       </p:sp>
@@ -2094,38 +2096,37 @@
           <a:p>
             <a:pPr lvl="0"/>
             <a:r>
-              <a:rPr lang="ko-KR" altLang="en-US" smtClean="0"/>
+              <a:rPr lang="ko-KR" altLang="en-US"/>
               <a:t>마스터 텍스트 스타일을 편집합니다</a:t>
             </a:r>
           </a:p>
           <a:p>
             <a:pPr lvl="1"/>
             <a:r>
-              <a:rPr lang="ko-KR" altLang="en-US" smtClean="0"/>
+              <a:rPr lang="ko-KR" altLang="en-US"/>
               <a:t>둘째 수준</a:t>
             </a:r>
           </a:p>
           <a:p>
             <a:pPr lvl="2"/>
             <a:r>
-              <a:rPr lang="ko-KR" altLang="en-US" smtClean="0"/>
+              <a:rPr lang="ko-KR" altLang="en-US"/>
               <a:t>셋째 수준</a:t>
             </a:r>
           </a:p>
           <a:p>
             <a:pPr lvl="3"/>
             <a:r>
-              <a:rPr lang="ko-KR" altLang="en-US" smtClean="0"/>
+              <a:rPr lang="ko-KR" altLang="en-US"/>
               <a:t>넷째 수준</a:t>
             </a:r>
           </a:p>
           <a:p>
             <a:pPr lvl="4"/>
             <a:r>
-              <a:rPr lang="ko-KR" altLang="en-US" smtClean="0"/>
+              <a:rPr lang="ko-KR" altLang="en-US"/>
               <a:t>다섯째 수준</a:t>
             </a:r>
-            <a:endParaRPr lang="ko-KR" altLang="en-US"/>
           </a:p>
         </p:txBody>
       </p:sp>
@@ -2188,7 +2189,7 @@
           <a:p>
             <a:pPr lvl="0"/>
             <a:r>
-              <a:rPr lang="ko-KR" altLang="en-US" smtClean="0"/>
+              <a:rPr lang="ko-KR" altLang="en-US"/>
               <a:t>마스터 텍스트 스타일을 편집합니다</a:t>
             </a:r>
           </a:p>
@@ -2211,7 +2212,7 @@
           <a:p>
             <a:fld id="{FB30EDBD-1C2D-4C1E-B459-B60219FAB484}" type="datetimeFigureOut">
               <a:rPr lang="ko-KR" altLang="en-US" smtClean="0"/>
-              <a:t>2022-01-12</a:t>
+              <a:t>2023-05-14</a:t>
             </a:fld>
             <a:endParaRPr lang="ko-KR" altLang="en-US"/>
           </a:p>
@@ -2309,10 +2310,9 @@
           </a:lstStyle>
           <a:p>
             <a:r>
-              <a:rPr lang="ko-KR" altLang="en-US" smtClean="0"/>
+              <a:rPr lang="ko-KR" altLang="en-US"/>
               <a:t>마스터 제목 스타일 편집</a:t>
             </a:r>
-            <a:endParaRPr lang="ko-KR" altLang="en-US"/>
           </a:p>
         </p:txBody>
       </p:sp>
@@ -2436,7 +2436,7 @@
           <a:p>
             <a:pPr lvl="0"/>
             <a:r>
-              <a:rPr lang="ko-KR" altLang="en-US" smtClean="0"/>
+              <a:rPr lang="ko-KR" altLang="en-US"/>
               <a:t>마스터 텍스트 스타일을 편집합니다</a:t>
             </a:r>
           </a:p>
@@ -2459,7 +2459,7 @@
           <a:p>
             <a:fld id="{FB30EDBD-1C2D-4C1E-B459-B60219FAB484}" type="datetimeFigureOut">
               <a:rPr lang="ko-KR" altLang="en-US" smtClean="0"/>
-              <a:t>2022-01-12</a:t>
+              <a:t>2023-05-14</a:t>
             </a:fld>
             <a:endParaRPr lang="ko-KR" altLang="en-US"/>
           </a:p>
@@ -2563,10 +2563,9 @@
           <a:lstStyle/>
           <a:p>
             <a:r>
-              <a:rPr lang="ko-KR" altLang="en-US" smtClean="0"/>
+              <a:rPr lang="ko-KR" altLang="en-US"/>
               <a:t>마스터 제목 스타일 편집</a:t>
             </a:r>
-            <a:endParaRPr lang="ko-KR" altLang="en-US"/>
           </a:p>
         </p:txBody>
       </p:sp>
@@ -2597,38 +2596,37 @@
           <a:p>
             <a:pPr lvl="0"/>
             <a:r>
-              <a:rPr lang="ko-KR" altLang="en-US" smtClean="0"/>
+              <a:rPr lang="ko-KR" altLang="en-US"/>
               <a:t>마스터 텍스트 스타일을 편집합니다</a:t>
             </a:r>
           </a:p>
           <a:p>
             <a:pPr lvl="1"/>
             <a:r>
-              <a:rPr lang="ko-KR" altLang="en-US" smtClean="0"/>
+              <a:rPr lang="ko-KR" altLang="en-US"/>
               <a:t>둘째 수준</a:t>
             </a:r>
           </a:p>
           <a:p>
             <a:pPr lvl="2"/>
             <a:r>
-              <a:rPr lang="ko-KR" altLang="en-US" smtClean="0"/>
+              <a:rPr lang="ko-KR" altLang="en-US"/>
               <a:t>셋째 수준</a:t>
             </a:r>
           </a:p>
           <a:p>
             <a:pPr lvl="3"/>
             <a:r>
-              <a:rPr lang="ko-KR" altLang="en-US" smtClean="0"/>
+              <a:rPr lang="ko-KR" altLang="en-US"/>
               <a:t>넷째 수준</a:t>
             </a:r>
           </a:p>
           <a:p>
             <a:pPr lvl="4"/>
             <a:r>
-              <a:rPr lang="ko-KR" altLang="en-US" smtClean="0"/>
+              <a:rPr lang="ko-KR" altLang="en-US"/>
               <a:t>다섯째 수준</a:t>
             </a:r>
-            <a:endParaRPr lang="ko-KR" altLang="en-US"/>
           </a:p>
         </p:txBody>
       </p:sp>
@@ -2667,7 +2665,7 @@
           <a:p>
             <a:fld id="{FB30EDBD-1C2D-4C1E-B459-B60219FAB484}" type="datetimeFigureOut">
               <a:rPr lang="ko-KR" altLang="en-US" smtClean="0"/>
-              <a:t>2022-01-12</a:t>
+              <a:t>2023-05-14</a:t>
             </a:fld>
             <a:endParaRPr lang="ko-KR" altLang="en-US"/>
           </a:p>
@@ -3104,7 +3102,7 @@
                           <m:endChr m:val="}"/>
                           <m:ctrlPr>
                             <a:rPr lang="en-US" altLang="ko-KR" b="0" i="1" smtClean="0">
-                              <a:latin typeface="Cambria Math"/>
+                              <a:latin typeface="Cambria Math" panose="02040503050406030204" pitchFamily="18" charset="0"/>
                             </a:rPr>
                           </m:ctrlPr>
                         </m:dPr>
@@ -3113,7 +3111,7 @@
                             <m:sSubPr>
                               <m:ctrlPr>
                                 <a:rPr lang="en-US" altLang="ko-KR" b="0" i="1" smtClean="0">
-                                  <a:latin typeface="Cambria Math"/>
+                                  <a:latin typeface="Cambria Math" panose="02040503050406030204" pitchFamily="18" charset="0"/>
                                 </a:rPr>
                               </m:ctrlPr>
                             </m:sSubPr>
@@ -3140,7 +3138,7 @@
                               <m:endChr m:val="]"/>
                               <m:ctrlPr>
                                 <a:rPr lang="en-US" altLang="ko-KR" b="0" i="1" smtClean="0">
-                                  <a:latin typeface="Cambria Math"/>
+                                  <a:latin typeface="Cambria Math" panose="02040503050406030204" pitchFamily="18" charset="0"/>
                                 </a:rPr>
                               </m:ctrlPr>
                             </m:dPr>
@@ -3163,7 +3161,7 @@
                             <m:sSubPr>
                               <m:ctrlPr>
                                 <a:rPr lang="en-US" altLang="ko-KR" b="0" i="1" smtClean="0">
-                                  <a:latin typeface="Cambria Math"/>
+                                  <a:latin typeface="Cambria Math" panose="02040503050406030204" pitchFamily="18" charset="0"/>
                                 </a:rPr>
                               </m:ctrlPr>
                             </m:sSubPr>
@@ -3190,7 +3188,7 @@
                               <m:endChr m:val="]"/>
                               <m:ctrlPr>
                                 <a:rPr lang="en-US" altLang="ko-KR" b="0" i="1" smtClean="0">
-                                  <a:latin typeface="Cambria Math"/>
+                                  <a:latin typeface="Cambria Math" panose="02040503050406030204" pitchFamily="18" charset="0"/>
                                 </a:rPr>
                               </m:ctrlPr>
                             </m:dPr>
@@ -3213,7 +3211,7 @@
                             <m:sSubPr>
                               <m:ctrlPr>
                                 <a:rPr lang="en-US" altLang="ko-KR" b="0" i="1" smtClean="0">
-                                  <a:latin typeface="Cambria Math"/>
+                                  <a:latin typeface="Cambria Math" panose="02040503050406030204" pitchFamily="18" charset="0"/>
                                 </a:rPr>
                               </m:ctrlPr>
                             </m:sSubPr>
@@ -3240,7 +3238,7 @@
                               <m:endChr m:val="]"/>
                               <m:ctrlPr>
                                 <a:rPr lang="en-US" altLang="ko-KR" b="0" i="1" smtClean="0">
-                                  <a:latin typeface="Cambria Math"/>
+                                  <a:latin typeface="Cambria Math" panose="02040503050406030204" pitchFamily="18" charset="0"/>
                                 </a:rPr>
                               </m:ctrlPr>
                             </m:dPr>
@@ -3258,7 +3256,7 @@
                     </m:oMath>
                   </m:oMathPara>
                 </a14:m>
-                <a:endParaRPr lang="en-US" altLang="ko-KR" b="0" dirty="0" smtClean="0"/>
+                <a:endParaRPr lang="en-US" altLang="ko-KR" b="0" dirty="0"/>
               </a:p>
               <a:p>
                 <a:pPr/>
@@ -3304,7 +3302,7 @@
                           <m:endChr m:val="}"/>
                           <m:ctrlPr>
                             <a:rPr lang="en-US" altLang="ko-KR" i="1">
-                              <a:latin typeface="Cambria Math"/>
+                              <a:latin typeface="Cambria Math" panose="02040503050406030204" pitchFamily="18" charset="0"/>
                             </a:rPr>
                           </m:ctrlPr>
                         </m:dPr>
@@ -3313,7 +3311,7 @@
                             <m:sSubPr>
                               <m:ctrlPr>
                                 <a:rPr lang="en-US" altLang="ko-KR" i="1">
-                                  <a:latin typeface="Cambria Math"/>
+                                  <a:latin typeface="Cambria Math" panose="02040503050406030204" pitchFamily="18" charset="0"/>
                                 </a:rPr>
                               </m:ctrlPr>
                             </m:sSubPr>
@@ -3340,7 +3338,7 @@
                               <m:endChr m:val="]"/>
                               <m:ctrlPr>
                                 <a:rPr lang="en-US" altLang="ko-KR" i="1">
-                                  <a:latin typeface="Cambria Math"/>
+                                  <a:latin typeface="Cambria Math" panose="02040503050406030204" pitchFamily="18" charset="0"/>
                                 </a:rPr>
                               </m:ctrlPr>
                             </m:dPr>
@@ -3363,7 +3361,7 @@
                             <m:sSubPr>
                               <m:ctrlPr>
                                 <a:rPr lang="en-US" altLang="ko-KR" i="1">
-                                  <a:latin typeface="Cambria Math"/>
+                                  <a:latin typeface="Cambria Math" panose="02040503050406030204" pitchFamily="18" charset="0"/>
                                 </a:rPr>
                               </m:ctrlPr>
                             </m:sSubPr>
@@ -3390,7 +3388,7 @@
                               <m:endChr m:val="]"/>
                               <m:ctrlPr>
                                 <a:rPr lang="en-US" altLang="ko-KR" i="1">
-                                  <a:latin typeface="Cambria Math"/>
+                                  <a:latin typeface="Cambria Math" panose="02040503050406030204" pitchFamily="18" charset="0"/>
                                 </a:rPr>
                               </m:ctrlPr>
                             </m:dPr>
@@ -3413,7 +3411,7 @@
                             <m:sSubPr>
                               <m:ctrlPr>
                                 <a:rPr lang="en-US" altLang="ko-KR" i="1">
-                                  <a:latin typeface="Cambria Math"/>
+                                  <a:latin typeface="Cambria Math" panose="02040503050406030204" pitchFamily="18" charset="0"/>
                                 </a:rPr>
                               </m:ctrlPr>
                             </m:sSubPr>
@@ -3440,7 +3438,7 @@
                               <m:endChr m:val="]"/>
                               <m:ctrlPr>
                                 <a:rPr lang="en-US" altLang="ko-KR" i="1">
-                                  <a:latin typeface="Cambria Math"/>
+                                  <a:latin typeface="Cambria Math" panose="02040503050406030204" pitchFamily="18" charset="0"/>
                                 </a:rPr>
                               </m:ctrlPr>
                             </m:dPr>
@@ -3592,10 +3590,9 @@
           <a:lstStyle/>
           <a:p>
             <a:r>
-              <a:rPr lang="ko-KR" altLang="en-US" dirty="0" smtClean="0"/>
+              <a:rPr lang="ko-KR" altLang="en-US" dirty="0"/>
               <a:t>시간 축</a:t>
             </a:r>
-            <a:endParaRPr lang="ko-KR" altLang="en-US" dirty="0"/>
           </a:p>
         </p:txBody>
       </p:sp>
@@ -3670,10 +3667,9 @@
           <a:lstStyle/>
           <a:p>
             <a:r>
-              <a:rPr lang="ko-KR" altLang="en-US" dirty="0" smtClean="0"/>
+              <a:rPr lang="ko-KR" altLang="en-US" dirty="0"/>
               <a:t>주파수 축</a:t>
             </a:r>
-            <a:endParaRPr lang="ko-KR" altLang="en-US" dirty="0"/>
           </a:p>
         </p:txBody>
       </p:sp>
@@ -3719,7 +3715,7 @@
                           <m:endChr m:val="]"/>
                           <m:ctrlPr>
                             <a:rPr lang="en-US" altLang="ko-KR" sz="3200" i="1">
-                              <a:latin typeface="Cambria Math"/>
+                              <a:latin typeface="Cambria Math" panose="02040503050406030204" pitchFamily="18" charset="0"/>
                             </a:rPr>
                           </m:ctrlPr>
                         </m:dPr>
@@ -3862,6 +3858,831 @@
           <a:chExt cx="0" cy="0"/>
         </a:xfrm>
       </p:grpSpPr>
+      <mc:AlternateContent xmlns:mc="http://schemas.openxmlformats.org/markup-compatibility/2006" xmlns:a14="http://schemas.microsoft.com/office/drawing/2010/main">
+        <mc:Choice Requires="a14">
+          <p:sp>
+            <p:nvSpPr>
+              <p:cNvPr id="4" name="TextBox 3"/>
+              <p:cNvSpPr txBox="1"/>
+              <p:nvPr/>
+            </p:nvSpPr>
+            <p:spPr>
+              <a:xfrm>
+                <a:off x="3646384" y="2679906"/>
+                <a:ext cx="3759171" cy="923330"/>
+              </a:xfrm>
+              <a:prstGeom prst="rect">
+                <a:avLst/>
+              </a:prstGeom>
+              <a:noFill/>
+            </p:spPr>
+            <p:txBody>
+              <a:bodyPr wrap="none" rtlCol="0">
+                <a:spAutoFit/>
+              </a:bodyPr>
+              <a:lstStyle/>
+              <a:p>
+                <a:pPr/>
+                <a14:m>
+                  <m:oMathPara xmlns:m="http://schemas.openxmlformats.org/officeDocument/2006/math">
+                    <m:oMathParaPr>
+                      <m:jc m:val="centerGroup"/>
+                    </m:oMathParaPr>
+                    <m:oMath xmlns:m="http://schemas.openxmlformats.org/officeDocument/2006/math">
+                      <m:r>
+                        <a:rPr lang="en-US" altLang="ko-KR" b="0" i="1" smtClean="0">
+                          <a:latin typeface="Cambria Math"/>
+                        </a:rPr>
+                        <m:t>   </m:t>
+                      </m:r>
+                      <m:r>
+                        <a:rPr lang="en-US" altLang="ko-KR" b="0" i="1" smtClean="0">
+                          <a:latin typeface="Cambria Math"/>
+                        </a:rPr>
+                        <m:t>𝑓</m:t>
+                      </m:r>
+                      <m:r>
+                        <a:rPr lang="en-US" altLang="ko-KR" b="0" i="1" smtClean="0">
+                          <a:latin typeface="Cambria Math"/>
+                        </a:rPr>
+                        <m:t>:0</m:t>
+                      </m:r>
+                      <m:r>
+                        <a:rPr lang="en-US" altLang="ko-KR" b="0" i="1" smtClean="0">
+                          <a:latin typeface="Cambria Math"/>
+                        </a:rPr>
+                        <m:t>𝐻𝑧</m:t>
+                      </m:r>
+                      <m:r>
+                        <a:rPr lang="en-US" altLang="ko-KR" b="0" i="1" smtClean="0">
+                          <a:latin typeface="Cambria Math"/>
+                        </a:rPr>
+                        <m:t>⇒</m:t>
+                      </m:r>
+                      <m:d>
+                        <m:dPr>
+                          <m:begChr m:val="{"/>
+                          <m:endChr m:val="}"/>
+                          <m:ctrlPr>
+                            <a:rPr lang="en-US" altLang="ko-KR" b="0" i="1" smtClean="0">
+                              <a:latin typeface="Cambria Math" panose="02040503050406030204" pitchFamily="18" charset="0"/>
+                            </a:rPr>
+                          </m:ctrlPr>
+                        </m:dPr>
+                        <m:e>
+                          <m:sSub>
+                            <m:sSubPr>
+                              <m:ctrlPr>
+                                <a:rPr lang="en-US" altLang="ko-KR" b="0" i="1" smtClean="0">
+                                  <a:latin typeface="Cambria Math" panose="02040503050406030204" pitchFamily="18" charset="0"/>
+                                </a:rPr>
+                              </m:ctrlPr>
+                            </m:sSubPr>
+                            <m:e>
+                              <m:r>
+                                <a:rPr lang="en-US" altLang="ko-KR" b="0" i="1" smtClean="0">
+                                  <a:latin typeface="Cambria Math"/>
+                                </a:rPr>
+                                <m:t>𝑥</m:t>
+                              </m:r>
+                            </m:e>
+                            <m:sub>
+                              <m:r>
+                                <a:rPr lang="en-US" altLang="ko-KR" b="0" i="1" smtClean="0">
+                                  <a:latin typeface="Cambria Math"/>
+                                </a:rPr>
+                                <m:t>0</m:t>
+                              </m:r>
+                            </m:sub>
+                          </m:sSub>
+                          <m:d>
+                            <m:dPr>
+                              <m:begChr m:val="["/>
+                              <m:endChr m:val="]"/>
+                              <m:ctrlPr>
+                                <a:rPr lang="en-US" altLang="ko-KR" b="0" i="1" smtClean="0">
+                                  <a:latin typeface="Cambria Math" panose="02040503050406030204" pitchFamily="18" charset="0"/>
+                                </a:rPr>
+                              </m:ctrlPr>
+                            </m:dPr>
+                            <m:e>
+                              <m:r>
+                                <a:rPr lang="en-US" altLang="ko-KR" b="0" i="1" smtClean="0">
+                                  <a:latin typeface="Cambria Math"/>
+                                </a:rPr>
+                                <m:t>0</m:t>
+                              </m:r>
+                            </m:e>
+                          </m:d>
+                          <m:r>
+                            <a:rPr lang="en-US" altLang="ko-KR" b="0" i="1" smtClean="0">
+                              <a:latin typeface="Cambria Math"/>
+                            </a:rPr>
+                            <m:t>, </m:t>
+                          </m:r>
+                          <m:sSub>
+                            <m:sSubPr>
+                              <m:ctrlPr>
+                                <a:rPr lang="en-US" altLang="ko-KR" b="0" i="1" smtClean="0">
+                                  <a:latin typeface="Cambria Math" panose="02040503050406030204" pitchFamily="18" charset="0"/>
+                                </a:rPr>
+                              </m:ctrlPr>
+                            </m:sSubPr>
+                            <m:e>
+                              <m:r>
+                                <a:rPr lang="en-US" altLang="ko-KR" b="0" i="1" smtClean="0">
+                                  <a:latin typeface="Cambria Math"/>
+                                </a:rPr>
+                                <m:t>𝑥</m:t>
+                              </m:r>
+                            </m:e>
+                            <m:sub>
+                              <m:r>
+                                <a:rPr lang="en-US" altLang="ko-KR" b="0" i="1" smtClean="0">
+                                  <a:latin typeface="Cambria Math"/>
+                                </a:rPr>
+                                <m:t>0</m:t>
+                              </m:r>
+                            </m:sub>
+                          </m:sSub>
+                          <m:d>
+                            <m:dPr>
+                              <m:begChr m:val="["/>
+                              <m:endChr m:val="]"/>
+                              <m:ctrlPr>
+                                <a:rPr lang="en-US" altLang="ko-KR" b="0" i="1" smtClean="0">
+                                  <a:latin typeface="Cambria Math" panose="02040503050406030204" pitchFamily="18" charset="0"/>
+                                </a:rPr>
+                              </m:ctrlPr>
+                            </m:dPr>
+                            <m:e>
+                              <m:r>
+                                <a:rPr lang="en-US" altLang="ko-KR" b="0" i="1" smtClean="0">
+                                  <a:latin typeface="Cambria Math"/>
+                                </a:rPr>
+                                <m:t>1</m:t>
+                              </m:r>
+                            </m:e>
+                          </m:d>
+                          <m:r>
+                            <a:rPr lang="en-US" altLang="ko-KR" b="0" i="1" smtClean="0">
+                              <a:latin typeface="Cambria Math"/>
+                            </a:rPr>
+                            <m:t>, ⋯,</m:t>
+                          </m:r>
+                          <m:sSub>
+                            <m:sSubPr>
+                              <m:ctrlPr>
+                                <a:rPr lang="en-US" altLang="ko-KR" b="0" i="1" smtClean="0">
+                                  <a:latin typeface="Cambria Math" panose="02040503050406030204" pitchFamily="18" charset="0"/>
+                                </a:rPr>
+                              </m:ctrlPr>
+                            </m:sSubPr>
+                            <m:e>
+                              <m:r>
+                                <a:rPr lang="en-US" altLang="ko-KR" b="0" i="1" smtClean="0">
+                                  <a:latin typeface="Cambria Math"/>
+                                </a:rPr>
+                                <m:t>𝑥</m:t>
+                              </m:r>
+                            </m:e>
+                            <m:sub>
+                              <m:r>
+                                <a:rPr lang="en-US" altLang="ko-KR" b="0" i="1" smtClean="0">
+                                  <a:latin typeface="Cambria Math"/>
+                                </a:rPr>
+                                <m:t>0</m:t>
+                              </m:r>
+                            </m:sub>
+                          </m:sSub>
+                          <m:d>
+                            <m:dPr>
+                              <m:begChr m:val="["/>
+                              <m:endChr m:val="]"/>
+                              <m:ctrlPr>
+                                <a:rPr lang="en-US" altLang="ko-KR" b="0" i="1" smtClean="0">
+                                  <a:latin typeface="Cambria Math" panose="02040503050406030204" pitchFamily="18" charset="0"/>
+                                </a:rPr>
+                              </m:ctrlPr>
+                            </m:dPr>
+                            <m:e>
+                              <m:r>
+                                <a:rPr lang="en-US" altLang="ko-KR" b="0" i="1" smtClean="0">
+                                  <a:latin typeface="Cambria Math"/>
+                                </a:rPr>
+                                <m:t>𝑛</m:t>
+                              </m:r>
+                            </m:e>
+                          </m:d>
+                        </m:e>
+                      </m:d>
+                    </m:oMath>
+                  </m:oMathPara>
+                </a14:m>
+                <a:endParaRPr lang="en-US" altLang="ko-KR" b="0" dirty="0"/>
+              </a:p>
+              <a:p>
+                <a:pPr/>
+                <a14:m>
+                  <m:oMathPara xmlns:m="http://schemas.openxmlformats.org/officeDocument/2006/math">
+                    <m:oMathParaPr>
+                      <m:jc m:val="centerGroup"/>
+                    </m:oMathParaPr>
+                    <m:oMath xmlns:m="http://schemas.openxmlformats.org/officeDocument/2006/math">
+                      <m:r>
+                        <a:rPr lang="en-US" altLang="ko-KR" b="0" i="1" smtClean="0">
+                          <a:latin typeface="Cambria Math"/>
+                        </a:rPr>
+                        <m:t>+</m:t>
+                      </m:r>
+                      <m:r>
+                        <a:rPr lang="en-US" altLang="ko-KR" i="1">
+                          <a:latin typeface="Cambria Math"/>
+                        </a:rPr>
+                        <m:t>𝑓</m:t>
+                      </m:r>
+                      <m:r>
+                        <a:rPr lang="en-US" altLang="ko-KR" i="1">
+                          <a:latin typeface="Cambria Math"/>
+                        </a:rPr>
+                        <m:t>:1</m:t>
+                      </m:r>
+                      <m:r>
+                        <a:rPr lang="en-US" altLang="ko-KR" i="1">
+                          <a:latin typeface="Cambria Math"/>
+                        </a:rPr>
+                        <m:t>𝐻𝑧</m:t>
+                      </m:r>
+                      <m:r>
+                        <a:rPr lang="en-US" altLang="ko-KR" i="1">
+                          <a:latin typeface="Cambria Math"/>
+                        </a:rPr>
+                        <m:t>⇒</m:t>
+                      </m:r>
+                      <m:d>
+                        <m:dPr>
+                          <m:begChr m:val="{"/>
+                          <m:endChr m:val="}"/>
+                          <m:ctrlPr>
+                            <a:rPr lang="en-US" altLang="ko-KR" i="1">
+                              <a:latin typeface="Cambria Math" panose="02040503050406030204" pitchFamily="18" charset="0"/>
+                            </a:rPr>
+                          </m:ctrlPr>
+                        </m:dPr>
+                        <m:e>
+                          <m:sSub>
+                            <m:sSubPr>
+                              <m:ctrlPr>
+                                <a:rPr lang="en-US" altLang="ko-KR" i="1">
+                                  <a:latin typeface="Cambria Math" panose="02040503050406030204" pitchFamily="18" charset="0"/>
+                                </a:rPr>
+                              </m:ctrlPr>
+                            </m:sSubPr>
+                            <m:e>
+                              <m:r>
+                                <a:rPr lang="en-US" altLang="ko-KR" i="1">
+                                  <a:latin typeface="Cambria Math"/>
+                                </a:rPr>
+                                <m:t>𝑥</m:t>
+                              </m:r>
+                            </m:e>
+                            <m:sub>
+                              <m:r>
+                                <a:rPr lang="en-US" altLang="ko-KR" b="0" i="1" smtClean="0">
+                                  <a:latin typeface="Cambria Math"/>
+                                </a:rPr>
+                                <m:t>1</m:t>
+                              </m:r>
+                            </m:sub>
+                          </m:sSub>
+                          <m:d>
+                            <m:dPr>
+                              <m:begChr m:val="["/>
+                              <m:endChr m:val="]"/>
+                              <m:ctrlPr>
+                                <a:rPr lang="en-US" altLang="ko-KR" i="1">
+                                  <a:latin typeface="Cambria Math" panose="02040503050406030204" pitchFamily="18" charset="0"/>
+                                </a:rPr>
+                              </m:ctrlPr>
+                            </m:dPr>
+                            <m:e>
+                              <m:r>
+                                <a:rPr lang="en-US" altLang="ko-KR" i="1">
+                                  <a:latin typeface="Cambria Math"/>
+                                </a:rPr>
+                                <m:t>0</m:t>
+                              </m:r>
+                            </m:e>
+                          </m:d>
+                          <m:r>
+                            <a:rPr lang="en-US" altLang="ko-KR" i="1">
+                              <a:latin typeface="Cambria Math"/>
+                            </a:rPr>
+                            <m:t>, </m:t>
+                          </m:r>
+                          <m:sSub>
+                            <m:sSubPr>
+                              <m:ctrlPr>
+                                <a:rPr lang="en-US" altLang="ko-KR" i="1">
+                                  <a:latin typeface="Cambria Math" panose="02040503050406030204" pitchFamily="18" charset="0"/>
+                                </a:rPr>
+                              </m:ctrlPr>
+                            </m:sSubPr>
+                            <m:e>
+                              <m:r>
+                                <a:rPr lang="en-US" altLang="ko-KR" i="1">
+                                  <a:latin typeface="Cambria Math"/>
+                                </a:rPr>
+                                <m:t>𝑥</m:t>
+                              </m:r>
+                            </m:e>
+                            <m:sub>
+                              <m:r>
+                                <a:rPr lang="en-US" altLang="ko-KR" b="0" i="1" smtClean="0">
+                                  <a:latin typeface="Cambria Math"/>
+                                </a:rPr>
+                                <m:t>1</m:t>
+                              </m:r>
+                            </m:sub>
+                          </m:sSub>
+                          <m:d>
+                            <m:dPr>
+                              <m:begChr m:val="["/>
+                              <m:endChr m:val="]"/>
+                              <m:ctrlPr>
+                                <a:rPr lang="en-US" altLang="ko-KR" i="1">
+                                  <a:latin typeface="Cambria Math" panose="02040503050406030204" pitchFamily="18" charset="0"/>
+                                </a:rPr>
+                              </m:ctrlPr>
+                            </m:dPr>
+                            <m:e>
+                              <m:r>
+                                <a:rPr lang="en-US" altLang="ko-KR" i="1">
+                                  <a:latin typeface="Cambria Math"/>
+                                </a:rPr>
+                                <m:t>1</m:t>
+                              </m:r>
+                            </m:e>
+                          </m:d>
+                          <m:r>
+                            <a:rPr lang="en-US" altLang="ko-KR" i="1">
+                              <a:latin typeface="Cambria Math"/>
+                            </a:rPr>
+                            <m:t>, ⋯,</m:t>
+                          </m:r>
+                          <m:sSub>
+                            <m:sSubPr>
+                              <m:ctrlPr>
+                                <a:rPr lang="en-US" altLang="ko-KR" i="1">
+                                  <a:latin typeface="Cambria Math" panose="02040503050406030204" pitchFamily="18" charset="0"/>
+                                </a:rPr>
+                              </m:ctrlPr>
+                            </m:sSubPr>
+                            <m:e>
+                              <m:r>
+                                <a:rPr lang="en-US" altLang="ko-KR" i="1">
+                                  <a:latin typeface="Cambria Math"/>
+                                </a:rPr>
+                                <m:t>𝑥</m:t>
+                              </m:r>
+                            </m:e>
+                            <m:sub>
+                              <m:r>
+                                <a:rPr lang="en-US" altLang="ko-KR" b="0" i="1" smtClean="0">
+                                  <a:latin typeface="Cambria Math"/>
+                                </a:rPr>
+                                <m:t>1</m:t>
+                              </m:r>
+                            </m:sub>
+                          </m:sSub>
+                          <m:d>
+                            <m:dPr>
+                              <m:begChr m:val="["/>
+                              <m:endChr m:val="]"/>
+                              <m:ctrlPr>
+                                <a:rPr lang="en-US" altLang="ko-KR" i="1">
+                                  <a:latin typeface="Cambria Math" panose="02040503050406030204" pitchFamily="18" charset="0"/>
+                                </a:rPr>
+                              </m:ctrlPr>
+                            </m:dPr>
+                            <m:e>
+                              <m:r>
+                                <a:rPr lang="en-US" altLang="ko-KR" i="1">
+                                  <a:latin typeface="Cambria Math"/>
+                                </a:rPr>
+                                <m:t>𝑛</m:t>
+                              </m:r>
+                            </m:e>
+                          </m:d>
+                        </m:e>
+                      </m:d>
+                    </m:oMath>
+                  </m:oMathPara>
+                </a14:m>
+                <a:endParaRPr lang="en-US" altLang="ko-KR" dirty="0"/>
+              </a:p>
+              <a:p>
+                <a:pPr/>
+                <a14:m>
+                  <m:oMathPara xmlns:m="http://schemas.openxmlformats.org/officeDocument/2006/math">
+                    <m:oMathParaPr>
+                      <m:jc m:val="centerGroup"/>
+                    </m:oMathParaPr>
+                    <m:oMath xmlns:m="http://schemas.openxmlformats.org/officeDocument/2006/math">
+                      <m:r>
+                        <a:rPr lang="en-US" altLang="ko-KR" b="0" i="1" smtClean="0">
+                          <a:latin typeface="Cambria Math"/>
+                        </a:rPr>
+                        <m:t>⋮</m:t>
+                      </m:r>
+                    </m:oMath>
+                  </m:oMathPara>
+                </a14:m>
+                <a:endParaRPr lang="ko-KR" altLang="en-US" dirty="0"/>
+              </a:p>
+            </p:txBody>
+          </p:sp>
+        </mc:Choice>
+        <mc:Fallback xmlns="">
+          <p:sp>
+            <p:nvSpPr>
+              <p:cNvPr id="4" name="TextBox 3"/>
+              <p:cNvSpPr txBox="1">
+                <a:spLocks noRot="1" noChangeAspect="1" noMove="1" noResize="1" noEditPoints="1" noAdjustHandles="1" noChangeArrowheads="1" noChangeShapeType="1" noTextEdit="1"/>
+              </p:cNvSpPr>
+              <p:nvPr/>
+            </p:nvSpPr>
+            <p:spPr>
+              <a:xfrm>
+                <a:off x="3646384" y="2679906"/>
+                <a:ext cx="3759171" cy="923330"/>
+              </a:xfrm>
+              <a:prstGeom prst="rect">
+                <a:avLst/>
+              </a:prstGeom>
+              <a:blipFill rotWithShape="1">
+                <a:blip r:embed="rId2"/>
+                <a:stretch>
+                  <a:fillRect/>
+                </a:stretch>
+              </a:blipFill>
+            </p:spPr>
+            <p:txBody>
+              <a:bodyPr/>
+              <a:lstStyle/>
+              <a:p>
+                <a:r>
+                  <a:rPr lang="ko-KR" altLang="en-US">
+                    <a:noFill/>
+                  </a:rPr>
+                  <a:t> </a:t>
+                </a:r>
+              </a:p>
+            </p:txBody>
+          </p:sp>
+        </mc:Fallback>
+      </mc:AlternateContent>
+      <p:sp>
+        <p:nvSpPr>
+          <p:cNvPr id="5" name="오른쪽 화살표 4"/>
+          <p:cNvSpPr/>
+          <p:nvPr/>
+        </p:nvSpPr>
+        <p:spPr>
+          <a:xfrm>
+            <a:off x="4942528" y="2290852"/>
+            <a:ext cx="2232248" cy="360040"/>
+          </a:xfrm>
+          <a:prstGeom prst="rightArrow">
+            <a:avLst/>
+          </a:prstGeom>
+          <a:solidFill>
+            <a:srgbClr val="FFFF00"/>
+          </a:solidFill>
+          <a:ln>
+            <a:solidFill>
+              <a:schemeClr val="tx1"/>
+            </a:solidFill>
+          </a:ln>
+        </p:spPr>
+        <p:style>
+          <a:lnRef idx="2">
+            <a:schemeClr val="accent1">
+              <a:shade val="50000"/>
+            </a:schemeClr>
+          </a:lnRef>
+          <a:fillRef idx="1">
+            <a:schemeClr val="accent1"/>
+          </a:fillRef>
+          <a:effectRef idx="0">
+            <a:schemeClr val="accent1"/>
+          </a:effectRef>
+          <a:fontRef idx="minor">
+            <a:schemeClr val="lt1"/>
+          </a:fontRef>
+        </p:style>
+        <p:txBody>
+          <a:bodyPr rtlCol="0" anchor="ctr"/>
+          <a:lstStyle/>
+          <a:p>
+            <a:pPr algn="ctr"/>
+            <a:endParaRPr lang="ko-KR" altLang="en-US"/>
+          </a:p>
+        </p:txBody>
+      </p:sp>
+      <p:sp>
+        <p:nvSpPr>
+          <p:cNvPr id="6" name="TextBox 5"/>
+          <p:cNvSpPr txBox="1"/>
+          <p:nvPr/>
+        </p:nvSpPr>
+        <p:spPr>
+          <a:xfrm>
+            <a:off x="5579193" y="1959826"/>
+            <a:ext cx="1112805" cy="369332"/>
+          </a:xfrm>
+          <a:prstGeom prst="rect">
+            <a:avLst/>
+          </a:prstGeom>
+          <a:noFill/>
+        </p:spPr>
+        <p:txBody>
+          <a:bodyPr wrap="none" rtlCol="0">
+            <a:spAutoFit/>
+          </a:bodyPr>
+          <a:lstStyle/>
+          <a:p>
+            <a:r>
+              <a:rPr lang="en-US" altLang="ko-KR" dirty="0"/>
+              <a:t>time axis</a:t>
+            </a:r>
+            <a:endParaRPr lang="ko-KR" altLang="en-US" dirty="0"/>
+          </a:p>
+        </p:txBody>
+      </p:sp>
+      <p:sp>
+        <p:nvSpPr>
+          <p:cNvPr id="7" name="오른쪽 화살표 6"/>
+          <p:cNvSpPr/>
+          <p:nvPr/>
+        </p:nvSpPr>
+        <p:spPr>
+          <a:xfrm rot="5400000">
+            <a:off x="3088322" y="3078787"/>
+            <a:ext cx="1116124" cy="360040"/>
+          </a:xfrm>
+          <a:prstGeom prst="rightArrow">
+            <a:avLst/>
+          </a:prstGeom>
+          <a:solidFill>
+            <a:srgbClr val="FFFF00"/>
+          </a:solidFill>
+          <a:ln>
+            <a:solidFill>
+              <a:schemeClr val="tx1"/>
+            </a:solidFill>
+          </a:ln>
+        </p:spPr>
+        <p:style>
+          <a:lnRef idx="2">
+            <a:schemeClr val="accent1">
+              <a:shade val="50000"/>
+            </a:schemeClr>
+          </a:lnRef>
+          <a:fillRef idx="1">
+            <a:schemeClr val="accent1"/>
+          </a:fillRef>
+          <a:effectRef idx="0">
+            <a:schemeClr val="accent1"/>
+          </a:effectRef>
+          <a:fontRef idx="minor">
+            <a:schemeClr val="lt1"/>
+          </a:fontRef>
+        </p:style>
+        <p:txBody>
+          <a:bodyPr rtlCol="0" anchor="ctr"/>
+          <a:lstStyle/>
+          <a:p>
+            <a:pPr algn="ctr"/>
+            <a:endParaRPr lang="ko-KR" altLang="en-US"/>
+          </a:p>
+        </p:txBody>
+      </p:sp>
+      <p:sp>
+        <p:nvSpPr>
+          <p:cNvPr id="8" name="TextBox 7"/>
+          <p:cNvSpPr txBox="1"/>
+          <p:nvPr/>
+        </p:nvSpPr>
+        <p:spPr>
+          <a:xfrm rot="16200000">
+            <a:off x="2403943" y="2930706"/>
+            <a:ext cx="1676998" cy="369332"/>
+          </a:xfrm>
+          <a:prstGeom prst="rect">
+            <a:avLst/>
+          </a:prstGeom>
+          <a:noFill/>
+        </p:spPr>
+        <p:txBody>
+          <a:bodyPr wrap="none" rtlCol="0">
+            <a:spAutoFit/>
+          </a:bodyPr>
+          <a:lstStyle/>
+          <a:p>
+            <a:r>
+              <a:rPr lang="en-US" altLang="ko-KR" dirty="0"/>
+              <a:t>frequency axis</a:t>
+            </a:r>
+            <a:endParaRPr lang="ko-KR" altLang="en-US" dirty="0"/>
+          </a:p>
+        </p:txBody>
+      </p:sp>
+      <mc:AlternateContent xmlns:mc="http://schemas.openxmlformats.org/markup-compatibility/2006" xmlns:a14="http://schemas.microsoft.com/office/drawing/2010/main">
+        <mc:Choice Requires="a14">
+          <p:sp>
+            <p:nvSpPr>
+              <p:cNvPr id="9" name="직사각형 8"/>
+              <p:cNvSpPr/>
+              <p:nvPr/>
+            </p:nvSpPr>
+            <p:spPr>
+              <a:xfrm>
+                <a:off x="1331640" y="2633055"/>
+                <a:ext cx="1505027" cy="584775"/>
+              </a:xfrm>
+              <a:prstGeom prst="rect">
+                <a:avLst/>
+              </a:prstGeom>
+            </p:spPr>
+            <p:txBody>
+              <a:bodyPr wrap="none">
+                <a:spAutoFit/>
+              </a:bodyPr>
+              <a:lstStyle/>
+              <a:p>
+                <a:pPr/>
+                <a14:m>
+                  <m:oMathPara xmlns:m="http://schemas.openxmlformats.org/officeDocument/2006/math">
+                    <m:oMathParaPr>
+                      <m:jc m:val="centerGroup"/>
+                    </m:oMathParaPr>
+                    <m:oMath xmlns:m="http://schemas.openxmlformats.org/officeDocument/2006/math">
+                      <m:r>
+                        <a:rPr lang="en-US" altLang="ko-KR" sz="3200" b="0" i="1" smtClean="0">
+                          <a:latin typeface="Cambria Math"/>
+                        </a:rPr>
+                        <m:t>𝑥</m:t>
+                      </m:r>
+                      <m:d>
+                        <m:dPr>
+                          <m:begChr m:val="["/>
+                          <m:endChr m:val="]"/>
+                          <m:ctrlPr>
+                            <a:rPr lang="en-US" altLang="ko-KR" sz="3200" i="1">
+                              <a:latin typeface="Cambria Math" panose="02040503050406030204" pitchFamily="18" charset="0"/>
+                            </a:rPr>
+                          </m:ctrlPr>
+                        </m:dPr>
+                        <m:e>
+                          <m:r>
+                            <a:rPr lang="en-US" altLang="ko-KR" sz="3200" b="0" i="1" smtClean="0">
+                              <a:latin typeface="Cambria Math"/>
+                            </a:rPr>
+                            <m:t>𝑘</m:t>
+                          </m:r>
+                        </m:e>
+                      </m:d>
+                      <m:r>
+                        <a:rPr lang="en-US" altLang="ko-KR" sz="3200" b="0" i="1" smtClean="0">
+                          <a:latin typeface="Cambria Math"/>
+                        </a:rPr>
+                        <m:t>=</m:t>
+                      </m:r>
+                    </m:oMath>
+                  </m:oMathPara>
+                </a14:m>
+                <a:endParaRPr lang="ko-KR" altLang="en-US" sz="3200" dirty="0"/>
+              </a:p>
+            </p:txBody>
+          </p:sp>
+        </mc:Choice>
+        <mc:Fallback xmlns="">
+          <p:sp>
+            <p:nvSpPr>
+              <p:cNvPr id="9" name="직사각형 8"/>
+              <p:cNvSpPr>
+                <a:spLocks noRot="1" noChangeAspect="1" noMove="1" noResize="1" noEditPoints="1" noAdjustHandles="1" noChangeArrowheads="1" noChangeShapeType="1" noTextEdit="1"/>
+              </p:cNvSpPr>
+              <p:nvPr/>
+            </p:nvSpPr>
+            <p:spPr>
+              <a:xfrm>
+                <a:off x="1331640" y="2633055"/>
+                <a:ext cx="1505027" cy="584775"/>
+              </a:xfrm>
+              <a:prstGeom prst="rect">
+                <a:avLst/>
+              </a:prstGeom>
+              <a:blipFill rotWithShape="1">
+                <a:blip r:embed="rId3"/>
+                <a:stretch>
+                  <a:fillRect/>
+                </a:stretch>
+              </a:blipFill>
+            </p:spPr>
+            <p:txBody>
+              <a:bodyPr/>
+              <a:lstStyle/>
+              <a:p>
+                <a:r>
+                  <a:rPr lang="ko-KR" altLang="en-US">
+                    <a:noFill/>
+                  </a:rPr>
+                  <a:t> </a:t>
+                </a:r>
+              </a:p>
+            </p:txBody>
+          </p:sp>
+        </mc:Fallback>
+      </mc:AlternateContent>
+      <p:sp>
+        <p:nvSpPr>
+          <p:cNvPr id="10" name="직사각형 9"/>
+          <p:cNvSpPr/>
+          <p:nvPr/>
+        </p:nvSpPr>
+        <p:spPr>
+          <a:xfrm>
+            <a:off x="2915817" y="1959826"/>
+            <a:ext cx="4392488" cy="2045237"/>
+          </a:xfrm>
+          <a:prstGeom prst="rect">
+            <a:avLst/>
+          </a:prstGeom>
+          <a:noFill/>
+          <a:ln>
+            <a:solidFill>
+              <a:schemeClr val="tx1"/>
+            </a:solidFill>
+            <a:prstDash val="dashDot"/>
+          </a:ln>
+        </p:spPr>
+        <p:style>
+          <a:lnRef idx="2">
+            <a:schemeClr val="accent1">
+              <a:shade val="50000"/>
+            </a:schemeClr>
+          </a:lnRef>
+          <a:fillRef idx="1">
+            <a:schemeClr val="accent1"/>
+          </a:fillRef>
+          <a:effectRef idx="0">
+            <a:schemeClr val="accent1"/>
+          </a:effectRef>
+          <a:fontRef idx="minor">
+            <a:schemeClr val="lt1"/>
+          </a:fontRef>
+        </p:style>
+        <p:txBody>
+          <a:bodyPr rtlCol="0" anchor="ctr"/>
+          <a:lstStyle/>
+          <a:p>
+            <a:pPr algn="ctr"/>
+            <a:endParaRPr lang="ko-KR" altLang="en-US"/>
+          </a:p>
+        </p:txBody>
+      </p:sp>
+    </p:spTree>
+    <p:extLst>
+      <p:ext uri="{BB962C8B-B14F-4D97-AF65-F5344CB8AC3E}">
+        <p14:creationId xmlns:p14="http://schemas.microsoft.com/office/powerpoint/2010/main" val="3716343093"/>
+      </p:ext>
+    </p:extLst>
+  </p:cSld>
+  <p:clrMapOvr>
+    <a:masterClrMapping/>
+  </p:clrMapOvr>
+</p:sld>
+</file>
+
+<file path=ppt/slides/slide3.xml><?xml version="1.0" encoding="utf-8"?>
+<p:sld xmlns:a="http://schemas.openxmlformats.org/drawingml/2006/main" xmlns:r="http://schemas.openxmlformats.org/officeDocument/2006/relationships" xmlns:p="http://schemas.openxmlformats.org/presentationml/2006/main">
+  <p:cSld>
+    <p:spTree>
+      <p:nvGrpSpPr>
+        <p:cNvPr id="1" name=""/>
+        <p:cNvGrpSpPr/>
+        <p:nvPr/>
+      </p:nvGrpSpPr>
+      <p:grpSpPr>
+        <a:xfrm>
+          <a:off x="0" y="0"/>
+          <a:ext cx="0" cy="0"/>
+          <a:chOff x="0" y="0"/>
+          <a:chExt cx="0" cy="0"/>
+        </a:xfrm>
+      </p:grpSpPr>
       <p:sp>
         <p:nvSpPr>
           <p:cNvPr id="4" name="직사각형 3"/>
@@ -3910,8 +4731,8 @@
           </a:p>
         </p:txBody>
       </p:sp>
-      <mc:AlternateContent xmlns:mc="http://schemas.openxmlformats.org/markup-compatibility/2006">
-        <mc:Choice xmlns:a14="http://schemas.microsoft.com/office/drawing/2010/main" Requires="a14">
+      <mc:AlternateContent xmlns:mc="http://schemas.openxmlformats.org/markup-compatibility/2006" xmlns:a14="http://schemas.microsoft.com/office/drawing/2010/main">
+        <mc:Choice Requires="a14">
           <p:sp>
             <p:nvSpPr>
               <p:cNvPr id="5" name="직사각형 4"/>
@@ -3935,7 +4756,7 @@
               <a:p>
                 <a:pPr algn="ctr"/>
                 <a:r>
-                  <a:rPr lang="en-US" altLang="ko-KR" dirty="0" smtClean="0">
+                  <a:rPr lang="en-US" altLang="ko-KR" dirty="0">
                     <a:solidFill>
                       <a:srgbClr val="FF0000"/>
                     </a:solidFill>
@@ -3953,7 +4774,7 @@
                             <a:solidFill>
                               <a:srgbClr val="FF0000"/>
                             </a:solidFill>
-                            <a:latin typeface="Cambria Math"/>
+                            <a:latin typeface="Cambria Math" panose="02040503050406030204" pitchFamily="18" charset="0"/>
                             <a:ea typeface="마루 부리 Beta" pitchFamily="50" charset="-127"/>
                           </a:rPr>
                         </m:ctrlPr>
@@ -3996,7 +4817,7 @@
             </p:txBody>
           </p:sp>
         </mc:Choice>
-        <mc:Fallback>
+        <mc:Fallback xmlns="">
           <p:sp>
             <p:nvSpPr>
               <p:cNvPr id="5" name="직사각형 4"/>
@@ -4180,21 +5001,17 @@
           <a:p>
             <a:pPr algn="ctr"/>
             <a:r>
-              <a:rPr lang="en-US" altLang="ko-KR" dirty="0" smtClean="0">
+              <a:rPr lang="en-US" altLang="ko-KR" dirty="0">
                 <a:latin typeface="마루 부리 Beta" pitchFamily="50" charset="-127"/>
                 <a:ea typeface="마루 부리 Beta" pitchFamily="50" charset="-127"/>
               </a:rPr>
               <a:t>System</a:t>
             </a:r>
-            <a:endParaRPr lang="en-US" altLang="ko-KR" dirty="0">
-              <a:latin typeface="마루 부리 Beta" pitchFamily="50" charset="-127"/>
-              <a:ea typeface="마루 부리 Beta" pitchFamily="50" charset="-127"/>
-            </a:endParaRPr>
           </a:p>
         </p:txBody>
       </p:sp>
-      <mc:AlternateContent xmlns:mc="http://schemas.openxmlformats.org/markup-compatibility/2006">
-        <mc:Choice xmlns:a14="http://schemas.microsoft.com/office/drawing/2010/main" Requires="a14">
+      <mc:AlternateContent xmlns:mc="http://schemas.openxmlformats.org/markup-compatibility/2006" xmlns:a14="http://schemas.microsoft.com/office/drawing/2010/main">
+        <mc:Choice Requires="a14">
           <p:sp>
             <p:nvSpPr>
               <p:cNvPr id="12" name="직사각형 11"/>
@@ -4255,7 +5072,7 @@
                         <m:sSubPr>
                           <m:ctrlPr>
                             <a:rPr lang="en-US" altLang="ko-KR" b="0" i="1" dirty="0" smtClean="0">
-                              <a:latin typeface="Cambria Math"/>
+                              <a:latin typeface="Cambria Math" panose="02040503050406030204" pitchFamily="18" charset="0"/>
                               <a:ea typeface="마루 부리 Beta" pitchFamily="50" charset="-127"/>
                             </a:rPr>
                           </m:ctrlPr>
@@ -4297,7 +5114,7 @@
             </p:txBody>
           </p:sp>
         </mc:Choice>
-        <mc:Fallback>
+        <mc:Fallback xmlns="">
           <p:sp>
             <p:nvSpPr>
               <p:cNvPr id="12" name="직사각형 11"/>
@@ -4336,8 +5153,8 @@
           </p:sp>
         </mc:Fallback>
       </mc:AlternateContent>
-      <mc:AlternateContent xmlns:mc="http://schemas.openxmlformats.org/markup-compatibility/2006">
-        <mc:Choice xmlns:a14="http://schemas.microsoft.com/office/drawing/2010/main" Requires="a14">
+      <mc:AlternateContent xmlns:mc="http://schemas.openxmlformats.org/markup-compatibility/2006" xmlns:a14="http://schemas.microsoft.com/office/drawing/2010/main">
+        <mc:Choice Requires="a14">
           <p:sp>
             <p:nvSpPr>
               <p:cNvPr id="13" name="직사각형 12"/>
@@ -4405,7 +5222,7 @@
             </p:txBody>
           </p:sp>
         </mc:Choice>
-        <mc:Fallback>
+        <mc:Fallback xmlns="">
           <p:sp>
             <p:nvSpPr>
               <p:cNvPr id="13" name="직사각형 12"/>
@@ -4635,21 +5452,17 @@
           <a:p>
             <a:pPr algn="ctr"/>
             <a:r>
-              <a:rPr lang="en-US" altLang="ko-KR" dirty="0" smtClean="0">
+              <a:rPr lang="en-US" altLang="ko-KR" dirty="0">
                 <a:latin typeface="마루 부리 Beta" pitchFamily="50" charset="-127"/>
                 <a:ea typeface="마루 부리 Beta" pitchFamily="50" charset="-127"/>
               </a:rPr>
               <a:t>System</a:t>
             </a:r>
-            <a:endParaRPr lang="en-US" altLang="ko-KR" dirty="0">
-              <a:latin typeface="마루 부리 Beta" pitchFamily="50" charset="-127"/>
-              <a:ea typeface="마루 부리 Beta" pitchFamily="50" charset="-127"/>
-            </a:endParaRPr>
           </a:p>
         </p:txBody>
       </p:sp>
-      <mc:AlternateContent xmlns:mc="http://schemas.openxmlformats.org/markup-compatibility/2006">
-        <mc:Choice xmlns:a14="http://schemas.microsoft.com/office/drawing/2010/main" Requires="a14">
+      <mc:AlternateContent xmlns:mc="http://schemas.openxmlformats.org/markup-compatibility/2006" xmlns:a14="http://schemas.microsoft.com/office/drawing/2010/main">
+        <mc:Choice Requires="a14">
           <p:sp>
             <p:nvSpPr>
               <p:cNvPr id="19" name="직사각형 18"/>
@@ -4673,7 +5486,7 @@
               <a:p>
                 <a:pPr algn="ctr"/>
                 <a:r>
-                  <a:rPr lang="en-US" altLang="ko-KR" dirty="0" smtClean="0">
+                  <a:rPr lang="en-US" altLang="ko-KR" dirty="0">
                     <a:solidFill>
                       <a:srgbClr val="FF0000"/>
                     </a:solidFill>
@@ -4691,7 +5504,7 @@
                             <a:solidFill>
                               <a:srgbClr val="FF0000"/>
                             </a:solidFill>
-                            <a:latin typeface="Cambria Math"/>
+                            <a:latin typeface="Cambria Math" panose="02040503050406030204" pitchFamily="18" charset="0"/>
                             <a:ea typeface="마루 부리 Beta" pitchFamily="50" charset="-127"/>
                           </a:rPr>
                         </m:ctrlPr>
@@ -4734,7 +5547,7 @@
             </p:txBody>
           </p:sp>
         </mc:Choice>
-        <mc:Fallback>
+        <mc:Fallback xmlns="">
           <p:sp>
             <p:nvSpPr>
               <p:cNvPr id="19" name="직사각형 18"/>
@@ -4810,8 +5623,8 @@
           </a:fontRef>
         </p:style>
       </p:cxnSp>
-      <mc:AlternateContent xmlns:mc="http://schemas.openxmlformats.org/markup-compatibility/2006">
-        <mc:Choice xmlns:a14="http://schemas.microsoft.com/office/drawing/2010/main" Requires="a14">
+      <mc:AlternateContent xmlns:mc="http://schemas.openxmlformats.org/markup-compatibility/2006" xmlns:a14="http://schemas.microsoft.com/office/drawing/2010/main">
+        <mc:Choice Requires="a14">
           <p:sp>
             <p:nvSpPr>
               <p:cNvPr id="23" name="직사각형 22"/>
@@ -4879,7 +5692,7 @@
             </p:txBody>
           </p:sp>
         </mc:Choice>
-        <mc:Fallback>
+        <mc:Fallback xmlns="">
           <p:sp>
             <p:nvSpPr>
               <p:cNvPr id="23" name="직사각형 22"/>
@@ -4918,8 +5731,8 @@
           </p:sp>
         </mc:Fallback>
       </mc:AlternateContent>
-      <mc:AlternateContent xmlns:mc="http://schemas.openxmlformats.org/markup-compatibility/2006">
-        <mc:Choice xmlns:a14="http://schemas.microsoft.com/office/drawing/2010/main" Requires="a14">
+      <mc:AlternateContent xmlns:mc="http://schemas.openxmlformats.org/markup-compatibility/2006" xmlns:a14="http://schemas.microsoft.com/office/drawing/2010/main">
+        <mc:Choice Requires="a14">
           <p:sp>
             <p:nvSpPr>
               <p:cNvPr id="24" name="직사각형 23"/>
@@ -4987,7 +5800,7 @@
             </p:txBody>
           </p:sp>
         </mc:Choice>
-        <mc:Fallback>
+        <mc:Fallback xmlns="">
           <p:sp>
             <p:nvSpPr>
               <p:cNvPr id="24" name="직사각형 23"/>
@@ -5113,8 +5926,8 @@
           </p:style>
         </p:cxnSp>
       </p:grpSp>
-      <mc:AlternateContent xmlns:mc="http://schemas.openxmlformats.org/markup-compatibility/2006">
-        <mc:Choice xmlns:a14="http://schemas.microsoft.com/office/drawing/2010/main" Requires="a14">
+      <mc:AlternateContent xmlns:mc="http://schemas.openxmlformats.org/markup-compatibility/2006" xmlns:a14="http://schemas.microsoft.com/office/drawing/2010/main">
+        <mc:Choice Requires="a14">
           <p:sp>
             <p:nvSpPr>
               <p:cNvPr id="26" name="직사각형 25"/>
@@ -5182,7 +5995,7 @@
             </p:txBody>
           </p:sp>
         </mc:Choice>
-        <mc:Fallback>
+        <mc:Fallback xmlns="">
           <p:sp>
             <p:nvSpPr>
               <p:cNvPr id="26" name="직사각형 25"/>
@@ -5221,8 +6034,8 @@
           </p:sp>
         </mc:Fallback>
       </mc:AlternateContent>
-      <mc:AlternateContent xmlns:mc="http://schemas.openxmlformats.org/markup-compatibility/2006">
-        <mc:Choice xmlns:a14="http://schemas.microsoft.com/office/drawing/2010/main" Requires="a14">
+      <mc:AlternateContent xmlns:mc="http://schemas.openxmlformats.org/markup-compatibility/2006" xmlns:a14="http://schemas.microsoft.com/office/drawing/2010/main">
+        <mc:Choice Requires="a14">
           <p:sp>
             <p:nvSpPr>
               <p:cNvPr id="27" name="직사각형 26"/>
@@ -5283,7 +6096,7 @@
                         <m:sSubPr>
                           <m:ctrlPr>
                             <a:rPr lang="en-US" altLang="ko-KR" b="0" i="1" dirty="0" smtClean="0">
-                              <a:latin typeface="Cambria Math"/>
+                              <a:latin typeface="Cambria Math" panose="02040503050406030204" pitchFamily="18" charset="0"/>
                               <a:ea typeface="마루 부리 Beta" pitchFamily="50" charset="-127"/>
                             </a:rPr>
                           </m:ctrlPr>
@@ -5325,7 +6138,1785 @@
             </p:txBody>
           </p:sp>
         </mc:Choice>
-        <mc:Fallback>
+        <mc:Fallback xmlns="">
+          <p:sp>
+            <p:nvSpPr>
+              <p:cNvPr id="27" name="직사각형 26"/>
+              <p:cNvSpPr>
+                <a:spLocks noRot="1" noChangeAspect="1" noMove="1" noResize="1" noEditPoints="1" noAdjustHandles="1" noChangeArrowheads="1" noChangeShapeType="1" noTextEdit="1"/>
+              </p:cNvSpPr>
+              <p:nvPr/>
+            </p:nvSpPr>
+            <p:spPr>
+              <a:xfrm>
+                <a:off x="6973416" y="3316341"/>
+                <a:ext cx="1197726" cy="369332"/>
+              </a:xfrm>
+              <a:prstGeom prst="rect">
+                <a:avLst/>
+              </a:prstGeom>
+              <a:blipFill rotWithShape="1">
+                <a:blip r:embed="rId9"/>
+                <a:stretch>
+                  <a:fillRect b="-14754"/>
+                </a:stretch>
+              </a:blipFill>
+            </p:spPr>
+            <p:txBody>
+              <a:bodyPr/>
+              <a:lstStyle/>
+              <a:p>
+                <a:r>
+                  <a:rPr lang="ko-KR" altLang="en-US">
+                    <a:noFill/>
+                  </a:rPr>
+                  <a:t> </a:t>
+                </a:r>
+              </a:p>
+            </p:txBody>
+          </p:sp>
+        </mc:Fallback>
+      </mc:AlternateContent>
+      <mc:AlternateContent xmlns:mc="http://schemas.openxmlformats.org/markup-compatibility/2006" xmlns:a14="http://schemas.microsoft.com/office/drawing/2010/main">
+        <mc:Choice Requires="a14">
+          <p:sp>
+            <p:nvSpPr>
+              <p:cNvPr id="31" name="직사각형 30"/>
+              <p:cNvSpPr/>
+              <p:nvPr/>
+            </p:nvSpPr>
+            <p:spPr>
+              <a:xfrm>
+                <a:off x="5780272" y="2276872"/>
+                <a:ext cx="2824176" cy="646331"/>
+              </a:xfrm>
+              <a:prstGeom prst="rect">
+                <a:avLst/>
+              </a:prstGeom>
+              <a:solidFill>
+                <a:schemeClr val="accent6">
+                  <a:lumMod val="20000"/>
+                  <a:lumOff val="80000"/>
+                </a:schemeClr>
+              </a:solidFill>
+              <a:ln>
+                <a:solidFill>
+                  <a:schemeClr val="tx1">
+                    <a:lumMod val="50000"/>
+                    <a:lumOff val="50000"/>
+                  </a:schemeClr>
+                </a:solidFill>
+              </a:ln>
+            </p:spPr>
+            <p:txBody>
+              <a:bodyPr wrap="square">
+                <a:spAutoFit/>
+              </a:bodyPr>
+              <a:lstStyle/>
+              <a:p>
+                <a:pPr algn="ctr"/>
+                <a:r>
+                  <a:rPr lang="ko-KR" altLang="en-US" dirty="0">
+                    <a:solidFill>
+                      <a:sysClr val="windowText" lastClr="000000"/>
+                    </a:solidFill>
+                    <a:latin typeface="마루 부리 Beta" pitchFamily="50" charset="-127"/>
+                    <a:ea typeface="마루 부리 Beta" pitchFamily="50" charset="-127"/>
+                  </a:rPr>
+                  <a:t>시불변 시스템이라면 </a:t>
+                </a:r>
+                <a14:m>
+                  <m:oMath xmlns:m="http://schemas.openxmlformats.org/officeDocument/2006/math">
+                    <m:r>
+                      <a:rPr lang="en-US" altLang="ko-KR" b="0" i="1" smtClean="0">
+                        <a:solidFill>
+                          <a:sysClr val="windowText" lastClr="000000"/>
+                        </a:solidFill>
+                        <a:latin typeface="Cambria Math"/>
+                        <a:ea typeface="마루 부리 Beta" pitchFamily="50" charset="-127"/>
+                      </a:rPr>
+                      <m:t>𝑤</m:t>
+                    </m:r>
+                    <m:d>
+                      <m:dPr>
+                        <m:begChr m:val="["/>
+                        <m:endChr m:val="]"/>
+                        <m:ctrlPr>
+                          <a:rPr lang="en-US" altLang="ko-KR" b="0" i="1" smtClean="0">
+                            <a:solidFill>
+                              <a:sysClr val="windowText" lastClr="000000"/>
+                            </a:solidFill>
+                            <a:latin typeface="Cambria Math" panose="02040503050406030204" pitchFamily="18" charset="0"/>
+                            <a:ea typeface="마루 부리 Beta" pitchFamily="50" charset="-127"/>
+                          </a:rPr>
+                        </m:ctrlPr>
+                      </m:dPr>
+                      <m:e>
+                        <m:r>
+                          <a:rPr lang="en-US" altLang="ko-KR" b="0" i="1" smtClean="0">
+                            <a:solidFill>
+                              <a:sysClr val="windowText" lastClr="000000"/>
+                            </a:solidFill>
+                            <a:latin typeface="Cambria Math"/>
+                            <a:ea typeface="마루 부리 Beta" pitchFamily="50" charset="-127"/>
+                          </a:rPr>
+                          <m:t>𝑛</m:t>
+                        </m:r>
+                      </m:e>
+                    </m:d>
+                    <m:r>
+                      <a:rPr lang="en-US" altLang="ko-KR" b="0" i="1" smtClean="0">
+                        <a:solidFill>
+                          <a:sysClr val="windowText" lastClr="000000"/>
+                        </a:solidFill>
+                        <a:latin typeface="Cambria Math"/>
+                        <a:ea typeface="마루 부리 Beta" pitchFamily="50" charset="-127"/>
+                      </a:rPr>
+                      <m:t>=</m:t>
+                    </m:r>
+                    <m:r>
+                      <a:rPr lang="en-US" altLang="ko-KR" b="0" i="1" smtClean="0">
+                        <a:solidFill>
+                          <a:sysClr val="windowText" lastClr="000000"/>
+                        </a:solidFill>
+                        <a:latin typeface="Cambria Math"/>
+                        <a:ea typeface="마루 부리 Beta" pitchFamily="50" charset="-127"/>
+                      </a:rPr>
+                      <m:t>𝑦</m:t>
+                    </m:r>
+                    <m:r>
+                      <a:rPr lang="en-US" altLang="ko-KR" b="0" i="1" smtClean="0">
+                        <a:solidFill>
+                          <a:sysClr val="windowText" lastClr="000000"/>
+                        </a:solidFill>
+                        <a:latin typeface="Cambria Math"/>
+                        <a:ea typeface="마루 부리 Beta" pitchFamily="50" charset="-127"/>
+                      </a:rPr>
+                      <m:t>[</m:t>
+                    </m:r>
+                    <m:r>
+                      <a:rPr lang="en-US" altLang="ko-KR" b="0" i="1" smtClean="0">
+                        <a:solidFill>
+                          <a:sysClr val="windowText" lastClr="000000"/>
+                        </a:solidFill>
+                        <a:latin typeface="Cambria Math"/>
+                        <a:ea typeface="마루 부리 Beta" pitchFamily="50" charset="-127"/>
+                      </a:rPr>
+                      <m:t>𝑛</m:t>
+                    </m:r>
+                    <m:r>
+                      <a:rPr lang="en-US" altLang="ko-KR" b="0" i="1" smtClean="0">
+                        <a:solidFill>
+                          <a:sysClr val="windowText" lastClr="000000"/>
+                        </a:solidFill>
+                        <a:latin typeface="Cambria Math"/>
+                        <a:ea typeface="마루 부리 Beta" pitchFamily="50" charset="-127"/>
+                      </a:rPr>
+                      <m:t>−</m:t>
+                    </m:r>
+                    <m:sSub>
+                      <m:sSubPr>
+                        <m:ctrlPr>
+                          <a:rPr lang="en-US" altLang="ko-KR" b="0" i="1" smtClean="0">
+                            <a:solidFill>
+                              <a:sysClr val="windowText" lastClr="000000"/>
+                            </a:solidFill>
+                            <a:latin typeface="Cambria Math" panose="02040503050406030204" pitchFamily="18" charset="0"/>
+                            <a:ea typeface="마루 부리 Beta" pitchFamily="50" charset="-127"/>
+                          </a:rPr>
+                        </m:ctrlPr>
+                      </m:sSubPr>
+                      <m:e>
+                        <m:r>
+                          <a:rPr lang="en-US" altLang="ko-KR" b="0" i="1" smtClean="0">
+                            <a:solidFill>
+                              <a:sysClr val="windowText" lastClr="000000"/>
+                            </a:solidFill>
+                            <a:latin typeface="Cambria Math"/>
+                            <a:ea typeface="마루 부리 Beta" pitchFamily="50" charset="-127"/>
+                          </a:rPr>
+                          <m:t>𝑛</m:t>
+                        </m:r>
+                      </m:e>
+                      <m:sub>
+                        <m:r>
+                          <a:rPr lang="en-US" altLang="ko-KR" b="0" i="1" smtClean="0">
+                            <a:solidFill>
+                              <a:sysClr val="windowText" lastClr="000000"/>
+                            </a:solidFill>
+                            <a:latin typeface="Cambria Math"/>
+                            <a:ea typeface="마루 부리 Beta" pitchFamily="50" charset="-127"/>
+                          </a:rPr>
+                          <m:t>0</m:t>
+                        </m:r>
+                      </m:sub>
+                    </m:sSub>
+                    <m:r>
+                      <a:rPr lang="en-US" altLang="ko-KR" b="0" i="1" smtClean="0">
+                        <a:solidFill>
+                          <a:sysClr val="windowText" lastClr="000000"/>
+                        </a:solidFill>
+                        <a:latin typeface="Cambria Math"/>
+                        <a:ea typeface="마루 부리 Beta" pitchFamily="50" charset="-127"/>
+                      </a:rPr>
+                      <m:t>]</m:t>
+                    </m:r>
+                  </m:oMath>
+                </a14:m>
+                <a:r>
+                  <a:rPr lang="ko-KR" altLang="en-US" dirty="0">
+                    <a:solidFill>
+                      <a:sysClr val="windowText" lastClr="000000"/>
+                    </a:solidFill>
+                    <a:latin typeface="마루 부리 Beta" pitchFamily="50" charset="-127"/>
+                    <a:ea typeface="마루 부리 Beta" pitchFamily="50" charset="-127"/>
+                  </a:rPr>
+                  <a:t>임</a:t>
+                </a:r>
+                <a:endParaRPr lang="en-US" altLang="ko-KR" dirty="0">
+                  <a:solidFill>
+                    <a:sysClr val="windowText" lastClr="000000"/>
+                  </a:solidFill>
+                  <a:latin typeface="마루 부리 Beta" pitchFamily="50" charset="-127"/>
+                  <a:ea typeface="마루 부리 Beta" pitchFamily="50" charset="-127"/>
+                </a:endParaRPr>
+              </a:p>
+            </p:txBody>
+          </p:sp>
+        </mc:Choice>
+        <mc:Fallback xmlns="">
+          <p:sp>
+            <p:nvSpPr>
+              <p:cNvPr id="31" name="직사각형 30"/>
+              <p:cNvSpPr>
+                <a:spLocks noRot="1" noChangeAspect="1" noMove="1" noResize="1" noEditPoints="1" noAdjustHandles="1" noChangeArrowheads="1" noChangeShapeType="1" noTextEdit="1"/>
+              </p:cNvSpPr>
+              <p:nvPr/>
+            </p:nvSpPr>
+            <p:spPr>
+              <a:xfrm>
+                <a:off x="5780272" y="2276872"/>
+                <a:ext cx="2824176" cy="646331"/>
+              </a:xfrm>
+              <a:prstGeom prst="rect">
+                <a:avLst/>
+              </a:prstGeom>
+              <a:blipFill rotWithShape="1">
+                <a:blip r:embed="rId10"/>
+                <a:stretch>
+                  <a:fillRect t="-3704" b="-13889"/>
+                </a:stretch>
+              </a:blipFill>
+              <a:ln>
+                <a:solidFill>
+                  <a:schemeClr val="tx1">
+                    <a:lumMod val="50000"/>
+                    <a:lumOff val="50000"/>
+                  </a:schemeClr>
+                </a:solidFill>
+              </a:ln>
+            </p:spPr>
+            <p:txBody>
+              <a:bodyPr/>
+              <a:lstStyle/>
+              <a:p>
+                <a:r>
+                  <a:rPr lang="ko-KR" altLang="en-US">
+                    <a:noFill/>
+                  </a:rPr>
+                  <a:t> </a:t>
+                </a:r>
+              </a:p>
+            </p:txBody>
+          </p:sp>
+        </mc:Fallback>
+      </mc:AlternateContent>
+    </p:spTree>
+    <p:extLst>
+      <p:ext uri="{BB962C8B-B14F-4D97-AF65-F5344CB8AC3E}">
+        <p14:creationId xmlns:p14="http://schemas.microsoft.com/office/powerpoint/2010/main" val="4059922542"/>
+      </p:ext>
+    </p:extLst>
+  </p:cSld>
+  <p:clrMapOvr>
+    <a:masterClrMapping/>
+  </p:clrMapOvr>
+</p:sld>
+</file>
+
+<file path=ppt/slides/slide4.xml><?xml version="1.0" encoding="utf-8"?>
+<p:sld xmlns:a="http://schemas.openxmlformats.org/drawingml/2006/main" xmlns:r="http://schemas.openxmlformats.org/officeDocument/2006/relationships" xmlns:p="http://schemas.openxmlformats.org/presentationml/2006/main">
+  <p:cSld>
+    <p:spTree>
+      <p:nvGrpSpPr>
+        <p:cNvPr id="1" name=""/>
+        <p:cNvGrpSpPr/>
+        <p:nvPr/>
+      </p:nvGrpSpPr>
+      <p:grpSpPr>
+        <a:xfrm>
+          <a:off x="0" y="0"/>
+          <a:ext cx="0" cy="0"/>
+          <a:chOff x="0" y="0"/>
+          <a:chExt cx="0" cy="0"/>
+        </a:xfrm>
+      </p:grpSpPr>
+      <p:sp>
+        <p:nvSpPr>
+          <p:cNvPr id="4" name="직사각형 3"/>
+          <p:cNvSpPr/>
+          <p:nvPr/>
+        </p:nvSpPr>
+        <p:spPr>
+          <a:xfrm>
+            <a:off x="2393184" y="1198984"/>
+            <a:ext cx="1224136" cy="914400"/>
+          </a:xfrm>
+          <a:prstGeom prst="rect">
+            <a:avLst/>
+          </a:prstGeom>
+          <a:solidFill>
+            <a:schemeClr val="bg1"/>
+          </a:solidFill>
+          <a:ln>
+            <a:solidFill>
+              <a:schemeClr val="tx1"/>
+            </a:solidFill>
+          </a:ln>
+        </p:spPr>
+        <p:style>
+          <a:lnRef idx="2">
+            <a:schemeClr val="accent1">
+              <a:shade val="50000"/>
+            </a:schemeClr>
+          </a:lnRef>
+          <a:fillRef idx="1">
+            <a:schemeClr val="accent1"/>
+          </a:fillRef>
+          <a:effectRef idx="0">
+            <a:schemeClr val="accent1"/>
+          </a:effectRef>
+          <a:fontRef idx="minor">
+            <a:schemeClr val="lt1"/>
+          </a:fontRef>
+        </p:style>
+        <p:txBody>
+          <a:bodyPr rtlCol="0" anchor="ctr"/>
+          <a:lstStyle/>
+          <a:p>
+            <a:pPr algn="ctr"/>
+            <a:endParaRPr lang="ko-KR" altLang="en-US" dirty="0"/>
+          </a:p>
+        </p:txBody>
+      </p:sp>
+      <mc:AlternateContent xmlns:mc="http://schemas.openxmlformats.org/markup-compatibility/2006" xmlns:a14="http://schemas.microsoft.com/office/drawing/2010/main">
+        <mc:Choice Requires="a14">
+          <p:sp>
+            <p:nvSpPr>
+              <p:cNvPr id="5" name="직사각형 4"/>
+              <p:cNvSpPr/>
+              <p:nvPr/>
+            </p:nvSpPr>
+            <p:spPr>
+              <a:xfrm>
+                <a:off x="2510324" y="1333019"/>
+                <a:ext cx="989856" cy="646331"/>
+              </a:xfrm>
+              <a:prstGeom prst="rect">
+                <a:avLst/>
+              </a:prstGeom>
+            </p:spPr>
+            <p:txBody>
+              <a:bodyPr wrap="square">
+                <a:spAutoFit/>
+              </a:bodyPr>
+              <a:lstStyle/>
+              <a:p>
+                <a:pPr algn="ctr"/>
+                <a:r>
+                  <a:rPr lang="en-US" altLang="ko-KR" dirty="0">
+                    <a:solidFill>
+                      <a:srgbClr val="FF0000"/>
+                    </a:solidFill>
+                    <a:latin typeface="마루 부리 Beta" pitchFamily="50" charset="-127"/>
+                    <a:ea typeface="마루 부리 Beta" pitchFamily="50" charset="-127"/>
+                  </a:rPr>
+                  <a:t>Delay by </a:t>
+                </a:r>
+                <a14:m>
+                  <m:oMath xmlns:m="http://schemas.openxmlformats.org/officeDocument/2006/math">
+                    <m:sSub>
+                      <m:sSubPr>
+                        <m:ctrlPr>
+                          <a:rPr lang="en-US" altLang="ko-KR" b="0" i="1" smtClean="0">
+                            <a:solidFill>
+                              <a:srgbClr val="FF0000"/>
+                            </a:solidFill>
+                            <a:latin typeface="Cambria Math" panose="02040503050406030204" pitchFamily="18" charset="0"/>
+                            <a:ea typeface="마루 부리 Beta" pitchFamily="50" charset="-127"/>
+                          </a:rPr>
+                        </m:ctrlPr>
+                      </m:sSubPr>
+                      <m:e>
+                        <m:r>
+                          <a:rPr lang="en-US" altLang="ko-KR" b="0" i="1" smtClean="0">
+                            <a:solidFill>
+                              <a:srgbClr val="FF0000"/>
+                            </a:solidFill>
+                            <a:latin typeface="Cambria Math"/>
+                            <a:ea typeface="마루 부리 Beta" pitchFamily="50" charset="-127"/>
+                          </a:rPr>
+                          <m:t>𝑛</m:t>
+                        </m:r>
+                      </m:e>
+                      <m:sub>
+                        <m:r>
+                          <a:rPr lang="en-US" altLang="ko-KR" b="0" i="1" smtClean="0">
+                            <a:solidFill>
+                              <a:srgbClr val="FF0000"/>
+                            </a:solidFill>
+                            <a:latin typeface="Cambria Math"/>
+                            <a:ea typeface="마루 부리 Beta" pitchFamily="50" charset="-127"/>
+                          </a:rPr>
+                          <m:t>0</m:t>
+                        </m:r>
+                      </m:sub>
+                    </m:sSub>
+                  </m:oMath>
+                </a14:m>
+                <a:endParaRPr lang="en-US" altLang="ko-KR" dirty="0">
+                  <a:solidFill>
+                    <a:srgbClr val="FF0000"/>
+                  </a:solidFill>
+                  <a:latin typeface="마루 부리 Beta" pitchFamily="50" charset="-127"/>
+                  <a:ea typeface="마루 부리 Beta" pitchFamily="50" charset="-127"/>
+                </a:endParaRPr>
+              </a:p>
+            </p:txBody>
+          </p:sp>
+        </mc:Choice>
+        <mc:Fallback xmlns="">
+          <p:sp>
+            <p:nvSpPr>
+              <p:cNvPr id="5" name="직사각형 4"/>
+              <p:cNvSpPr>
+                <a:spLocks noRot="1" noChangeAspect="1" noMove="1" noResize="1" noEditPoints="1" noAdjustHandles="1" noChangeArrowheads="1" noChangeShapeType="1" noTextEdit="1"/>
+              </p:cNvSpPr>
+              <p:nvPr/>
+            </p:nvSpPr>
+            <p:spPr>
+              <a:xfrm>
+                <a:off x="2510324" y="1333019"/>
+                <a:ext cx="989856" cy="646331"/>
+              </a:xfrm>
+              <a:prstGeom prst="rect">
+                <a:avLst/>
+              </a:prstGeom>
+              <a:blipFill rotWithShape="1">
+                <a:blip r:embed="rId2"/>
+                <a:stretch>
+                  <a:fillRect t="-4717" b="-15094"/>
+                </a:stretch>
+              </a:blipFill>
+            </p:spPr>
+            <p:txBody>
+              <a:bodyPr/>
+              <a:lstStyle/>
+              <a:p>
+                <a:r>
+                  <a:rPr lang="ko-KR" altLang="en-US">
+                    <a:noFill/>
+                  </a:rPr>
+                  <a:t> </a:t>
+                </a:r>
+              </a:p>
+            </p:txBody>
+          </p:sp>
+        </mc:Fallback>
+      </mc:AlternateContent>
+      <p:cxnSp>
+        <p:nvCxnSpPr>
+          <p:cNvPr id="7" name="직선 화살표 연결선 6"/>
+          <p:cNvCxnSpPr>
+            <a:endCxn id="4" idx="1"/>
+          </p:cNvCxnSpPr>
+          <p:nvPr/>
+        </p:nvCxnSpPr>
+        <p:spPr>
+          <a:xfrm>
+            <a:off x="1025032" y="1656184"/>
+            <a:ext cx="1368152" cy="0"/>
+          </a:xfrm>
+          <a:prstGeom prst="straightConnector1">
+            <a:avLst/>
+          </a:prstGeom>
+          <a:ln w="19050">
+            <a:solidFill>
+              <a:schemeClr val="tx1"/>
+            </a:solidFill>
+            <a:tailEnd type="arrow"/>
+          </a:ln>
+        </p:spPr>
+        <p:style>
+          <a:lnRef idx="1">
+            <a:schemeClr val="accent1"/>
+          </a:lnRef>
+          <a:fillRef idx="0">
+            <a:schemeClr val="accent1"/>
+          </a:fillRef>
+          <a:effectRef idx="0">
+            <a:schemeClr val="accent1"/>
+          </a:effectRef>
+          <a:fontRef idx="minor">
+            <a:schemeClr val="tx1"/>
+          </a:fontRef>
+        </p:style>
+      </p:cxnSp>
+      <p:sp>
+        <p:nvSpPr>
+          <p:cNvPr id="8" name="직사각형 7"/>
+          <p:cNvSpPr/>
+          <p:nvPr/>
+        </p:nvSpPr>
+        <p:spPr>
+          <a:xfrm>
+            <a:off x="4985472" y="1198984"/>
+            <a:ext cx="1224136" cy="914400"/>
+          </a:xfrm>
+          <a:prstGeom prst="rect">
+            <a:avLst/>
+          </a:prstGeom>
+          <a:solidFill>
+            <a:schemeClr val="bg1"/>
+          </a:solidFill>
+          <a:ln>
+            <a:solidFill>
+              <a:schemeClr val="tx1"/>
+            </a:solidFill>
+          </a:ln>
+        </p:spPr>
+        <p:style>
+          <a:lnRef idx="2">
+            <a:schemeClr val="accent1">
+              <a:shade val="50000"/>
+            </a:schemeClr>
+          </a:lnRef>
+          <a:fillRef idx="1">
+            <a:schemeClr val="accent1"/>
+          </a:fillRef>
+          <a:effectRef idx="0">
+            <a:schemeClr val="accent1"/>
+          </a:effectRef>
+          <a:fontRef idx="minor">
+            <a:schemeClr val="lt1"/>
+          </a:fontRef>
+        </p:style>
+        <p:txBody>
+          <a:bodyPr rtlCol="0" anchor="ctr"/>
+          <a:lstStyle/>
+          <a:p>
+            <a:pPr algn="ctr"/>
+            <a:endParaRPr lang="ko-KR" altLang="en-US" dirty="0"/>
+          </a:p>
+        </p:txBody>
+      </p:sp>
+      <p:cxnSp>
+        <p:nvCxnSpPr>
+          <p:cNvPr id="9" name="직선 화살표 연결선 8"/>
+          <p:cNvCxnSpPr/>
+          <p:nvPr/>
+        </p:nvCxnSpPr>
+        <p:spPr>
+          <a:xfrm>
+            <a:off x="3617320" y="1656184"/>
+            <a:ext cx="1368152" cy="0"/>
+          </a:xfrm>
+          <a:prstGeom prst="straightConnector1">
+            <a:avLst/>
+          </a:prstGeom>
+          <a:ln w="19050">
+            <a:solidFill>
+              <a:schemeClr val="tx1"/>
+            </a:solidFill>
+            <a:tailEnd type="arrow"/>
+          </a:ln>
+        </p:spPr>
+        <p:style>
+          <a:lnRef idx="1">
+            <a:schemeClr val="accent1"/>
+          </a:lnRef>
+          <a:fillRef idx="0">
+            <a:schemeClr val="accent1"/>
+          </a:fillRef>
+          <a:effectRef idx="0">
+            <a:schemeClr val="accent1"/>
+          </a:effectRef>
+          <a:fontRef idx="minor">
+            <a:schemeClr val="tx1"/>
+          </a:fontRef>
+        </p:style>
+      </p:cxnSp>
+      <p:sp>
+        <p:nvSpPr>
+          <p:cNvPr id="10" name="직사각형 9"/>
+          <p:cNvSpPr/>
+          <p:nvPr/>
+        </p:nvSpPr>
+        <p:spPr>
+          <a:xfrm>
+            <a:off x="5102612" y="1471518"/>
+            <a:ext cx="989856" cy="369332"/>
+          </a:xfrm>
+          <a:prstGeom prst="rect">
+            <a:avLst/>
+          </a:prstGeom>
+        </p:spPr>
+        <p:txBody>
+          <a:bodyPr wrap="square">
+            <a:spAutoFit/>
+          </a:bodyPr>
+          <a:lstStyle/>
+          <a:p>
+            <a:pPr algn="ctr"/>
+            <a:r>
+              <a:rPr lang="en-US" altLang="ko-KR" dirty="0">
+                <a:latin typeface="마루 부리 Beta" pitchFamily="50" charset="-127"/>
+                <a:ea typeface="마루 부리 Beta" pitchFamily="50" charset="-127"/>
+              </a:rPr>
+              <a:t>System</a:t>
+            </a:r>
+          </a:p>
+        </p:txBody>
+      </p:sp>
+      <mc:AlternateContent xmlns:mc="http://schemas.openxmlformats.org/markup-compatibility/2006" xmlns:a14="http://schemas.microsoft.com/office/drawing/2010/main">
+        <mc:Choice Requires="a14">
+          <p:sp>
+            <p:nvSpPr>
+              <p:cNvPr id="12" name="직사각형 11"/>
+              <p:cNvSpPr/>
+              <p:nvPr/>
+            </p:nvSpPr>
+            <p:spPr>
+              <a:xfrm>
+                <a:off x="3689328" y="1286852"/>
+                <a:ext cx="1197726" cy="369332"/>
+              </a:xfrm>
+              <a:prstGeom prst="rect">
+                <a:avLst/>
+              </a:prstGeom>
+            </p:spPr>
+            <p:txBody>
+              <a:bodyPr wrap="square">
+                <a:spAutoFit/>
+              </a:bodyPr>
+              <a:lstStyle/>
+              <a:p>
+                <a:pPr algn="ctr"/>
+                <a14:m>
+                  <m:oMathPara xmlns:m="http://schemas.openxmlformats.org/officeDocument/2006/math">
+                    <m:oMathParaPr>
+                      <m:jc m:val="center"/>
+                    </m:oMathParaPr>
+                    <m:oMath xmlns:m="http://schemas.openxmlformats.org/officeDocument/2006/math">
+                      <m:r>
+                        <a:rPr lang="en-US" altLang="ko-KR" b="0" i="1" dirty="0" smtClean="0">
+                          <a:latin typeface="Cambria Math"/>
+                          <a:ea typeface="마루 부리 Beta" pitchFamily="50" charset="-127"/>
+                        </a:rPr>
+                        <m:t>𝑥</m:t>
+                      </m:r>
+                      <m:r>
+                        <a:rPr lang="en-US" altLang="ko-KR" b="0" i="1" dirty="0" smtClean="0">
+                          <a:latin typeface="Cambria Math"/>
+                          <a:ea typeface="마루 부리 Beta" pitchFamily="50" charset="-127"/>
+                        </a:rPr>
+                        <m:t>[</m:t>
+                      </m:r>
+                      <m:r>
+                        <a:rPr lang="en-US" altLang="ko-KR" b="0" i="1" dirty="0" smtClean="0">
+                          <a:latin typeface="Cambria Math"/>
+                          <a:ea typeface="마루 부리 Beta" pitchFamily="50" charset="-127"/>
+                        </a:rPr>
+                        <m:t>𝑛</m:t>
+                      </m:r>
+                      <m:r>
+                        <a:rPr lang="en-US" altLang="ko-KR" b="0" i="1" dirty="0" smtClean="0">
+                          <a:latin typeface="Cambria Math"/>
+                          <a:ea typeface="마루 부리 Beta" pitchFamily="50" charset="-127"/>
+                        </a:rPr>
+                        <m:t>−</m:t>
+                      </m:r>
+                      <m:sSub>
+                        <m:sSubPr>
+                          <m:ctrlPr>
+                            <a:rPr lang="en-US" altLang="ko-KR" b="0" i="1" dirty="0" smtClean="0">
+                              <a:latin typeface="Cambria Math" panose="02040503050406030204" pitchFamily="18" charset="0"/>
+                              <a:ea typeface="마루 부리 Beta" pitchFamily="50" charset="-127"/>
+                            </a:rPr>
+                          </m:ctrlPr>
+                        </m:sSubPr>
+                        <m:e>
+                          <m:r>
+                            <a:rPr lang="en-US" altLang="ko-KR" b="0" i="1" dirty="0" smtClean="0">
+                              <a:latin typeface="Cambria Math"/>
+                              <a:ea typeface="마루 부리 Beta" pitchFamily="50" charset="-127"/>
+                            </a:rPr>
+                            <m:t>𝑛</m:t>
+                          </m:r>
+                        </m:e>
+                        <m:sub>
+                          <m:r>
+                            <a:rPr lang="en-US" altLang="ko-KR" b="0" i="1" dirty="0" smtClean="0">
+                              <a:latin typeface="Cambria Math"/>
+                              <a:ea typeface="마루 부리 Beta" pitchFamily="50" charset="-127"/>
+                            </a:rPr>
+                            <m:t>0</m:t>
+                          </m:r>
+                        </m:sub>
+                      </m:sSub>
+                      <m:r>
+                        <a:rPr lang="en-US" altLang="ko-KR" b="0" i="1" dirty="0" smtClean="0">
+                          <a:latin typeface="Cambria Math"/>
+                          <a:ea typeface="마루 부리 Beta" pitchFamily="50" charset="-127"/>
+                        </a:rPr>
+                        <m:t>]</m:t>
+                      </m:r>
+                    </m:oMath>
+                  </m:oMathPara>
+                </a14:m>
+                <a:endParaRPr lang="en-US" altLang="ko-KR" dirty="0">
+                  <a:latin typeface="마루 부리 Beta" pitchFamily="50" charset="-127"/>
+                  <a:ea typeface="마루 부리 Beta" pitchFamily="50" charset="-127"/>
+                </a:endParaRPr>
+              </a:p>
+            </p:txBody>
+          </p:sp>
+        </mc:Choice>
+        <mc:Fallback xmlns="">
+          <p:sp>
+            <p:nvSpPr>
+              <p:cNvPr id="12" name="직사각형 11"/>
+              <p:cNvSpPr>
+                <a:spLocks noRot="1" noChangeAspect="1" noMove="1" noResize="1" noEditPoints="1" noAdjustHandles="1" noChangeArrowheads="1" noChangeShapeType="1" noTextEdit="1"/>
+              </p:cNvSpPr>
+              <p:nvPr/>
+            </p:nvSpPr>
+            <p:spPr>
+              <a:xfrm>
+                <a:off x="3689328" y="1286852"/>
+                <a:ext cx="1197726" cy="369332"/>
+              </a:xfrm>
+              <a:prstGeom prst="rect">
+                <a:avLst/>
+              </a:prstGeom>
+              <a:blipFill rotWithShape="1">
+                <a:blip r:embed="rId3"/>
+                <a:stretch>
+                  <a:fillRect b="-14754"/>
+                </a:stretch>
+              </a:blipFill>
+            </p:spPr>
+            <p:txBody>
+              <a:bodyPr/>
+              <a:lstStyle/>
+              <a:p>
+                <a:r>
+                  <a:rPr lang="ko-KR" altLang="en-US">
+                    <a:noFill/>
+                  </a:rPr>
+                  <a:t> </a:t>
+                </a:r>
+              </a:p>
+            </p:txBody>
+          </p:sp>
+        </mc:Fallback>
+      </mc:AlternateContent>
+      <mc:AlternateContent xmlns:mc="http://schemas.openxmlformats.org/markup-compatibility/2006" xmlns:a14="http://schemas.microsoft.com/office/drawing/2010/main">
+        <mc:Choice Requires="a14">
+          <p:sp>
+            <p:nvSpPr>
+              <p:cNvPr id="13" name="직사각형 12"/>
+              <p:cNvSpPr/>
+              <p:nvPr/>
+            </p:nvSpPr>
+            <p:spPr>
+              <a:xfrm>
+                <a:off x="972858" y="1286852"/>
+                <a:ext cx="558748" cy="369332"/>
+              </a:xfrm>
+              <a:prstGeom prst="rect">
+                <a:avLst/>
+              </a:prstGeom>
+            </p:spPr>
+            <p:txBody>
+              <a:bodyPr wrap="square">
+                <a:spAutoFit/>
+              </a:bodyPr>
+              <a:lstStyle/>
+              <a:p>
+                <a:pPr algn="ctr"/>
+                <a14:m>
+                  <m:oMathPara xmlns:m="http://schemas.openxmlformats.org/officeDocument/2006/math">
+                    <m:oMathParaPr>
+                      <m:jc m:val="center"/>
+                    </m:oMathParaPr>
+                    <m:oMath xmlns:m="http://schemas.openxmlformats.org/officeDocument/2006/math">
+                      <m:r>
+                        <a:rPr lang="en-US" altLang="ko-KR" b="0" i="1" dirty="0" smtClean="0">
+                          <a:latin typeface="Cambria Math"/>
+                          <a:ea typeface="마루 부리 Beta" pitchFamily="50" charset="-127"/>
+                        </a:rPr>
+                        <m:t>𝑥</m:t>
+                      </m:r>
+                      <m:r>
+                        <a:rPr lang="en-US" altLang="ko-KR" b="0" i="1" dirty="0" smtClean="0">
+                          <a:latin typeface="Cambria Math"/>
+                          <a:ea typeface="마루 부리 Beta" pitchFamily="50" charset="-127"/>
+                        </a:rPr>
+                        <m:t>[</m:t>
+                      </m:r>
+                      <m:r>
+                        <a:rPr lang="en-US" altLang="ko-KR" b="0" i="1" dirty="0" smtClean="0">
+                          <a:latin typeface="Cambria Math"/>
+                          <a:ea typeface="마루 부리 Beta" pitchFamily="50" charset="-127"/>
+                        </a:rPr>
+                        <m:t>𝑛</m:t>
+                      </m:r>
+                      <m:r>
+                        <a:rPr lang="en-US" altLang="ko-KR" b="0" i="1" dirty="0" smtClean="0">
+                          <a:latin typeface="Cambria Math"/>
+                          <a:ea typeface="마루 부리 Beta" pitchFamily="50" charset="-127"/>
+                        </a:rPr>
+                        <m:t>]</m:t>
+                      </m:r>
+                    </m:oMath>
+                  </m:oMathPara>
+                </a14:m>
+                <a:endParaRPr lang="en-US" altLang="ko-KR" dirty="0">
+                  <a:latin typeface="마루 부리 Beta" pitchFamily="50" charset="-127"/>
+                  <a:ea typeface="마루 부리 Beta" pitchFamily="50" charset="-127"/>
+                </a:endParaRPr>
+              </a:p>
+            </p:txBody>
+          </p:sp>
+        </mc:Choice>
+        <mc:Fallback xmlns="">
+          <p:sp>
+            <p:nvSpPr>
+              <p:cNvPr id="13" name="직사각형 12"/>
+              <p:cNvSpPr>
+                <a:spLocks noRot="1" noChangeAspect="1" noMove="1" noResize="1" noEditPoints="1" noAdjustHandles="1" noChangeArrowheads="1" noChangeShapeType="1" noTextEdit="1"/>
+              </p:cNvSpPr>
+              <p:nvPr/>
+            </p:nvSpPr>
+            <p:spPr>
+              <a:xfrm>
+                <a:off x="972858" y="1286852"/>
+                <a:ext cx="558748" cy="369332"/>
+              </a:xfrm>
+              <a:prstGeom prst="rect">
+                <a:avLst/>
+              </a:prstGeom>
+              <a:blipFill rotWithShape="1">
+                <a:blip r:embed="rId4"/>
+                <a:stretch>
+                  <a:fillRect l="-4396" r="-2198" b="-14754"/>
+                </a:stretch>
+              </a:blipFill>
+            </p:spPr>
+            <p:txBody>
+              <a:bodyPr/>
+              <a:lstStyle/>
+              <a:p>
+                <a:r>
+                  <a:rPr lang="ko-KR" altLang="en-US">
+                    <a:noFill/>
+                  </a:rPr>
+                  <a:t> </a:t>
+                </a:r>
+              </a:p>
+            </p:txBody>
+          </p:sp>
+        </mc:Fallback>
+      </mc:AlternateContent>
+      <p:cxnSp>
+        <p:nvCxnSpPr>
+          <p:cNvPr id="14" name="직선 화살표 연결선 13"/>
+          <p:cNvCxnSpPr/>
+          <p:nvPr/>
+        </p:nvCxnSpPr>
+        <p:spPr>
+          <a:xfrm>
+            <a:off x="1471221" y="3501008"/>
+            <a:ext cx="921963" cy="0"/>
+          </a:xfrm>
+          <a:prstGeom prst="straightConnector1">
+            <a:avLst/>
+          </a:prstGeom>
+          <a:ln w="19050">
+            <a:solidFill>
+              <a:schemeClr val="tx1"/>
+            </a:solidFill>
+            <a:tailEnd type="arrow"/>
+          </a:ln>
+        </p:spPr>
+        <p:style>
+          <a:lnRef idx="1">
+            <a:schemeClr val="accent1"/>
+          </a:lnRef>
+          <a:fillRef idx="0">
+            <a:schemeClr val="accent1"/>
+          </a:fillRef>
+          <a:effectRef idx="0">
+            <a:schemeClr val="accent1"/>
+          </a:effectRef>
+          <a:fontRef idx="minor">
+            <a:schemeClr val="tx1"/>
+          </a:fontRef>
+        </p:style>
+      </p:cxnSp>
+      <p:sp>
+        <p:nvSpPr>
+          <p:cNvPr id="15" name="직사각형 14"/>
+          <p:cNvSpPr/>
+          <p:nvPr/>
+        </p:nvSpPr>
+        <p:spPr>
+          <a:xfrm>
+            <a:off x="2393184" y="3043808"/>
+            <a:ext cx="1224136" cy="914400"/>
+          </a:xfrm>
+          <a:prstGeom prst="rect">
+            <a:avLst/>
+          </a:prstGeom>
+          <a:solidFill>
+            <a:schemeClr val="bg1"/>
+          </a:solidFill>
+          <a:ln>
+            <a:solidFill>
+              <a:schemeClr val="tx1"/>
+            </a:solidFill>
+          </a:ln>
+        </p:spPr>
+        <p:style>
+          <a:lnRef idx="2">
+            <a:schemeClr val="accent1">
+              <a:shade val="50000"/>
+            </a:schemeClr>
+          </a:lnRef>
+          <a:fillRef idx="1">
+            <a:schemeClr val="accent1"/>
+          </a:fillRef>
+          <a:effectRef idx="0">
+            <a:schemeClr val="accent1"/>
+          </a:effectRef>
+          <a:fontRef idx="minor">
+            <a:schemeClr val="lt1"/>
+          </a:fontRef>
+        </p:style>
+        <p:txBody>
+          <a:bodyPr rtlCol="0" anchor="ctr"/>
+          <a:lstStyle/>
+          <a:p>
+            <a:pPr algn="ctr"/>
+            <a:endParaRPr lang="ko-KR" altLang="en-US" dirty="0"/>
+          </a:p>
+        </p:txBody>
+      </p:sp>
+      <p:sp>
+        <p:nvSpPr>
+          <p:cNvPr id="16" name="직사각형 15"/>
+          <p:cNvSpPr/>
+          <p:nvPr/>
+        </p:nvSpPr>
+        <p:spPr>
+          <a:xfrm>
+            <a:off x="4985472" y="3043808"/>
+            <a:ext cx="1224136" cy="914400"/>
+          </a:xfrm>
+          <a:prstGeom prst="rect">
+            <a:avLst/>
+          </a:prstGeom>
+          <a:solidFill>
+            <a:schemeClr val="bg1"/>
+          </a:solidFill>
+          <a:ln>
+            <a:solidFill>
+              <a:schemeClr val="tx1"/>
+            </a:solidFill>
+          </a:ln>
+        </p:spPr>
+        <p:style>
+          <a:lnRef idx="2">
+            <a:schemeClr val="accent1">
+              <a:shade val="50000"/>
+            </a:schemeClr>
+          </a:lnRef>
+          <a:fillRef idx="1">
+            <a:schemeClr val="accent1"/>
+          </a:fillRef>
+          <a:effectRef idx="0">
+            <a:schemeClr val="accent1"/>
+          </a:effectRef>
+          <a:fontRef idx="minor">
+            <a:schemeClr val="lt1"/>
+          </a:fontRef>
+        </p:style>
+        <p:txBody>
+          <a:bodyPr rtlCol="0" anchor="ctr"/>
+          <a:lstStyle/>
+          <a:p>
+            <a:pPr algn="ctr"/>
+            <a:endParaRPr lang="ko-KR" altLang="en-US" dirty="0"/>
+          </a:p>
+        </p:txBody>
+      </p:sp>
+      <p:cxnSp>
+        <p:nvCxnSpPr>
+          <p:cNvPr id="17" name="직선 화살표 연결선 16"/>
+          <p:cNvCxnSpPr/>
+          <p:nvPr/>
+        </p:nvCxnSpPr>
+        <p:spPr>
+          <a:xfrm>
+            <a:off x="3617320" y="3501008"/>
+            <a:ext cx="1368152" cy="0"/>
+          </a:xfrm>
+          <a:prstGeom prst="straightConnector1">
+            <a:avLst/>
+          </a:prstGeom>
+          <a:ln w="19050">
+            <a:solidFill>
+              <a:schemeClr val="tx1"/>
+            </a:solidFill>
+            <a:tailEnd type="arrow"/>
+          </a:ln>
+        </p:spPr>
+        <p:style>
+          <a:lnRef idx="1">
+            <a:schemeClr val="accent1"/>
+          </a:lnRef>
+          <a:fillRef idx="0">
+            <a:schemeClr val="accent1"/>
+          </a:fillRef>
+          <a:effectRef idx="0">
+            <a:schemeClr val="accent1"/>
+          </a:effectRef>
+          <a:fontRef idx="minor">
+            <a:schemeClr val="tx1"/>
+          </a:fontRef>
+        </p:style>
+      </p:cxnSp>
+      <p:sp>
+        <p:nvSpPr>
+          <p:cNvPr id="18" name="직사각형 17"/>
+          <p:cNvSpPr/>
+          <p:nvPr/>
+        </p:nvSpPr>
+        <p:spPr>
+          <a:xfrm>
+            <a:off x="2510324" y="3316342"/>
+            <a:ext cx="989856" cy="369332"/>
+          </a:xfrm>
+          <a:prstGeom prst="rect">
+            <a:avLst/>
+          </a:prstGeom>
+        </p:spPr>
+        <p:txBody>
+          <a:bodyPr wrap="square">
+            <a:spAutoFit/>
+          </a:bodyPr>
+          <a:lstStyle/>
+          <a:p>
+            <a:pPr algn="ctr"/>
+            <a:r>
+              <a:rPr lang="en-US" altLang="ko-KR" dirty="0">
+                <a:latin typeface="마루 부리 Beta" pitchFamily="50" charset="-127"/>
+                <a:ea typeface="마루 부리 Beta" pitchFamily="50" charset="-127"/>
+              </a:rPr>
+              <a:t>System</a:t>
+            </a:r>
+          </a:p>
+        </p:txBody>
+      </p:sp>
+      <mc:AlternateContent xmlns:mc="http://schemas.openxmlformats.org/markup-compatibility/2006" xmlns:a14="http://schemas.microsoft.com/office/drawing/2010/main">
+        <mc:Choice Requires="a14">
+          <p:sp>
+            <p:nvSpPr>
+              <p:cNvPr id="19" name="직사각형 18"/>
+              <p:cNvSpPr/>
+              <p:nvPr/>
+            </p:nvSpPr>
+            <p:spPr>
+              <a:xfrm>
+                <a:off x="5102612" y="3177842"/>
+                <a:ext cx="989856" cy="646331"/>
+              </a:xfrm>
+              <a:prstGeom prst="rect">
+                <a:avLst/>
+              </a:prstGeom>
+            </p:spPr>
+            <p:txBody>
+              <a:bodyPr wrap="square">
+                <a:spAutoFit/>
+              </a:bodyPr>
+              <a:lstStyle/>
+              <a:p>
+                <a:pPr algn="ctr"/>
+                <a:r>
+                  <a:rPr lang="en-US" altLang="ko-KR" dirty="0">
+                    <a:solidFill>
+                      <a:srgbClr val="FF0000"/>
+                    </a:solidFill>
+                    <a:latin typeface="마루 부리 Beta" pitchFamily="50" charset="-127"/>
+                    <a:ea typeface="마루 부리 Beta" pitchFamily="50" charset="-127"/>
+                  </a:rPr>
+                  <a:t>Delay by </a:t>
+                </a:r>
+                <a14:m>
+                  <m:oMath xmlns:m="http://schemas.openxmlformats.org/officeDocument/2006/math">
+                    <m:sSub>
+                      <m:sSubPr>
+                        <m:ctrlPr>
+                          <a:rPr lang="en-US" altLang="ko-KR" b="0" i="1" smtClean="0">
+                            <a:solidFill>
+                              <a:srgbClr val="FF0000"/>
+                            </a:solidFill>
+                            <a:latin typeface="Cambria Math" panose="02040503050406030204" pitchFamily="18" charset="0"/>
+                            <a:ea typeface="마루 부리 Beta" pitchFamily="50" charset="-127"/>
+                          </a:rPr>
+                        </m:ctrlPr>
+                      </m:sSubPr>
+                      <m:e>
+                        <m:r>
+                          <a:rPr lang="en-US" altLang="ko-KR" b="0" i="1" smtClean="0">
+                            <a:solidFill>
+                              <a:srgbClr val="FF0000"/>
+                            </a:solidFill>
+                            <a:latin typeface="Cambria Math"/>
+                            <a:ea typeface="마루 부리 Beta" pitchFamily="50" charset="-127"/>
+                          </a:rPr>
+                          <m:t>𝑛</m:t>
+                        </m:r>
+                      </m:e>
+                      <m:sub>
+                        <m:r>
+                          <a:rPr lang="en-US" altLang="ko-KR" b="0" i="1" smtClean="0">
+                            <a:solidFill>
+                              <a:srgbClr val="FF0000"/>
+                            </a:solidFill>
+                            <a:latin typeface="Cambria Math"/>
+                            <a:ea typeface="마루 부리 Beta" pitchFamily="50" charset="-127"/>
+                          </a:rPr>
+                          <m:t>0</m:t>
+                        </m:r>
+                      </m:sub>
+                    </m:sSub>
+                  </m:oMath>
+                </a14:m>
+                <a:endParaRPr lang="en-US" altLang="ko-KR" dirty="0">
+                  <a:solidFill>
+                    <a:srgbClr val="FF0000"/>
+                  </a:solidFill>
+                  <a:latin typeface="마루 부리 Beta" pitchFamily="50" charset="-127"/>
+                  <a:ea typeface="마루 부리 Beta" pitchFamily="50" charset="-127"/>
+                </a:endParaRPr>
+              </a:p>
+            </p:txBody>
+          </p:sp>
+        </mc:Choice>
+        <mc:Fallback xmlns="">
+          <p:sp>
+            <p:nvSpPr>
+              <p:cNvPr id="19" name="직사각형 18"/>
+              <p:cNvSpPr>
+                <a:spLocks noRot="1" noChangeAspect="1" noMove="1" noResize="1" noEditPoints="1" noAdjustHandles="1" noChangeArrowheads="1" noChangeShapeType="1" noTextEdit="1"/>
+              </p:cNvSpPr>
+              <p:nvPr/>
+            </p:nvSpPr>
+            <p:spPr>
+              <a:xfrm>
+                <a:off x="5102612" y="3177842"/>
+                <a:ext cx="989856" cy="646331"/>
+              </a:xfrm>
+              <a:prstGeom prst="rect">
+                <a:avLst/>
+              </a:prstGeom>
+              <a:blipFill rotWithShape="1">
+                <a:blip r:embed="rId5"/>
+                <a:stretch>
+                  <a:fillRect t="-4717" b="-15094"/>
+                </a:stretch>
+              </a:blipFill>
+            </p:spPr>
+            <p:txBody>
+              <a:bodyPr/>
+              <a:lstStyle/>
+              <a:p>
+                <a:r>
+                  <a:rPr lang="ko-KR" altLang="en-US">
+                    <a:noFill/>
+                  </a:rPr>
+                  <a:t> </a:t>
+                </a:r>
+              </a:p>
+            </p:txBody>
+          </p:sp>
+        </mc:Fallback>
+      </mc:AlternateContent>
+      <p:cxnSp>
+        <p:nvCxnSpPr>
+          <p:cNvPr id="20" name="직선 화살표 연결선 19"/>
+          <p:cNvCxnSpPr/>
+          <p:nvPr/>
+        </p:nvCxnSpPr>
+        <p:spPr>
+          <a:xfrm>
+            <a:off x="1471221" y="1656184"/>
+            <a:ext cx="0" cy="1844824"/>
+          </a:xfrm>
+          <a:prstGeom prst="straightConnector1">
+            <a:avLst/>
+          </a:prstGeom>
+          <a:ln w="19050">
+            <a:solidFill>
+              <a:schemeClr val="tx1"/>
+            </a:solidFill>
+            <a:headEnd type="none" w="med" len="med"/>
+            <a:tailEnd type="none" w="med" len="med"/>
+          </a:ln>
+        </p:spPr>
+        <p:style>
+          <a:lnRef idx="1">
+            <a:schemeClr val="accent1"/>
+          </a:lnRef>
+          <a:fillRef idx="0">
+            <a:schemeClr val="accent1"/>
+          </a:fillRef>
+          <a:effectRef idx="0">
+            <a:schemeClr val="accent1"/>
+          </a:effectRef>
+          <a:fontRef idx="minor">
+            <a:schemeClr val="tx1"/>
+          </a:fontRef>
+        </p:style>
+      </p:cxnSp>
+      <mc:AlternateContent xmlns:mc="http://schemas.openxmlformats.org/markup-compatibility/2006" xmlns:a14="http://schemas.microsoft.com/office/drawing/2010/main">
+        <mc:Choice Requires="a14">
+          <p:sp>
+            <p:nvSpPr>
+              <p:cNvPr id="23" name="직사각형 22"/>
+              <p:cNvSpPr/>
+              <p:nvPr/>
+            </p:nvSpPr>
+            <p:spPr>
+              <a:xfrm>
+                <a:off x="1652828" y="3045324"/>
+                <a:ext cx="558748" cy="369332"/>
+              </a:xfrm>
+              <a:prstGeom prst="rect">
+                <a:avLst/>
+              </a:prstGeom>
+            </p:spPr>
+            <p:txBody>
+              <a:bodyPr wrap="square">
+                <a:spAutoFit/>
+              </a:bodyPr>
+              <a:lstStyle/>
+              <a:p>
+                <a:pPr algn="ctr"/>
+                <a14:m>
+                  <m:oMathPara xmlns:m="http://schemas.openxmlformats.org/officeDocument/2006/math">
+                    <m:oMathParaPr>
+                      <m:jc m:val="center"/>
+                    </m:oMathParaPr>
+                    <m:oMath xmlns:m="http://schemas.openxmlformats.org/officeDocument/2006/math">
+                      <m:r>
+                        <a:rPr lang="en-US" altLang="ko-KR" b="0" i="1" dirty="0" smtClean="0">
+                          <a:latin typeface="Cambria Math"/>
+                          <a:ea typeface="마루 부리 Beta" pitchFamily="50" charset="-127"/>
+                        </a:rPr>
+                        <m:t>𝑥</m:t>
+                      </m:r>
+                      <m:r>
+                        <a:rPr lang="en-US" altLang="ko-KR" b="0" i="1" dirty="0" smtClean="0">
+                          <a:latin typeface="Cambria Math"/>
+                          <a:ea typeface="마루 부리 Beta" pitchFamily="50" charset="-127"/>
+                        </a:rPr>
+                        <m:t>[</m:t>
+                      </m:r>
+                      <m:r>
+                        <a:rPr lang="en-US" altLang="ko-KR" b="0" i="1" dirty="0" smtClean="0">
+                          <a:latin typeface="Cambria Math"/>
+                          <a:ea typeface="마루 부리 Beta" pitchFamily="50" charset="-127"/>
+                        </a:rPr>
+                        <m:t>𝑛</m:t>
+                      </m:r>
+                      <m:r>
+                        <a:rPr lang="en-US" altLang="ko-KR" b="0" i="1" dirty="0" smtClean="0">
+                          <a:latin typeface="Cambria Math"/>
+                          <a:ea typeface="마루 부리 Beta" pitchFamily="50" charset="-127"/>
+                        </a:rPr>
+                        <m:t>]</m:t>
+                      </m:r>
+                    </m:oMath>
+                  </m:oMathPara>
+                </a14:m>
+                <a:endParaRPr lang="en-US" altLang="ko-KR" dirty="0">
+                  <a:latin typeface="마루 부리 Beta" pitchFamily="50" charset="-127"/>
+                  <a:ea typeface="마루 부리 Beta" pitchFamily="50" charset="-127"/>
+                </a:endParaRPr>
+              </a:p>
+            </p:txBody>
+          </p:sp>
+        </mc:Choice>
+        <mc:Fallback xmlns="">
+          <p:sp>
+            <p:nvSpPr>
+              <p:cNvPr id="23" name="직사각형 22"/>
+              <p:cNvSpPr>
+                <a:spLocks noRot="1" noChangeAspect="1" noMove="1" noResize="1" noEditPoints="1" noAdjustHandles="1" noChangeArrowheads="1" noChangeShapeType="1" noTextEdit="1"/>
+              </p:cNvSpPr>
+              <p:nvPr/>
+            </p:nvSpPr>
+            <p:spPr>
+              <a:xfrm>
+                <a:off x="1652828" y="3045324"/>
+                <a:ext cx="558748" cy="369332"/>
+              </a:xfrm>
+              <a:prstGeom prst="rect">
+                <a:avLst/>
+              </a:prstGeom>
+              <a:blipFill rotWithShape="1">
+                <a:blip r:embed="rId6"/>
+                <a:stretch>
+                  <a:fillRect l="-3261" r="-2174" b="-16667"/>
+                </a:stretch>
+              </a:blipFill>
+            </p:spPr>
+            <p:txBody>
+              <a:bodyPr/>
+              <a:lstStyle/>
+              <a:p>
+                <a:r>
+                  <a:rPr lang="ko-KR" altLang="en-US">
+                    <a:noFill/>
+                  </a:rPr>
+                  <a:t> </a:t>
+                </a:r>
+              </a:p>
+            </p:txBody>
+          </p:sp>
+        </mc:Fallback>
+      </mc:AlternateContent>
+      <mc:AlternateContent xmlns:mc="http://schemas.openxmlformats.org/markup-compatibility/2006" xmlns:a14="http://schemas.microsoft.com/office/drawing/2010/main">
+        <mc:Choice Requires="a14">
+          <p:sp>
+            <p:nvSpPr>
+              <p:cNvPr id="24" name="직사각형 23"/>
+              <p:cNvSpPr/>
+              <p:nvPr/>
+            </p:nvSpPr>
+            <p:spPr>
+              <a:xfrm>
+                <a:off x="3689328" y="3045324"/>
+                <a:ext cx="1197726" cy="369332"/>
+              </a:xfrm>
+              <a:prstGeom prst="rect">
+                <a:avLst/>
+              </a:prstGeom>
+            </p:spPr>
+            <p:txBody>
+              <a:bodyPr wrap="square">
+                <a:spAutoFit/>
+              </a:bodyPr>
+              <a:lstStyle/>
+              <a:p>
+                <a:pPr algn="ctr"/>
+                <a14:m>
+                  <m:oMathPara xmlns:m="http://schemas.openxmlformats.org/officeDocument/2006/math">
+                    <m:oMathParaPr>
+                      <m:jc m:val="center"/>
+                    </m:oMathParaPr>
+                    <m:oMath xmlns:m="http://schemas.openxmlformats.org/officeDocument/2006/math">
+                      <m:r>
+                        <a:rPr lang="en-US" altLang="ko-KR" b="0" i="1" dirty="0" smtClean="0">
+                          <a:latin typeface="Cambria Math"/>
+                          <a:ea typeface="마루 부리 Beta" pitchFamily="50" charset="-127"/>
+                        </a:rPr>
+                        <m:t>𝑦</m:t>
+                      </m:r>
+                      <m:r>
+                        <a:rPr lang="en-US" altLang="ko-KR" b="0" i="1" dirty="0" smtClean="0">
+                          <a:latin typeface="Cambria Math"/>
+                          <a:ea typeface="마루 부리 Beta" pitchFamily="50" charset="-127"/>
+                        </a:rPr>
+                        <m:t>[</m:t>
+                      </m:r>
+                      <m:r>
+                        <a:rPr lang="en-US" altLang="ko-KR" b="0" i="1" dirty="0" smtClean="0">
+                          <a:latin typeface="Cambria Math"/>
+                          <a:ea typeface="마루 부리 Beta" pitchFamily="50" charset="-127"/>
+                        </a:rPr>
+                        <m:t>𝑛</m:t>
+                      </m:r>
+                      <m:r>
+                        <a:rPr lang="en-US" altLang="ko-KR" b="0" i="1" dirty="0" smtClean="0">
+                          <a:latin typeface="Cambria Math"/>
+                          <a:ea typeface="마루 부리 Beta" pitchFamily="50" charset="-127"/>
+                        </a:rPr>
+                        <m:t>]</m:t>
+                      </m:r>
+                    </m:oMath>
+                  </m:oMathPara>
+                </a14:m>
+                <a:endParaRPr lang="en-US" altLang="ko-KR" dirty="0">
+                  <a:latin typeface="마루 부리 Beta" pitchFamily="50" charset="-127"/>
+                  <a:ea typeface="마루 부리 Beta" pitchFamily="50" charset="-127"/>
+                </a:endParaRPr>
+              </a:p>
+            </p:txBody>
+          </p:sp>
+        </mc:Choice>
+        <mc:Fallback xmlns="">
+          <p:sp>
+            <p:nvSpPr>
+              <p:cNvPr id="24" name="직사각형 23"/>
+              <p:cNvSpPr>
+                <a:spLocks noRot="1" noChangeAspect="1" noMove="1" noResize="1" noEditPoints="1" noAdjustHandles="1" noChangeArrowheads="1" noChangeShapeType="1" noTextEdit="1"/>
+              </p:cNvSpPr>
+              <p:nvPr/>
+            </p:nvSpPr>
+            <p:spPr>
+              <a:xfrm>
+                <a:off x="3689328" y="3045324"/>
+                <a:ext cx="1197726" cy="369332"/>
+              </a:xfrm>
+              <a:prstGeom prst="rect">
+                <a:avLst/>
+              </a:prstGeom>
+              <a:blipFill rotWithShape="1">
+                <a:blip r:embed="rId7"/>
+                <a:stretch>
+                  <a:fillRect b="-16667"/>
+                </a:stretch>
+              </a:blipFill>
+            </p:spPr>
+            <p:txBody>
+              <a:bodyPr/>
+              <a:lstStyle/>
+              <a:p>
+                <a:r>
+                  <a:rPr lang="ko-KR" altLang="en-US">
+                    <a:noFill/>
+                  </a:rPr>
+                  <a:t> </a:t>
+                </a:r>
+              </a:p>
+            </p:txBody>
+          </p:sp>
+        </mc:Fallback>
+      </mc:AlternateContent>
+      <p:grpSp>
+        <p:nvGrpSpPr>
+          <p:cNvPr id="28" name="그룹 27"/>
+          <p:cNvGrpSpPr/>
+          <p:nvPr/>
+        </p:nvGrpSpPr>
+        <p:grpSpPr>
+          <a:xfrm>
+            <a:off x="6213871" y="1656184"/>
+            <a:ext cx="684076" cy="1844824"/>
+            <a:chOff x="5656383" y="1656184"/>
+            <a:chExt cx="1368152" cy="1844824"/>
+          </a:xfrm>
+        </p:grpSpPr>
+        <p:cxnSp>
+          <p:nvCxnSpPr>
+            <p:cNvPr id="11" name="직선 화살표 연결선 10"/>
+            <p:cNvCxnSpPr/>
+            <p:nvPr/>
+          </p:nvCxnSpPr>
+          <p:spPr>
+            <a:xfrm>
+              <a:off x="5656383" y="1656184"/>
+              <a:ext cx="1368152" cy="0"/>
+            </a:xfrm>
+            <a:prstGeom prst="straightConnector1">
+              <a:avLst/>
+            </a:prstGeom>
+            <a:ln w="19050">
+              <a:solidFill>
+                <a:schemeClr val="tx1"/>
+              </a:solidFill>
+              <a:tailEnd type="arrow"/>
+            </a:ln>
+          </p:spPr>
+          <p:style>
+            <a:lnRef idx="1">
+              <a:schemeClr val="accent1"/>
+            </a:lnRef>
+            <a:fillRef idx="0">
+              <a:schemeClr val="accent1"/>
+            </a:fillRef>
+            <a:effectRef idx="0">
+              <a:schemeClr val="accent1"/>
+            </a:effectRef>
+            <a:fontRef idx="minor">
+              <a:schemeClr val="tx1"/>
+            </a:fontRef>
+          </p:style>
+        </p:cxnSp>
+        <p:cxnSp>
+          <p:nvCxnSpPr>
+            <p:cNvPr id="25" name="직선 화살표 연결선 24"/>
+            <p:cNvCxnSpPr/>
+            <p:nvPr/>
+          </p:nvCxnSpPr>
+          <p:spPr>
+            <a:xfrm>
+              <a:off x="5656383" y="3501008"/>
+              <a:ext cx="1368152" cy="0"/>
+            </a:xfrm>
+            <a:prstGeom prst="straightConnector1">
+              <a:avLst/>
+            </a:prstGeom>
+            <a:ln w="19050">
+              <a:solidFill>
+                <a:schemeClr val="tx1"/>
+              </a:solidFill>
+              <a:tailEnd type="arrow"/>
+            </a:ln>
+          </p:spPr>
+          <p:style>
+            <a:lnRef idx="1">
+              <a:schemeClr val="accent1"/>
+            </a:lnRef>
+            <a:fillRef idx="0">
+              <a:schemeClr val="accent1"/>
+            </a:fillRef>
+            <a:effectRef idx="0">
+              <a:schemeClr val="accent1"/>
+            </a:effectRef>
+            <a:fontRef idx="minor">
+              <a:schemeClr val="tx1"/>
+            </a:fontRef>
+          </p:style>
+        </p:cxnSp>
+      </p:grpSp>
+      <mc:AlternateContent xmlns:mc="http://schemas.openxmlformats.org/markup-compatibility/2006" xmlns:a14="http://schemas.microsoft.com/office/drawing/2010/main">
+        <mc:Choice Requires="a14">
+          <p:sp>
+            <p:nvSpPr>
+              <p:cNvPr id="26" name="직사각형 25"/>
+              <p:cNvSpPr/>
+              <p:nvPr/>
+            </p:nvSpPr>
+            <p:spPr>
+              <a:xfrm>
+                <a:off x="6713664" y="1471518"/>
+                <a:ext cx="1197726" cy="369332"/>
+              </a:xfrm>
+              <a:prstGeom prst="rect">
+                <a:avLst/>
+              </a:prstGeom>
+            </p:spPr>
+            <p:txBody>
+              <a:bodyPr wrap="square">
+                <a:spAutoFit/>
+              </a:bodyPr>
+              <a:lstStyle/>
+              <a:p>
+                <a:pPr algn="ctr"/>
+                <a14:m>
+                  <m:oMathPara xmlns:m="http://schemas.openxmlformats.org/officeDocument/2006/math">
+                    <m:oMathParaPr>
+                      <m:jc m:val="center"/>
+                    </m:oMathParaPr>
+                    <m:oMath xmlns:m="http://schemas.openxmlformats.org/officeDocument/2006/math">
+                      <m:r>
+                        <a:rPr lang="en-US" altLang="ko-KR" b="0" i="1" dirty="0" smtClean="0">
+                          <a:latin typeface="Cambria Math"/>
+                          <a:ea typeface="마루 부리 Beta" pitchFamily="50" charset="-127"/>
+                        </a:rPr>
+                        <m:t>𝑤</m:t>
+                      </m:r>
+                      <m:r>
+                        <a:rPr lang="en-US" altLang="ko-KR" b="0" i="1" dirty="0" smtClean="0">
+                          <a:latin typeface="Cambria Math"/>
+                          <a:ea typeface="마루 부리 Beta" pitchFamily="50" charset="-127"/>
+                        </a:rPr>
+                        <m:t>[</m:t>
+                      </m:r>
+                      <m:r>
+                        <a:rPr lang="en-US" altLang="ko-KR" b="0" i="1" dirty="0" smtClean="0">
+                          <a:latin typeface="Cambria Math"/>
+                          <a:ea typeface="마루 부리 Beta" pitchFamily="50" charset="-127"/>
+                        </a:rPr>
+                        <m:t>𝑛</m:t>
+                      </m:r>
+                      <m:r>
+                        <a:rPr lang="en-US" altLang="ko-KR" b="0" i="1" dirty="0" smtClean="0">
+                          <a:latin typeface="Cambria Math"/>
+                          <a:ea typeface="마루 부리 Beta" pitchFamily="50" charset="-127"/>
+                        </a:rPr>
+                        <m:t>]</m:t>
+                      </m:r>
+                    </m:oMath>
+                  </m:oMathPara>
+                </a14:m>
+                <a:endParaRPr lang="en-US" altLang="ko-KR" dirty="0">
+                  <a:latin typeface="마루 부리 Beta" pitchFamily="50" charset="-127"/>
+                  <a:ea typeface="마루 부리 Beta" pitchFamily="50" charset="-127"/>
+                </a:endParaRPr>
+              </a:p>
+            </p:txBody>
+          </p:sp>
+        </mc:Choice>
+        <mc:Fallback xmlns="">
+          <p:sp>
+            <p:nvSpPr>
+              <p:cNvPr id="26" name="직사각형 25"/>
+              <p:cNvSpPr>
+                <a:spLocks noRot="1" noChangeAspect="1" noMove="1" noResize="1" noEditPoints="1" noAdjustHandles="1" noChangeArrowheads="1" noChangeShapeType="1" noTextEdit="1"/>
+              </p:cNvSpPr>
+              <p:nvPr/>
+            </p:nvSpPr>
+            <p:spPr>
+              <a:xfrm>
+                <a:off x="6713664" y="1471518"/>
+                <a:ext cx="1197726" cy="369332"/>
+              </a:xfrm>
+              <a:prstGeom prst="rect">
+                <a:avLst/>
+              </a:prstGeom>
+              <a:blipFill rotWithShape="1">
+                <a:blip r:embed="rId8"/>
+                <a:stretch>
+                  <a:fillRect b="-14754"/>
+                </a:stretch>
+              </a:blipFill>
+            </p:spPr>
+            <p:txBody>
+              <a:bodyPr/>
+              <a:lstStyle/>
+              <a:p>
+                <a:r>
+                  <a:rPr lang="ko-KR" altLang="en-US">
+                    <a:noFill/>
+                  </a:rPr>
+                  <a:t> </a:t>
+                </a:r>
+              </a:p>
+            </p:txBody>
+          </p:sp>
+        </mc:Fallback>
+      </mc:AlternateContent>
+      <mc:AlternateContent xmlns:mc="http://schemas.openxmlformats.org/markup-compatibility/2006" xmlns:a14="http://schemas.microsoft.com/office/drawing/2010/main">
+        <mc:Choice Requires="a14">
+          <p:sp>
+            <p:nvSpPr>
+              <p:cNvPr id="27" name="직사각형 26"/>
+              <p:cNvSpPr/>
+              <p:nvPr/>
+            </p:nvSpPr>
+            <p:spPr>
+              <a:xfrm>
+                <a:off x="6973416" y="3316341"/>
+                <a:ext cx="1197726" cy="369332"/>
+              </a:xfrm>
+              <a:prstGeom prst="rect">
+                <a:avLst/>
+              </a:prstGeom>
+            </p:spPr>
+            <p:txBody>
+              <a:bodyPr wrap="square">
+                <a:spAutoFit/>
+              </a:bodyPr>
+              <a:lstStyle/>
+              <a:p>
+                <a:pPr algn="ctr"/>
+                <a14:m>
+                  <m:oMathPara xmlns:m="http://schemas.openxmlformats.org/officeDocument/2006/math">
+                    <m:oMathParaPr>
+                      <m:jc m:val="center"/>
+                    </m:oMathParaPr>
+                    <m:oMath xmlns:m="http://schemas.openxmlformats.org/officeDocument/2006/math">
+                      <m:r>
+                        <a:rPr lang="en-US" altLang="ko-KR" b="0" i="1" dirty="0" smtClean="0">
+                          <a:latin typeface="Cambria Math"/>
+                          <a:ea typeface="마루 부리 Beta" pitchFamily="50" charset="-127"/>
+                        </a:rPr>
+                        <m:t>𝑦</m:t>
+                      </m:r>
+                      <m:r>
+                        <a:rPr lang="en-US" altLang="ko-KR" b="0" i="1" dirty="0" smtClean="0">
+                          <a:latin typeface="Cambria Math"/>
+                          <a:ea typeface="마루 부리 Beta" pitchFamily="50" charset="-127"/>
+                        </a:rPr>
+                        <m:t>[</m:t>
+                      </m:r>
+                      <m:r>
+                        <a:rPr lang="en-US" altLang="ko-KR" b="0" i="1" dirty="0" smtClean="0">
+                          <a:latin typeface="Cambria Math"/>
+                          <a:ea typeface="마루 부리 Beta" pitchFamily="50" charset="-127"/>
+                        </a:rPr>
+                        <m:t>𝑛</m:t>
+                      </m:r>
+                      <m:r>
+                        <a:rPr lang="en-US" altLang="ko-KR" b="0" i="1" dirty="0" smtClean="0">
+                          <a:latin typeface="Cambria Math"/>
+                          <a:ea typeface="마루 부리 Beta" pitchFamily="50" charset="-127"/>
+                        </a:rPr>
+                        <m:t>−</m:t>
+                      </m:r>
+                      <m:sSub>
+                        <m:sSubPr>
+                          <m:ctrlPr>
+                            <a:rPr lang="en-US" altLang="ko-KR" b="0" i="1" dirty="0" smtClean="0">
+                              <a:latin typeface="Cambria Math" panose="02040503050406030204" pitchFamily="18" charset="0"/>
+                              <a:ea typeface="마루 부리 Beta" pitchFamily="50" charset="-127"/>
+                            </a:rPr>
+                          </m:ctrlPr>
+                        </m:sSubPr>
+                        <m:e>
+                          <m:r>
+                            <a:rPr lang="en-US" altLang="ko-KR" b="0" i="1" dirty="0" smtClean="0">
+                              <a:latin typeface="Cambria Math"/>
+                              <a:ea typeface="마루 부리 Beta" pitchFamily="50" charset="-127"/>
+                            </a:rPr>
+                            <m:t>𝑛</m:t>
+                          </m:r>
+                        </m:e>
+                        <m:sub>
+                          <m:r>
+                            <a:rPr lang="en-US" altLang="ko-KR" b="0" i="1" dirty="0" smtClean="0">
+                              <a:latin typeface="Cambria Math"/>
+                              <a:ea typeface="마루 부리 Beta" pitchFamily="50" charset="-127"/>
+                            </a:rPr>
+                            <m:t>0</m:t>
+                          </m:r>
+                        </m:sub>
+                      </m:sSub>
+                      <m:r>
+                        <a:rPr lang="en-US" altLang="ko-KR" b="0" i="1" dirty="0" smtClean="0">
+                          <a:latin typeface="Cambria Math"/>
+                          <a:ea typeface="마루 부리 Beta" pitchFamily="50" charset="-127"/>
+                        </a:rPr>
+                        <m:t>]</m:t>
+                      </m:r>
+                    </m:oMath>
+                  </m:oMathPara>
+                </a14:m>
+                <a:endParaRPr lang="en-US" altLang="ko-KR" dirty="0">
+                  <a:latin typeface="마루 부리 Beta" pitchFamily="50" charset="-127"/>
+                  <a:ea typeface="마루 부리 Beta" pitchFamily="50" charset="-127"/>
+                </a:endParaRPr>
+              </a:p>
+            </p:txBody>
+          </p:sp>
+        </mc:Choice>
+        <mc:Fallback xmlns="">
           <p:sp>
             <p:nvSpPr>
               <p:cNvPr id="27" name="직사각형 26"/>
@@ -5402,171 +7993,166 @@
               <a:lstStyle/>
               <a:p>
                 <a:pPr algn="ctr"/>
+                <a14:m>
+                  <m:oMathPara xmlns:m="http://schemas.openxmlformats.org/officeDocument/2006/math">
+                    <m:oMathParaPr>
+                      <m:jc m:val="centerGroup"/>
+                    </m:oMathParaPr>
+                    <m:oMath xmlns:m="http://schemas.openxmlformats.org/officeDocument/2006/math">
+                      <m:r>
+                        <a:rPr lang="en-US" altLang="ko-KR" b="0" i="1" smtClean="0">
+                          <a:solidFill>
+                            <a:sysClr val="windowText" lastClr="000000"/>
+                          </a:solidFill>
+                          <a:latin typeface="Cambria Math"/>
+                          <a:ea typeface="마루 부리 Beta" pitchFamily="50" charset="-127"/>
+                        </a:rPr>
+                        <m:t>𝑤</m:t>
+                      </m:r>
+                      <m:d>
+                        <m:dPr>
+                          <m:begChr m:val="["/>
+                          <m:endChr m:val="]"/>
+                          <m:ctrlPr>
+                            <a:rPr lang="en-US" altLang="ko-KR" b="0" i="1" smtClean="0">
+                              <a:solidFill>
+                                <a:sysClr val="windowText" lastClr="000000"/>
+                              </a:solidFill>
+                              <a:latin typeface="Cambria Math" panose="02040503050406030204" pitchFamily="18" charset="0"/>
+                              <a:ea typeface="마루 부리 Beta" pitchFamily="50" charset="-127"/>
+                            </a:rPr>
+                          </m:ctrlPr>
+                        </m:dPr>
+                        <m:e>
+                          <m:r>
+                            <a:rPr lang="en-US" altLang="ko-KR" b="0" i="1" smtClean="0">
+                              <a:solidFill>
+                                <a:sysClr val="windowText" lastClr="000000"/>
+                              </a:solidFill>
+                              <a:latin typeface="Cambria Math"/>
+                              <a:ea typeface="마루 부리 Beta" pitchFamily="50" charset="-127"/>
+                            </a:rPr>
+                            <m:t>𝑛</m:t>
+                          </m:r>
+                        </m:e>
+                      </m:d>
+                      <m:r>
+                        <a:rPr lang="en-US" altLang="ko-KR" b="0" i="1" smtClean="0">
+                          <a:solidFill>
+                            <a:sysClr val="windowText" lastClr="000000"/>
+                          </a:solidFill>
+                          <a:latin typeface="Cambria Math"/>
+                          <a:ea typeface="마루 부리 Beta" pitchFamily="50" charset="-127"/>
+                        </a:rPr>
+                        <m:t>=</m:t>
+                      </m:r>
+                      <m:r>
+                        <a:rPr lang="en-US" altLang="ko-KR" b="0" i="1" smtClean="0">
+                          <a:solidFill>
+                            <a:sysClr val="windowText" lastClr="000000"/>
+                          </a:solidFill>
+                          <a:latin typeface="Cambria Math"/>
+                          <a:ea typeface="마루 부리 Beta" pitchFamily="50" charset="-127"/>
+                        </a:rPr>
+                        <m:t>𝑦</m:t>
+                      </m:r>
+                      <m:d>
+                        <m:dPr>
+                          <m:begChr m:val="["/>
+                          <m:endChr m:val="]"/>
+                          <m:ctrlPr>
+                            <a:rPr lang="en-US" altLang="ko-KR" b="0" i="1" smtClean="0">
+                              <a:solidFill>
+                                <a:sysClr val="windowText" lastClr="000000"/>
+                              </a:solidFill>
+                              <a:latin typeface="Cambria Math"/>
+                              <a:ea typeface="마루 부리 Beta" pitchFamily="50" charset="-127"/>
+                            </a:rPr>
+                          </m:ctrlPr>
+                        </m:dPr>
+                        <m:e>
+                          <m:r>
+                            <a:rPr lang="en-US" altLang="ko-KR" b="0" i="1" smtClean="0">
+                              <a:solidFill>
+                                <a:sysClr val="windowText" lastClr="000000"/>
+                              </a:solidFill>
+                              <a:latin typeface="Cambria Math"/>
+                              <a:ea typeface="마루 부리 Beta" pitchFamily="50" charset="-127"/>
+                            </a:rPr>
+                            <m:t>𝑛</m:t>
+                          </m:r>
+                          <m:r>
+                            <a:rPr lang="en-US" altLang="ko-KR" b="0" i="1" smtClean="0">
+                              <a:solidFill>
+                                <a:sysClr val="windowText" lastClr="000000"/>
+                              </a:solidFill>
+                              <a:latin typeface="Cambria Math"/>
+                              <a:ea typeface="마루 부리 Beta" pitchFamily="50" charset="-127"/>
+                            </a:rPr>
+                            <m:t>−</m:t>
+                          </m:r>
+                          <m:sSub>
+                            <m:sSubPr>
+                              <m:ctrlPr>
+                                <a:rPr lang="en-US" altLang="ko-KR" b="0" i="1" smtClean="0">
+                                  <a:solidFill>
+                                    <a:sysClr val="windowText" lastClr="000000"/>
+                                  </a:solidFill>
+                                  <a:latin typeface="Cambria Math" panose="02040503050406030204" pitchFamily="18" charset="0"/>
+                                  <a:ea typeface="마루 부리 Beta" pitchFamily="50" charset="-127"/>
+                                </a:rPr>
+                              </m:ctrlPr>
+                            </m:sSubPr>
+                            <m:e>
+                              <m:r>
+                                <a:rPr lang="en-US" altLang="ko-KR" b="0" i="1" smtClean="0">
+                                  <a:solidFill>
+                                    <a:sysClr val="windowText" lastClr="000000"/>
+                                  </a:solidFill>
+                                  <a:latin typeface="Cambria Math"/>
+                                  <a:ea typeface="마루 부리 Beta" pitchFamily="50" charset="-127"/>
+                                </a:rPr>
+                                <m:t>𝑛</m:t>
+                              </m:r>
+                            </m:e>
+                            <m:sub>
+                              <m:r>
+                                <a:rPr lang="en-US" altLang="ko-KR" b="0" i="1" smtClean="0">
+                                  <a:solidFill>
+                                    <a:sysClr val="windowText" lastClr="000000"/>
+                                  </a:solidFill>
+                                  <a:latin typeface="Cambria Math"/>
+                                  <a:ea typeface="마루 부리 Beta" pitchFamily="50" charset="-127"/>
+                                </a:rPr>
+                                <m:t>0</m:t>
+                              </m:r>
+                            </m:sub>
+                          </m:sSub>
+                        </m:e>
+                      </m:d>
+                    </m:oMath>
+                  </m:oMathPara>
+                </a14:m>
+                <a:endParaRPr lang="en-US" altLang="ko-KR" b="0" dirty="0">
+                  <a:solidFill>
+                    <a:sysClr val="windowText" lastClr="000000"/>
+                  </a:solidFill>
+                  <a:latin typeface="마루 부리 Beta" pitchFamily="50" charset="-127"/>
+                  <a:ea typeface="마루 부리 Beta" pitchFamily="50" charset="-127"/>
+                </a:endParaRPr>
+              </a:p>
+              <a:p>
+                <a:pPr algn="ctr"/>
                 <a:r>
-                  <a:rPr lang="ko-KR" altLang="en-US" dirty="0" smtClean="0">
+                  <a:rPr lang="en-US" altLang="ko-KR" dirty="0">
                     <a:solidFill>
                       <a:sysClr val="windowText" lastClr="000000"/>
                     </a:solidFill>
                     <a:latin typeface="마루 부리 Beta" pitchFamily="50" charset="-127"/>
                     <a:ea typeface="마루 부리 Beta" pitchFamily="50" charset="-127"/>
                   </a:rPr>
-                  <a:t>시불변 시스템이라면 </a:t>
+                  <a:t>for an LTI system</a:t>
                 </a:r>
-                <a14:m>
-                  <m:oMath xmlns:m="http://schemas.openxmlformats.org/officeDocument/2006/math">
-                    <m:r>
-                      <a:rPr lang="en-US" altLang="ko-KR" b="0" i="1" smtClean="0">
-                        <a:solidFill>
-                          <a:sysClr val="windowText" lastClr="000000"/>
-                        </a:solidFill>
-                        <a:latin typeface="Cambria Math"/>
-                        <a:ea typeface="마루 부리 Beta" pitchFamily="50" charset="-127"/>
-                      </a:rPr>
-                      <m:t>𝑤</m:t>
-                    </m:r>
-                    <m:d>
-                      <m:dPr>
-                        <m:begChr m:val="["/>
-                        <m:endChr m:val="]"/>
-                        <m:ctrlPr>
-                          <a:rPr lang="en-US" altLang="ko-KR" b="0" i="1" smtClean="0">
-                            <a:solidFill>
-                              <a:sysClr val="windowText" lastClr="000000"/>
-                            </a:solidFill>
-                            <a:latin typeface="Cambria Math"/>
-                            <a:ea typeface="마루 부리 Beta" pitchFamily="50" charset="-127"/>
-                          </a:rPr>
-                        </m:ctrlPr>
-                      </m:dPr>
-                      <m:e>
-                        <m:r>
-                          <a:rPr lang="en-US" altLang="ko-KR" b="0" i="1" smtClean="0">
-                            <a:solidFill>
-                              <a:sysClr val="windowText" lastClr="000000"/>
-                            </a:solidFill>
-                            <a:latin typeface="Cambria Math"/>
-                            <a:ea typeface="마루 부리 Beta" pitchFamily="50" charset="-127"/>
-                          </a:rPr>
-                          <m:t>𝑛</m:t>
-                        </m:r>
-                      </m:e>
-                    </m:d>
-                    <m:r>
-                      <a:rPr lang="en-US" altLang="ko-KR" b="0" i="1" smtClean="0">
-                        <a:solidFill>
-                          <a:sysClr val="windowText" lastClr="000000"/>
-                        </a:solidFill>
-                        <a:latin typeface="Cambria Math"/>
-                        <a:ea typeface="마루 부리 Beta" pitchFamily="50" charset="-127"/>
-                      </a:rPr>
-                      <m:t>=</m:t>
-                    </m:r>
-                    <m:r>
-                      <a:rPr lang="en-US" altLang="ko-KR" b="0" i="1" smtClean="0">
-                        <a:solidFill>
-                          <a:sysClr val="windowText" lastClr="000000"/>
-                        </a:solidFill>
-                        <a:latin typeface="Cambria Math"/>
-                        <a:ea typeface="마루 부리 Beta" pitchFamily="50" charset="-127"/>
-                      </a:rPr>
-                      <m:t>𝑦</m:t>
-                    </m:r>
-                    <m:r>
-                      <a:rPr lang="en-US" altLang="ko-KR" b="0" i="1" smtClean="0">
-                        <a:solidFill>
-                          <a:sysClr val="windowText" lastClr="000000"/>
-                        </a:solidFill>
-                        <a:latin typeface="Cambria Math"/>
-                        <a:ea typeface="마루 부리 Beta" pitchFamily="50" charset="-127"/>
-                      </a:rPr>
-                      <m:t>[</m:t>
-                    </m:r>
-                    <m:r>
-                      <a:rPr lang="en-US" altLang="ko-KR" b="0" i="1" smtClean="0">
-                        <a:solidFill>
-                          <a:sysClr val="windowText" lastClr="000000"/>
-                        </a:solidFill>
-                        <a:latin typeface="Cambria Math"/>
-                        <a:ea typeface="마루 부리 Beta" pitchFamily="50" charset="-127"/>
-                      </a:rPr>
-                      <m:t>𝑛</m:t>
-                    </m:r>
-                    <m:r>
-                      <a:rPr lang="en-US" altLang="ko-KR" b="0" i="1" smtClean="0">
-                        <a:solidFill>
-                          <a:sysClr val="windowText" lastClr="000000"/>
-                        </a:solidFill>
-                        <a:latin typeface="Cambria Math"/>
-                        <a:ea typeface="마루 부리 Beta" pitchFamily="50" charset="-127"/>
-                      </a:rPr>
-                      <m:t>−</m:t>
-                    </m:r>
-                    <m:sSub>
-                      <m:sSubPr>
-                        <m:ctrlPr>
-                          <a:rPr lang="en-US" altLang="ko-KR" b="0" i="1" smtClean="0">
-                            <a:solidFill>
-                              <a:sysClr val="windowText" lastClr="000000"/>
-                            </a:solidFill>
-                            <a:latin typeface="Cambria Math"/>
-                            <a:ea typeface="마루 부리 Beta" pitchFamily="50" charset="-127"/>
-                          </a:rPr>
-                        </m:ctrlPr>
-                      </m:sSubPr>
-                      <m:e>
-                        <m:r>
-                          <a:rPr lang="en-US" altLang="ko-KR" b="0" i="1" smtClean="0">
-                            <a:solidFill>
-                              <a:sysClr val="windowText" lastClr="000000"/>
-                            </a:solidFill>
-                            <a:latin typeface="Cambria Math"/>
-                            <a:ea typeface="마루 부리 Beta" pitchFamily="50" charset="-127"/>
-                          </a:rPr>
-                          <m:t>𝑛</m:t>
-                        </m:r>
-                      </m:e>
-                      <m:sub>
-                        <m:r>
-                          <a:rPr lang="en-US" altLang="ko-KR" b="0" i="1" smtClean="0">
-                            <a:solidFill>
-                              <a:sysClr val="windowText" lastClr="000000"/>
-                            </a:solidFill>
-                            <a:latin typeface="Cambria Math"/>
-                            <a:ea typeface="마루 부리 Beta" pitchFamily="50" charset="-127"/>
-                          </a:rPr>
-                          <m:t>0</m:t>
-                        </m:r>
-                      </m:sub>
-                    </m:sSub>
-                    <m:r>
-                      <a:rPr lang="en-US" altLang="ko-KR" b="0" i="1" smtClean="0">
-                        <a:solidFill>
-                          <a:sysClr val="windowText" lastClr="000000"/>
-                        </a:solidFill>
-                        <a:latin typeface="Cambria Math"/>
-                        <a:ea typeface="마루 부리 Beta" pitchFamily="50" charset="-127"/>
-                      </a:rPr>
-                      <m:t>]</m:t>
-                    </m:r>
-                  </m:oMath>
-                </a14:m>
-                <a:r>
-                  <a:rPr lang="ko-KR" altLang="en-US" dirty="0" smtClean="0">
-                    <a:solidFill>
-                      <a:sysClr val="windowText" lastClr="000000"/>
-                    </a:solidFill>
-                    <a:latin typeface="마루 부리 Beta" pitchFamily="50" charset="-127"/>
-                    <a:ea typeface="마루 부리 Beta" pitchFamily="50" charset="-127"/>
-                  </a:rPr>
-                  <a:t>임</a:t>
-                </a:r>
-                <a:endParaRPr lang="en-US" altLang="ko-KR" dirty="0">
-                  <a:solidFill>
-                    <a:sysClr val="windowText" lastClr="000000"/>
-                  </a:solidFill>
-                  <a:latin typeface="마루 부리 Beta" pitchFamily="50" charset="-127"/>
-                  <a:ea typeface="마루 부리 Beta" pitchFamily="50" charset="-127"/>
-                </a:endParaRPr>
               </a:p>
             </p:txBody>
           </p:sp>
@@ -5588,10 +8174,10 @@
               <a:prstGeom prst="rect">
                 <a:avLst/>
               </a:prstGeom>
-              <a:blipFill rotWithShape="1">
+              <a:blipFill>
                 <a:blip r:embed="rId10"/>
                 <a:stretch>
-                  <a:fillRect t="-3704" b="-13889"/>
+                  <a:fillRect b="-12963"/>
                 </a:stretch>
               </a:blipFill>
               <a:ln>
@@ -5608,7 +8194,7 @@
               <a:lstStyle/>
               <a:p>
                 <a:r>
-                  <a:rPr lang="ko-KR" altLang="en-US">
+                  <a:rPr lang="en-US">
                     <a:noFill/>
                   </a:rPr>
                   <a:t> </a:t>
@@ -5621,7 +8207,7 @@
     </p:spTree>
     <p:extLst>
       <p:ext uri="{BB962C8B-B14F-4D97-AF65-F5344CB8AC3E}">
-        <p14:creationId xmlns:p14="http://schemas.microsoft.com/office/powerpoint/2010/main" val="4059922542"/>
+        <p14:creationId xmlns:p14="http://schemas.microsoft.com/office/powerpoint/2010/main" val="943407000"/>
       </p:ext>
     </p:extLst>
   </p:cSld>
@@ -5631,7 +8217,7 @@
 </p:sld>
 </file>
 
-<file path=ppt/slides/slide3.xml><?xml version="1.0" encoding="utf-8"?>
+<file path=ppt/slides/slide5.xml><?xml version="1.0" encoding="utf-8"?>
 <p:sld xmlns:a="http://schemas.openxmlformats.org/drawingml/2006/main" xmlns:r="http://schemas.openxmlformats.org/officeDocument/2006/relationships" xmlns:p="http://schemas.openxmlformats.org/presentationml/2006/main">
   <p:cSld>
     <p:spTree>
@@ -5719,16 +8305,12 @@
           <a:p>
             <a:pPr algn="ctr"/>
             <a:r>
-              <a:rPr lang="en-US" altLang="ko-KR" dirty="0" smtClean="0">
+              <a:rPr lang="en-US" altLang="ko-KR" dirty="0">
                 <a:latin typeface="마루 부리 Beta" pitchFamily="50" charset="-127"/>
                 <a:ea typeface="마루 부리 Beta" pitchFamily="50" charset="-127"/>
               </a:rPr>
               <a:t>system</a:t>
             </a:r>
-            <a:endParaRPr lang="en-US" altLang="ko-KR" dirty="0">
-              <a:latin typeface="마루 부리 Beta" pitchFamily="50" charset="-127"/>
-              <a:ea typeface="마루 부리 Beta" pitchFamily="50" charset="-127"/>
-            </a:endParaRPr>
           </a:p>
         </p:txBody>
       </p:sp>
@@ -5770,8 +8352,8 @@
           </a:fontRef>
         </p:style>
       </p:cxnSp>
-      <mc:AlternateContent xmlns:mc="http://schemas.openxmlformats.org/markup-compatibility/2006">
-        <mc:Choice xmlns:a14="http://schemas.microsoft.com/office/drawing/2010/main" Requires="a14">
+      <mc:AlternateContent xmlns:mc="http://schemas.openxmlformats.org/markup-compatibility/2006" xmlns:a14="http://schemas.microsoft.com/office/drawing/2010/main">
+        <mc:Choice Requires="a14">
           <p:sp>
             <p:nvSpPr>
               <p:cNvPr id="7" name="직사각형 6"/>
@@ -5804,7 +8386,7 @@
                         <m:sSubPr>
                           <m:ctrlPr>
                             <a:rPr lang="en-US" altLang="ko-KR" b="0" i="1" dirty="0" smtClean="0">
-                              <a:latin typeface="Cambria Math"/>
+                              <a:latin typeface="Cambria Math" panose="02040503050406030204" pitchFamily="18" charset="0"/>
                               <a:ea typeface="마루 부리 Beta" pitchFamily="50" charset="-127"/>
                             </a:rPr>
                           </m:ctrlPr>
@@ -5860,7 +8442,7 @@
             </p:txBody>
           </p:sp>
         </mc:Choice>
-        <mc:Fallback>
+        <mc:Fallback xmlns="">
           <p:sp>
             <p:nvSpPr>
               <p:cNvPr id="7" name="직사각형 6"/>
@@ -5970,16 +8552,12 @@
           <a:p>
             <a:pPr algn="ctr"/>
             <a:r>
-              <a:rPr lang="en-US" altLang="ko-KR" dirty="0" smtClean="0">
+              <a:rPr lang="en-US" altLang="ko-KR" dirty="0">
                 <a:latin typeface="마루 부리 Beta" pitchFamily="50" charset="-127"/>
                 <a:ea typeface="마루 부리 Beta" pitchFamily="50" charset="-127"/>
               </a:rPr>
               <a:t>system</a:t>
             </a:r>
-            <a:endParaRPr lang="en-US" altLang="ko-KR" dirty="0">
-              <a:latin typeface="마루 부리 Beta" pitchFamily="50" charset="-127"/>
-              <a:ea typeface="마루 부리 Beta" pitchFamily="50" charset="-127"/>
-            </a:endParaRPr>
           </a:p>
         </p:txBody>
       </p:sp>
@@ -6021,8 +8599,8 @@
           </a:fontRef>
         </p:style>
       </p:cxnSp>
-      <mc:AlternateContent xmlns:mc="http://schemas.openxmlformats.org/markup-compatibility/2006">
-        <mc:Choice xmlns:a14="http://schemas.microsoft.com/office/drawing/2010/main" Requires="a14">
+      <mc:AlternateContent xmlns:mc="http://schemas.openxmlformats.org/markup-compatibility/2006" xmlns:a14="http://schemas.microsoft.com/office/drawing/2010/main">
+        <mc:Choice Requires="a14">
           <p:sp>
             <p:nvSpPr>
               <p:cNvPr id="16" name="직사각형 15"/>
@@ -6055,7 +8633,7 @@
                         <m:sSubPr>
                           <m:ctrlPr>
                             <a:rPr lang="en-US" altLang="ko-KR" b="0" i="1" dirty="0" smtClean="0">
-                              <a:latin typeface="Cambria Math"/>
+                              <a:latin typeface="Cambria Math" panose="02040503050406030204" pitchFamily="18" charset="0"/>
                               <a:ea typeface="마루 부리 Beta" pitchFamily="50" charset="-127"/>
                             </a:rPr>
                           </m:ctrlPr>
@@ -6111,7 +8689,7 @@
             </p:txBody>
           </p:sp>
         </mc:Choice>
-        <mc:Fallback>
+        <mc:Fallback xmlns="">
           <p:sp>
             <p:nvSpPr>
               <p:cNvPr id="16" name="직사각형 15"/>
@@ -6186,8 +8764,8 @@
           </a:fontRef>
         </p:style>
       </p:cxnSp>
-      <mc:AlternateContent xmlns:mc="http://schemas.openxmlformats.org/markup-compatibility/2006">
-        <mc:Choice xmlns:a14="http://schemas.microsoft.com/office/drawing/2010/main" Requires="a14">
+      <mc:AlternateContent xmlns:mc="http://schemas.openxmlformats.org/markup-compatibility/2006" xmlns:a14="http://schemas.microsoft.com/office/drawing/2010/main">
+        <mc:Choice Requires="a14">
           <p:sp>
             <p:nvSpPr>
               <p:cNvPr id="18" name="직사각형 17"/>
@@ -6220,7 +8798,7 @@
                         <m:sSubPr>
                           <m:ctrlPr>
                             <a:rPr lang="en-US" altLang="ko-KR" b="0" i="1" dirty="0" smtClean="0">
-                              <a:latin typeface="Cambria Math"/>
+                              <a:latin typeface="Cambria Math" panose="02040503050406030204" pitchFamily="18" charset="0"/>
                               <a:ea typeface="마루 부리 Beta" pitchFamily="50" charset="-127"/>
                             </a:rPr>
                           </m:ctrlPr>
@@ -6276,7 +8854,7 @@
             </p:txBody>
           </p:sp>
         </mc:Choice>
-        <mc:Fallback>
+        <mc:Fallback xmlns="">
           <p:sp>
             <p:nvSpPr>
               <p:cNvPr id="18" name="직사각형 17"/>
@@ -6351,8 +8929,8 @@
           </a:fontRef>
         </p:style>
       </p:cxnSp>
-      <mc:AlternateContent xmlns:mc="http://schemas.openxmlformats.org/markup-compatibility/2006">
-        <mc:Choice xmlns:a14="http://schemas.microsoft.com/office/drawing/2010/main" Requires="a14">
+      <mc:AlternateContent xmlns:mc="http://schemas.openxmlformats.org/markup-compatibility/2006" xmlns:a14="http://schemas.microsoft.com/office/drawing/2010/main">
+        <mc:Choice Requires="a14">
           <p:sp>
             <p:nvSpPr>
               <p:cNvPr id="20" name="직사각형 19"/>
@@ -6385,7 +8963,7 @@
                         <m:sSubPr>
                           <m:ctrlPr>
                             <a:rPr lang="en-US" altLang="ko-KR" b="0" i="1" dirty="0" smtClean="0">
-                              <a:latin typeface="Cambria Math"/>
+                              <a:latin typeface="Cambria Math" panose="02040503050406030204" pitchFamily="18" charset="0"/>
                               <a:ea typeface="마루 부리 Beta" pitchFamily="50" charset="-127"/>
                             </a:rPr>
                           </m:ctrlPr>
@@ -6441,7 +9019,7 @@
             </p:txBody>
           </p:sp>
         </mc:Choice>
-        <mc:Fallback>
+        <mc:Fallback xmlns="">
           <p:sp>
             <p:nvSpPr>
               <p:cNvPr id="20" name="직사각형 19"/>
@@ -6738,8 +9316,8 @@
           </a:fontRef>
         </p:style>
       </p:cxnSp>
-      <mc:AlternateContent xmlns:mc="http://schemas.openxmlformats.org/markup-compatibility/2006">
-        <mc:Choice xmlns:a14="http://schemas.microsoft.com/office/drawing/2010/main" Requires="a14">
+      <mc:AlternateContent xmlns:mc="http://schemas.openxmlformats.org/markup-compatibility/2006" xmlns:a14="http://schemas.microsoft.com/office/drawing/2010/main">
+        <mc:Choice Requires="a14">
           <p:sp>
             <p:nvSpPr>
               <p:cNvPr id="34" name="직사각형 33"/>
@@ -6807,7 +9385,7 @@
             </p:txBody>
           </p:sp>
         </mc:Choice>
-        <mc:Fallback>
+        <mc:Fallback xmlns="">
           <p:sp>
             <p:nvSpPr>
               <p:cNvPr id="34" name="직사각형 33"/>
@@ -7104,8 +9682,8 @@
           </a:fontRef>
         </p:style>
       </p:cxnSp>
-      <mc:AlternateContent xmlns:mc="http://schemas.openxmlformats.org/markup-compatibility/2006">
-        <mc:Choice xmlns:a14="http://schemas.microsoft.com/office/drawing/2010/main" Requires="a14">
+      <mc:AlternateContent xmlns:mc="http://schemas.openxmlformats.org/markup-compatibility/2006" xmlns:a14="http://schemas.microsoft.com/office/drawing/2010/main">
+        <mc:Choice Requires="a14">
           <p:sp>
             <p:nvSpPr>
               <p:cNvPr id="43" name="직사각형 42"/>
@@ -7138,7 +9716,7 @@
                         <m:sSubPr>
                           <m:ctrlPr>
                             <a:rPr lang="en-US" altLang="ko-KR" b="0" i="1" dirty="0" smtClean="0">
-                              <a:latin typeface="Cambria Math"/>
+                              <a:latin typeface="Cambria Math" panose="02040503050406030204" pitchFamily="18" charset="0"/>
                               <a:ea typeface="마루 부리 Beta" pitchFamily="50" charset="-127"/>
                             </a:rPr>
                           </m:ctrlPr>
@@ -7194,7 +9772,7 @@
             </p:txBody>
           </p:sp>
         </mc:Choice>
-        <mc:Fallback>
+        <mc:Fallback xmlns="">
           <p:sp>
             <p:nvSpPr>
               <p:cNvPr id="43" name="직사각형 42"/>
@@ -7269,8 +9847,8 @@
           </a:fontRef>
         </p:style>
       </p:cxnSp>
-      <mc:AlternateContent xmlns:mc="http://schemas.openxmlformats.org/markup-compatibility/2006">
-        <mc:Choice xmlns:a14="http://schemas.microsoft.com/office/drawing/2010/main" Requires="a14">
+      <mc:AlternateContent xmlns:mc="http://schemas.openxmlformats.org/markup-compatibility/2006" xmlns:a14="http://schemas.microsoft.com/office/drawing/2010/main">
+        <mc:Choice Requires="a14">
           <p:sp>
             <p:nvSpPr>
               <p:cNvPr id="45" name="직사각형 44"/>
@@ -7303,7 +9881,7 @@
                         <m:sSubPr>
                           <m:ctrlPr>
                             <a:rPr lang="en-US" altLang="ko-KR" b="0" i="1" dirty="0" smtClean="0">
-                              <a:latin typeface="Cambria Math"/>
+                              <a:latin typeface="Cambria Math" panose="02040503050406030204" pitchFamily="18" charset="0"/>
                               <a:ea typeface="마루 부리 Beta" pitchFamily="50" charset="-127"/>
                             </a:rPr>
                           </m:ctrlPr>
@@ -7359,7 +9937,7 @@
             </p:txBody>
           </p:sp>
         </mc:Choice>
-        <mc:Fallback>
+        <mc:Fallback xmlns="">
           <p:sp>
             <p:nvSpPr>
               <p:cNvPr id="45" name="직사각형 44"/>
@@ -7485,8 +10063,8 @@
           </a:fontRef>
         </p:style>
       </p:cxnSp>
-      <mc:AlternateContent xmlns:mc="http://schemas.openxmlformats.org/markup-compatibility/2006">
-        <mc:Choice xmlns:a14="http://schemas.microsoft.com/office/drawing/2010/main" Requires="a14">
+      <mc:AlternateContent xmlns:mc="http://schemas.openxmlformats.org/markup-compatibility/2006" xmlns:a14="http://schemas.microsoft.com/office/drawing/2010/main">
+        <mc:Choice Requires="a14">
           <p:sp>
             <p:nvSpPr>
               <p:cNvPr id="50" name="직사각형 49"/>
@@ -7554,7 +10132,7 @@
             </p:txBody>
           </p:sp>
         </mc:Choice>
-        <mc:Fallback>
+        <mc:Fallback xmlns="">
           <p:sp>
             <p:nvSpPr>
               <p:cNvPr id="50" name="직사각형 49"/>
@@ -7616,16 +10194,12 @@
           <a:p>
             <a:pPr algn="ctr"/>
             <a:r>
-              <a:rPr lang="en-US" altLang="ko-KR" dirty="0" smtClean="0">
+              <a:rPr lang="en-US" altLang="ko-KR" dirty="0">
                 <a:latin typeface="마루 부리 Beta" pitchFamily="50" charset="-127"/>
                 <a:ea typeface="마루 부리 Beta" pitchFamily="50" charset="-127"/>
               </a:rPr>
               <a:t>system</a:t>
             </a:r>
-            <a:endParaRPr lang="en-US" altLang="ko-KR" dirty="0">
-              <a:latin typeface="마루 부리 Beta" pitchFamily="50" charset="-127"/>
-              <a:ea typeface="마루 부리 Beta" pitchFamily="50" charset="-127"/>
-            </a:endParaRPr>
           </a:p>
         </p:txBody>
       </p:sp>
@@ -7665,8 +10239,8 @@
           </a:fontRef>
         </p:style>
       </p:cxnSp>
-      <mc:AlternateContent xmlns:mc="http://schemas.openxmlformats.org/markup-compatibility/2006">
-        <mc:Choice xmlns:a14="http://schemas.microsoft.com/office/drawing/2010/main" Requires="a14">
+      <mc:AlternateContent xmlns:mc="http://schemas.openxmlformats.org/markup-compatibility/2006" xmlns:a14="http://schemas.microsoft.com/office/drawing/2010/main">
+        <mc:Choice Requires="a14">
           <p:sp>
             <p:nvSpPr>
               <p:cNvPr id="54" name="직사각형 53"/>
@@ -7734,7 +10308,7 @@
             </p:txBody>
           </p:sp>
         </mc:Choice>
-        <mc:Fallback>
+        <mc:Fallback xmlns="">
           <p:sp>
             <p:nvSpPr>
               <p:cNvPr id="54" name="직사각형 53"/>
@@ -7847,8 +10421,8 @@
           </a:fontRef>
         </p:style>
       </p:cxnSp>
-      <mc:AlternateContent xmlns:mc="http://schemas.openxmlformats.org/markup-compatibility/2006">
-        <mc:Choice xmlns:a14="http://schemas.microsoft.com/office/drawing/2010/main" Requires="a14">
+      <mc:AlternateContent xmlns:mc="http://schemas.openxmlformats.org/markup-compatibility/2006" xmlns:a14="http://schemas.microsoft.com/office/drawing/2010/main">
+        <mc:Choice Requires="a14">
           <p:sp>
             <p:nvSpPr>
               <p:cNvPr id="59" name="직사각형 58"/>
@@ -7901,7 +10475,7 @@
             </p:txBody>
           </p:sp>
         </mc:Choice>
-        <mc:Fallback>
+        <mc:Fallback xmlns="">
           <p:sp>
             <p:nvSpPr>
               <p:cNvPr id="59" name="직사각형 58"/>
@@ -7940,8 +10514,8 @@
           </p:sp>
         </mc:Fallback>
       </mc:AlternateContent>
-      <mc:AlternateContent xmlns:mc="http://schemas.openxmlformats.org/markup-compatibility/2006">
-        <mc:Choice xmlns:a14="http://schemas.microsoft.com/office/drawing/2010/main" Requires="a14">
+      <mc:AlternateContent xmlns:mc="http://schemas.openxmlformats.org/markup-compatibility/2006" xmlns:a14="http://schemas.microsoft.com/office/drawing/2010/main">
+        <mc:Choice Requires="a14">
           <p:sp>
             <p:nvSpPr>
               <p:cNvPr id="60" name="직사각형 59"/>
@@ -7994,7 +10568,7 @@
             </p:txBody>
           </p:sp>
         </mc:Choice>
-        <mc:Fallback>
+        <mc:Fallback xmlns="">
           <p:sp>
             <p:nvSpPr>
               <p:cNvPr id="60" name="직사각형 59"/>
@@ -8105,8 +10679,8 @@
           </a:fontRef>
         </p:style>
       </p:cxnSp>
-      <mc:AlternateContent xmlns:mc="http://schemas.openxmlformats.org/markup-compatibility/2006">
-        <mc:Choice xmlns:a14="http://schemas.microsoft.com/office/drawing/2010/main" Requires="a14">
+      <mc:AlternateContent xmlns:mc="http://schemas.openxmlformats.org/markup-compatibility/2006" xmlns:a14="http://schemas.microsoft.com/office/drawing/2010/main">
+        <mc:Choice Requires="a14">
           <p:sp>
             <p:nvSpPr>
               <p:cNvPr id="63" name="직사각형 62"/>
@@ -8159,7 +10733,7 @@
             </p:txBody>
           </p:sp>
         </mc:Choice>
-        <mc:Fallback>
+        <mc:Fallback xmlns="">
           <p:sp>
             <p:nvSpPr>
               <p:cNvPr id="63" name="직사각형 62"/>
@@ -8198,8 +10772,8 @@
           </p:sp>
         </mc:Fallback>
       </mc:AlternateContent>
-      <mc:AlternateContent xmlns:mc="http://schemas.openxmlformats.org/markup-compatibility/2006">
-        <mc:Choice xmlns:a14="http://schemas.microsoft.com/office/drawing/2010/main" Requires="a14">
+      <mc:AlternateContent xmlns:mc="http://schemas.openxmlformats.org/markup-compatibility/2006" xmlns:a14="http://schemas.microsoft.com/office/drawing/2010/main">
+        <mc:Choice Requires="a14">
           <p:sp>
             <p:nvSpPr>
               <p:cNvPr id="64" name="직사각형 63"/>
@@ -8252,7 +10826,2875 @@
             </p:txBody>
           </p:sp>
         </mc:Choice>
-        <mc:Fallback>
+        <mc:Fallback xmlns="">
+          <p:sp>
+            <p:nvSpPr>
+              <p:cNvPr id="64" name="직사각형 63"/>
+              <p:cNvSpPr>
+                <a:spLocks noRot="1" noChangeAspect="1" noMove="1" noResize="1" noEditPoints="1" noAdjustHandles="1" noChangeArrowheads="1" noChangeShapeType="1" noTextEdit="1"/>
+              </p:cNvSpPr>
+              <p:nvPr/>
+            </p:nvSpPr>
+            <p:spPr>
+              <a:xfrm>
+                <a:off x="2715027" y="4914841"/>
+                <a:ext cx="381632" cy="369332"/>
+              </a:xfrm>
+              <a:prstGeom prst="rect">
+                <a:avLst/>
+              </a:prstGeom>
+              <a:blipFill rotWithShape="1">
+                <a:blip r:embed="rId14"/>
+                <a:stretch>
+                  <a:fillRect l="-4762" b="-11475"/>
+                </a:stretch>
+              </a:blipFill>
+            </p:spPr>
+            <p:txBody>
+              <a:bodyPr/>
+              <a:lstStyle/>
+              <a:p>
+                <a:r>
+                  <a:rPr lang="ko-KR" altLang="en-US">
+                    <a:noFill/>
+                  </a:rPr>
+                  <a:t> </a:t>
+                </a:r>
+              </a:p>
+            </p:txBody>
+          </p:sp>
+        </mc:Fallback>
+      </mc:AlternateContent>
+      <mc:AlternateContent xmlns:mc="http://schemas.openxmlformats.org/markup-compatibility/2006" xmlns:a14="http://schemas.microsoft.com/office/drawing/2010/main">
+        <mc:Choice Requires="a14">
+          <p:sp>
+            <p:nvSpPr>
+              <p:cNvPr id="65" name="직사각형 64"/>
+              <p:cNvSpPr/>
+              <p:nvPr/>
+            </p:nvSpPr>
+            <p:spPr>
+              <a:xfrm>
+                <a:off x="5708857" y="2948339"/>
+                <a:ext cx="2824176" cy="646331"/>
+              </a:xfrm>
+              <a:prstGeom prst="rect">
+                <a:avLst/>
+              </a:prstGeom>
+              <a:solidFill>
+                <a:schemeClr val="accent6">
+                  <a:lumMod val="20000"/>
+                  <a:lumOff val="80000"/>
+                </a:schemeClr>
+              </a:solidFill>
+              <a:ln>
+                <a:solidFill>
+                  <a:schemeClr val="tx1">
+                    <a:lumMod val="50000"/>
+                    <a:lumOff val="50000"/>
+                  </a:schemeClr>
+                </a:solidFill>
+              </a:ln>
+            </p:spPr>
+            <p:txBody>
+              <a:bodyPr wrap="square">
+                <a:spAutoFit/>
+              </a:bodyPr>
+              <a:lstStyle/>
+              <a:p>
+                <a:pPr algn="ctr"/>
+                <a:r>
+                  <a:rPr lang="ko-KR" altLang="en-US" dirty="0">
+                    <a:solidFill>
+                      <a:sysClr val="windowText" lastClr="000000"/>
+                    </a:solidFill>
+                    <a:latin typeface="마루 부리 Beta" pitchFamily="50" charset="-127"/>
+                    <a:ea typeface="마루 부리 Beta" pitchFamily="50" charset="-127"/>
+                  </a:rPr>
+                  <a:t>선형 시스템이라면 </a:t>
+                </a:r>
+                <a14:m>
+                  <m:oMath xmlns:m="http://schemas.openxmlformats.org/officeDocument/2006/math">
+                    <m:r>
+                      <a:rPr lang="en-US" altLang="ko-KR" b="0" i="1" smtClean="0">
+                        <a:solidFill>
+                          <a:sysClr val="windowText" lastClr="000000"/>
+                        </a:solidFill>
+                        <a:latin typeface="Cambria Math"/>
+                        <a:ea typeface="마루 부리 Beta" pitchFamily="50" charset="-127"/>
+                      </a:rPr>
+                      <m:t>𝑤</m:t>
+                    </m:r>
+                    <m:d>
+                      <m:dPr>
+                        <m:begChr m:val="["/>
+                        <m:endChr m:val="]"/>
+                        <m:ctrlPr>
+                          <a:rPr lang="en-US" altLang="ko-KR" b="0" i="1" smtClean="0">
+                            <a:solidFill>
+                              <a:sysClr val="windowText" lastClr="000000"/>
+                            </a:solidFill>
+                            <a:latin typeface="Cambria Math" panose="02040503050406030204" pitchFamily="18" charset="0"/>
+                            <a:ea typeface="마루 부리 Beta" pitchFamily="50" charset="-127"/>
+                          </a:rPr>
+                        </m:ctrlPr>
+                      </m:dPr>
+                      <m:e>
+                        <m:r>
+                          <a:rPr lang="en-US" altLang="ko-KR" b="0" i="1" smtClean="0">
+                            <a:solidFill>
+                              <a:sysClr val="windowText" lastClr="000000"/>
+                            </a:solidFill>
+                            <a:latin typeface="Cambria Math"/>
+                            <a:ea typeface="마루 부리 Beta" pitchFamily="50" charset="-127"/>
+                          </a:rPr>
+                          <m:t>𝑛</m:t>
+                        </m:r>
+                      </m:e>
+                    </m:d>
+                    <m:r>
+                      <a:rPr lang="en-US" altLang="ko-KR" b="0" i="1" smtClean="0">
+                        <a:solidFill>
+                          <a:sysClr val="windowText" lastClr="000000"/>
+                        </a:solidFill>
+                        <a:latin typeface="Cambria Math"/>
+                        <a:ea typeface="마루 부리 Beta" pitchFamily="50" charset="-127"/>
+                      </a:rPr>
+                      <m:t>=</m:t>
+                    </m:r>
+                    <m:r>
+                      <a:rPr lang="en-US" altLang="ko-KR" b="0" i="1" smtClean="0">
+                        <a:solidFill>
+                          <a:sysClr val="windowText" lastClr="000000"/>
+                        </a:solidFill>
+                        <a:latin typeface="Cambria Math"/>
+                        <a:ea typeface="마루 부리 Beta" pitchFamily="50" charset="-127"/>
+                      </a:rPr>
+                      <m:t>𝑦</m:t>
+                    </m:r>
+                    <m:r>
+                      <a:rPr lang="en-US" altLang="ko-KR" b="0" i="1" smtClean="0">
+                        <a:solidFill>
+                          <a:sysClr val="windowText" lastClr="000000"/>
+                        </a:solidFill>
+                        <a:latin typeface="Cambria Math"/>
+                        <a:ea typeface="마루 부리 Beta" pitchFamily="50" charset="-127"/>
+                      </a:rPr>
+                      <m:t>[</m:t>
+                    </m:r>
+                    <m:r>
+                      <a:rPr lang="en-US" altLang="ko-KR" b="0" i="1" smtClean="0">
+                        <a:solidFill>
+                          <a:sysClr val="windowText" lastClr="000000"/>
+                        </a:solidFill>
+                        <a:latin typeface="Cambria Math"/>
+                        <a:ea typeface="마루 부리 Beta" pitchFamily="50" charset="-127"/>
+                      </a:rPr>
+                      <m:t>𝑛</m:t>
+                    </m:r>
+                    <m:r>
+                      <a:rPr lang="en-US" altLang="ko-KR" b="0" i="1" smtClean="0">
+                        <a:solidFill>
+                          <a:sysClr val="windowText" lastClr="000000"/>
+                        </a:solidFill>
+                        <a:latin typeface="Cambria Math"/>
+                        <a:ea typeface="마루 부리 Beta" pitchFamily="50" charset="-127"/>
+                      </a:rPr>
+                      <m:t>]</m:t>
+                    </m:r>
+                  </m:oMath>
+                </a14:m>
+                <a:r>
+                  <a:rPr lang="ko-KR" altLang="en-US" dirty="0">
+                    <a:solidFill>
+                      <a:sysClr val="windowText" lastClr="000000"/>
+                    </a:solidFill>
+                    <a:latin typeface="마루 부리 Beta" pitchFamily="50" charset="-127"/>
+                    <a:ea typeface="마루 부리 Beta" pitchFamily="50" charset="-127"/>
+                  </a:rPr>
+                  <a:t>임</a:t>
+                </a:r>
+                <a:endParaRPr lang="en-US" altLang="ko-KR" dirty="0">
+                  <a:solidFill>
+                    <a:sysClr val="windowText" lastClr="000000"/>
+                  </a:solidFill>
+                  <a:latin typeface="마루 부리 Beta" pitchFamily="50" charset="-127"/>
+                  <a:ea typeface="마루 부리 Beta" pitchFamily="50" charset="-127"/>
+                </a:endParaRPr>
+              </a:p>
+            </p:txBody>
+          </p:sp>
+        </mc:Choice>
+        <mc:Fallback xmlns="">
+          <p:sp>
+            <p:nvSpPr>
+              <p:cNvPr id="65" name="직사각형 64"/>
+              <p:cNvSpPr>
+                <a:spLocks noRot="1" noChangeAspect="1" noMove="1" noResize="1" noEditPoints="1" noAdjustHandles="1" noChangeArrowheads="1" noChangeShapeType="1" noTextEdit="1"/>
+              </p:cNvSpPr>
+              <p:nvPr/>
+            </p:nvSpPr>
+            <p:spPr>
+              <a:xfrm>
+                <a:off x="5708857" y="2948339"/>
+                <a:ext cx="2824176" cy="646331"/>
+              </a:xfrm>
+              <a:prstGeom prst="rect">
+                <a:avLst/>
+              </a:prstGeom>
+              <a:blipFill rotWithShape="1">
+                <a:blip r:embed="rId15"/>
+                <a:stretch>
+                  <a:fillRect t="-3704" b="-13889"/>
+                </a:stretch>
+              </a:blipFill>
+              <a:ln>
+                <a:solidFill>
+                  <a:schemeClr val="tx1">
+                    <a:lumMod val="50000"/>
+                    <a:lumOff val="50000"/>
+                  </a:schemeClr>
+                </a:solidFill>
+              </a:ln>
+            </p:spPr>
+            <p:txBody>
+              <a:bodyPr/>
+              <a:lstStyle/>
+              <a:p>
+                <a:r>
+                  <a:rPr lang="ko-KR" altLang="en-US">
+                    <a:noFill/>
+                  </a:rPr>
+                  <a:t> </a:t>
+                </a:r>
+              </a:p>
+            </p:txBody>
+          </p:sp>
+        </mc:Fallback>
+      </mc:AlternateContent>
+    </p:spTree>
+    <p:extLst>
+      <p:ext uri="{BB962C8B-B14F-4D97-AF65-F5344CB8AC3E}">
+        <p14:creationId xmlns:p14="http://schemas.microsoft.com/office/powerpoint/2010/main" val="2288736847"/>
+      </p:ext>
+    </p:extLst>
+  </p:cSld>
+  <p:clrMapOvr>
+    <a:masterClrMapping/>
+  </p:clrMapOvr>
+</p:sld>
+</file>
+
+<file path=ppt/slides/slide6.xml><?xml version="1.0" encoding="utf-8"?>
+<p:sld xmlns:a="http://schemas.openxmlformats.org/drawingml/2006/main" xmlns:r="http://schemas.openxmlformats.org/officeDocument/2006/relationships" xmlns:p="http://schemas.openxmlformats.org/presentationml/2006/main">
+  <p:cSld>
+    <p:spTree>
+      <p:nvGrpSpPr>
+        <p:cNvPr id="1" name=""/>
+        <p:cNvGrpSpPr/>
+        <p:nvPr/>
+      </p:nvGrpSpPr>
+      <p:grpSpPr>
+        <a:xfrm>
+          <a:off x="0" y="0"/>
+          <a:ext cx="0" cy="0"/>
+          <a:chOff x="0" y="0"/>
+          <a:chExt cx="0" cy="0"/>
+        </a:xfrm>
+      </p:grpSpPr>
+      <p:sp>
+        <p:nvSpPr>
+          <p:cNvPr id="4" name="직사각형 3"/>
+          <p:cNvSpPr/>
+          <p:nvPr/>
+        </p:nvSpPr>
+        <p:spPr>
+          <a:xfrm>
+            <a:off x="2715027" y="1074717"/>
+            <a:ext cx="1224136" cy="630832"/>
+          </a:xfrm>
+          <a:prstGeom prst="rect">
+            <a:avLst/>
+          </a:prstGeom>
+          <a:solidFill>
+            <a:schemeClr val="bg1"/>
+          </a:solidFill>
+          <a:ln>
+            <a:solidFill>
+              <a:schemeClr val="tx1"/>
+            </a:solidFill>
+          </a:ln>
+        </p:spPr>
+        <p:style>
+          <a:lnRef idx="2">
+            <a:schemeClr val="accent1">
+              <a:shade val="50000"/>
+            </a:schemeClr>
+          </a:lnRef>
+          <a:fillRef idx="1">
+            <a:schemeClr val="accent1"/>
+          </a:fillRef>
+          <a:effectRef idx="0">
+            <a:schemeClr val="accent1"/>
+          </a:effectRef>
+          <a:fontRef idx="minor">
+            <a:schemeClr val="lt1"/>
+          </a:fontRef>
+        </p:style>
+        <p:txBody>
+          <a:bodyPr rtlCol="0" anchor="ctr"/>
+          <a:lstStyle/>
+          <a:p>
+            <a:pPr algn="ctr"/>
+            <a:endParaRPr lang="ko-KR" altLang="en-US" dirty="0"/>
+          </a:p>
+        </p:txBody>
+      </p:sp>
+      <p:sp>
+        <p:nvSpPr>
+          <p:cNvPr id="5" name="직사각형 4"/>
+          <p:cNvSpPr/>
+          <p:nvPr/>
+        </p:nvSpPr>
+        <p:spPr>
+          <a:xfrm>
+            <a:off x="2832167" y="1205467"/>
+            <a:ext cx="989856" cy="369332"/>
+          </a:xfrm>
+          <a:prstGeom prst="rect">
+            <a:avLst/>
+          </a:prstGeom>
+        </p:spPr>
+        <p:txBody>
+          <a:bodyPr wrap="square">
+            <a:spAutoFit/>
+          </a:bodyPr>
+          <a:lstStyle/>
+          <a:p>
+            <a:pPr algn="ctr"/>
+            <a:r>
+              <a:rPr lang="en-US" altLang="ko-KR" dirty="0">
+                <a:latin typeface="마루 부리 Beta" pitchFamily="50" charset="-127"/>
+                <a:ea typeface="마루 부리 Beta" pitchFamily="50" charset="-127"/>
+              </a:rPr>
+              <a:t>system</a:t>
+            </a:r>
+          </a:p>
+        </p:txBody>
+      </p:sp>
+      <p:cxnSp>
+        <p:nvCxnSpPr>
+          <p:cNvPr id="6" name="직선 화살표 연결선 5"/>
+          <p:cNvCxnSpPr>
+            <a:endCxn id="4" idx="1"/>
+          </p:cNvCxnSpPr>
+          <p:nvPr/>
+        </p:nvCxnSpPr>
+        <p:spPr>
+          <a:xfrm>
+            <a:off x="1346875" y="1390133"/>
+            <a:ext cx="1368152" cy="0"/>
+          </a:xfrm>
+          <a:prstGeom prst="straightConnector1">
+            <a:avLst/>
+          </a:prstGeom>
+          <a:ln w="19050">
+            <a:solidFill>
+              <a:schemeClr val="tx1"/>
+            </a:solidFill>
+            <a:tailEnd type="arrow"/>
+          </a:ln>
+        </p:spPr>
+        <p:style>
+          <a:lnRef idx="1">
+            <a:schemeClr val="accent1"/>
+          </a:lnRef>
+          <a:fillRef idx="0">
+            <a:schemeClr val="accent1"/>
+          </a:fillRef>
+          <a:effectRef idx="0">
+            <a:schemeClr val="accent1"/>
+          </a:effectRef>
+          <a:fontRef idx="minor">
+            <a:schemeClr val="tx1"/>
+          </a:fontRef>
+        </p:style>
+      </p:cxnSp>
+      <mc:AlternateContent xmlns:mc="http://schemas.openxmlformats.org/markup-compatibility/2006" xmlns:a14="http://schemas.microsoft.com/office/drawing/2010/main">
+        <mc:Choice Requires="a14">
+          <p:sp>
+            <p:nvSpPr>
+              <p:cNvPr id="7" name="직사각형 6"/>
+              <p:cNvSpPr/>
+              <p:nvPr/>
+            </p:nvSpPr>
+            <p:spPr>
+              <a:xfrm>
+                <a:off x="1294701" y="1020801"/>
+                <a:ext cx="558748" cy="369332"/>
+              </a:xfrm>
+              <a:prstGeom prst="rect">
+                <a:avLst/>
+              </a:prstGeom>
+            </p:spPr>
+            <p:txBody>
+              <a:bodyPr wrap="square">
+                <a:spAutoFit/>
+              </a:bodyPr>
+              <a:lstStyle/>
+              <a:p>
+                <a:pPr algn="ctr"/>
+                <a14:m>
+                  <m:oMathPara xmlns:m="http://schemas.openxmlformats.org/officeDocument/2006/math">
+                    <m:oMathParaPr>
+                      <m:jc m:val="center"/>
+                    </m:oMathParaPr>
+                    <m:oMath xmlns:m="http://schemas.openxmlformats.org/officeDocument/2006/math">
+                      <m:sSub>
+                        <m:sSubPr>
+                          <m:ctrlPr>
+                            <a:rPr lang="en-US" altLang="ko-KR" b="0" i="1" dirty="0" smtClean="0">
+                              <a:latin typeface="Cambria Math" panose="02040503050406030204" pitchFamily="18" charset="0"/>
+                              <a:ea typeface="마루 부리 Beta" pitchFamily="50" charset="-127"/>
+                            </a:rPr>
+                          </m:ctrlPr>
+                        </m:sSubPr>
+                        <m:e>
+                          <m:r>
+                            <a:rPr lang="en-US" altLang="ko-KR" b="0" i="1" dirty="0" smtClean="0">
+                              <a:latin typeface="Cambria Math"/>
+                              <a:ea typeface="마루 부리 Beta" pitchFamily="50" charset="-127"/>
+                            </a:rPr>
+                            <m:t>𝑥</m:t>
+                          </m:r>
+                        </m:e>
+                        <m:sub>
+                          <m:r>
+                            <a:rPr lang="en-US" altLang="ko-KR" b="0" i="1" dirty="0" smtClean="0">
+                              <a:latin typeface="Cambria Math"/>
+                              <a:ea typeface="마루 부리 Beta" pitchFamily="50" charset="-127"/>
+                            </a:rPr>
+                            <m:t>1</m:t>
+                          </m:r>
+                        </m:sub>
+                      </m:sSub>
+                      <m:r>
+                        <a:rPr lang="en-US" altLang="ko-KR" b="0" i="1" dirty="0" smtClean="0">
+                          <a:latin typeface="Cambria Math"/>
+                          <a:ea typeface="마루 부리 Beta" pitchFamily="50" charset="-127"/>
+                        </a:rPr>
+                        <m:t>[</m:t>
+                      </m:r>
+                      <m:r>
+                        <a:rPr lang="en-US" altLang="ko-KR" b="0" i="1" dirty="0" smtClean="0">
+                          <a:latin typeface="Cambria Math"/>
+                          <a:ea typeface="마루 부리 Beta" pitchFamily="50" charset="-127"/>
+                        </a:rPr>
+                        <m:t>𝑛</m:t>
+                      </m:r>
+                      <m:r>
+                        <a:rPr lang="en-US" altLang="ko-KR" b="0" i="1" dirty="0" smtClean="0">
+                          <a:latin typeface="Cambria Math"/>
+                          <a:ea typeface="마루 부리 Beta" pitchFamily="50" charset="-127"/>
+                        </a:rPr>
+                        <m:t>]</m:t>
+                      </m:r>
+                    </m:oMath>
+                  </m:oMathPara>
+                </a14:m>
+                <a:endParaRPr lang="en-US" altLang="ko-KR" dirty="0">
+                  <a:latin typeface="마루 부리 Beta" pitchFamily="50" charset="-127"/>
+                  <a:ea typeface="마루 부리 Beta" pitchFamily="50" charset="-127"/>
+                </a:endParaRPr>
+              </a:p>
+            </p:txBody>
+          </p:sp>
+        </mc:Choice>
+        <mc:Fallback xmlns="">
+          <p:sp>
+            <p:nvSpPr>
+              <p:cNvPr id="7" name="직사각형 6"/>
+              <p:cNvSpPr>
+                <a:spLocks noRot="1" noChangeAspect="1" noMove="1" noResize="1" noEditPoints="1" noAdjustHandles="1" noChangeArrowheads="1" noChangeShapeType="1" noTextEdit="1"/>
+              </p:cNvSpPr>
+              <p:nvPr/>
+            </p:nvSpPr>
+            <p:spPr>
+              <a:xfrm>
+                <a:off x="1294701" y="1020801"/>
+                <a:ext cx="558748" cy="369332"/>
+              </a:xfrm>
+              <a:prstGeom prst="rect">
+                <a:avLst/>
+              </a:prstGeom>
+              <a:blipFill rotWithShape="1">
+                <a:blip r:embed="rId2"/>
+                <a:stretch>
+                  <a:fillRect l="-11957" r="-10870" b="-14754"/>
+                </a:stretch>
+              </a:blipFill>
+            </p:spPr>
+            <p:txBody>
+              <a:bodyPr/>
+              <a:lstStyle/>
+              <a:p>
+                <a:r>
+                  <a:rPr lang="ko-KR" altLang="en-US">
+                    <a:noFill/>
+                  </a:rPr>
+                  <a:t> </a:t>
+                </a:r>
+              </a:p>
+            </p:txBody>
+          </p:sp>
+        </mc:Fallback>
+      </mc:AlternateContent>
+      <p:sp>
+        <p:nvSpPr>
+          <p:cNvPr id="13" name="직사각형 12"/>
+          <p:cNvSpPr/>
+          <p:nvPr/>
+        </p:nvSpPr>
+        <p:spPr>
+          <a:xfrm>
+            <a:off x="2715027" y="1938813"/>
+            <a:ext cx="1224136" cy="630832"/>
+          </a:xfrm>
+          <a:prstGeom prst="rect">
+            <a:avLst/>
+          </a:prstGeom>
+          <a:solidFill>
+            <a:schemeClr val="bg1"/>
+          </a:solidFill>
+          <a:ln>
+            <a:solidFill>
+              <a:schemeClr val="tx1"/>
+            </a:solidFill>
+          </a:ln>
+        </p:spPr>
+        <p:style>
+          <a:lnRef idx="2">
+            <a:schemeClr val="accent1">
+              <a:shade val="50000"/>
+            </a:schemeClr>
+          </a:lnRef>
+          <a:fillRef idx="1">
+            <a:schemeClr val="accent1"/>
+          </a:fillRef>
+          <a:effectRef idx="0">
+            <a:schemeClr val="accent1"/>
+          </a:effectRef>
+          <a:fontRef idx="minor">
+            <a:schemeClr val="lt1"/>
+          </a:fontRef>
+        </p:style>
+        <p:txBody>
+          <a:bodyPr rtlCol="0" anchor="ctr"/>
+          <a:lstStyle/>
+          <a:p>
+            <a:pPr algn="ctr"/>
+            <a:endParaRPr lang="ko-KR" altLang="en-US" dirty="0"/>
+          </a:p>
+        </p:txBody>
+      </p:sp>
+      <p:sp>
+        <p:nvSpPr>
+          <p:cNvPr id="14" name="직사각형 13"/>
+          <p:cNvSpPr/>
+          <p:nvPr/>
+        </p:nvSpPr>
+        <p:spPr>
+          <a:xfrm>
+            <a:off x="2832167" y="2069563"/>
+            <a:ext cx="989856" cy="369332"/>
+          </a:xfrm>
+          <a:prstGeom prst="rect">
+            <a:avLst/>
+          </a:prstGeom>
+        </p:spPr>
+        <p:txBody>
+          <a:bodyPr wrap="square">
+            <a:spAutoFit/>
+          </a:bodyPr>
+          <a:lstStyle/>
+          <a:p>
+            <a:pPr algn="ctr"/>
+            <a:r>
+              <a:rPr lang="en-US" altLang="ko-KR" dirty="0">
+                <a:latin typeface="마루 부리 Beta" pitchFamily="50" charset="-127"/>
+                <a:ea typeface="마루 부리 Beta" pitchFamily="50" charset="-127"/>
+              </a:rPr>
+              <a:t>system</a:t>
+            </a:r>
+          </a:p>
+        </p:txBody>
+      </p:sp>
+      <p:cxnSp>
+        <p:nvCxnSpPr>
+          <p:cNvPr id="15" name="직선 화살표 연결선 14"/>
+          <p:cNvCxnSpPr>
+            <a:endCxn id="13" idx="1"/>
+          </p:cNvCxnSpPr>
+          <p:nvPr/>
+        </p:nvCxnSpPr>
+        <p:spPr>
+          <a:xfrm>
+            <a:off x="1346875" y="2254229"/>
+            <a:ext cx="1368152" cy="0"/>
+          </a:xfrm>
+          <a:prstGeom prst="straightConnector1">
+            <a:avLst/>
+          </a:prstGeom>
+          <a:ln w="19050">
+            <a:solidFill>
+              <a:schemeClr val="tx1"/>
+            </a:solidFill>
+            <a:tailEnd type="arrow"/>
+          </a:ln>
+        </p:spPr>
+        <p:style>
+          <a:lnRef idx="1">
+            <a:schemeClr val="accent1"/>
+          </a:lnRef>
+          <a:fillRef idx="0">
+            <a:schemeClr val="accent1"/>
+          </a:fillRef>
+          <a:effectRef idx="0">
+            <a:schemeClr val="accent1"/>
+          </a:effectRef>
+          <a:fontRef idx="minor">
+            <a:schemeClr val="tx1"/>
+          </a:fontRef>
+        </p:style>
+      </p:cxnSp>
+      <mc:AlternateContent xmlns:mc="http://schemas.openxmlformats.org/markup-compatibility/2006" xmlns:a14="http://schemas.microsoft.com/office/drawing/2010/main">
+        <mc:Choice Requires="a14">
+          <p:sp>
+            <p:nvSpPr>
+              <p:cNvPr id="16" name="직사각형 15"/>
+              <p:cNvSpPr/>
+              <p:nvPr/>
+            </p:nvSpPr>
+            <p:spPr>
+              <a:xfrm>
+                <a:off x="1294701" y="1884897"/>
+                <a:ext cx="558748" cy="369332"/>
+              </a:xfrm>
+              <a:prstGeom prst="rect">
+                <a:avLst/>
+              </a:prstGeom>
+            </p:spPr>
+            <p:txBody>
+              <a:bodyPr wrap="square">
+                <a:spAutoFit/>
+              </a:bodyPr>
+              <a:lstStyle/>
+              <a:p>
+                <a:pPr algn="ctr"/>
+                <a14:m>
+                  <m:oMathPara xmlns:m="http://schemas.openxmlformats.org/officeDocument/2006/math">
+                    <m:oMathParaPr>
+                      <m:jc m:val="center"/>
+                    </m:oMathParaPr>
+                    <m:oMath xmlns:m="http://schemas.openxmlformats.org/officeDocument/2006/math">
+                      <m:sSub>
+                        <m:sSubPr>
+                          <m:ctrlPr>
+                            <a:rPr lang="en-US" altLang="ko-KR" b="0" i="1" dirty="0" smtClean="0">
+                              <a:latin typeface="Cambria Math" panose="02040503050406030204" pitchFamily="18" charset="0"/>
+                              <a:ea typeface="마루 부리 Beta" pitchFamily="50" charset="-127"/>
+                            </a:rPr>
+                          </m:ctrlPr>
+                        </m:sSubPr>
+                        <m:e>
+                          <m:r>
+                            <a:rPr lang="en-US" altLang="ko-KR" b="0" i="1" dirty="0" smtClean="0">
+                              <a:latin typeface="Cambria Math"/>
+                              <a:ea typeface="마루 부리 Beta" pitchFamily="50" charset="-127"/>
+                            </a:rPr>
+                            <m:t>𝑥</m:t>
+                          </m:r>
+                        </m:e>
+                        <m:sub>
+                          <m:r>
+                            <a:rPr lang="en-US" altLang="ko-KR" b="0" i="1" dirty="0" smtClean="0">
+                              <a:latin typeface="Cambria Math"/>
+                              <a:ea typeface="마루 부리 Beta" pitchFamily="50" charset="-127"/>
+                            </a:rPr>
+                            <m:t>2</m:t>
+                          </m:r>
+                        </m:sub>
+                      </m:sSub>
+                      <m:r>
+                        <a:rPr lang="en-US" altLang="ko-KR" b="0" i="1" dirty="0" smtClean="0">
+                          <a:latin typeface="Cambria Math"/>
+                          <a:ea typeface="마루 부리 Beta" pitchFamily="50" charset="-127"/>
+                        </a:rPr>
+                        <m:t>[</m:t>
+                      </m:r>
+                      <m:r>
+                        <a:rPr lang="en-US" altLang="ko-KR" b="0" i="1" dirty="0" smtClean="0">
+                          <a:latin typeface="Cambria Math"/>
+                          <a:ea typeface="마루 부리 Beta" pitchFamily="50" charset="-127"/>
+                        </a:rPr>
+                        <m:t>𝑛</m:t>
+                      </m:r>
+                      <m:r>
+                        <a:rPr lang="en-US" altLang="ko-KR" b="0" i="1" dirty="0" smtClean="0">
+                          <a:latin typeface="Cambria Math"/>
+                          <a:ea typeface="마루 부리 Beta" pitchFamily="50" charset="-127"/>
+                        </a:rPr>
+                        <m:t>]</m:t>
+                      </m:r>
+                    </m:oMath>
+                  </m:oMathPara>
+                </a14:m>
+                <a:endParaRPr lang="en-US" altLang="ko-KR" dirty="0">
+                  <a:latin typeface="마루 부리 Beta" pitchFamily="50" charset="-127"/>
+                  <a:ea typeface="마루 부리 Beta" pitchFamily="50" charset="-127"/>
+                </a:endParaRPr>
+              </a:p>
+            </p:txBody>
+          </p:sp>
+        </mc:Choice>
+        <mc:Fallback xmlns="">
+          <p:sp>
+            <p:nvSpPr>
+              <p:cNvPr id="16" name="직사각형 15"/>
+              <p:cNvSpPr>
+                <a:spLocks noRot="1" noChangeAspect="1" noMove="1" noResize="1" noEditPoints="1" noAdjustHandles="1" noChangeArrowheads="1" noChangeShapeType="1" noTextEdit="1"/>
+              </p:cNvSpPr>
+              <p:nvPr/>
+            </p:nvSpPr>
+            <p:spPr>
+              <a:xfrm>
+                <a:off x="1294701" y="1884897"/>
+                <a:ext cx="558748" cy="369332"/>
+              </a:xfrm>
+              <a:prstGeom prst="rect">
+                <a:avLst/>
+              </a:prstGeom>
+              <a:blipFill rotWithShape="1">
+                <a:blip r:embed="rId3"/>
+                <a:stretch>
+                  <a:fillRect l="-11957" r="-11957" b="-14754"/>
+                </a:stretch>
+              </a:blipFill>
+            </p:spPr>
+            <p:txBody>
+              <a:bodyPr/>
+              <a:lstStyle/>
+              <a:p>
+                <a:r>
+                  <a:rPr lang="ko-KR" altLang="en-US">
+                    <a:noFill/>
+                  </a:rPr>
+                  <a:t> </a:t>
+                </a:r>
+              </a:p>
+            </p:txBody>
+          </p:sp>
+        </mc:Fallback>
+      </mc:AlternateContent>
+      <p:cxnSp>
+        <p:nvCxnSpPr>
+          <p:cNvPr id="17" name="직선 화살표 연결선 16"/>
+          <p:cNvCxnSpPr/>
+          <p:nvPr/>
+        </p:nvCxnSpPr>
+        <p:spPr>
+          <a:xfrm>
+            <a:off x="3943843" y="1390133"/>
+            <a:ext cx="1368152" cy="0"/>
+          </a:xfrm>
+          <a:prstGeom prst="straightConnector1">
+            <a:avLst/>
+          </a:prstGeom>
+          <a:ln w="19050">
+            <a:solidFill>
+              <a:schemeClr val="tx1"/>
+            </a:solidFill>
+            <a:tailEnd type="arrow"/>
+          </a:ln>
+        </p:spPr>
+        <p:style>
+          <a:lnRef idx="1">
+            <a:schemeClr val="accent1"/>
+          </a:lnRef>
+          <a:fillRef idx="0">
+            <a:schemeClr val="accent1"/>
+          </a:fillRef>
+          <a:effectRef idx="0">
+            <a:schemeClr val="accent1"/>
+          </a:effectRef>
+          <a:fontRef idx="minor">
+            <a:schemeClr val="tx1"/>
+          </a:fontRef>
+        </p:style>
+      </p:cxnSp>
+      <mc:AlternateContent xmlns:mc="http://schemas.openxmlformats.org/markup-compatibility/2006" xmlns:a14="http://schemas.microsoft.com/office/drawing/2010/main">
+        <mc:Choice Requires="a14">
+          <p:sp>
+            <p:nvSpPr>
+              <p:cNvPr id="18" name="직사각형 17"/>
+              <p:cNvSpPr/>
+              <p:nvPr/>
+            </p:nvSpPr>
+            <p:spPr>
+              <a:xfrm>
+                <a:off x="4348545" y="1020801"/>
+                <a:ext cx="558748" cy="369332"/>
+              </a:xfrm>
+              <a:prstGeom prst="rect">
+                <a:avLst/>
+              </a:prstGeom>
+            </p:spPr>
+            <p:txBody>
+              <a:bodyPr wrap="square">
+                <a:spAutoFit/>
+              </a:bodyPr>
+              <a:lstStyle/>
+              <a:p>
+                <a:pPr algn="ctr"/>
+                <a14:m>
+                  <m:oMathPara xmlns:m="http://schemas.openxmlformats.org/officeDocument/2006/math">
+                    <m:oMathParaPr>
+                      <m:jc m:val="center"/>
+                    </m:oMathParaPr>
+                    <m:oMath xmlns:m="http://schemas.openxmlformats.org/officeDocument/2006/math">
+                      <m:sSub>
+                        <m:sSubPr>
+                          <m:ctrlPr>
+                            <a:rPr lang="en-US" altLang="ko-KR" b="0" i="1" dirty="0" smtClean="0">
+                              <a:latin typeface="Cambria Math" panose="02040503050406030204" pitchFamily="18" charset="0"/>
+                              <a:ea typeface="마루 부리 Beta" pitchFamily="50" charset="-127"/>
+                            </a:rPr>
+                          </m:ctrlPr>
+                        </m:sSubPr>
+                        <m:e>
+                          <m:r>
+                            <a:rPr lang="en-US" altLang="ko-KR" b="0" i="1" dirty="0" smtClean="0">
+                              <a:latin typeface="Cambria Math"/>
+                              <a:ea typeface="마루 부리 Beta" pitchFamily="50" charset="-127"/>
+                            </a:rPr>
+                            <m:t>𝑦</m:t>
+                          </m:r>
+                        </m:e>
+                        <m:sub>
+                          <m:r>
+                            <a:rPr lang="en-US" altLang="ko-KR" b="0" i="1" dirty="0" smtClean="0">
+                              <a:latin typeface="Cambria Math"/>
+                              <a:ea typeface="마루 부리 Beta" pitchFamily="50" charset="-127"/>
+                            </a:rPr>
+                            <m:t>1</m:t>
+                          </m:r>
+                        </m:sub>
+                      </m:sSub>
+                      <m:r>
+                        <a:rPr lang="en-US" altLang="ko-KR" b="0" i="1" dirty="0" smtClean="0">
+                          <a:latin typeface="Cambria Math"/>
+                          <a:ea typeface="마루 부리 Beta" pitchFamily="50" charset="-127"/>
+                        </a:rPr>
+                        <m:t>[</m:t>
+                      </m:r>
+                      <m:r>
+                        <a:rPr lang="en-US" altLang="ko-KR" b="0" i="1" dirty="0" smtClean="0">
+                          <a:latin typeface="Cambria Math"/>
+                          <a:ea typeface="마루 부리 Beta" pitchFamily="50" charset="-127"/>
+                        </a:rPr>
+                        <m:t>𝑛</m:t>
+                      </m:r>
+                      <m:r>
+                        <a:rPr lang="en-US" altLang="ko-KR" b="0" i="1" dirty="0" smtClean="0">
+                          <a:latin typeface="Cambria Math"/>
+                          <a:ea typeface="마루 부리 Beta" pitchFamily="50" charset="-127"/>
+                        </a:rPr>
+                        <m:t>]</m:t>
+                      </m:r>
+                    </m:oMath>
+                  </m:oMathPara>
+                </a14:m>
+                <a:endParaRPr lang="en-US" altLang="ko-KR" dirty="0">
+                  <a:latin typeface="마루 부리 Beta" pitchFamily="50" charset="-127"/>
+                  <a:ea typeface="마루 부리 Beta" pitchFamily="50" charset="-127"/>
+                </a:endParaRPr>
+              </a:p>
+            </p:txBody>
+          </p:sp>
+        </mc:Choice>
+        <mc:Fallback xmlns="">
+          <p:sp>
+            <p:nvSpPr>
+              <p:cNvPr id="18" name="직사각형 17"/>
+              <p:cNvSpPr>
+                <a:spLocks noRot="1" noChangeAspect="1" noMove="1" noResize="1" noEditPoints="1" noAdjustHandles="1" noChangeArrowheads="1" noChangeShapeType="1" noTextEdit="1"/>
+              </p:cNvSpPr>
+              <p:nvPr/>
+            </p:nvSpPr>
+            <p:spPr>
+              <a:xfrm>
+                <a:off x="4348545" y="1020801"/>
+                <a:ext cx="558748" cy="369332"/>
+              </a:xfrm>
+              <a:prstGeom prst="rect">
+                <a:avLst/>
+              </a:prstGeom>
+              <a:blipFill rotWithShape="1">
+                <a:blip r:embed="rId4"/>
+                <a:stretch>
+                  <a:fillRect l="-16304" r="-10870" b="-14754"/>
+                </a:stretch>
+              </a:blipFill>
+            </p:spPr>
+            <p:txBody>
+              <a:bodyPr/>
+              <a:lstStyle/>
+              <a:p>
+                <a:r>
+                  <a:rPr lang="ko-KR" altLang="en-US">
+                    <a:noFill/>
+                  </a:rPr>
+                  <a:t> </a:t>
+                </a:r>
+              </a:p>
+            </p:txBody>
+          </p:sp>
+        </mc:Fallback>
+      </mc:AlternateContent>
+      <p:cxnSp>
+        <p:nvCxnSpPr>
+          <p:cNvPr id="19" name="직선 화살표 연결선 18"/>
+          <p:cNvCxnSpPr/>
+          <p:nvPr/>
+        </p:nvCxnSpPr>
+        <p:spPr>
+          <a:xfrm>
+            <a:off x="3943843" y="2254229"/>
+            <a:ext cx="1368152" cy="0"/>
+          </a:xfrm>
+          <a:prstGeom prst="straightConnector1">
+            <a:avLst/>
+          </a:prstGeom>
+          <a:ln w="19050">
+            <a:solidFill>
+              <a:schemeClr val="tx1"/>
+            </a:solidFill>
+            <a:tailEnd type="arrow"/>
+          </a:ln>
+        </p:spPr>
+        <p:style>
+          <a:lnRef idx="1">
+            <a:schemeClr val="accent1"/>
+          </a:lnRef>
+          <a:fillRef idx="0">
+            <a:schemeClr val="accent1"/>
+          </a:fillRef>
+          <a:effectRef idx="0">
+            <a:schemeClr val="accent1"/>
+          </a:effectRef>
+          <a:fontRef idx="minor">
+            <a:schemeClr val="tx1"/>
+          </a:fontRef>
+        </p:style>
+      </p:cxnSp>
+      <mc:AlternateContent xmlns:mc="http://schemas.openxmlformats.org/markup-compatibility/2006" xmlns:a14="http://schemas.microsoft.com/office/drawing/2010/main">
+        <mc:Choice Requires="a14">
+          <p:sp>
+            <p:nvSpPr>
+              <p:cNvPr id="20" name="직사각형 19"/>
+              <p:cNvSpPr/>
+              <p:nvPr/>
+            </p:nvSpPr>
+            <p:spPr>
+              <a:xfrm>
+                <a:off x="4348545" y="1884897"/>
+                <a:ext cx="558748" cy="369332"/>
+              </a:xfrm>
+              <a:prstGeom prst="rect">
+                <a:avLst/>
+              </a:prstGeom>
+            </p:spPr>
+            <p:txBody>
+              <a:bodyPr wrap="square">
+                <a:spAutoFit/>
+              </a:bodyPr>
+              <a:lstStyle/>
+              <a:p>
+                <a:pPr algn="ctr"/>
+                <a14:m>
+                  <m:oMathPara xmlns:m="http://schemas.openxmlformats.org/officeDocument/2006/math">
+                    <m:oMathParaPr>
+                      <m:jc m:val="center"/>
+                    </m:oMathParaPr>
+                    <m:oMath xmlns:m="http://schemas.openxmlformats.org/officeDocument/2006/math">
+                      <m:sSub>
+                        <m:sSubPr>
+                          <m:ctrlPr>
+                            <a:rPr lang="en-US" altLang="ko-KR" b="0" i="1" dirty="0" smtClean="0">
+                              <a:latin typeface="Cambria Math" panose="02040503050406030204" pitchFamily="18" charset="0"/>
+                              <a:ea typeface="마루 부리 Beta" pitchFamily="50" charset="-127"/>
+                            </a:rPr>
+                          </m:ctrlPr>
+                        </m:sSubPr>
+                        <m:e>
+                          <m:r>
+                            <a:rPr lang="en-US" altLang="ko-KR" b="0" i="1" dirty="0" smtClean="0">
+                              <a:latin typeface="Cambria Math"/>
+                              <a:ea typeface="마루 부리 Beta" pitchFamily="50" charset="-127"/>
+                            </a:rPr>
+                            <m:t>𝑦</m:t>
+                          </m:r>
+                        </m:e>
+                        <m:sub>
+                          <m:r>
+                            <a:rPr lang="en-US" altLang="ko-KR" b="0" i="1" dirty="0" smtClean="0">
+                              <a:latin typeface="Cambria Math"/>
+                              <a:ea typeface="마루 부리 Beta" pitchFamily="50" charset="-127"/>
+                            </a:rPr>
+                            <m:t>2</m:t>
+                          </m:r>
+                        </m:sub>
+                      </m:sSub>
+                      <m:r>
+                        <a:rPr lang="en-US" altLang="ko-KR" b="0" i="1" dirty="0" smtClean="0">
+                          <a:latin typeface="Cambria Math"/>
+                          <a:ea typeface="마루 부리 Beta" pitchFamily="50" charset="-127"/>
+                        </a:rPr>
+                        <m:t>[</m:t>
+                      </m:r>
+                      <m:r>
+                        <a:rPr lang="en-US" altLang="ko-KR" b="0" i="1" dirty="0" smtClean="0">
+                          <a:latin typeface="Cambria Math"/>
+                          <a:ea typeface="마루 부리 Beta" pitchFamily="50" charset="-127"/>
+                        </a:rPr>
+                        <m:t>𝑛</m:t>
+                      </m:r>
+                      <m:r>
+                        <a:rPr lang="en-US" altLang="ko-KR" b="0" i="1" dirty="0" smtClean="0">
+                          <a:latin typeface="Cambria Math"/>
+                          <a:ea typeface="마루 부리 Beta" pitchFamily="50" charset="-127"/>
+                        </a:rPr>
+                        <m:t>]</m:t>
+                      </m:r>
+                    </m:oMath>
+                  </m:oMathPara>
+                </a14:m>
+                <a:endParaRPr lang="en-US" altLang="ko-KR" dirty="0">
+                  <a:latin typeface="마루 부리 Beta" pitchFamily="50" charset="-127"/>
+                  <a:ea typeface="마루 부리 Beta" pitchFamily="50" charset="-127"/>
+                </a:endParaRPr>
+              </a:p>
+            </p:txBody>
+          </p:sp>
+        </mc:Choice>
+        <mc:Fallback xmlns="">
+          <p:sp>
+            <p:nvSpPr>
+              <p:cNvPr id="20" name="직사각형 19"/>
+              <p:cNvSpPr>
+                <a:spLocks noRot="1" noChangeAspect="1" noMove="1" noResize="1" noEditPoints="1" noAdjustHandles="1" noChangeArrowheads="1" noChangeShapeType="1" noTextEdit="1"/>
+              </p:cNvSpPr>
+              <p:nvPr/>
+            </p:nvSpPr>
+            <p:spPr>
+              <a:xfrm>
+                <a:off x="4348545" y="1884897"/>
+                <a:ext cx="558748" cy="369332"/>
+              </a:xfrm>
+              <a:prstGeom prst="rect">
+                <a:avLst/>
+              </a:prstGeom>
+              <a:blipFill rotWithShape="1">
+                <a:blip r:embed="rId5"/>
+                <a:stretch>
+                  <a:fillRect l="-16304" r="-11957" b="-14754"/>
+                </a:stretch>
+              </a:blipFill>
+            </p:spPr>
+            <p:txBody>
+              <a:bodyPr/>
+              <a:lstStyle/>
+              <a:p>
+                <a:r>
+                  <a:rPr lang="ko-KR" altLang="en-US">
+                    <a:noFill/>
+                  </a:rPr>
+                  <a:t> </a:t>
+                </a:r>
+              </a:p>
+            </p:txBody>
+          </p:sp>
+        </mc:Fallback>
+      </mc:AlternateContent>
+      <p:sp>
+        <p:nvSpPr>
+          <p:cNvPr id="21" name="순서도: 가산 접합 20"/>
+          <p:cNvSpPr/>
+          <p:nvPr/>
+        </p:nvSpPr>
+        <p:spPr>
+          <a:xfrm>
+            <a:off x="5308639" y="1251391"/>
+            <a:ext cx="277485" cy="277485"/>
+          </a:xfrm>
+          <a:prstGeom prst="flowChartSummingJunction">
+            <a:avLst/>
+          </a:prstGeom>
+          <a:solidFill>
+            <a:schemeClr val="bg1"/>
+          </a:solidFill>
+          <a:ln>
+            <a:solidFill>
+              <a:srgbClr val="FF0000"/>
+            </a:solidFill>
+          </a:ln>
+        </p:spPr>
+        <p:style>
+          <a:lnRef idx="2">
+            <a:schemeClr val="accent1">
+              <a:shade val="50000"/>
+            </a:schemeClr>
+          </a:lnRef>
+          <a:fillRef idx="1">
+            <a:schemeClr val="accent1"/>
+          </a:fillRef>
+          <a:effectRef idx="0">
+            <a:schemeClr val="accent1"/>
+          </a:effectRef>
+          <a:fontRef idx="minor">
+            <a:schemeClr val="lt1"/>
+          </a:fontRef>
+        </p:style>
+        <p:txBody>
+          <a:bodyPr rtlCol="0" anchor="ctr"/>
+          <a:lstStyle/>
+          <a:p>
+            <a:pPr algn="ctr"/>
+            <a:endParaRPr lang="ko-KR" altLang="en-US"/>
+          </a:p>
+        </p:txBody>
+      </p:sp>
+      <p:sp>
+        <p:nvSpPr>
+          <p:cNvPr id="22" name="순서도: 가산 접합 21"/>
+          <p:cNvSpPr/>
+          <p:nvPr/>
+        </p:nvSpPr>
+        <p:spPr>
+          <a:xfrm>
+            <a:off x="5308639" y="2115487"/>
+            <a:ext cx="277485" cy="277485"/>
+          </a:xfrm>
+          <a:prstGeom prst="flowChartSummingJunction">
+            <a:avLst/>
+          </a:prstGeom>
+          <a:solidFill>
+            <a:schemeClr val="bg1"/>
+          </a:solidFill>
+          <a:ln>
+            <a:solidFill>
+              <a:srgbClr val="FF0000"/>
+            </a:solidFill>
+          </a:ln>
+        </p:spPr>
+        <p:style>
+          <a:lnRef idx="2">
+            <a:schemeClr val="accent1">
+              <a:shade val="50000"/>
+            </a:schemeClr>
+          </a:lnRef>
+          <a:fillRef idx="1">
+            <a:schemeClr val="accent1"/>
+          </a:fillRef>
+          <a:effectRef idx="0">
+            <a:schemeClr val="accent1"/>
+          </a:effectRef>
+          <a:fontRef idx="minor">
+            <a:schemeClr val="lt1"/>
+          </a:fontRef>
+        </p:style>
+        <p:txBody>
+          <a:bodyPr rtlCol="0" anchor="ctr"/>
+          <a:lstStyle/>
+          <a:p>
+            <a:pPr algn="ctr"/>
+            <a:endParaRPr lang="ko-KR" altLang="en-US"/>
+          </a:p>
+        </p:txBody>
+      </p:sp>
+      <p:sp>
+        <p:nvSpPr>
+          <p:cNvPr id="23" name="순서도: 논리합 22"/>
+          <p:cNvSpPr/>
+          <p:nvPr/>
+        </p:nvSpPr>
+        <p:spPr>
+          <a:xfrm>
+            <a:off x="6268605" y="1657109"/>
+            <a:ext cx="277485" cy="277485"/>
+          </a:xfrm>
+          <a:prstGeom prst="flowChartOr">
+            <a:avLst/>
+          </a:prstGeom>
+          <a:solidFill>
+            <a:schemeClr val="bg1"/>
+          </a:solidFill>
+          <a:ln>
+            <a:solidFill>
+              <a:srgbClr val="FF0000"/>
+            </a:solidFill>
+          </a:ln>
+        </p:spPr>
+        <p:style>
+          <a:lnRef idx="2">
+            <a:schemeClr val="accent1">
+              <a:shade val="50000"/>
+            </a:schemeClr>
+          </a:lnRef>
+          <a:fillRef idx="1">
+            <a:schemeClr val="accent1"/>
+          </a:fillRef>
+          <a:effectRef idx="0">
+            <a:schemeClr val="accent1"/>
+          </a:effectRef>
+          <a:fontRef idx="minor">
+            <a:schemeClr val="lt1"/>
+          </a:fontRef>
+        </p:style>
+        <p:txBody>
+          <a:bodyPr rtlCol="0" anchor="ctr"/>
+          <a:lstStyle/>
+          <a:p>
+            <a:pPr algn="ctr"/>
+            <a:endParaRPr lang="ko-KR" altLang="en-US"/>
+          </a:p>
+        </p:txBody>
+      </p:sp>
+      <p:cxnSp>
+        <p:nvCxnSpPr>
+          <p:cNvPr id="25" name="꺾인 연결선 24"/>
+          <p:cNvCxnSpPr>
+            <a:stCxn id="21" idx="6"/>
+            <a:endCxn id="23" idx="0"/>
+          </p:cNvCxnSpPr>
+          <p:nvPr/>
+        </p:nvCxnSpPr>
+        <p:spPr>
+          <a:xfrm>
+            <a:off x="5586124" y="1390134"/>
+            <a:ext cx="821224" cy="266975"/>
+          </a:xfrm>
+          <a:prstGeom prst="bentConnector2">
+            <a:avLst/>
+          </a:prstGeom>
+          <a:ln w="19050">
+            <a:solidFill>
+              <a:srgbClr val="FF0000"/>
+            </a:solidFill>
+            <a:tailEnd type="arrow"/>
+          </a:ln>
+        </p:spPr>
+        <p:style>
+          <a:lnRef idx="1">
+            <a:schemeClr val="accent1"/>
+          </a:lnRef>
+          <a:fillRef idx="0">
+            <a:schemeClr val="accent1"/>
+          </a:fillRef>
+          <a:effectRef idx="0">
+            <a:schemeClr val="accent1"/>
+          </a:effectRef>
+          <a:fontRef idx="minor">
+            <a:schemeClr val="tx1"/>
+          </a:fontRef>
+        </p:style>
+      </p:cxnSp>
+      <p:cxnSp>
+        <p:nvCxnSpPr>
+          <p:cNvPr id="27" name="꺾인 연결선 26"/>
+          <p:cNvCxnSpPr>
+            <a:stCxn id="22" idx="6"/>
+            <a:endCxn id="23" idx="4"/>
+          </p:cNvCxnSpPr>
+          <p:nvPr/>
+        </p:nvCxnSpPr>
+        <p:spPr>
+          <a:xfrm flipV="1">
+            <a:off x="5586124" y="1934594"/>
+            <a:ext cx="821224" cy="319636"/>
+          </a:xfrm>
+          <a:prstGeom prst="bentConnector2">
+            <a:avLst/>
+          </a:prstGeom>
+          <a:ln w="19050">
+            <a:solidFill>
+              <a:srgbClr val="FF0000"/>
+            </a:solidFill>
+            <a:tailEnd type="arrow"/>
+          </a:ln>
+        </p:spPr>
+        <p:style>
+          <a:lnRef idx="1">
+            <a:schemeClr val="accent1"/>
+          </a:lnRef>
+          <a:fillRef idx="0">
+            <a:schemeClr val="accent1"/>
+          </a:fillRef>
+          <a:effectRef idx="0">
+            <a:schemeClr val="accent1"/>
+          </a:effectRef>
+          <a:fontRef idx="minor">
+            <a:schemeClr val="tx1"/>
+          </a:fontRef>
+        </p:style>
+      </p:cxnSp>
+      <p:cxnSp>
+        <p:nvCxnSpPr>
+          <p:cNvPr id="33" name="직선 화살표 연결선 32"/>
+          <p:cNvCxnSpPr/>
+          <p:nvPr/>
+        </p:nvCxnSpPr>
+        <p:spPr>
+          <a:xfrm>
+            <a:off x="6546090" y="1795851"/>
+            <a:ext cx="684076" cy="0"/>
+          </a:xfrm>
+          <a:prstGeom prst="straightConnector1">
+            <a:avLst/>
+          </a:prstGeom>
+          <a:ln w="19050">
+            <a:solidFill>
+              <a:schemeClr val="tx1"/>
+            </a:solidFill>
+            <a:tailEnd type="arrow"/>
+          </a:ln>
+        </p:spPr>
+        <p:style>
+          <a:lnRef idx="1">
+            <a:schemeClr val="accent1"/>
+          </a:lnRef>
+          <a:fillRef idx="0">
+            <a:schemeClr val="accent1"/>
+          </a:fillRef>
+          <a:effectRef idx="0">
+            <a:schemeClr val="accent1"/>
+          </a:effectRef>
+          <a:fontRef idx="minor">
+            <a:schemeClr val="tx1"/>
+          </a:fontRef>
+        </p:style>
+      </p:cxnSp>
+      <mc:AlternateContent xmlns:mc="http://schemas.openxmlformats.org/markup-compatibility/2006" xmlns:a14="http://schemas.microsoft.com/office/drawing/2010/main">
+        <mc:Choice Requires="a14">
+          <p:sp>
+            <p:nvSpPr>
+              <p:cNvPr id="34" name="직사각형 33"/>
+              <p:cNvSpPr/>
+              <p:nvPr/>
+            </p:nvSpPr>
+            <p:spPr>
+              <a:xfrm>
+                <a:off x="7290551" y="1602559"/>
+                <a:ext cx="558748" cy="369332"/>
+              </a:xfrm>
+              <a:prstGeom prst="rect">
+                <a:avLst/>
+              </a:prstGeom>
+            </p:spPr>
+            <p:txBody>
+              <a:bodyPr wrap="square">
+                <a:spAutoFit/>
+              </a:bodyPr>
+              <a:lstStyle/>
+              <a:p>
+                <a:pPr algn="ctr"/>
+                <a14:m>
+                  <m:oMathPara xmlns:m="http://schemas.openxmlformats.org/officeDocument/2006/math">
+                    <m:oMathParaPr>
+                      <m:jc m:val="center"/>
+                    </m:oMathParaPr>
+                    <m:oMath xmlns:m="http://schemas.openxmlformats.org/officeDocument/2006/math">
+                      <m:r>
+                        <a:rPr lang="en-US" altLang="ko-KR" b="0" i="1" dirty="0" smtClean="0">
+                          <a:latin typeface="Cambria Math"/>
+                          <a:ea typeface="마루 부리 Beta" pitchFamily="50" charset="-127"/>
+                        </a:rPr>
+                        <m:t>𝑤</m:t>
+                      </m:r>
+                      <m:r>
+                        <a:rPr lang="en-US" altLang="ko-KR" b="0" i="1" dirty="0" smtClean="0">
+                          <a:latin typeface="Cambria Math"/>
+                          <a:ea typeface="마루 부리 Beta" pitchFamily="50" charset="-127"/>
+                        </a:rPr>
+                        <m:t>[</m:t>
+                      </m:r>
+                      <m:r>
+                        <a:rPr lang="en-US" altLang="ko-KR" b="0" i="1" dirty="0" smtClean="0">
+                          <a:latin typeface="Cambria Math"/>
+                          <a:ea typeface="마루 부리 Beta" pitchFamily="50" charset="-127"/>
+                        </a:rPr>
+                        <m:t>𝑛</m:t>
+                      </m:r>
+                      <m:r>
+                        <a:rPr lang="en-US" altLang="ko-KR" b="0" i="1" dirty="0" smtClean="0">
+                          <a:latin typeface="Cambria Math"/>
+                          <a:ea typeface="마루 부리 Beta" pitchFamily="50" charset="-127"/>
+                        </a:rPr>
+                        <m:t>]</m:t>
+                      </m:r>
+                    </m:oMath>
+                  </m:oMathPara>
+                </a14:m>
+                <a:endParaRPr lang="en-US" altLang="ko-KR" dirty="0">
+                  <a:latin typeface="마루 부리 Beta" pitchFamily="50" charset="-127"/>
+                  <a:ea typeface="마루 부리 Beta" pitchFamily="50" charset="-127"/>
+                </a:endParaRPr>
+              </a:p>
+            </p:txBody>
+          </p:sp>
+        </mc:Choice>
+        <mc:Fallback xmlns="">
+          <p:sp>
+            <p:nvSpPr>
+              <p:cNvPr id="34" name="직사각형 33"/>
+              <p:cNvSpPr>
+                <a:spLocks noRot="1" noChangeAspect="1" noMove="1" noResize="1" noEditPoints="1" noAdjustHandles="1" noChangeArrowheads="1" noChangeShapeType="1" noTextEdit="1"/>
+              </p:cNvSpPr>
+              <p:nvPr/>
+            </p:nvSpPr>
+            <p:spPr>
+              <a:xfrm>
+                <a:off x="7290551" y="1602559"/>
+                <a:ext cx="558748" cy="369332"/>
+              </a:xfrm>
+              <a:prstGeom prst="rect">
+                <a:avLst/>
+              </a:prstGeom>
+              <a:blipFill rotWithShape="1">
+                <a:blip r:embed="rId6"/>
+                <a:stretch>
+                  <a:fillRect l="-7609" r="-6522" b="-16667"/>
+                </a:stretch>
+              </a:blipFill>
+            </p:spPr>
+            <p:txBody>
+              <a:bodyPr/>
+              <a:lstStyle/>
+              <a:p>
+                <a:r>
+                  <a:rPr lang="ko-KR" altLang="en-US">
+                    <a:noFill/>
+                  </a:rPr>
+                  <a:t> </a:t>
+                </a:r>
+              </a:p>
+            </p:txBody>
+          </p:sp>
+        </mc:Fallback>
+      </mc:AlternateContent>
+      <p:sp>
+        <p:nvSpPr>
+          <p:cNvPr id="37" name="순서도: 가산 접합 36"/>
+          <p:cNvSpPr/>
+          <p:nvPr/>
+        </p:nvSpPr>
+        <p:spPr>
+          <a:xfrm>
+            <a:off x="2723314" y="3585224"/>
+            <a:ext cx="277485" cy="277485"/>
+          </a:xfrm>
+          <a:prstGeom prst="flowChartSummingJunction">
+            <a:avLst/>
+          </a:prstGeom>
+          <a:solidFill>
+            <a:schemeClr val="bg1"/>
+          </a:solidFill>
+          <a:ln>
+            <a:solidFill>
+              <a:srgbClr val="FF0000"/>
+            </a:solidFill>
+          </a:ln>
+        </p:spPr>
+        <p:style>
+          <a:lnRef idx="2">
+            <a:schemeClr val="accent1">
+              <a:shade val="50000"/>
+            </a:schemeClr>
+          </a:lnRef>
+          <a:fillRef idx="1">
+            <a:schemeClr val="accent1"/>
+          </a:fillRef>
+          <a:effectRef idx="0">
+            <a:schemeClr val="accent1"/>
+          </a:effectRef>
+          <a:fontRef idx="minor">
+            <a:schemeClr val="lt1"/>
+          </a:fontRef>
+        </p:style>
+        <p:txBody>
+          <a:bodyPr rtlCol="0" anchor="ctr"/>
+          <a:lstStyle/>
+          <a:p>
+            <a:pPr algn="ctr"/>
+            <a:endParaRPr lang="ko-KR" altLang="en-US"/>
+          </a:p>
+        </p:txBody>
+      </p:sp>
+      <p:sp>
+        <p:nvSpPr>
+          <p:cNvPr id="38" name="순서도: 가산 접합 37"/>
+          <p:cNvSpPr/>
+          <p:nvPr/>
+        </p:nvSpPr>
+        <p:spPr>
+          <a:xfrm>
+            <a:off x="2723314" y="4449320"/>
+            <a:ext cx="277485" cy="277485"/>
+          </a:xfrm>
+          <a:prstGeom prst="flowChartSummingJunction">
+            <a:avLst/>
+          </a:prstGeom>
+          <a:solidFill>
+            <a:schemeClr val="bg1"/>
+          </a:solidFill>
+          <a:ln>
+            <a:solidFill>
+              <a:srgbClr val="FF0000"/>
+            </a:solidFill>
+          </a:ln>
+        </p:spPr>
+        <p:style>
+          <a:lnRef idx="2">
+            <a:schemeClr val="accent1">
+              <a:shade val="50000"/>
+            </a:schemeClr>
+          </a:lnRef>
+          <a:fillRef idx="1">
+            <a:schemeClr val="accent1"/>
+          </a:fillRef>
+          <a:effectRef idx="0">
+            <a:schemeClr val="accent1"/>
+          </a:effectRef>
+          <a:fontRef idx="minor">
+            <a:schemeClr val="lt1"/>
+          </a:fontRef>
+        </p:style>
+        <p:txBody>
+          <a:bodyPr rtlCol="0" anchor="ctr"/>
+          <a:lstStyle/>
+          <a:p>
+            <a:pPr algn="ctr"/>
+            <a:endParaRPr lang="ko-KR" altLang="en-US"/>
+          </a:p>
+        </p:txBody>
+      </p:sp>
+      <p:sp>
+        <p:nvSpPr>
+          <p:cNvPr id="39" name="순서도: 논리합 38"/>
+          <p:cNvSpPr/>
+          <p:nvPr/>
+        </p:nvSpPr>
+        <p:spPr>
+          <a:xfrm>
+            <a:off x="3683280" y="3990942"/>
+            <a:ext cx="277485" cy="277485"/>
+          </a:xfrm>
+          <a:prstGeom prst="flowChartOr">
+            <a:avLst/>
+          </a:prstGeom>
+          <a:solidFill>
+            <a:schemeClr val="bg1"/>
+          </a:solidFill>
+          <a:ln>
+            <a:solidFill>
+              <a:srgbClr val="FF0000"/>
+            </a:solidFill>
+          </a:ln>
+        </p:spPr>
+        <p:style>
+          <a:lnRef idx="2">
+            <a:schemeClr val="accent1">
+              <a:shade val="50000"/>
+            </a:schemeClr>
+          </a:lnRef>
+          <a:fillRef idx="1">
+            <a:schemeClr val="accent1"/>
+          </a:fillRef>
+          <a:effectRef idx="0">
+            <a:schemeClr val="accent1"/>
+          </a:effectRef>
+          <a:fontRef idx="minor">
+            <a:schemeClr val="lt1"/>
+          </a:fontRef>
+        </p:style>
+        <p:txBody>
+          <a:bodyPr rtlCol="0" anchor="ctr"/>
+          <a:lstStyle/>
+          <a:p>
+            <a:pPr algn="ctr"/>
+            <a:endParaRPr lang="ko-KR" altLang="en-US"/>
+          </a:p>
+        </p:txBody>
+      </p:sp>
+      <p:cxnSp>
+        <p:nvCxnSpPr>
+          <p:cNvPr id="40" name="꺾인 연결선 39"/>
+          <p:cNvCxnSpPr>
+            <a:stCxn id="37" idx="6"/>
+            <a:endCxn id="39" idx="0"/>
+          </p:cNvCxnSpPr>
+          <p:nvPr/>
+        </p:nvCxnSpPr>
+        <p:spPr>
+          <a:xfrm>
+            <a:off x="3000799" y="3723967"/>
+            <a:ext cx="821224" cy="266975"/>
+          </a:xfrm>
+          <a:prstGeom prst="bentConnector2">
+            <a:avLst/>
+          </a:prstGeom>
+          <a:ln w="19050">
+            <a:solidFill>
+              <a:srgbClr val="FF0000"/>
+            </a:solidFill>
+            <a:tailEnd type="arrow"/>
+          </a:ln>
+        </p:spPr>
+        <p:style>
+          <a:lnRef idx="1">
+            <a:schemeClr val="accent1"/>
+          </a:lnRef>
+          <a:fillRef idx="0">
+            <a:schemeClr val="accent1"/>
+          </a:fillRef>
+          <a:effectRef idx="0">
+            <a:schemeClr val="accent1"/>
+          </a:effectRef>
+          <a:fontRef idx="minor">
+            <a:schemeClr val="tx1"/>
+          </a:fontRef>
+        </p:style>
+      </p:cxnSp>
+      <p:cxnSp>
+        <p:nvCxnSpPr>
+          <p:cNvPr id="41" name="꺾인 연결선 40"/>
+          <p:cNvCxnSpPr>
+            <a:stCxn id="38" idx="6"/>
+            <a:endCxn id="39" idx="4"/>
+          </p:cNvCxnSpPr>
+          <p:nvPr/>
+        </p:nvCxnSpPr>
+        <p:spPr>
+          <a:xfrm flipV="1">
+            <a:off x="3000799" y="4268427"/>
+            <a:ext cx="821224" cy="319636"/>
+          </a:xfrm>
+          <a:prstGeom prst="bentConnector2">
+            <a:avLst/>
+          </a:prstGeom>
+          <a:ln w="19050">
+            <a:solidFill>
+              <a:srgbClr val="FF0000"/>
+            </a:solidFill>
+            <a:tailEnd type="arrow"/>
+          </a:ln>
+        </p:spPr>
+        <p:style>
+          <a:lnRef idx="1">
+            <a:schemeClr val="accent1"/>
+          </a:lnRef>
+          <a:fillRef idx="0">
+            <a:schemeClr val="accent1"/>
+          </a:fillRef>
+          <a:effectRef idx="0">
+            <a:schemeClr val="accent1"/>
+          </a:effectRef>
+          <a:fontRef idx="minor">
+            <a:schemeClr val="tx1"/>
+          </a:fontRef>
+        </p:style>
+      </p:cxnSp>
+      <p:cxnSp>
+        <p:nvCxnSpPr>
+          <p:cNvPr id="42" name="직선 화살표 연결선 41"/>
+          <p:cNvCxnSpPr/>
+          <p:nvPr/>
+        </p:nvCxnSpPr>
+        <p:spPr>
+          <a:xfrm>
+            <a:off x="1346875" y="3723967"/>
+            <a:ext cx="1368152" cy="0"/>
+          </a:xfrm>
+          <a:prstGeom prst="straightConnector1">
+            <a:avLst/>
+          </a:prstGeom>
+          <a:ln w="19050">
+            <a:solidFill>
+              <a:schemeClr val="tx1"/>
+            </a:solidFill>
+            <a:tailEnd type="arrow"/>
+          </a:ln>
+        </p:spPr>
+        <p:style>
+          <a:lnRef idx="1">
+            <a:schemeClr val="accent1"/>
+          </a:lnRef>
+          <a:fillRef idx="0">
+            <a:schemeClr val="accent1"/>
+          </a:fillRef>
+          <a:effectRef idx="0">
+            <a:schemeClr val="accent1"/>
+          </a:effectRef>
+          <a:fontRef idx="minor">
+            <a:schemeClr val="tx1"/>
+          </a:fontRef>
+        </p:style>
+      </p:cxnSp>
+      <mc:AlternateContent xmlns:mc="http://schemas.openxmlformats.org/markup-compatibility/2006" xmlns:a14="http://schemas.microsoft.com/office/drawing/2010/main">
+        <mc:Choice Requires="a14">
+          <p:sp>
+            <p:nvSpPr>
+              <p:cNvPr id="43" name="직사각형 42"/>
+              <p:cNvSpPr/>
+              <p:nvPr/>
+            </p:nvSpPr>
+            <p:spPr>
+              <a:xfrm>
+                <a:off x="1294701" y="3354635"/>
+                <a:ext cx="558748" cy="369332"/>
+              </a:xfrm>
+              <a:prstGeom prst="rect">
+                <a:avLst/>
+              </a:prstGeom>
+            </p:spPr>
+            <p:txBody>
+              <a:bodyPr wrap="square">
+                <a:spAutoFit/>
+              </a:bodyPr>
+              <a:lstStyle/>
+              <a:p>
+                <a:pPr algn="ctr"/>
+                <a14:m>
+                  <m:oMathPara xmlns:m="http://schemas.openxmlformats.org/officeDocument/2006/math">
+                    <m:oMathParaPr>
+                      <m:jc m:val="center"/>
+                    </m:oMathParaPr>
+                    <m:oMath xmlns:m="http://schemas.openxmlformats.org/officeDocument/2006/math">
+                      <m:sSub>
+                        <m:sSubPr>
+                          <m:ctrlPr>
+                            <a:rPr lang="en-US" altLang="ko-KR" b="0" i="1" dirty="0" smtClean="0">
+                              <a:latin typeface="Cambria Math" panose="02040503050406030204" pitchFamily="18" charset="0"/>
+                              <a:ea typeface="마루 부리 Beta" pitchFamily="50" charset="-127"/>
+                            </a:rPr>
+                          </m:ctrlPr>
+                        </m:sSubPr>
+                        <m:e>
+                          <m:r>
+                            <a:rPr lang="en-US" altLang="ko-KR" b="0" i="1" dirty="0" smtClean="0">
+                              <a:latin typeface="Cambria Math"/>
+                              <a:ea typeface="마루 부리 Beta" pitchFamily="50" charset="-127"/>
+                            </a:rPr>
+                            <m:t>𝑥</m:t>
+                          </m:r>
+                        </m:e>
+                        <m:sub>
+                          <m:r>
+                            <a:rPr lang="en-US" altLang="ko-KR" b="0" i="1" dirty="0" smtClean="0">
+                              <a:latin typeface="Cambria Math"/>
+                              <a:ea typeface="마루 부리 Beta" pitchFamily="50" charset="-127"/>
+                            </a:rPr>
+                            <m:t>1</m:t>
+                          </m:r>
+                        </m:sub>
+                      </m:sSub>
+                      <m:r>
+                        <a:rPr lang="en-US" altLang="ko-KR" b="0" i="1" dirty="0" smtClean="0">
+                          <a:latin typeface="Cambria Math"/>
+                          <a:ea typeface="마루 부리 Beta" pitchFamily="50" charset="-127"/>
+                        </a:rPr>
+                        <m:t>[</m:t>
+                      </m:r>
+                      <m:r>
+                        <a:rPr lang="en-US" altLang="ko-KR" b="0" i="1" dirty="0" smtClean="0">
+                          <a:latin typeface="Cambria Math"/>
+                          <a:ea typeface="마루 부리 Beta" pitchFamily="50" charset="-127"/>
+                        </a:rPr>
+                        <m:t>𝑛</m:t>
+                      </m:r>
+                      <m:r>
+                        <a:rPr lang="en-US" altLang="ko-KR" b="0" i="1" dirty="0" smtClean="0">
+                          <a:latin typeface="Cambria Math"/>
+                          <a:ea typeface="마루 부리 Beta" pitchFamily="50" charset="-127"/>
+                        </a:rPr>
+                        <m:t>]</m:t>
+                      </m:r>
+                    </m:oMath>
+                  </m:oMathPara>
+                </a14:m>
+                <a:endParaRPr lang="en-US" altLang="ko-KR" dirty="0">
+                  <a:latin typeface="마루 부리 Beta" pitchFamily="50" charset="-127"/>
+                  <a:ea typeface="마루 부리 Beta" pitchFamily="50" charset="-127"/>
+                </a:endParaRPr>
+              </a:p>
+            </p:txBody>
+          </p:sp>
+        </mc:Choice>
+        <mc:Fallback xmlns="">
+          <p:sp>
+            <p:nvSpPr>
+              <p:cNvPr id="43" name="직사각형 42"/>
+              <p:cNvSpPr>
+                <a:spLocks noRot="1" noChangeAspect="1" noMove="1" noResize="1" noEditPoints="1" noAdjustHandles="1" noChangeArrowheads="1" noChangeShapeType="1" noTextEdit="1"/>
+              </p:cNvSpPr>
+              <p:nvPr/>
+            </p:nvSpPr>
+            <p:spPr>
+              <a:xfrm>
+                <a:off x="1294701" y="3354635"/>
+                <a:ext cx="558748" cy="369332"/>
+              </a:xfrm>
+              <a:prstGeom prst="rect">
+                <a:avLst/>
+              </a:prstGeom>
+              <a:blipFill rotWithShape="1">
+                <a:blip r:embed="rId7"/>
+                <a:stretch>
+                  <a:fillRect l="-11957" r="-10870" b="-14754"/>
+                </a:stretch>
+              </a:blipFill>
+            </p:spPr>
+            <p:txBody>
+              <a:bodyPr/>
+              <a:lstStyle/>
+              <a:p>
+                <a:r>
+                  <a:rPr lang="ko-KR" altLang="en-US">
+                    <a:noFill/>
+                  </a:rPr>
+                  <a:t> </a:t>
+                </a:r>
+              </a:p>
+            </p:txBody>
+          </p:sp>
+        </mc:Fallback>
+      </mc:AlternateContent>
+      <p:cxnSp>
+        <p:nvCxnSpPr>
+          <p:cNvPr id="44" name="직선 화살표 연결선 43"/>
+          <p:cNvCxnSpPr/>
+          <p:nvPr/>
+        </p:nvCxnSpPr>
+        <p:spPr>
+          <a:xfrm>
+            <a:off x="1346875" y="4588063"/>
+            <a:ext cx="1368152" cy="0"/>
+          </a:xfrm>
+          <a:prstGeom prst="straightConnector1">
+            <a:avLst/>
+          </a:prstGeom>
+          <a:ln w="19050">
+            <a:solidFill>
+              <a:schemeClr val="tx1"/>
+            </a:solidFill>
+            <a:tailEnd type="arrow"/>
+          </a:ln>
+        </p:spPr>
+        <p:style>
+          <a:lnRef idx="1">
+            <a:schemeClr val="accent1"/>
+          </a:lnRef>
+          <a:fillRef idx="0">
+            <a:schemeClr val="accent1"/>
+          </a:fillRef>
+          <a:effectRef idx="0">
+            <a:schemeClr val="accent1"/>
+          </a:effectRef>
+          <a:fontRef idx="minor">
+            <a:schemeClr val="tx1"/>
+          </a:fontRef>
+        </p:style>
+      </p:cxnSp>
+      <mc:AlternateContent xmlns:mc="http://schemas.openxmlformats.org/markup-compatibility/2006" xmlns:a14="http://schemas.microsoft.com/office/drawing/2010/main">
+        <mc:Choice Requires="a14">
+          <p:sp>
+            <p:nvSpPr>
+              <p:cNvPr id="45" name="직사각형 44"/>
+              <p:cNvSpPr/>
+              <p:nvPr/>
+            </p:nvSpPr>
+            <p:spPr>
+              <a:xfrm>
+                <a:off x="1294701" y="4218731"/>
+                <a:ext cx="558748" cy="369332"/>
+              </a:xfrm>
+              <a:prstGeom prst="rect">
+                <a:avLst/>
+              </a:prstGeom>
+            </p:spPr>
+            <p:txBody>
+              <a:bodyPr wrap="square">
+                <a:spAutoFit/>
+              </a:bodyPr>
+              <a:lstStyle/>
+              <a:p>
+                <a:pPr algn="ctr"/>
+                <a14:m>
+                  <m:oMathPara xmlns:m="http://schemas.openxmlformats.org/officeDocument/2006/math">
+                    <m:oMathParaPr>
+                      <m:jc m:val="center"/>
+                    </m:oMathParaPr>
+                    <m:oMath xmlns:m="http://schemas.openxmlformats.org/officeDocument/2006/math">
+                      <m:sSub>
+                        <m:sSubPr>
+                          <m:ctrlPr>
+                            <a:rPr lang="en-US" altLang="ko-KR" b="0" i="1" dirty="0" smtClean="0">
+                              <a:latin typeface="Cambria Math" panose="02040503050406030204" pitchFamily="18" charset="0"/>
+                              <a:ea typeface="마루 부리 Beta" pitchFamily="50" charset="-127"/>
+                            </a:rPr>
+                          </m:ctrlPr>
+                        </m:sSubPr>
+                        <m:e>
+                          <m:r>
+                            <a:rPr lang="en-US" altLang="ko-KR" b="0" i="1" dirty="0" smtClean="0">
+                              <a:latin typeface="Cambria Math"/>
+                              <a:ea typeface="마루 부리 Beta" pitchFamily="50" charset="-127"/>
+                            </a:rPr>
+                            <m:t>𝑥</m:t>
+                          </m:r>
+                        </m:e>
+                        <m:sub>
+                          <m:r>
+                            <a:rPr lang="en-US" altLang="ko-KR" b="0" i="1" dirty="0" smtClean="0">
+                              <a:latin typeface="Cambria Math"/>
+                              <a:ea typeface="마루 부리 Beta" pitchFamily="50" charset="-127"/>
+                            </a:rPr>
+                            <m:t>2</m:t>
+                          </m:r>
+                        </m:sub>
+                      </m:sSub>
+                      <m:r>
+                        <a:rPr lang="en-US" altLang="ko-KR" b="0" i="1" dirty="0" smtClean="0">
+                          <a:latin typeface="Cambria Math"/>
+                          <a:ea typeface="마루 부리 Beta" pitchFamily="50" charset="-127"/>
+                        </a:rPr>
+                        <m:t>[</m:t>
+                      </m:r>
+                      <m:r>
+                        <a:rPr lang="en-US" altLang="ko-KR" b="0" i="1" dirty="0" smtClean="0">
+                          <a:latin typeface="Cambria Math"/>
+                          <a:ea typeface="마루 부리 Beta" pitchFamily="50" charset="-127"/>
+                        </a:rPr>
+                        <m:t>𝑛</m:t>
+                      </m:r>
+                      <m:r>
+                        <a:rPr lang="en-US" altLang="ko-KR" b="0" i="1" dirty="0" smtClean="0">
+                          <a:latin typeface="Cambria Math"/>
+                          <a:ea typeface="마루 부리 Beta" pitchFamily="50" charset="-127"/>
+                        </a:rPr>
+                        <m:t>]</m:t>
+                      </m:r>
+                    </m:oMath>
+                  </m:oMathPara>
+                </a14:m>
+                <a:endParaRPr lang="en-US" altLang="ko-KR" dirty="0">
+                  <a:latin typeface="마루 부리 Beta" pitchFamily="50" charset="-127"/>
+                  <a:ea typeface="마루 부리 Beta" pitchFamily="50" charset="-127"/>
+                </a:endParaRPr>
+              </a:p>
+            </p:txBody>
+          </p:sp>
+        </mc:Choice>
+        <mc:Fallback xmlns="">
+          <p:sp>
+            <p:nvSpPr>
+              <p:cNvPr id="45" name="직사각형 44"/>
+              <p:cNvSpPr>
+                <a:spLocks noRot="1" noChangeAspect="1" noMove="1" noResize="1" noEditPoints="1" noAdjustHandles="1" noChangeArrowheads="1" noChangeShapeType="1" noTextEdit="1"/>
+              </p:cNvSpPr>
+              <p:nvPr/>
+            </p:nvSpPr>
+            <p:spPr>
+              <a:xfrm>
+                <a:off x="1294701" y="4218731"/>
+                <a:ext cx="558748" cy="369332"/>
+              </a:xfrm>
+              <a:prstGeom prst="rect">
+                <a:avLst/>
+              </a:prstGeom>
+              <a:blipFill rotWithShape="1">
+                <a:blip r:embed="rId8"/>
+                <a:stretch>
+                  <a:fillRect l="-11957" r="-11957" b="-14754"/>
+                </a:stretch>
+              </a:blipFill>
+            </p:spPr>
+            <p:txBody>
+              <a:bodyPr/>
+              <a:lstStyle/>
+              <a:p>
+                <a:r>
+                  <a:rPr lang="ko-KR" altLang="en-US">
+                    <a:noFill/>
+                  </a:rPr>
+                  <a:t> </a:t>
+                </a:r>
+              </a:p>
+            </p:txBody>
+          </p:sp>
+        </mc:Fallback>
+      </mc:AlternateContent>
+      <p:sp>
+        <p:nvSpPr>
+          <p:cNvPr id="46" name="직사각형 45"/>
+          <p:cNvSpPr/>
+          <p:nvPr/>
+        </p:nvSpPr>
+        <p:spPr>
+          <a:xfrm>
+            <a:off x="5281808" y="3824618"/>
+            <a:ext cx="1224136" cy="630832"/>
+          </a:xfrm>
+          <a:prstGeom prst="rect">
+            <a:avLst/>
+          </a:prstGeom>
+          <a:solidFill>
+            <a:schemeClr val="bg1"/>
+          </a:solidFill>
+          <a:ln>
+            <a:solidFill>
+              <a:schemeClr val="tx1"/>
+            </a:solidFill>
+          </a:ln>
+        </p:spPr>
+        <p:style>
+          <a:lnRef idx="2">
+            <a:schemeClr val="accent1">
+              <a:shade val="50000"/>
+            </a:schemeClr>
+          </a:lnRef>
+          <a:fillRef idx="1">
+            <a:schemeClr val="accent1"/>
+          </a:fillRef>
+          <a:effectRef idx="0">
+            <a:schemeClr val="accent1"/>
+          </a:effectRef>
+          <a:fontRef idx="minor">
+            <a:schemeClr val="lt1"/>
+          </a:fontRef>
+        </p:style>
+        <p:txBody>
+          <a:bodyPr rtlCol="0" anchor="ctr"/>
+          <a:lstStyle/>
+          <a:p>
+            <a:pPr algn="ctr"/>
+            <a:endParaRPr lang="ko-KR" altLang="en-US" dirty="0"/>
+          </a:p>
+        </p:txBody>
+      </p:sp>
+      <p:cxnSp>
+        <p:nvCxnSpPr>
+          <p:cNvPr id="47" name="직선 화살표 연결선 46"/>
+          <p:cNvCxnSpPr>
+            <a:stCxn id="39" idx="6"/>
+            <a:endCxn id="46" idx="1"/>
+          </p:cNvCxnSpPr>
+          <p:nvPr/>
+        </p:nvCxnSpPr>
+        <p:spPr>
+          <a:xfrm>
+            <a:off x="3960765" y="4129685"/>
+            <a:ext cx="1321043" cy="10349"/>
+          </a:xfrm>
+          <a:prstGeom prst="straightConnector1">
+            <a:avLst/>
+          </a:prstGeom>
+          <a:ln w="19050">
+            <a:solidFill>
+              <a:schemeClr val="tx1"/>
+            </a:solidFill>
+            <a:tailEnd type="arrow"/>
+          </a:ln>
+        </p:spPr>
+        <p:style>
+          <a:lnRef idx="1">
+            <a:schemeClr val="accent1"/>
+          </a:lnRef>
+          <a:fillRef idx="0">
+            <a:schemeClr val="accent1"/>
+          </a:fillRef>
+          <a:effectRef idx="0">
+            <a:schemeClr val="accent1"/>
+          </a:effectRef>
+          <a:fontRef idx="minor">
+            <a:schemeClr val="tx1"/>
+          </a:fontRef>
+        </p:style>
+      </p:cxnSp>
+      <mc:AlternateContent xmlns:mc="http://schemas.openxmlformats.org/markup-compatibility/2006" xmlns:a14="http://schemas.microsoft.com/office/drawing/2010/main">
+        <mc:Choice Requires="a14">
+          <p:sp>
+            <p:nvSpPr>
+              <p:cNvPr id="50" name="직사각형 49"/>
+              <p:cNvSpPr/>
+              <p:nvPr/>
+            </p:nvSpPr>
+            <p:spPr>
+              <a:xfrm>
+                <a:off x="4341912" y="3723967"/>
+                <a:ext cx="558748" cy="369332"/>
+              </a:xfrm>
+              <a:prstGeom prst="rect">
+                <a:avLst/>
+              </a:prstGeom>
+            </p:spPr>
+            <p:txBody>
+              <a:bodyPr wrap="square">
+                <a:spAutoFit/>
+              </a:bodyPr>
+              <a:lstStyle/>
+              <a:p>
+                <a:pPr algn="ctr"/>
+                <a14:m>
+                  <m:oMathPara xmlns:m="http://schemas.openxmlformats.org/officeDocument/2006/math">
+                    <m:oMathParaPr>
+                      <m:jc m:val="center"/>
+                    </m:oMathParaPr>
+                    <m:oMath xmlns:m="http://schemas.openxmlformats.org/officeDocument/2006/math">
+                      <m:r>
+                        <a:rPr lang="en-US" altLang="ko-KR" b="0" i="1" dirty="0" smtClean="0">
+                          <a:latin typeface="Cambria Math"/>
+                          <a:ea typeface="마루 부리 Beta" pitchFamily="50" charset="-127"/>
+                        </a:rPr>
+                        <m:t>𝑥</m:t>
+                      </m:r>
+                      <m:r>
+                        <a:rPr lang="en-US" altLang="ko-KR" b="0" i="1" dirty="0" smtClean="0">
+                          <a:latin typeface="Cambria Math"/>
+                          <a:ea typeface="마루 부리 Beta" pitchFamily="50" charset="-127"/>
+                        </a:rPr>
+                        <m:t>[</m:t>
+                      </m:r>
+                      <m:r>
+                        <a:rPr lang="en-US" altLang="ko-KR" b="0" i="1" dirty="0" smtClean="0">
+                          <a:latin typeface="Cambria Math"/>
+                          <a:ea typeface="마루 부리 Beta" pitchFamily="50" charset="-127"/>
+                        </a:rPr>
+                        <m:t>𝑛</m:t>
+                      </m:r>
+                      <m:r>
+                        <a:rPr lang="en-US" altLang="ko-KR" b="0" i="1" dirty="0" smtClean="0">
+                          <a:latin typeface="Cambria Math"/>
+                          <a:ea typeface="마루 부리 Beta" pitchFamily="50" charset="-127"/>
+                        </a:rPr>
+                        <m:t>]</m:t>
+                      </m:r>
+                    </m:oMath>
+                  </m:oMathPara>
+                </a14:m>
+                <a:endParaRPr lang="en-US" altLang="ko-KR" dirty="0">
+                  <a:latin typeface="마루 부리 Beta" pitchFamily="50" charset="-127"/>
+                  <a:ea typeface="마루 부리 Beta" pitchFamily="50" charset="-127"/>
+                </a:endParaRPr>
+              </a:p>
+            </p:txBody>
+          </p:sp>
+        </mc:Choice>
+        <mc:Fallback xmlns="">
+          <p:sp>
+            <p:nvSpPr>
+              <p:cNvPr id="50" name="직사각형 49"/>
+              <p:cNvSpPr>
+                <a:spLocks noRot="1" noChangeAspect="1" noMove="1" noResize="1" noEditPoints="1" noAdjustHandles="1" noChangeArrowheads="1" noChangeShapeType="1" noTextEdit="1"/>
+              </p:cNvSpPr>
+              <p:nvPr/>
+            </p:nvSpPr>
+            <p:spPr>
+              <a:xfrm>
+                <a:off x="4341912" y="3723967"/>
+                <a:ext cx="558748" cy="369332"/>
+              </a:xfrm>
+              <a:prstGeom prst="rect">
+                <a:avLst/>
+              </a:prstGeom>
+              <a:blipFill rotWithShape="1">
+                <a:blip r:embed="rId9"/>
+                <a:stretch>
+                  <a:fillRect l="-3261" r="-2174" b="-16667"/>
+                </a:stretch>
+              </a:blipFill>
+            </p:spPr>
+            <p:txBody>
+              <a:bodyPr/>
+              <a:lstStyle/>
+              <a:p>
+                <a:r>
+                  <a:rPr lang="ko-KR" altLang="en-US">
+                    <a:noFill/>
+                  </a:rPr>
+                  <a:t> </a:t>
+                </a:r>
+              </a:p>
+            </p:txBody>
+          </p:sp>
+        </mc:Fallback>
+      </mc:AlternateContent>
+      <p:sp>
+        <p:nvSpPr>
+          <p:cNvPr id="52" name="직사각형 51"/>
+          <p:cNvSpPr/>
+          <p:nvPr/>
+        </p:nvSpPr>
+        <p:spPr>
+          <a:xfrm>
+            <a:off x="5398948" y="3955368"/>
+            <a:ext cx="989856" cy="369332"/>
+          </a:xfrm>
+          <a:prstGeom prst="rect">
+            <a:avLst/>
+          </a:prstGeom>
+        </p:spPr>
+        <p:txBody>
+          <a:bodyPr wrap="square">
+            <a:spAutoFit/>
+          </a:bodyPr>
+          <a:lstStyle/>
+          <a:p>
+            <a:pPr algn="ctr"/>
+            <a:r>
+              <a:rPr lang="en-US" altLang="ko-KR" dirty="0">
+                <a:latin typeface="마루 부리 Beta" pitchFamily="50" charset="-127"/>
+                <a:ea typeface="마루 부리 Beta" pitchFamily="50" charset="-127"/>
+              </a:rPr>
+              <a:t>system</a:t>
+            </a:r>
+          </a:p>
+        </p:txBody>
+      </p:sp>
+      <p:cxnSp>
+        <p:nvCxnSpPr>
+          <p:cNvPr id="53" name="직선 화살표 연결선 52"/>
+          <p:cNvCxnSpPr/>
+          <p:nvPr/>
+        </p:nvCxnSpPr>
+        <p:spPr>
+          <a:xfrm>
+            <a:off x="6498879" y="4153728"/>
+            <a:ext cx="684076" cy="0"/>
+          </a:xfrm>
+          <a:prstGeom prst="straightConnector1">
+            <a:avLst/>
+          </a:prstGeom>
+          <a:ln w="19050">
+            <a:solidFill>
+              <a:schemeClr val="tx1"/>
+            </a:solidFill>
+            <a:tailEnd type="arrow"/>
+          </a:ln>
+        </p:spPr>
+        <p:style>
+          <a:lnRef idx="1">
+            <a:schemeClr val="accent1"/>
+          </a:lnRef>
+          <a:fillRef idx="0">
+            <a:schemeClr val="accent1"/>
+          </a:fillRef>
+          <a:effectRef idx="0">
+            <a:schemeClr val="accent1"/>
+          </a:effectRef>
+          <a:fontRef idx="minor">
+            <a:schemeClr val="tx1"/>
+          </a:fontRef>
+        </p:style>
+      </p:cxnSp>
+      <mc:AlternateContent xmlns:mc="http://schemas.openxmlformats.org/markup-compatibility/2006" xmlns:a14="http://schemas.microsoft.com/office/drawing/2010/main">
+        <mc:Choice Requires="a14">
+          <p:sp>
+            <p:nvSpPr>
+              <p:cNvPr id="54" name="직사각형 53"/>
+              <p:cNvSpPr/>
+              <p:nvPr/>
+            </p:nvSpPr>
+            <p:spPr>
+              <a:xfrm>
+                <a:off x="7243340" y="3960436"/>
+                <a:ext cx="558748" cy="369332"/>
+              </a:xfrm>
+              <a:prstGeom prst="rect">
+                <a:avLst/>
+              </a:prstGeom>
+            </p:spPr>
+            <p:txBody>
+              <a:bodyPr wrap="square">
+                <a:spAutoFit/>
+              </a:bodyPr>
+              <a:lstStyle/>
+              <a:p>
+                <a:pPr algn="ctr"/>
+                <a14:m>
+                  <m:oMathPara xmlns:m="http://schemas.openxmlformats.org/officeDocument/2006/math">
+                    <m:oMathParaPr>
+                      <m:jc m:val="center"/>
+                    </m:oMathParaPr>
+                    <m:oMath xmlns:m="http://schemas.openxmlformats.org/officeDocument/2006/math">
+                      <m:r>
+                        <a:rPr lang="en-US" altLang="ko-KR" b="0" i="1" dirty="0" smtClean="0">
+                          <a:latin typeface="Cambria Math"/>
+                          <a:ea typeface="마루 부리 Beta" pitchFamily="50" charset="-127"/>
+                        </a:rPr>
+                        <m:t>𝑦</m:t>
+                      </m:r>
+                      <m:r>
+                        <a:rPr lang="en-US" altLang="ko-KR" b="0" i="1" dirty="0" smtClean="0">
+                          <a:latin typeface="Cambria Math"/>
+                          <a:ea typeface="마루 부리 Beta" pitchFamily="50" charset="-127"/>
+                        </a:rPr>
+                        <m:t>[</m:t>
+                      </m:r>
+                      <m:r>
+                        <a:rPr lang="en-US" altLang="ko-KR" b="0" i="1" dirty="0" smtClean="0">
+                          <a:latin typeface="Cambria Math"/>
+                          <a:ea typeface="마루 부리 Beta" pitchFamily="50" charset="-127"/>
+                        </a:rPr>
+                        <m:t>𝑛</m:t>
+                      </m:r>
+                      <m:r>
+                        <a:rPr lang="en-US" altLang="ko-KR" b="0" i="1" dirty="0" smtClean="0">
+                          <a:latin typeface="Cambria Math"/>
+                          <a:ea typeface="마루 부리 Beta" pitchFamily="50" charset="-127"/>
+                        </a:rPr>
+                        <m:t>]</m:t>
+                      </m:r>
+                    </m:oMath>
+                  </m:oMathPara>
+                </a14:m>
+                <a:endParaRPr lang="en-US" altLang="ko-KR" dirty="0">
+                  <a:latin typeface="마루 부리 Beta" pitchFamily="50" charset="-127"/>
+                  <a:ea typeface="마루 부리 Beta" pitchFamily="50" charset="-127"/>
+                </a:endParaRPr>
+              </a:p>
+            </p:txBody>
+          </p:sp>
+        </mc:Choice>
+        <mc:Fallback xmlns="">
+          <p:sp>
+            <p:nvSpPr>
+              <p:cNvPr id="54" name="직사각형 53"/>
+              <p:cNvSpPr>
+                <a:spLocks noRot="1" noChangeAspect="1" noMove="1" noResize="1" noEditPoints="1" noAdjustHandles="1" noChangeArrowheads="1" noChangeShapeType="1" noTextEdit="1"/>
+              </p:cNvSpPr>
+              <p:nvPr/>
+            </p:nvSpPr>
+            <p:spPr>
+              <a:xfrm>
+                <a:off x="7243340" y="3960436"/>
+                <a:ext cx="558748" cy="369332"/>
+              </a:xfrm>
+              <a:prstGeom prst="rect">
+                <a:avLst/>
+              </a:prstGeom>
+              <a:blipFill rotWithShape="1">
+                <a:blip r:embed="rId10"/>
+                <a:stretch>
+                  <a:fillRect l="-8696" r="-2174" b="-16667"/>
+                </a:stretch>
+              </a:blipFill>
+            </p:spPr>
+            <p:txBody>
+              <a:bodyPr/>
+              <a:lstStyle/>
+              <a:p>
+                <a:r>
+                  <a:rPr lang="ko-KR" altLang="en-US">
+                    <a:noFill/>
+                  </a:rPr>
+                  <a:t> </a:t>
+                </a:r>
+              </a:p>
+            </p:txBody>
+          </p:sp>
+        </mc:Fallback>
+      </mc:AlternateContent>
+      <p:cxnSp>
+        <p:nvCxnSpPr>
+          <p:cNvPr id="57" name="직선 화살표 연결선 56"/>
+          <p:cNvCxnSpPr>
+            <a:endCxn id="21" idx="0"/>
+          </p:cNvCxnSpPr>
+          <p:nvPr/>
+        </p:nvCxnSpPr>
+        <p:spPr>
+          <a:xfrm>
+            <a:off x="5447381" y="980728"/>
+            <a:ext cx="1" cy="270663"/>
+          </a:xfrm>
+          <a:prstGeom prst="straightConnector1">
+            <a:avLst/>
+          </a:prstGeom>
+          <a:ln w="19050">
+            <a:solidFill>
+              <a:srgbClr val="FF0000"/>
+            </a:solidFill>
+            <a:tailEnd type="arrow"/>
+          </a:ln>
+        </p:spPr>
+        <p:style>
+          <a:lnRef idx="1">
+            <a:schemeClr val="accent1"/>
+          </a:lnRef>
+          <a:fillRef idx="0">
+            <a:schemeClr val="accent1"/>
+          </a:fillRef>
+          <a:effectRef idx="0">
+            <a:schemeClr val="accent1"/>
+          </a:effectRef>
+          <a:fontRef idx="minor">
+            <a:schemeClr val="tx1"/>
+          </a:fontRef>
+        </p:style>
+      </p:cxnSp>
+      <p:cxnSp>
+        <p:nvCxnSpPr>
+          <p:cNvPr id="58" name="직선 화살표 연결선 57"/>
+          <p:cNvCxnSpPr/>
+          <p:nvPr/>
+        </p:nvCxnSpPr>
+        <p:spPr>
+          <a:xfrm flipV="1">
+            <a:off x="5447381" y="2392972"/>
+            <a:ext cx="1" cy="270663"/>
+          </a:xfrm>
+          <a:prstGeom prst="straightConnector1">
+            <a:avLst/>
+          </a:prstGeom>
+          <a:ln w="19050">
+            <a:solidFill>
+              <a:srgbClr val="FF0000"/>
+            </a:solidFill>
+            <a:tailEnd type="arrow"/>
+          </a:ln>
+        </p:spPr>
+        <p:style>
+          <a:lnRef idx="1">
+            <a:schemeClr val="accent1"/>
+          </a:lnRef>
+          <a:fillRef idx="0">
+            <a:schemeClr val="accent1"/>
+          </a:fillRef>
+          <a:effectRef idx="0">
+            <a:schemeClr val="accent1"/>
+          </a:effectRef>
+          <a:fontRef idx="minor">
+            <a:schemeClr val="tx1"/>
+          </a:fontRef>
+        </p:style>
+      </p:cxnSp>
+      <mc:AlternateContent xmlns:mc="http://schemas.openxmlformats.org/markup-compatibility/2006" xmlns:a14="http://schemas.microsoft.com/office/drawing/2010/main">
+        <mc:Choice Requires="a14">
+          <p:sp>
+            <p:nvSpPr>
+              <p:cNvPr id="59" name="직사각형 58"/>
+              <p:cNvSpPr/>
+              <p:nvPr/>
+            </p:nvSpPr>
+            <p:spPr>
+              <a:xfrm>
+                <a:off x="5292080" y="683404"/>
+                <a:ext cx="381632" cy="369332"/>
+              </a:xfrm>
+              <a:prstGeom prst="rect">
+                <a:avLst/>
+              </a:prstGeom>
+            </p:spPr>
+            <p:txBody>
+              <a:bodyPr wrap="square">
+                <a:spAutoFit/>
+              </a:bodyPr>
+              <a:lstStyle/>
+              <a:p>
+                <a:pPr algn="ctr"/>
+                <a14:m>
+                  <m:oMathPara xmlns:m="http://schemas.openxmlformats.org/officeDocument/2006/math">
+                    <m:oMathParaPr>
+                      <m:jc m:val="center"/>
+                    </m:oMathParaPr>
+                    <m:oMath xmlns:m="http://schemas.openxmlformats.org/officeDocument/2006/math">
+                      <m:r>
+                        <a:rPr lang="en-US" altLang="ko-KR" b="0" i="1" dirty="0" smtClean="0">
+                          <a:solidFill>
+                            <a:srgbClr val="FF0000"/>
+                          </a:solidFill>
+                          <a:latin typeface="Cambria Math"/>
+                          <a:ea typeface="마루 부리 Beta" pitchFamily="50" charset="-127"/>
+                        </a:rPr>
+                        <m:t>𝛼</m:t>
+                      </m:r>
+                    </m:oMath>
+                  </m:oMathPara>
+                </a14:m>
+                <a:endParaRPr lang="en-US" altLang="ko-KR" dirty="0">
+                  <a:solidFill>
+                    <a:srgbClr val="FF0000"/>
+                  </a:solidFill>
+                  <a:latin typeface="마루 부리 Beta" pitchFamily="50" charset="-127"/>
+                  <a:ea typeface="마루 부리 Beta" pitchFamily="50" charset="-127"/>
+                </a:endParaRPr>
+              </a:p>
+            </p:txBody>
+          </p:sp>
+        </mc:Choice>
+        <mc:Fallback xmlns="">
+          <p:sp>
+            <p:nvSpPr>
+              <p:cNvPr id="59" name="직사각형 58"/>
+              <p:cNvSpPr>
+                <a:spLocks noRot="1" noChangeAspect="1" noMove="1" noResize="1" noEditPoints="1" noAdjustHandles="1" noChangeArrowheads="1" noChangeShapeType="1" noTextEdit="1"/>
+              </p:cNvSpPr>
+              <p:nvPr/>
+            </p:nvSpPr>
+            <p:spPr>
+              <a:xfrm>
+                <a:off x="5292080" y="683404"/>
+                <a:ext cx="381632" cy="369332"/>
+              </a:xfrm>
+              <a:prstGeom prst="rect">
+                <a:avLst/>
+              </a:prstGeom>
+              <a:blipFill rotWithShape="1">
+                <a:blip r:embed="rId11"/>
+                <a:stretch>
+                  <a:fillRect/>
+                </a:stretch>
+              </a:blipFill>
+            </p:spPr>
+            <p:txBody>
+              <a:bodyPr/>
+              <a:lstStyle/>
+              <a:p>
+                <a:r>
+                  <a:rPr lang="ko-KR" altLang="en-US">
+                    <a:noFill/>
+                  </a:rPr>
+                  <a:t> </a:t>
+                </a:r>
+              </a:p>
+            </p:txBody>
+          </p:sp>
+        </mc:Fallback>
+      </mc:AlternateContent>
+      <mc:AlternateContent xmlns:mc="http://schemas.openxmlformats.org/markup-compatibility/2006" xmlns:a14="http://schemas.microsoft.com/office/drawing/2010/main">
+        <mc:Choice Requires="a14">
+          <p:sp>
+            <p:nvSpPr>
+              <p:cNvPr id="60" name="직사각형 59"/>
+              <p:cNvSpPr/>
+              <p:nvPr/>
+            </p:nvSpPr>
+            <p:spPr>
+              <a:xfrm>
+                <a:off x="5292080" y="2562936"/>
+                <a:ext cx="381632" cy="369332"/>
+              </a:xfrm>
+              <a:prstGeom prst="rect">
+                <a:avLst/>
+              </a:prstGeom>
+            </p:spPr>
+            <p:txBody>
+              <a:bodyPr wrap="square">
+                <a:spAutoFit/>
+              </a:bodyPr>
+              <a:lstStyle/>
+              <a:p>
+                <a:pPr algn="ctr"/>
+                <a14:m>
+                  <m:oMathPara xmlns:m="http://schemas.openxmlformats.org/officeDocument/2006/math">
+                    <m:oMathParaPr>
+                      <m:jc m:val="center"/>
+                    </m:oMathParaPr>
+                    <m:oMath xmlns:m="http://schemas.openxmlformats.org/officeDocument/2006/math">
+                      <m:r>
+                        <a:rPr lang="en-US" altLang="ko-KR" b="0" i="1" smtClean="0">
+                          <a:solidFill>
+                            <a:srgbClr val="FF0000"/>
+                          </a:solidFill>
+                          <a:latin typeface="Cambria Math"/>
+                          <a:ea typeface="마루 부리 Beta" pitchFamily="50" charset="-127"/>
+                        </a:rPr>
+                        <m:t>𝛽</m:t>
+                      </m:r>
+                    </m:oMath>
+                  </m:oMathPara>
+                </a14:m>
+                <a:endParaRPr lang="en-US" altLang="ko-KR" dirty="0">
+                  <a:solidFill>
+                    <a:srgbClr val="FF0000"/>
+                  </a:solidFill>
+                  <a:latin typeface="마루 부리 Beta" pitchFamily="50" charset="-127"/>
+                  <a:ea typeface="마루 부리 Beta" pitchFamily="50" charset="-127"/>
+                </a:endParaRPr>
+              </a:p>
+            </p:txBody>
+          </p:sp>
+        </mc:Choice>
+        <mc:Fallback xmlns="">
+          <p:sp>
+            <p:nvSpPr>
+              <p:cNvPr id="60" name="직사각형 59"/>
+              <p:cNvSpPr>
+                <a:spLocks noRot="1" noChangeAspect="1" noMove="1" noResize="1" noEditPoints="1" noAdjustHandles="1" noChangeArrowheads="1" noChangeShapeType="1" noTextEdit="1"/>
+              </p:cNvSpPr>
+              <p:nvPr/>
+            </p:nvSpPr>
+            <p:spPr>
+              <a:xfrm>
+                <a:off x="5292080" y="2562936"/>
+                <a:ext cx="381632" cy="369332"/>
+              </a:xfrm>
+              <a:prstGeom prst="rect">
+                <a:avLst/>
+              </a:prstGeom>
+              <a:blipFill rotWithShape="1">
+                <a:blip r:embed="rId12"/>
+                <a:stretch>
+                  <a:fillRect l="-6349" b="-11475"/>
+                </a:stretch>
+              </a:blipFill>
+            </p:spPr>
+            <p:txBody>
+              <a:bodyPr/>
+              <a:lstStyle/>
+              <a:p>
+                <a:r>
+                  <a:rPr lang="ko-KR" altLang="en-US">
+                    <a:noFill/>
+                  </a:rPr>
+                  <a:t> </a:t>
+                </a:r>
+              </a:p>
+            </p:txBody>
+          </p:sp>
+        </mc:Fallback>
+      </mc:AlternateContent>
+      <p:cxnSp>
+        <p:nvCxnSpPr>
+          <p:cNvPr id="61" name="직선 화살표 연결선 60"/>
+          <p:cNvCxnSpPr/>
+          <p:nvPr/>
+        </p:nvCxnSpPr>
+        <p:spPr>
+          <a:xfrm>
+            <a:off x="2870328" y="3324007"/>
+            <a:ext cx="1" cy="270663"/>
+          </a:xfrm>
+          <a:prstGeom prst="straightConnector1">
+            <a:avLst/>
+          </a:prstGeom>
+          <a:ln w="19050">
+            <a:solidFill>
+              <a:srgbClr val="FF0000"/>
+            </a:solidFill>
+            <a:tailEnd type="arrow"/>
+          </a:ln>
+        </p:spPr>
+        <p:style>
+          <a:lnRef idx="1">
+            <a:schemeClr val="accent1"/>
+          </a:lnRef>
+          <a:fillRef idx="0">
+            <a:schemeClr val="accent1"/>
+          </a:fillRef>
+          <a:effectRef idx="0">
+            <a:schemeClr val="accent1"/>
+          </a:effectRef>
+          <a:fontRef idx="minor">
+            <a:schemeClr val="tx1"/>
+          </a:fontRef>
+        </p:style>
+      </p:cxnSp>
+      <p:cxnSp>
+        <p:nvCxnSpPr>
+          <p:cNvPr id="62" name="직선 화살표 연결선 61"/>
+          <p:cNvCxnSpPr/>
+          <p:nvPr/>
+        </p:nvCxnSpPr>
+        <p:spPr>
+          <a:xfrm flipV="1">
+            <a:off x="2870328" y="4744877"/>
+            <a:ext cx="1" cy="270663"/>
+          </a:xfrm>
+          <a:prstGeom prst="straightConnector1">
+            <a:avLst/>
+          </a:prstGeom>
+          <a:ln w="19050">
+            <a:solidFill>
+              <a:srgbClr val="FF0000"/>
+            </a:solidFill>
+            <a:tailEnd type="arrow"/>
+          </a:ln>
+        </p:spPr>
+        <p:style>
+          <a:lnRef idx="1">
+            <a:schemeClr val="accent1"/>
+          </a:lnRef>
+          <a:fillRef idx="0">
+            <a:schemeClr val="accent1"/>
+          </a:fillRef>
+          <a:effectRef idx="0">
+            <a:schemeClr val="accent1"/>
+          </a:effectRef>
+          <a:fontRef idx="minor">
+            <a:schemeClr val="tx1"/>
+          </a:fontRef>
+        </p:style>
+      </p:cxnSp>
+      <mc:AlternateContent xmlns:mc="http://schemas.openxmlformats.org/markup-compatibility/2006" xmlns:a14="http://schemas.microsoft.com/office/drawing/2010/main">
+        <mc:Choice Requires="a14">
+          <p:sp>
+            <p:nvSpPr>
+              <p:cNvPr id="63" name="직사각형 62"/>
+              <p:cNvSpPr/>
+              <p:nvPr/>
+            </p:nvSpPr>
+            <p:spPr>
+              <a:xfrm>
+                <a:off x="2715027" y="3035309"/>
+                <a:ext cx="381632" cy="369332"/>
+              </a:xfrm>
+              <a:prstGeom prst="rect">
+                <a:avLst/>
+              </a:prstGeom>
+            </p:spPr>
+            <p:txBody>
+              <a:bodyPr wrap="square">
+                <a:spAutoFit/>
+              </a:bodyPr>
+              <a:lstStyle/>
+              <a:p>
+                <a:pPr algn="ctr"/>
+                <a14:m>
+                  <m:oMathPara xmlns:m="http://schemas.openxmlformats.org/officeDocument/2006/math">
+                    <m:oMathParaPr>
+                      <m:jc m:val="center"/>
+                    </m:oMathParaPr>
+                    <m:oMath xmlns:m="http://schemas.openxmlformats.org/officeDocument/2006/math">
+                      <m:r>
+                        <a:rPr lang="en-US" altLang="ko-KR" b="0" i="1" dirty="0" smtClean="0">
+                          <a:solidFill>
+                            <a:srgbClr val="FF0000"/>
+                          </a:solidFill>
+                          <a:latin typeface="Cambria Math"/>
+                          <a:ea typeface="마루 부리 Beta" pitchFamily="50" charset="-127"/>
+                        </a:rPr>
+                        <m:t>𝛼</m:t>
+                      </m:r>
+                    </m:oMath>
+                  </m:oMathPara>
+                </a14:m>
+                <a:endParaRPr lang="en-US" altLang="ko-KR" dirty="0">
+                  <a:solidFill>
+                    <a:srgbClr val="FF0000"/>
+                  </a:solidFill>
+                  <a:latin typeface="마루 부리 Beta" pitchFamily="50" charset="-127"/>
+                  <a:ea typeface="마루 부리 Beta" pitchFamily="50" charset="-127"/>
+                </a:endParaRPr>
+              </a:p>
+            </p:txBody>
+          </p:sp>
+        </mc:Choice>
+        <mc:Fallback xmlns="">
+          <p:sp>
+            <p:nvSpPr>
+              <p:cNvPr id="63" name="직사각형 62"/>
+              <p:cNvSpPr>
+                <a:spLocks noRot="1" noChangeAspect="1" noMove="1" noResize="1" noEditPoints="1" noAdjustHandles="1" noChangeArrowheads="1" noChangeShapeType="1" noTextEdit="1"/>
+              </p:cNvSpPr>
+              <p:nvPr/>
+            </p:nvSpPr>
+            <p:spPr>
+              <a:xfrm>
+                <a:off x="2715027" y="3035309"/>
+                <a:ext cx="381632" cy="369332"/>
+              </a:xfrm>
+              <a:prstGeom prst="rect">
+                <a:avLst/>
+              </a:prstGeom>
+              <a:blipFill rotWithShape="1">
+                <a:blip r:embed="rId13"/>
+                <a:stretch>
+                  <a:fillRect/>
+                </a:stretch>
+              </a:blipFill>
+            </p:spPr>
+            <p:txBody>
+              <a:bodyPr/>
+              <a:lstStyle/>
+              <a:p>
+                <a:r>
+                  <a:rPr lang="ko-KR" altLang="en-US">
+                    <a:noFill/>
+                  </a:rPr>
+                  <a:t> </a:t>
+                </a:r>
+              </a:p>
+            </p:txBody>
+          </p:sp>
+        </mc:Fallback>
+      </mc:AlternateContent>
+      <mc:AlternateContent xmlns:mc="http://schemas.openxmlformats.org/markup-compatibility/2006" xmlns:a14="http://schemas.microsoft.com/office/drawing/2010/main">
+        <mc:Choice Requires="a14">
+          <p:sp>
+            <p:nvSpPr>
+              <p:cNvPr id="64" name="직사각형 63"/>
+              <p:cNvSpPr/>
+              <p:nvPr/>
+            </p:nvSpPr>
+            <p:spPr>
+              <a:xfrm>
+                <a:off x="2715027" y="4914841"/>
+                <a:ext cx="381632" cy="369332"/>
+              </a:xfrm>
+              <a:prstGeom prst="rect">
+                <a:avLst/>
+              </a:prstGeom>
+            </p:spPr>
+            <p:txBody>
+              <a:bodyPr wrap="square">
+                <a:spAutoFit/>
+              </a:bodyPr>
+              <a:lstStyle/>
+              <a:p>
+                <a:pPr algn="ctr"/>
+                <a14:m>
+                  <m:oMathPara xmlns:m="http://schemas.openxmlformats.org/officeDocument/2006/math">
+                    <m:oMathParaPr>
+                      <m:jc m:val="center"/>
+                    </m:oMathParaPr>
+                    <m:oMath xmlns:m="http://schemas.openxmlformats.org/officeDocument/2006/math">
+                      <m:r>
+                        <a:rPr lang="en-US" altLang="ko-KR" b="0" i="1" smtClean="0">
+                          <a:solidFill>
+                            <a:srgbClr val="FF0000"/>
+                          </a:solidFill>
+                          <a:latin typeface="Cambria Math"/>
+                          <a:ea typeface="마루 부리 Beta" pitchFamily="50" charset="-127"/>
+                        </a:rPr>
+                        <m:t>𝛽</m:t>
+                      </m:r>
+                    </m:oMath>
+                  </m:oMathPara>
+                </a14:m>
+                <a:endParaRPr lang="en-US" altLang="ko-KR" dirty="0">
+                  <a:solidFill>
+                    <a:srgbClr val="FF0000"/>
+                  </a:solidFill>
+                  <a:latin typeface="마루 부리 Beta" pitchFamily="50" charset="-127"/>
+                  <a:ea typeface="마루 부리 Beta" pitchFamily="50" charset="-127"/>
+                </a:endParaRPr>
+              </a:p>
+            </p:txBody>
+          </p:sp>
+        </mc:Choice>
+        <mc:Fallback xmlns="">
           <p:sp>
             <p:nvSpPr>
               <p:cNvPr id="64" name="직사각형 63"/>
@@ -8329,124 +13771,119 @@
               <a:lstStyle/>
               <a:p>
                 <a:pPr algn="ctr"/>
+                <a14:m>
+                  <m:oMathPara xmlns:m="http://schemas.openxmlformats.org/officeDocument/2006/math">
+                    <m:oMathParaPr>
+                      <m:jc m:val="centerGroup"/>
+                    </m:oMathParaPr>
+                    <m:oMath xmlns:m="http://schemas.openxmlformats.org/officeDocument/2006/math">
+                      <m:r>
+                        <a:rPr lang="en-US" altLang="ko-KR" b="0" i="1" smtClean="0">
+                          <a:solidFill>
+                            <a:sysClr val="windowText" lastClr="000000"/>
+                          </a:solidFill>
+                          <a:latin typeface="Cambria Math"/>
+                          <a:ea typeface="마루 부리 Beta" pitchFamily="50" charset="-127"/>
+                        </a:rPr>
+                        <m:t>𝑤</m:t>
+                      </m:r>
+                      <m:d>
+                        <m:dPr>
+                          <m:begChr m:val="["/>
+                          <m:endChr m:val="]"/>
+                          <m:ctrlPr>
+                            <a:rPr lang="en-US" altLang="ko-KR" b="0" i="1" smtClean="0">
+                              <a:solidFill>
+                                <a:sysClr val="windowText" lastClr="000000"/>
+                              </a:solidFill>
+                              <a:latin typeface="Cambria Math" panose="02040503050406030204" pitchFamily="18" charset="0"/>
+                              <a:ea typeface="마루 부리 Beta" pitchFamily="50" charset="-127"/>
+                            </a:rPr>
+                          </m:ctrlPr>
+                        </m:dPr>
+                        <m:e>
+                          <m:r>
+                            <a:rPr lang="en-US" altLang="ko-KR" b="0" i="1" smtClean="0">
+                              <a:solidFill>
+                                <a:sysClr val="windowText" lastClr="000000"/>
+                              </a:solidFill>
+                              <a:latin typeface="Cambria Math"/>
+                              <a:ea typeface="마루 부리 Beta" pitchFamily="50" charset="-127"/>
+                            </a:rPr>
+                            <m:t>𝑛</m:t>
+                          </m:r>
+                        </m:e>
+                      </m:d>
+                      <m:r>
+                        <a:rPr lang="en-US" altLang="ko-KR" b="0" i="1" smtClean="0">
+                          <a:solidFill>
+                            <a:sysClr val="windowText" lastClr="000000"/>
+                          </a:solidFill>
+                          <a:latin typeface="Cambria Math"/>
+                          <a:ea typeface="마루 부리 Beta" pitchFamily="50" charset="-127"/>
+                        </a:rPr>
+                        <m:t>=</m:t>
+                      </m:r>
+                      <m:r>
+                        <a:rPr lang="en-US" altLang="ko-KR" b="0" i="1" smtClean="0">
+                          <a:solidFill>
+                            <a:sysClr val="windowText" lastClr="000000"/>
+                          </a:solidFill>
+                          <a:latin typeface="Cambria Math"/>
+                          <a:ea typeface="마루 부리 Beta" pitchFamily="50" charset="-127"/>
+                        </a:rPr>
+                        <m:t>𝑦</m:t>
+                      </m:r>
+                      <m:d>
+                        <m:dPr>
+                          <m:begChr m:val="["/>
+                          <m:endChr m:val="]"/>
+                          <m:ctrlPr>
+                            <a:rPr lang="en-US" altLang="ko-KR" b="0" i="1" smtClean="0">
+                              <a:solidFill>
+                                <a:sysClr val="windowText" lastClr="000000"/>
+                              </a:solidFill>
+                              <a:latin typeface="Cambria Math"/>
+                              <a:ea typeface="마루 부리 Beta" pitchFamily="50" charset="-127"/>
+                            </a:rPr>
+                          </m:ctrlPr>
+                        </m:dPr>
+                        <m:e>
+                          <m:r>
+                            <a:rPr lang="en-US" altLang="ko-KR" b="0" i="1" smtClean="0">
+                              <a:solidFill>
+                                <a:sysClr val="windowText" lastClr="000000"/>
+                              </a:solidFill>
+                              <a:latin typeface="Cambria Math"/>
+                              <a:ea typeface="마루 부리 Beta" pitchFamily="50" charset="-127"/>
+                            </a:rPr>
+                            <m:t>𝑛</m:t>
+                          </m:r>
+                        </m:e>
+                      </m:d>
+                    </m:oMath>
+                  </m:oMathPara>
+                </a14:m>
+                <a:endParaRPr lang="en-US" altLang="ko-KR" b="0" dirty="0">
+                  <a:solidFill>
+                    <a:sysClr val="windowText" lastClr="000000"/>
+                  </a:solidFill>
+                  <a:latin typeface="마루 부리 Beta" pitchFamily="50" charset="-127"/>
+                  <a:ea typeface="마루 부리 Beta" pitchFamily="50" charset="-127"/>
+                </a:endParaRPr>
+              </a:p>
+              <a:p>
+                <a:pPr algn="ctr"/>
                 <a:r>
-                  <a:rPr lang="ko-KR" altLang="en-US" dirty="0" smtClean="0">
+                  <a:rPr lang="en-US" altLang="ko-KR" dirty="0">
                     <a:solidFill>
                       <a:sysClr val="windowText" lastClr="000000"/>
                     </a:solidFill>
                     <a:latin typeface="마루 부리 Beta" pitchFamily="50" charset="-127"/>
                     <a:ea typeface="마루 부리 Beta" pitchFamily="50" charset="-127"/>
                   </a:rPr>
-                  <a:t>선형 시스템이라면 </a:t>
+                  <a:t>for a linear system</a:t>
                 </a:r>
-                <a14:m>
-                  <m:oMath xmlns:m="http://schemas.openxmlformats.org/officeDocument/2006/math">
-                    <m:r>
-                      <a:rPr lang="en-US" altLang="ko-KR" b="0" i="1" smtClean="0">
-                        <a:solidFill>
-                          <a:sysClr val="windowText" lastClr="000000"/>
-                        </a:solidFill>
-                        <a:latin typeface="Cambria Math"/>
-                        <a:ea typeface="마루 부리 Beta" pitchFamily="50" charset="-127"/>
-                      </a:rPr>
-                      <m:t>𝑤</m:t>
-                    </m:r>
-                    <m:d>
-                      <m:dPr>
-                        <m:begChr m:val="["/>
-                        <m:endChr m:val="]"/>
-                        <m:ctrlPr>
-                          <a:rPr lang="en-US" altLang="ko-KR" b="0" i="1" smtClean="0">
-                            <a:solidFill>
-                              <a:sysClr val="windowText" lastClr="000000"/>
-                            </a:solidFill>
-                            <a:latin typeface="Cambria Math"/>
-                            <a:ea typeface="마루 부리 Beta" pitchFamily="50" charset="-127"/>
-                          </a:rPr>
-                        </m:ctrlPr>
-                      </m:dPr>
-                      <m:e>
-                        <m:r>
-                          <a:rPr lang="en-US" altLang="ko-KR" b="0" i="1" smtClean="0">
-                            <a:solidFill>
-                              <a:sysClr val="windowText" lastClr="000000"/>
-                            </a:solidFill>
-                            <a:latin typeface="Cambria Math"/>
-                            <a:ea typeface="마루 부리 Beta" pitchFamily="50" charset="-127"/>
-                          </a:rPr>
-                          <m:t>𝑛</m:t>
-                        </m:r>
-                      </m:e>
-                    </m:d>
-                    <m:r>
-                      <a:rPr lang="en-US" altLang="ko-KR" b="0" i="1" smtClean="0">
-                        <a:solidFill>
-                          <a:sysClr val="windowText" lastClr="000000"/>
-                        </a:solidFill>
-                        <a:latin typeface="Cambria Math"/>
-                        <a:ea typeface="마루 부리 Beta" pitchFamily="50" charset="-127"/>
-                      </a:rPr>
-                      <m:t>=</m:t>
-                    </m:r>
-                    <m:r>
-                      <a:rPr lang="en-US" altLang="ko-KR" b="0" i="1" smtClean="0">
-                        <a:solidFill>
-                          <a:sysClr val="windowText" lastClr="000000"/>
-                        </a:solidFill>
-                        <a:latin typeface="Cambria Math"/>
-                        <a:ea typeface="마루 부리 Beta" pitchFamily="50" charset="-127"/>
-                      </a:rPr>
-                      <m:t>𝑦</m:t>
-                    </m:r>
-                    <m:r>
-                      <a:rPr lang="en-US" altLang="ko-KR" b="0" i="1" smtClean="0">
-                        <a:solidFill>
-                          <a:sysClr val="windowText" lastClr="000000"/>
-                        </a:solidFill>
-                        <a:latin typeface="Cambria Math"/>
-                        <a:ea typeface="마루 부리 Beta" pitchFamily="50" charset="-127"/>
-                      </a:rPr>
-                      <m:t>[</m:t>
-                    </m:r>
-                    <m:r>
-                      <a:rPr lang="en-US" altLang="ko-KR" b="0" i="1" smtClean="0">
-                        <a:solidFill>
-                          <a:sysClr val="windowText" lastClr="000000"/>
-                        </a:solidFill>
-                        <a:latin typeface="Cambria Math"/>
-                        <a:ea typeface="마루 부리 Beta" pitchFamily="50" charset="-127"/>
-                      </a:rPr>
-                      <m:t>𝑛</m:t>
-                    </m:r>
-                    <m:r>
-                      <a:rPr lang="en-US" altLang="ko-KR" b="0" i="1" smtClean="0">
-                        <a:solidFill>
-                          <a:sysClr val="windowText" lastClr="000000"/>
-                        </a:solidFill>
-                        <a:latin typeface="Cambria Math"/>
-                        <a:ea typeface="마루 부리 Beta" pitchFamily="50" charset="-127"/>
-                      </a:rPr>
-                      <m:t>]</m:t>
-                    </m:r>
-                  </m:oMath>
-                </a14:m>
-                <a:r>
-                  <a:rPr lang="ko-KR" altLang="en-US" dirty="0" smtClean="0">
-                    <a:solidFill>
-                      <a:sysClr val="windowText" lastClr="000000"/>
-                    </a:solidFill>
-                    <a:latin typeface="마루 부리 Beta" pitchFamily="50" charset="-127"/>
-                    <a:ea typeface="마루 부리 Beta" pitchFamily="50" charset="-127"/>
-                  </a:rPr>
-                  <a:t>임</a:t>
-                </a:r>
-                <a:endParaRPr lang="en-US" altLang="ko-KR" dirty="0">
-                  <a:solidFill>
-                    <a:sysClr val="windowText" lastClr="000000"/>
-                  </a:solidFill>
-                  <a:latin typeface="마루 부리 Beta" pitchFamily="50" charset="-127"/>
-                  <a:ea typeface="마루 부리 Beta" pitchFamily="50" charset="-127"/>
-                </a:endParaRPr>
               </a:p>
             </p:txBody>
           </p:sp>
@@ -8468,10 +13905,10 @@
               <a:prstGeom prst="rect">
                 <a:avLst/>
               </a:prstGeom>
-              <a:blipFill rotWithShape="1">
+              <a:blipFill>
                 <a:blip r:embed="rId15"/>
                 <a:stretch>
-                  <a:fillRect t="-3704" b="-13889"/>
+                  <a:fillRect b="-12963"/>
                 </a:stretch>
               </a:blipFill>
               <a:ln>
@@ -8488,7 +13925,7 @@
               <a:lstStyle/>
               <a:p>
                 <a:r>
-                  <a:rPr lang="ko-KR" altLang="en-US">
+                  <a:rPr lang="en-US">
                     <a:noFill/>
                   </a:rPr>
                   <a:t> </a:t>
@@ -8501,7 +13938,7 @@
     </p:spTree>
     <p:extLst>
       <p:ext uri="{BB962C8B-B14F-4D97-AF65-F5344CB8AC3E}">
-        <p14:creationId xmlns:p14="http://schemas.microsoft.com/office/powerpoint/2010/main" val="2288736847"/>
+        <p14:creationId xmlns:p14="http://schemas.microsoft.com/office/powerpoint/2010/main" val="263398801"/>
       </p:ext>
     </p:extLst>
   </p:cSld>
